--- a/JS Fundamentals/8.OOP/JS-OOP.pptx
+++ b/JS Fundamentals/8.OOP/JS-OOP.pptx
@@ -5,24 +5,41 @@
     <p:sldMasterId id="2147484157" r:id="rId1"/>
   </p:sldMasterIdLst>
   <p:notesMasterIdLst>
-    <p:notesMasterId r:id="rId14"/>
+    <p:notesMasterId r:id="rId31"/>
   </p:notesMasterIdLst>
   <p:handoutMasterIdLst>
-    <p:handoutMasterId r:id="rId15"/>
+    <p:handoutMasterId r:id="rId32"/>
   </p:handoutMasterIdLst>
   <p:sldIdLst>
     <p:sldId id="256" r:id="rId2"/>
-    <p:sldId id="280" r:id="rId3"/>
-    <p:sldId id="299" r:id="rId4"/>
-    <p:sldId id="300" r:id="rId5"/>
-    <p:sldId id="301" r:id="rId6"/>
-    <p:sldId id="302" r:id="rId7"/>
-    <p:sldId id="303" r:id="rId8"/>
-    <p:sldId id="304" r:id="rId9"/>
-    <p:sldId id="267" r:id="rId10"/>
-    <p:sldId id="298" r:id="rId11"/>
-    <p:sldId id="266" r:id="rId12"/>
-    <p:sldId id="278" r:id="rId13"/>
+    <p:sldId id="305" r:id="rId3"/>
+    <p:sldId id="280" r:id="rId4"/>
+    <p:sldId id="299" r:id="rId5"/>
+    <p:sldId id="300" r:id="rId6"/>
+    <p:sldId id="301" r:id="rId7"/>
+    <p:sldId id="302" r:id="rId8"/>
+    <p:sldId id="303" r:id="rId9"/>
+    <p:sldId id="304" r:id="rId10"/>
+    <p:sldId id="306" r:id="rId11"/>
+    <p:sldId id="307" r:id="rId12"/>
+    <p:sldId id="308" r:id="rId13"/>
+    <p:sldId id="298" r:id="rId14"/>
+    <p:sldId id="309" r:id="rId15"/>
+    <p:sldId id="310" r:id="rId16"/>
+    <p:sldId id="311" r:id="rId17"/>
+    <p:sldId id="312" r:id="rId18"/>
+    <p:sldId id="313" r:id="rId19"/>
+    <p:sldId id="314" r:id="rId20"/>
+    <p:sldId id="315" r:id="rId21"/>
+    <p:sldId id="316" r:id="rId22"/>
+    <p:sldId id="317" r:id="rId23"/>
+    <p:sldId id="318" r:id="rId24"/>
+    <p:sldId id="319" r:id="rId25"/>
+    <p:sldId id="320" r:id="rId26"/>
+    <p:sldId id="321" r:id="rId27"/>
+    <p:sldId id="322" r:id="rId28"/>
+    <p:sldId id="266" r:id="rId29"/>
+    <p:sldId id="278" r:id="rId30"/>
   </p:sldIdLst>
   <p:sldSz cx="12192000" cy="6858000"/>
   <p:notesSz cx="6858000" cy="9144000"/>
@@ -2594,6 +2611,13 @@
         </dgm:presLayoutVars>
       </dgm:prSet>
       <dgm:spPr/>
+      <dgm:t>
+        <a:bodyPr/>
+        <a:lstStyle/>
+        <a:p>
+          <a:endParaRPr lang="en-US"/>
+        </a:p>
+      </dgm:t>
     </dgm:pt>
     <dgm:pt modelId="{5FBB21F4-B6C5-4F0D-A8B5-620513B407C4}" type="pres">
       <dgm:prSet presAssocID="{A39A7EAF-709A-4F30-9CD1-8F164C24E98A}" presName="root1" presStyleCnt="0"/>
@@ -2606,6 +2630,13 @@
         </dgm:presLayoutVars>
       </dgm:prSet>
       <dgm:spPr/>
+      <dgm:t>
+        <a:bodyPr/>
+        <a:lstStyle/>
+        <a:p>
+          <a:endParaRPr lang="en-US"/>
+        </a:p>
+      </dgm:t>
     </dgm:pt>
     <dgm:pt modelId="{2E31529A-DBEC-47E2-BC5C-33DF5628A950}" type="pres">
       <dgm:prSet presAssocID="{A39A7EAF-709A-4F30-9CD1-8F164C24E98A}" presName="level2hierChild" presStyleCnt="0"/>
@@ -2614,10 +2645,24 @@
     <dgm:pt modelId="{88425B06-BAEA-4920-B763-1C10E7720A69}" type="pres">
       <dgm:prSet presAssocID="{E5CCEAD1-22CC-44B5-87B8-D7730411A761}" presName="conn2-1" presStyleLbl="parChTrans1D2" presStyleIdx="0" presStyleCnt="4"/>
       <dgm:spPr/>
+      <dgm:t>
+        <a:bodyPr/>
+        <a:lstStyle/>
+        <a:p>
+          <a:endParaRPr lang="en-US"/>
+        </a:p>
+      </dgm:t>
     </dgm:pt>
     <dgm:pt modelId="{44CE1967-ABDA-4906-A190-5CEE8568B876}" type="pres">
       <dgm:prSet presAssocID="{E5CCEAD1-22CC-44B5-87B8-D7730411A761}" presName="connTx" presStyleLbl="parChTrans1D2" presStyleIdx="0" presStyleCnt="4"/>
       <dgm:spPr/>
+      <dgm:t>
+        <a:bodyPr/>
+        <a:lstStyle/>
+        <a:p>
+          <a:endParaRPr lang="en-US"/>
+        </a:p>
+      </dgm:t>
     </dgm:pt>
     <dgm:pt modelId="{B4FEFCD8-C5C1-4C89-A43C-04190DFD79A9}" type="pres">
       <dgm:prSet presAssocID="{15004141-D0A0-4CF3-911C-CF363CEC6181}" presName="root2" presStyleCnt="0"/>
@@ -2630,6 +2675,13 @@
         </dgm:presLayoutVars>
       </dgm:prSet>
       <dgm:spPr/>
+      <dgm:t>
+        <a:bodyPr/>
+        <a:lstStyle/>
+        <a:p>
+          <a:endParaRPr lang="en-US"/>
+        </a:p>
+      </dgm:t>
     </dgm:pt>
     <dgm:pt modelId="{7E65BDBE-AEC4-4AA0-A336-B104FD8E01B0}" type="pres">
       <dgm:prSet presAssocID="{15004141-D0A0-4CF3-911C-CF363CEC6181}" presName="level3hierChild" presStyleCnt="0"/>
@@ -2638,10 +2690,24 @@
     <dgm:pt modelId="{21340826-4622-4F6E-BC98-8E21A857FC4A}" type="pres">
       <dgm:prSet presAssocID="{9D6DC906-F6FC-45D8-B208-386E000AB24E}" presName="conn2-1" presStyleLbl="parChTrans1D2" presStyleIdx="1" presStyleCnt="4"/>
       <dgm:spPr/>
+      <dgm:t>
+        <a:bodyPr/>
+        <a:lstStyle/>
+        <a:p>
+          <a:endParaRPr lang="en-US"/>
+        </a:p>
+      </dgm:t>
     </dgm:pt>
     <dgm:pt modelId="{8DFBC630-7DAB-49D9-ABCE-BB2913475B05}" type="pres">
       <dgm:prSet presAssocID="{9D6DC906-F6FC-45D8-B208-386E000AB24E}" presName="connTx" presStyleLbl="parChTrans1D2" presStyleIdx="1" presStyleCnt="4"/>
       <dgm:spPr/>
+      <dgm:t>
+        <a:bodyPr/>
+        <a:lstStyle/>
+        <a:p>
+          <a:endParaRPr lang="en-US"/>
+        </a:p>
+      </dgm:t>
     </dgm:pt>
     <dgm:pt modelId="{1FCF41A8-ABD7-4740-AF80-8549BF75A743}" type="pres">
       <dgm:prSet presAssocID="{3F09077C-E36F-476E-8A1B-D0DE915C5B81}" presName="root2" presStyleCnt="0"/>
@@ -2654,6 +2720,13 @@
         </dgm:presLayoutVars>
       </dgm:prSet>
       <dgm:spPr/>
+      <dgm:t>
+        <a:bodyPr/>
+        <a:lstStyle/>
+        <a:p>
+          <a:endParaRPr lang="en-US"/>
+        </a:p>
+      </dgm:t>
     </dgm:pt>
     <dgm:pt modelId="{E3A017E8-5ABD-429B-9982-1040AE6195B0}" type="pres">
       <dgm:prSet presAssocID="{3F09077C-E36F-476E-8A1B-D0DE915C5B81}" presName="level3hierChild" presStyleCnt="0"/>
@@ -2662,10 +2735,24 @@
     <dgm:pt modelId="{E3F8A8AC-7015-4B10-86D2-68AABAA20C1E}" type="pres">
       <dgm:prSet presAssocID="{E4854F01-6146-413F-9A44-26EDD42E59DE}" presName="conn2-1" presStyleLbl="parChTrans1D2" presStyleIdx="2" presStyleCnt="4"/>
       <dgm:spPr/>
+      <dgm:t>
+        <a:bodyPr/>
+        <a:lstStyle/>
+        <a:p>
+          <a:endParaRPr lang="en-US"/>
+        </a:p>
+      </dgm:t>
     </dgm:pt>
     <dgm:pt modelId="{76422A4E-104B-450F-B8C1-EFA435540A7D}" type="pres">
       <dgm:prSet presAssocID="{E4854F01-6146-413F-9A44-26EDD42E59DE}" presName="connTx" presStyleLbl="parChTrans1D2" presStyleIdx="2" presStyleCnt="4"/>
       <dgm:spPr/>
+      <dgm:t>
+        <a:bodyPr/>
+        <a:lstStyle/>
+        <a:p>
+          <a:endParaRPr lang="en-US"/>
+        </a:p>
+      </dgm:t>
     </dgm:pt>
     <dgm:pt modelId="{D31E9890-CD2D-4F54-A2EF-43976D9280FC}" type="pres">
       <dgm:prSet presAssocID="{75AF39CD-7E17-4D54-B6EF-A01BCFFF397D}" presName="root2" presStyleCnt="0"/>
@@ -2678,6 +2765,13 @@
         </dgm:presLayoutVars>
       </dgm:prSet>
       <dgm:spPr/>
+      <dgm:t>
+        <a:bodyPr/>
+        <a:lstStyle/>
+        <a:p>
+          <a:endParaRPr lang="en-US"/>
+        </a:p>
+      </dgm:t>
     </dgm:pt>
     <dgm:pt modelId="{BCF3EE0D-C278-49F1-B5F0-E400C1A7ED23}" type="pres">
       <dgm:prSet presAssocID="{75AF39CD-7E17-4D54-B6EF-A01BCFFF397D}" presName="level3hierChild" presStyleCnt="0"/>
@@ -2686,10 +2780,24 @@
     <dgm:pt modelId="{245821F2-1070-432A-AEC7-856371110CAE}" type="pres">
       <dgm:prSet presAssocID="{BBD40F16-654A-45CB-BC00-2A874BCD3548}" presName="conn2-1" presStyleLbl="parChTrans1D2" presStyleIdx="3" presStyleCnt="4"/>
       <dgm:spPr/>
+      <dgm:t>
+        <a:bodyPr/>
+        <a:lstStyle/>
+        <a:p>
+          <a:endParaRPr lang="en-US"/>
+        </a:p>
+      </dgm:t>
     </dgm:pt>
     <dgm:pt modelId="{ECB4B791-9F20-4720-AC9F-37CE1E473A96}" type="pres">
       <dgm:prSet presAssocID="{BBD40F16-654A-45CB-BC00-2A874BCD3548}" presName="connTx" presStyleLbl="parChTrans1D2" presStyleIdx="3" presStyleCnt="4"/>
       <dgm:spPr/>
+      <dgm:t>
+        <a:bodyPr/>
+        <a:lstStyle/>
+        <a:p>
+          <a:endParaRPr lang="en-US"/>
+        </a:p>
+      </dgm:t>
     </dgm:pt>
     <dgm:pt modelId="{B729F91C-4B03-49E5-8FC8-0F3DFAF99D23}" type="pres">
       <dgm:prSet presAssocID="{7C9D1869-574A-4674-A393-612FF5DBEA9A}" presName="root2" presStyleCnt="0"/>
@@ -2702,6 +2810,13 @@
         </dgm:presLayoutVars>
       </dgm:prSet>
       <dgm:spPr/>
+      <dgm:t>
+        <a:bodyPr/>
+        <a:lstStyle/>
+        <a:p>
+          <a:endParaRPr lang="en-US"/>
+        </a:p>
+      </dgm:t>
     </dgm:pt>
     <dgm:pt modelId="{0DCA18C7-6150-4A7A-B4FC-DB0FAF2EB62E}" type="pres">
       <dgm:prSet presAssocID="{7C9D1869-574A-4674-A393-612FF5DBEA9A}" presName="level3hierChild" presStyleCnt="0"/>
@@ -2709,25 +2824,25 @@
     </dgm:pt>
   </dgm:ptLst>
   <dgm:cxnLst>
-    <dgm:cxn modelId="{590B5BA4-9F69-43DE-9CDF-7A2F74F95BB3}" type="presOf" srcId="{BBD40F16-654A-45CB-BC00-2A874BCD3548}" destId="{245821F2-1070-432A-AEC7-856371110CAE}" srcOrd="0" destOrd="0" presId="urn:microsoft.com/office/officeart/2008/layout/HorizontalMultiLevelHierarchy"/>
     <dgm:cxn modelId="{8A9D9E47-FCEB-4975-B44B-F9883D96CA4B}" type="presOf" srcId="{75AF39CD-7E17-4D54-B6EF-A01BCFFF397D}" destId="{391836A1-7628-449C-A895-FFB3F0FAC62F}" srcOrd="0" destOrd="0" presId="urn:microsoft.com/office/officeart/2008/layout/HorizontalMultiLevelHierarchy"/>
+    <dgm:cxn modelId="{ED80B7EA-F63F-421A-A8F9-A3150D9E95B2}" type="presOf" srcId="{9D6DC906-F6FC-45D8-B208-386E000AB24E}" destId="{21340826-4622-4F6E-BC98-8E21A857FC4A}" srcOrd="0" destOrd="0" presId="urn:microsoft.com/office/officeart/2008/layout/HorizontalMultiLevelHierarchy"/>
+    <dgm:cxn modelId="{C3F60214-CBFE-4FF5-AE58-E1AEF6116394}" type="presOf" srcId="{E5CCEAD1-22CC-44B5-87B8-D7730411A761}" destId="{44CE1967-ABDA-4906-A190-5CEE8568B876}" srcOrd="1" destOrd="0" presId="urn:microsoft.com/office/officeart/2008/layout/HorizontalMultiLevelHierarchy"/>
+    <dgm:cxn modelId="{C43895FA-4A74-4CEC-8F93-05EA41B25D9D}" type="presOf" srcId="{7C9D1869-574A-4674-A393-612FF5DBEA9A}" destId="{FDE3C961-6E78-48AC-9F71-9CB84D36AB7B}" srcOrd="0" destOrd="0" presId="urn:microsoft.com/office/officeart/2008/layout/HorizontalMultiLevelHierarchy"/>
+    <dgm:cxn modelId="{10573D70-7629-43A8-97FD-0BAE00310D5B}" type="presOf" srcId="{9D6DC906-F6FC-45D8-B208-386E000AB24E}" destId="{8DFBC630-7DAB-49D9-ABCE-BB2913475B05}" srcOrd="1" destOrd="0" presId="urn:microsoft.com/office/officeart/2008/layout/HorizontalMultiLevelHierarchy"/>
+    <dgm:cxn modelId="{0D17196E-EE60-4100-A832-09463B8F0145}" srcId="{A39A7EAF-709A-4F30-9CD1-8F164C24E98A}" destId="{15004141-D0A0-4CF3-911C-CF363CEC6181}" srcOrd="0" destOrd="0" parTransId="{E5CCEAD1-22CC-44B5-87B8-D7730411A761}" sibTransId="{E9278ACD-C6EB-43B3-8F2B-BAC5B2992DA9}"/>
+    <dgm:cxn modelId="{1EF742A9-2622-4EA2-AE69-5C5D3771A0BF}" type="presOf" srcId="{E5CCEAD1-22CC-44B5-87B8-D7730411A761}" destId="{88425B06-BAEA-4920-B763-1C10E7720A69}" srcOrd="0" destOrd="0" presId="urn:microsoft.com/office/officeart/2008/layout/HorizontalMultiLevelHierarchy"/>
     <dgm:cxn modelId="{89A471D9-C27A-40A2-8B87-98CA3FEAA292}" srcId="{A39A7EAF-709A-4F30-9CD1-8F164C24E98A}" destId="{75AF39CD-7E17-4D54-B6EF-A01BCFFF397D}" srcOrd="2" destOrd="0" parTransId="{E4854F01-6146-413F-9A44-26EDD42E59DE}" sibTransId="{C6037729-2278-40DF-8F18-5C035C156AE3}"/>
-    <dgm:cxn modelId="{7C53FD43-E410-46F5-BA02-B107CEC9F684}" srcId="{A39A7EAF-709A-4F30-9CD1-8F164C24E98A}" destId="{7C9D1869-574A-4674-A393-612FF5DBEA9A}" srcOrd="3" destOrd="0" parTransId="{BBD40F16-654A-45CB-BC00-2A874BCD3548}" sibTransId="{084F13AA-9ADD-4856-A1CB-FAC49FD88E89}"/>
     <dgm:cxn modelId="{ABF7989D-1168-47C7-A13C-6BFED921AE4A}" type="presOf" srcId="{E4854F01-6146-413F-9A44-26EDD42E59DE}" destId="{76422A4E-104B-450F-B8C1-EFA435540A7D}" srcOrd="1" destOrd="0" presId="urn:microsoft.com/office/officeart/2008/layout/HorizontalMultiLevelHierarchy"/>
     <dgm:cxn modelId="{4F7227FB-FEE5-45D2-84AE-244FF14D6515}" type="presOf" srcId="{3F09077C-E36F-476E-8A1B-D0DE915C5B81}" destId="{F75EF33A-9CBC-45F3-9835-A6C6CAEDF9F6}" srcOrd="0" destOrd="0" presId="urn:microsoft.com/office/officeart/2008/layout/HorizontalMultiLevelHierarchy"/>
     <dgm:cxn modelId="{FEFBCA51-7E8B-42BE-AF3E-3FCDA802484E}" type="presOf" srcId="{BBD40F16-654A-45CB-BC00-2A874BCD3548}" destId="{ECB4B791-9F20-4720-AC9F-37CE1E473A96}" srcOrd="1" destOrd="0" presId="urn:microsoft.com/office/officeart/2008/layout/HorizontalMultiLevelHierarchy"/>
+    <dgm:cxn modelId="{60465C69-7275-4979-B43F-9A721FE3E21F}" type="presOf" srcId="{15004141-D0A0-4CF3-911C-CF363CEC6181}" destId="{A3D4E035-5DFA-4CF9-8BE9-C9DC6E3B212B}" srcOrd="0" destOrd="0" presId="urn:microsoft.com/office/officeart/2008/layout/HorizontalMultiLevelHierarchy"/>
+    <dgm:cxn modelId="{590B5BA4-9F69-43DE-9CDF-7A2F74F95BB3}" type="presOf" srcId="{BBD40F16-654A-45CB-BC00-2A874BCD3548}" destId="{245821F2-1070-432A-AEC7-856371110CAE}" srcOrd="0" destOrd="0" presId="urn:microsoft.com/office/officeart/2008/layout/HorizontalMultiLevelHierarchy"/>
+    <dgm:cxn modelId="{2DC34B53-06FB-4327-A0FA-8EC845FC3995}" type="presOf" srcId="{B2705F2B-CAA9-4E9C-A85B-EFF2C78DD22E}" destId="{7E7B6636-2550-4585-A4D1-4CF323A7A7DC}" srcOrd="0" destOrd="0" presId="urn:microsoft.com/office/officeart/2008/layout/HorizontalMultiLevelHierarchy"/>
     <dgm:cxn modelId="{537B422D-6A56-471C-96B6-91B1CDBE5022}" type="presOf" srcId="{A39A7EAF-709A-4F30-9CD1-8F164C24E98A}" destId="{CDC3B5F8-F2CE-4E06-93A0-F1EEB3EB8D75}" srcOrd="0" destOrd="0" presId="urn:microsoft.com/office/officeart/2008/layout/HorizontalMultiLevelHierarchy"/>
+    <dgm:cxn modelId="{82AD4B79-63E3-469C-9CEF-0C90E26AA296}" srcId="{A39A7EAF-709A-4F30-9CD1-8F164C24E98A}" destId="{3F09077C-E36F-476E-8A1B-D0DE915C5B81}" srcOrd="1" destOrd="0" parTransId="{9D6DC906-F6FC-45D8-B208-386E000AB24E}" sibTransId="{671BC8FB-30AC-420D-BB21-280B07809AFA}"/>
+    <dgm:cxn modelId="{7CFBCD74-14AE-4653-941F-B4B12515665D}" type="presOf" srcId="{E4854F01-6146-413F-9A44-26EDD42E59DE}" destId="{E3F8A8AC-7015-4B10-86D2-68AABAA20C1E}" srcOrd="0" destOrd="0" presId="urn:microsoft.com/office/officeart/2008/layout/HorizontalMultiLevelHierarchy"/>
     <dgm:cxn modelId="{C3BE172A-6E73-41A5-8FF2-3B3EED24DE5D}" srcId="{B2705F2B-CAA9-4E9C-A85B-EFF2C78DD22E}" destId="{A39A7EAF-709A-4F30-9CD1-8F164C24E98A}" srcOrd="0" destOrd="0" parTransId="{D5F6E8CD-4494-4BC0-A82B-88BFCFD1B6BC}" sibTransId="{B863C327-3D77-46B6-A247-E3F107273A75}"/>
-    <dgm:cxn modelId="{ED80B7EA-F63F-421A-A8F9-A3150D9E95B2}" type="presOf" srcId="{9D6DC906-F6FC-45D8-B208-386E000AB24E}" destId="{21340826-4622-4F6E-BC98-8E21A857FC4A}" srcOrd="0" destOrd="0" presId="urn:microsoft.com/office/officeart/2008/layout/HorizontalMultiLevelHierarchy"/>
-    <dgm:cxn modelId="{82AD4B79-63E3-469C-9CEF-0C90E26AA296}" srcId="{A39A7EAF-709A-4F30-9CD1-8F164C24E98A}" destId="{3F09077C-E36F-476E-8A1B-D0DE915C5B81}" srcOrd="1" destOrd="0" parTransId="{9D6DC906-F6FC-45D8-B208-386E000AB24E}" sibTransId="{671BC8FB-30AC-420D-BB21-280B07809AFA}"/>
-    <dgm:cxn modelId="{60465C69-7275-4979-B43F-9A721FE3E21F}" type="presOf" srcId="{15004141-D0A0-4CF3-911C-CF363CEC6181}" destId="{A3D4E035-5DFA-4CF9-8BE9-C9DC6E3B212B}" srcOrd="0" destOrd="0" presId="urn:microsoft.com/office/officeart/2008/layout/HorizontalMultiLevelHierarchy"/>
-    <dgm:cxn modelId="{C3F60214-CBFE-4FF5-AE58-E1AEF6116394}" type="presOf" srcId="{E5CCEAD1-22CC-44B5-87B8-D7730411A761}" destId="{44CE1967-ABDA-4906-A190-5CEE8568B876}" srcOrd="1" destOrd="0" presId="urn:microsoft.com/office/officeart/2008/layout/HorizontalMultiLevelHierarchy"/>
-    <dgm:cxn modelId="{2DC34B53-06FB-4327-A0FA-8EC845FC3995}" type="presOf" srcId="{B2705F2B-CAA9-4E9C-A85B-EFF2C78DD22E}" destId="{7E7B6636-2550-4585-A4D1-4CF323A7A7DC}" srcOrd="0" destOrd="0" presId="urn:microsoft.com/office/officeart/2008/layout/HorizontalMultiLevelHierarchy"/>
-    <dgm:cxn modelId="{1EF742A9-2622-4EA2-AE69-5C5D3771A0BF}" type="presOf" srcId="{E5CCEAD1-22CC-44B5-87B8-D7730411A761}" destId="{88425B06-BAEA-4920-B763-1C10E7720A69}" srcOrd="0" destOrd="0" presId="urn:microsoft.com/office/officeart/2008/layout/HorizontalMultiLevelHierarchy"/>
-    <dgm:cxn modelId="{C43895FA-4A74-4CEC-8F93-05EA41B25D9D}" type="presOf" srcId="{7C9D1869-574A-4674-A393-612FF5DBEA9A}" destId="{FDE3C961-6E78-48AC-9F71-9CB84D36AB7B}" srcOrd="0" destOrd="0" presId="urn:microsoft.com/office/officeart/2008/layout/HorizontalMultiLevelHierarchy"/>
-    <dgm:cxn modelId="{7CFBCD74-14AE-4653-941F-B4B12515665D}" type="presOf" srcId="{E4854F01-6146-413F-9A44-26EDD42E59DE}" destId="{E3F8A8AC-7015-4B10-86D2-68AABAA20C1E}" srcOrd="0" destOrd="0" presId="urn:microsoft.com/office/officeart/2008/layout/HorizontalMultiLevelHierarchy"/>
-    <dgm:cxn modelId="{10573D70-7629-43A8-97FD-0BAE00310D5B}" type="presOf" srcId="{9D6DC906-F6FC-45D8-B208-386E000AB24E}" destId="{8DFBC630-7DAB-49D9-ABCE-BB2913475B05}" srcOrd="1" destOrd="0" presId="urn:microsoft.com/office/officeart/2008/layout/HorizontalMultiLevelHierarchy"/>
-    <dgm:cxn modelId="{0D17196E-EE60-4100-A832-09463B8F0145}" srcId="{A39A7EAF-709A-4F30-9CD1-8F164C24E98A}" destId="{15004141-D0A0-4CF3-911C-CF363CEC6181}" srcOrd="0" destOrd="0" parTransId="{E5CCEAD1-22CC-44B5-87B8-D7730411A761}" sibTransId="{E9278ACD-C6EB-43B3-8F2B-BAC5B2992DA9}"/>
+    <dgm:cxn modelId="{7C53FD43-E410-46F5-BA02-B107CEC9F684}" srcId="{A39A7EAF-709A-4F30-9CD1-8F164C24E98A}" destId="{7C9D1869-574A-4674-A393-612FF5DBEA9A}" srcOrd="3" destOrd="0" parTransId="{BBD40F16-654A-45CB-BC00-2A874BCD3548}" sibTransId="{084F13AA-9ADD-4856-A1CB-FAC49FD88E89}"/>
     <dgm:cxn modelId="{C85779BD-C4B1-49EE-AE73-494523185A0D}" type="presParOf" srcId="{7E7B6636-2550-4585-A4D1-4CF323A7A7DC}" destId="{5FBB21F4-B6C5-4F0D-A8B5-620513B407C4}" srcOrd="0" destOrd="0" presId="urn:microsoft.com/office/officeart/2008/layout/HorizontalMultiLevelHierarchy"/>
     <dgm:cxn modelId="{D4708EAC-E58C-4617-B8EC-4CF12A094B43}" type="presParOf" srcId="{5FBB21F4-B6C5-4F0D-A8B5-620513B407C4}" destId="{CDC3B5F8-F2CE-4E06-93A0-F1EEB3EB8D75}" srcOrd="0" destOrd="0" presId="urn:microsoft.com/office/officeart/2008/layout/HorizontalMultiLevelHierarchy"/>
     <dgm:cxn modelId="{C52E3A62-52C3-4888-88A3-E2E62246D525}" type="presParOf" srcId="{5FBB21F4-B6C5-4F0D-A8B5-620513B407C4}" destId="{2E31529A-DBEC-47E2-BC5C-33DF5628A950}" srcOrd="1" destOrd="0" presId="urn:microsoft.com/office/officeart/2008/layout/HorizontalMultiLevelHierarchy"/>
@@ -2936,6 +3051,13 @@
         </dgm:presLayoutVars>
       </dgm:prSet>
       <dgm:spPr/>
+      <dgm:t>
+        <a:bodyPr/>
+        <a:lstStyle/>
+        <a:p>
+          <a:endParaRPr lang="en-US"/>
+        </a:p>
+      </dgm:t>
     </dgm:pt>
     <dgm:pt modelId="{A7097B6A-33CB-4623-A9B1-D866F7006F4A}" type="pres">
       <dgm:prSet presAssocID="{D784DEBF-CEDB-4E71-ADF9-36F115883D31}" presName="hierRoot1" presStyleCnt="0">
@@ -2967,6 +3089,13 @@
     <dgm:pt modelId="{16D75394-B9C6-4078-930F-1C17DCD56C2A}" type="pres">
       <dgm:prSet presAssocID="{D784DEBF-CEDB-4E71-ADF9-36F115883D31}" presName="rootConnector1" presStyleLbl="node1" presStyleIdx="0" presStyleCnt="0"/>
       <dgm:spPr/>
+      <dgm:t>
+        <a:bodyPr/>
+        <a:lstStyle/>
+        <a:p>
+          <a:endParaRPr lang="en-US"/>
+        </a:p>
+      </dgm:t>
     </dgm:pt>
     <dgm:pt modelId="{6F4EE505-2814-41C6-BC5C-FF2ECA97686B}" type="pres">
       <dgm:prSet presAssocID="{D784DEBF-CEDB-4E71-ADF9-36F115883D31}" presName="hierChild2" presStyleCnt="0"/>
@@ -2975,6 +3104,13 @@
     <dgm:pt modelId="{E84B34BA-868E-4893-8098-86038586869F}" type="pres">
       <dgm:prSet presAssocID="{7AFB190F-742C-44E7-B78B-A4EFB3391D05}" presName="Name37" presStyleLbl="parChTrans1D2" presStyleIdx="0" presStyleCnt="3"/>
       <dgm:spPr/>
+      <dgm:t>
+        <a:bodyPr/>
+        <a:lstStyle/>
+        <a:p>
+          <a:endParaRPr lang="en-US"/>
+        </a:p>
+      </dgm:t>
     </dgm:pt>
     <dgm:pt modelId="{2232B5C7-344E-4115-B960-53FB92556291}" type="pres">
       <dgm:prSet presAssocID="{7388FE08-EE5A-461C-8BEF-2C6A84BE696C}" presName="hierRoot2" presStyleCnt="0">
@@ -2995,10 +3131,24 @@
         </dgm:presLayoutVars>
       </dgm:prSet>
       <dgm:spPr/>
+      <dgm:t>
+        <a:bodyPr/>
+        <a:lstStyle/>
+        <a:p>
+          <a:endParaRPr lang="en-US"/>
+        </a:p>
+      </dgm:t>
     </dgm:pt>
     <dgm:pt modelId="{230C651B-ED3F-4A6A-82A3-2E2E634F98D6}" type="pres">
       <dgm:prSet presAssocID="{7388FE08-EE5A-461C-8BEF-2C6A84BE696C}" presName="rootConnector" presStyleLbl="node2" presStyleIdx="0" presStyleCnt="3"/>
       <dgm:spPr/>
+      <dgm:t>
+        <a:bodyPr/>
+        <a:lstStyle/>
+        <a:p>
+          <a:endParaRPr lang="en-US"/>
+        </a:p>
+      </dgm:t>
     </dgm:pt>
     <dgm:pt modelId="{A8D4E67B-B4EA-46CF-B808-EC60609D17A1}" type="pres">
       <dgm:prSet presAssocID="{7388FE08-EE5A-461C-8BEF-2C6A84BE696C}" presName="hierChild4" presStyleCnt="0"/>
@@ -3011,6 +3161,13 @@
     <dgm:pt modelId="{E0D001CA-3CB1-4F76-A431-88491E7E7AFF}" type="pres">
       <dgm:prSet presAssocID="{2C897B1E-3ED3-42B8-9C02-F142BFECAB2F}" presName="Name37" presStyleLbl="parChTrans1D2" presStyleIdx="1" presStyleCnt="3"/>
       <dgm:spPr/>
+      <dgm:t>
+        <a:bodyPr/>
+        <a:lstStyle/>
+        <a:p>
+          <a:endParaRPr lang="en-US"/>
+        </a:p>
+      </dgm:t>
     </dgm:pt>
     <dgm:pt modelId="{A0AC60B8-3564-470B-AA3B-4E161B7154DA}" type="pres">
       <dgm:prSet presAssocID="{26F73E13-0571-4DAB-BF38-503C171F85CD}" presName="hierRoot2" presStyleCnt="0">
@@ -3031,10 +3188,24 @@
         </dgm:presLayoutVars>
       </dgm:prSet>
       <dgm:spPr/>
+      <dgm:t>
+        <a:bodyPr/>
+        <a:lstStyle/>
+        <a:p>
+          <a:endParaRPr lang="en-US"/>
+        </a:p>
+      </dgm:t>
     </dgm:pt>
     <dgm:pt modelId="{5680C09E-AEED-4EA8-8539-003A1C690B7C}" type="pres">
       <dgm:prSet presAssocID="{26F73E13-0571-4DAB-BF38-503C171F85CD}" presName="rootConnector" presStyleLbl="node2" presStyleIdx="1" presStyleCnt="3"/>
       <dgm:spPr/>
+      <dgm:t>
+        <a:bodyPr/>
+        <a:lstStyle/>
+        <a:p>
+          <a:endParaRPr lang="en-US"/>
+        </a:p>
+      </dgm:t>
     </dgm:pt>
     <dgm:pt modelId="{EFF3EF25-B18A-4201-9BD4-DDF687A4EA6A}" type="pres">
       <dgm:prSet presAssocID="{26F73E13-0571-4DAB-BF38-503C171F85CD}" presName="hierChild4" presStyleCnt="0"/>
@@ -3047,6 +3218,13 @@
     <dgm:pt modelId="{3EE58DF9-CA0D-4715-9CDC-FE11460CB338}" type="pres">
       <dgm:prSet presAssocID="{AF389900-14CF-4A1F-8FD9-37E26C28C3C8}" presName="Name37" presStyleLbl="parChTrans1D2" presStyleIdx="2" presStyleCnt="3"/>
       <dgm:spPr/>
+      <dgm:t>
+        <a:bodyPr/>
+        <a:lstStyle/>
+        <a:p>
+          <a:endParaRPr lang="en-US"/>
+        </a:p>
+      </dgm:t>
     </dgm:pt>
     <dgm:pt modelId="{3E457978-281E-40D6-8B0B-6CBF83DB38EE}" type="pres">
       <dgm:prSet presAssocID="{04DF2DB5-DC85-4BF7-9D48-4C77294592C2}" presName="hierRoot2" presStyleCnt="0">
@@ -3067,10 +3245,24 @@
         </dgm:presLayoutVars>
       </dgm:prSet>
       <dgm:spPr/>
+      <dgm:t>
+        <a:bodyPr/>
+        <a:lstStyle/>
+        <a:p>
+          <a:endParaRPr lang="en-US"/>
+        </a:p>
+      </dgm:t>
     </dgm:pt>
     <dgm:pt modelId="{0F396F3E-AD5D-4F82-9308-165E3D64A5C9}" type="pres">
       <dgm:prSet presAssocID="{04DF2DB5-DC85-4BF7-9D48-4C77294592C2}" presName="rootConnector" presStyleLbl="node2" presStyleIdx="2" presStyleCnt="3"/>
       <dgm:spPr/>
+      <dgm:t>
+        <a:bodyPr/>
+        <a:lstStyle/>
+        <a:p>
+          <a:endParaRPr lang="en-US"/>
+        </a:p>
+      </dgm:t>
     </dgm:pt>
     <dgm:pt modelId="{5F8B1278-114F-4A49-8FE1-38366911B51D}" type="pres">
       <dgm:prSet presAssocID="{04DF2DB5-DC85-4BF7-9D48-4C77294592C2}" presName="hierChild4" presStyleCnt="0"/>
@@ -3086,22 +3278,22 @@
     </dgm:pt>
   </dgm:ptLst>
   <dgm:cxnLst>
+    <dgm:cxn modelId="{FB1A2679-A230-43EE-8BA5-BDF9EB78F248}" type="presOf" srcId="{D784DEBF-CEDB-4E71-ADF9-36F115883D31}" destId="{4EE131C3-9C0F-421D-804C-4C5A025CAA23}" srcOrd="0" destOrd="0" presId="urn:microsoft.com/office/officeart/2005/8/layout/orgChart1"/>
+    <dgm:cxn modelId="{125D9525-3419-49D3-BF32-0737426DAD35}" type="presOf" srcId="{7AFB190F-742C-44E7-B78B-A4EFB3391D05}" destId="{E84B34BA-868E-4893-8098-86038586869F}" srcOrd="0" destOrd="0" presId="urn:microsoft.com/office/officeart/2005/8/layout/orgChart1"/>
+    <dgm:cxn modelId="{9921ABBA-2221-45EE-829A-B6EBCE72894A}" type="presOf" srcId="{7388FE08-EE5A-461C-8BEF-2C6A84BE696C}" destId="{66399A43-7CE9-4F5E-B8C7-44D9A0617D06}" srcOrd="0" destOrd="0" presId="urn:microsoft.com/office/officeart/2005/8/layout/orgChart1"/>
+    <dgm:cxn modelId="{4127528C-2C7C-46A9-A18C-2A2F70420989}" type="presOf" srcId="{B6DE890F-7DC5-45B1-8693-1CD833F82426}" destId="{C8079C13-0F47-485E-B9A4-02801F2B6A0A}" srcOrd="0" destOrd="0" presId="urn:microsoft.com/office/officeart/2005/8/layout/orgChart1"/>
+    <dgm:cxn modelId="{3A9B96F6-D89E-4329-A346-309E00DF9A2B}" type="presOf" srcId="{2C897B1E-3ED3-42B8-9C02-F142BFECAB2F}" destId="{E0D001CA-3CB1-4F76-A431-88491E7E7AFF}" srcOrd="0" destOrd="0" presId="urn:microsoft.com/office/officeart/2005/8/layout/orgChart1"/>
+    <dgm:cxn modelId="{B452AC58-FD96-42AC-A4BE-82AA08C4C26A}" type="presOf" srcId="{04DF2DB5-DC85-4BF7-9D48-4C77294592C2}" destId="{0F396F3E-AD5D-4F82-9308-165E3D64A5C9}" srcOrd="1" destOrd="0" presId="urn:microsoft.com/office/officeart/2005/8/layout/orgChart1"/>
+    <dgm:cxn modelId="{D4C8ABEC-9995-4C75-9ACC-83A574561813}" type="presOf" srcId="{7388FE08-EE5A-461C-8BEF-2C6A84BE696C}" destId="{230C651B-ED3F-4A6A-82A3-2E2E634F98D6}" srcOrd="1" destOrd="0" presId="urn:microsoft.com/office/officeart/2005/8/layout/orgChart1"/>
     <dgm:cxn modelId="{2A2CA9B6-D5D3-437F-88EE-C9A286C7280E}" type="presOf" srcId="{04DF2DB5-DC85-4BF7-9D48-4C77294592C2}" destId="{C00ECE24-9DFA-4755-87CF-67F1DD67A4FA}" srcOrd="0" destOrd="0" presId="urn:microsoft.com/office/officeart/2005/8/layout/orgChart1"/>
+    <dgm:cxn modelId="{74793662-7D8A-41A2-945D-024D5A035171}" type="presOf" srcId="{26F73E13-0571-4DAB-BF38-503C171F85CD}" destId="{CB4A5DE9-3AE5-41A6-B0F0-2347D48462F6}" srcOrd="0" destOrd="0" presId="urn:microsoft.com/office/officeart/2005/8/layout/orgChart1"/>
+    <dgm:cxn modelId="{3FC66D3F-DBB2-4BF2-B47B-E45329A776C0}" type="presOf" srcId="{D784DEBF-CEDB-4E71-ADF9-36F115883D31}" destId="{16D75394-B9C6-4078-930F-1C17DCD56C2A}" srcOrd="1" destOrd="0" presId="urn:microsoft.com/office/officeart/2005/8/layout/orgChart1"/>
+    <dgm:cxn modelId="{46297CE8-3846-4380-9C51-BF631AF1DAA8}" srcId="{D784DEBF-CEDB-4E71-ADF9-36F115883D31}" destId="{7388FE08-EE5A-461C-8BEF-2C6A84BE696C}" srcOrd="0" destOrd="0" parTransId="{7AFB190F-742C-44E7-B78B-A4EFB3391D05}" sibTransId="{13FDD5F0-7431-46AA-B125-76E0C67228FB}"/>
+    <dgm:cxn modelId="{2C9881E5-D325-42C7-BFDE-7469CFC1912E}" srcId="{D784DEBF-CEDB-4E71-ADF9-36F115883D31}" destId="{04DF2DB5-DC85-4BF7-9D48-4C77294592C2}" srcOrd="2" destOrd="0" parTransId="{AF389900-14CF-4A1F-8FD9-37E26C28C3C8}" sibTransId="{DA7B4F72-BB3C-43FC-8339-4E1115A8531C}"/>
+    <dgm:cxn modelId="{C1CE2538-F1C3-4505-A58E-D9380E3F8008}" type="presOf" srcId="{26F73E13-0571-4DAB-BF38-503C171F85CD}" destId="{5680C09E-AEED-4EA8-8539-003A1C690B7C}" srcOrd="1" destOrd="0" presId="urn:microsoft.com/office/officeart/2005/8/layout/orgChart1"/>
+    <dgm:cxn modelId="{9A371ECC-9E01-452F-8448-7860B755D79B}" type="presOf" srcId="{AF389900-14CF-4A1F-8FD9-37E26C28C3C8}" destId="{3EE58DF9-CA0D-4715-9CDC-FE11460CB338}" srcOrd="0" destOrd="0" presId="urn:microsoft.com/office/officeart/2005/8/layout/orgChart1"/>
+    <dgm:cxn modelId="{15E49DEA-A731-489C-90BB-97CBAC93AF65}" srcId="{B6DE890F-7DC5-45B1-8693-1CD833F82426}" destId="{D784DEBF-CEDB-4E71-ADF9-36F115883D31}" srcOrd="0" destOrd="0" parTransId="{7AC47095-0A02-4319-A5D3-9FF67041C5F8}" sibTransId="{C75D4E51-EA0F-4BE6-8553-D6E699A1D9A2}"/>
     <dgm:cxn modelId="{5637F599-500F-4349-899E-5829A5385D8C}" srcId="{D784DEBF-CEDB-4E71-ADF9-36F115883D31}" destId="{26F73E13-0571-4DAB-BF38-503C171F85CD}" srcOrd="1" destOrd="0" parTransId="{2C897B1E-3ED3-42B8-9C02-F142BFECAB2F}" sibTransId="{EAF47206-082A-4C18-85FF-C46113F3F79F}"/>
-    <dgm:cxn modelId="{15E49DEA-A731-489C-90BB-97CBAC93AF65}" srcId="{B6DE890F-7DC5-45B1-8693-1CD833F82426}" destId="{D784DEBF-CEDB-4E71-ADF9-36F115883D31}" srcOrd="0" destOrd="0" parTransId="{7AC47095-0A02-4319-A5D3-9FF67041C5F8}" sibTransId="{C75D4E51-EA0F-4BE6-8553-D6E699A1D9A2}"/>
-    <dgm:cxn modelId="{9A371ECC-9E01-452F-8448-7860B755D79B}" type="presOf" srcId="{AF389900-14CF-4A1F-8FD9-37E26C28C3C8}" destId="{3EE58DF9-CA0D-4715-9CDC-FE11460CB338}" srcOrd="0" destOrd="0" presId="urn:microsoft.com/office/officeart/2005/8/layout/orgChart1"/>
-    <dgm:cxn modelId="{3A9B96F6-D89E-4329-A346-309E00DF9A2B}" type="presOf" srcId="{2C897B1E-3ED3-42B8-9C02-F142BFECAB2F}" destId="{E0D001CA-3CB1-4F76-A431-88491E7E7AFF}" srcOrd="0" destOrd="0" presId="urn:microsoft.com/office/officeart/2005/8/layout/orgChart1"/>
-    <dgm:cxn modelId="{46297CE8-3846-4380-9C51-BF631AF1DAA8}" srcId="{D784DEBF-CEDB-4E71-ADF9-36F115883D31}" destId="{7388FE08-EE5A-461C-8BEF-2C6A84BE696C}" srcOrd="0" destOrd="0" parTransId="{7AFB190F-742C-44E7-B78B-A4EFB3391D05}" sibTransId="{13FDD5F0-7431-46AA-B125-76E0C67228FB}"/>
-    <dgm:cxn modelId="{4127528C-2C7C-46A9-A18C-2A2F70420989}" type="presOf" srcId="{B6DE890F-7DC5-45B1-8693-1CD833F82426}" destId="{C8079C13-0F47-485E-B9A4-02801F2B6A0A}" srcOrd="0" destOrd="0" presId="urn:microsoft.com/office/officeart/2005/8/layout/orgChart1"/>
-    <dgm:cxn modelId="{125D9525-3419-49D3-BF32-0737426DAD35}" type="presOf" srcId="{7AFB190F-742C-44E7-B78B-A4EFB3391D05}" destId="{E84B34BA-868E-4893-8098-86038586869F}" srcOrd="0" destOrd="0" presId="urn:microsoft.com/office/officeart/2005/8/layout/orgChart1"/>
-    <dgm:cxn modelId="{D4C8ABEC-9995-4C75-9ACC-83A574561813}" type="presOf" srcId="{7388FE08-EE5A-461C-8BEF-2C6A84BE696C}" destId="{230C651B-ED3F-4A6A-82A3-2E2E634F98D6}" srcOrd="1" destOrd="0" presId="urn:microsoft.com/office/officeart/2005/8/layout/orgChart1"/>
-    <dgm:cxn modelId="{9921ABBA-2221-45EE-829A-B6EBCE72894A}" type="presOf" srcId="{7388FE08-EE5A-461C-8BEF-2C6A84BE696C}" destId="{66399A43-7CE9-4F5E-B8C7-44D9A0617D06}" srcOrd="0" destOrd="0" presId="urn:microsoft.com/office/officeart/2005/8/layout/orgChart1"/>
-    <dgm:cxn modelId="{C1CE2538-F1C3-4505-A58E-D9380E3F8008}" type="presOf" srcId="{26F73E13-0571-4DAB-BF38-503C171F85CD}" destId="{5680C09E-AEED-4EA8-8539-003A1C690B7C}" srcOrd="1" destOrd="0" presId="urn:microsoft.com/office/officeart/2005/8/layout/orgChart1"/>
-    <dgm:cxn modelId="{2C9881E5-D325-42C7-BFDE-7469CFC1912E}" srcId="{D784DEBF-CEDB-4E71-ADF9-36F115883D31}" destId="{04DF2DB5-DC85-4BF7-9D48-4C77294592C2}" srcOrd="2" destOrd="0" parTransId="{AF389900-14CF-4A1F-8FD9-37E26C28C3C8}" sibTransId="{DA7B4F72-BB3C-43FC-8339-4E1115A8531C}"/>
-    <dgm:cxn modelId="{3FC66D3F-DBB2-4BF2-B47B-E45329A776C0}" type="presOf" srcId="{D784DEBF-CEDB-4E71-ADF9-36F115883D31}" destId="{16D75394-B9C6-4078-930F-1C17DCD56C2A}" srcOrd="1" destOrd="0" presId="urn:microsoft.com/office/officeart/2005/8/layout/orgChart1"/>
-    <dgm:cxn modelId="{FB1A2679-A230-43EE-8BA5-BDF9EB78F248}" type="presOf" srcId="{D784DEBF-CEDB-4E71-ADF9-36F115883D31}" destId="{4EE131C3-9C0F-421D-804C-4C5A025CAA23}" srcOrd="0" destOrd="0" presId="urn:microsoft.com/office/officeart/2005/8/layout/orgChart1"/>
-    <dgm:cxn modelId="{B452AC58-FD96-42AC-A4BE-82AA08C4C26A}" type="presOf" srcId="{04DF2DB5-DC85-4BF7-9D48-4C77294592C2}" destId="{0F396F3E-AD5D-4F82-9308-165E3D64A5C9}" srcOrd="1" destOrd="0" presId="urn:microsoft.com/office/officeart/2005/8/layout/orgChart1"/>
-    <dgm:cxn modelId="{74793662-7D8A-41A2-945D-024D5A035171}" type="presOf" srcId="{26F73E13-0571-4DAB-BF38-503C171F85CD}" destId="{CB4A5DE9-3AE5-41A6-B0F0-2347D48462F6}" srcOrd="0" destOrd="0" presId="urn:microsoft.com/office/officeart/2005/8/layout/orgChart1"/>
     <dgm:cxn modelId="{C8D40CDB-8FC3-414C-B11E-92CEFAA6C343}" type="presParOf" srcId="{C8079C13-0F47-485E-B9A4-02801F2B6A0A}" destId="{A7097B6A-33CB-4623-A9B1-D866F7006F4A}" srcOrd="0" destOrd="0" presId="urn:microsoft.com/office/officeart/2005/8/layout/orgChart1"/>
     <dgm:cxn modelId="{0A9A7D28-BE47-4577-8B71-E9CC9C2A2CF5}" type="presParOf" srcId="{A7097B6A-33CB-4623-A9B1-D866F7006F4A}" destId="{F29E0AB6-EFDD-44B7-967D-C1217C58BA03}" srcOrd="0" destOrd="0" presId="urn:microsoft.com/office/officeart/2005/8/layout/orgChart1"/>
     <dgm:cxn modelId="{69A80F02-87F7-4228-B611-A7EC8364C766}" type="presParOf" srcId="{F29E0AB6-EFDD-44B7-967D-C1217C58BA03}" destId="{4EE131C3-9C0F-421D-804C-4C5A025CAA23}" srcOrd="0" destOrd="0" presId="urn:microsoft.com/office/officeart/2005/8/layout/orgChart1"/>
@@ -3425,6 +3617,13 @@
         </dgm:presLayoutVars>
       </dgm:prSet>
       <dgm:spPr/>
+      <dgm:t>
+        <a:bodyPr/>
+        <a:lstStyle/>
+        <a:p>
+          <a:endParaRPr lang="en-US"/>
+        </a:p>
+      </dgm:t>
     </dgm:pt>
     <dgm:pt modelId="{A7097B6A-33CB-4623-A9B1-D866F7006F4A}" type="pres">
       <dgm:prSet presAssocID="{D784DEBF-CEDB-4E71-ADF9-36F115883D31}" presName="hierRoot1" presStyleCnt="0">
@@ -3456,6 +3655,13 @@
     <dgm:pt modelId="{16D75394-B9C6-4078-930F-1C17DCD56C2A}" type="pres">
       <dgm:prSet presAssocID="{D784DEBF-CEDB-4E71-ADF9-36F115883D31}" presName="rootConnector1" presStyleLbl="node1" presStyleIdx="0" presStyleCnt="0"/>
       <dgm:spPr/>
+      <dgm:t>
+        <a:bodyPr/>
+        <a:lstStyle/>
+        <a:p>
+          <a:endParaRPr lang="en-US"/>
+        </a:p>
+      </dgm:t>
     </dgm:pt>
     <dgm:pt modelId="{6F4EE505-2814-41C6-BC5C-FF2ECA97686B}" type="pres">
       <dgm:prSet presAssocID="{D784DEBF-CEDB-4E71-ADF9-36F115883D31}" presName="hierChild2" presStyleCnt="0"/>
@@ -3464,6 +3670,13 @@
     <dgm:pt modelId="{E0D001CA-3CB1-4F76-A431-88491E7E7AFF}" type="pres">
       <dgm:prSet presAssocID="{2C897B1E-3ED3-42B8-9C02-F142BFECAB2F}" presName="Name37" presStyleLbl="parChTrans1D2" presStyleIdx="0" presStyleCnt="2"/>
       <dgm:spPr/>
+      <dgm:t>
+        <a:bodyPr/>
+        <a:lstStyle/>
+        <a:p>
+          <a:endParaRPr lang="en-US"/>
+        </a:p>
+      </dgm:t>
     </dgm:pt>
     <dgm:pt modelId="{A0AC60B8-3564-470B-AA3B-4E161B7154DA}" type="pres">
       <dgm:prSet presAssocID="{26F73E13-0571-4DAB-BF38-503C171F85CD}" presName="hierRoot2" presStyleCnt="0">
@@ -3484,10 +3697,24 @@
         </dgm:presLayoutVars>
       </dgm:prSet>
       <dgm:spPr/>
+      <dgm:t>
+        <a:bodyPr/>
+        <a:lstStyle/>
+        <a:p>
+          <a:endParaRPr lang="en-US"/>
+        </a:p>
+      </dgm:t>
     </dgm:pt>
     <dgm:pt modelId="{5680C09E-AEED-4EA8-8539-003A1C690B7C}" type="pres">
       <dgm:prSet presAssocID="{26F73E13-0571-4DAB-BF38-503C171F85CD}" presName="rootConnector" presStyleLbl="node2" presStyleIdx="0" presStyleCnt="2"/>
       <dgm:spPr/>
+      <dgm:t>
+        <a:bodyPr/>
+        <a:lstStyle/>
+        <a:p>
+          <a:endParaRPr lang="en-US"/>
+        </a:p>
+      </dgm:t>
     </dgm:pt>
     <dgm:pt modelId="{EFF3EF25-B18A-4201-9BD4-DDF687A4EA6A}" type="pres">
       <dgm:prSet presAssocID="{26F73E13-0571-4DAB-BF38-503C171F85CD}" presName="hierChild4" presStyleCnt="0"/>
@@ -3496,6 +3723,13 @@
     <dgm:pt modelId="{1EA07034-5221-4665-9E69-FE5AB22BFC39}" type="pres">
       <dgm:prSet presAssocID="{66BD0701-68B0-464E-B709-A0C8B969C23D}" presName="Name37" presStyleLbl="parChTrans1D3" presStyleIdx="0" presStyleCnt="4"/>
       <dgm:spPr/>
+      <dgm:t>
+        <a:bodyPr/>
+        <a:lstStyle/>
+        <a:p>
+          <a:endParaRPr lang="en-US"/>
+        </a:p>
+      </dgm:t>
     </dgm:pt>
     <dgm:pt modelId="{B066D591-2A45-41A3-87CC-9A1BDFD6B20F}" type="pres">
       <dgm:prSet presAssocID="{A6FCDB85-9EC7-4F08-86CF-60EEB07B7217}" presName="hierRoot2" presStyleCnt="0">
@@ -3527,6 +3761,13 @@
     <dgm:pt modelId="{BEC7DECD-D0FE-4B4B-86BD-DF275EF53CB4}" type="pres">
       <dgm:prSet presAssocID="{A6FCDB85-9EC7-4F08-86CF-60EEB07B7217}" presName="rootConnector" presStyleLbl="node3" presStyleIdx="0" presStyleCnt="4"/>
       <dgm:spPr/>
+      <dgm:t>
+        <a:bodyPr/>
+        <a:lstStyle/>
+        <a:p>
+          <a:endParaRPr lang="en-US"/>
+        </a:p>
+      </dgm:t>
     </dgm:pt>
     <dgm:pt modelId="{4FF7C5A5-5017-4EAD-86FC-9116F407E901}" type="pres">
       <dgm:prSet presAssocID="{A6FCDB85-9EC7-4F08-86CF-60EEB07B7217}" presName="hierChild4" presStyleCnt="0"/>
@@ -3539,6 +3780,13 @@
     <dgm:pt modelId="{995A6D3F-F961-4B30-9169-2E782B34E09D}" type="pres">
       <dgm:prSet presAssocID="{3B30623A-ADBE-49FE-8AA1-63A89B50D8FB}" presName="Name37" presStyleLbl="parChTrans1D3" presStyleIdx="1" presStyleCnt="4"/>
       <dgm:spPr/>
+      <dgm:t>
+        <a:bodyPr/>
+        <a:lstStyle/>
+        <a:p>
+          <a:endParaRPr lang="en-US"/>
+        </a:p>
+      </dgm:t>
     </dgm:pt>
     <dgm:pt modelId="{72EA9B98-FA73-4BEA-B80A-0EFCF35B1354}" type="pres">
       <dgm:prSet presAssocID="{242CCA22-A758-4061-8737-6B902161D916}" presName="hierRoot2" presStyleCnt="0">
@@ -3570,6 +3818,13 @@
     <dgm:pt modelId="{A406D0D6-07EC-4F96-8876-AE44F1EAEFAA}" type="pres">
       <dgm:prSet presAssocID="{242CCA22-A758-4061-8737-6B902161D916}" presName="rootConnector" presStyleLbl="node3" presStyleIdx="1" presStyleCnt="4"/>
       <dgm:spPr/>
+      <dgm:t>
+        <a:bodyPr/>
+        <a:lstStyle/>
+        <a:p>
+          <a:endParaRPr lang="en-US"/>
+        </a:p>
+      </dgm:t>
     </dgm:pt>
     <dgm:pt modelId="{2062009F-F2E5-4EB4-8AD6-DB6B7A4474AC}" type="pres">
       <dgm:prSet presAssocID="{242CCA22-A758-4061-8737-6B902161D916}" presName="hierChild4" presStyleCnt="0"/>
@@ -3586,6 +3841,13 @@
     <dgm:pt modelId="{3EE58DF9-CA0D-4715-9CDC-FE11460CB338}" type="pres">
       <dgm:prSet presAssocID="{AF389900-14CF-4A1F-8FD9-37E26C28C3C8}" presName="Name37" presStyleLbl="parChTrans1D2" presStyleIdx="1" presStyleCnt="2"/>
       <dgm:spPr/>
+      <dgm:t>
+        <a:bodyPr/>
+        <a:lstStyle/>
+        <a:p>
+          <a:endParaRPr lang="en-US"/>
+        </a:p>
+      </dgm:t>
     </dgm:pt>
     <dgm:pt modelId="{3E457978-281E-40D6-8B0B-6CBF83DB38EE}" type="pres">
       <dgm:prSet presAssocID="{04DF2DB5-DC85-4BF7-9D48-4C77294592C2}" presName="hierRoot2" presStyleCnt="0">
@@ -3606,10 +3868,24 @@
         </dgm:presLayoutVars>
       </dgm:prSet>
       <dgm:spPr/>
+      <dgm:t>
+        <a:bodyPr/>
+        <a:lstStyle/>
+        <a:p>
+          <a:endParaRPr lang="en-US"/>
+        </a:p>
+      </dgm:t>
     </dgm:pt>
     <dgm:pt modelId="{0F396F3E-AD5D-4F82-9308-165E3D64A5C9}" type="pres">
       <dgm:prSet presAssocID="{04DF2DB5-DC85-4BF7-9D48-4C77294592C2}" presName="rootConnector" presStyleLbl="node2" presStyleIdx="1" presStyleCnt="2"/>
       <dgm:spPr/>
+      <dgm:t>
+        <a:bodyPr/>
+        <a:lstStyle/>
+        <a:p>
+          <a:endParaRPr lang="en-US"/>
+        </a:p>
+      </dgm:t>
     </dgm:pt>
     <dgm:pt modelId="{5F8B1278-114F-4A49-8FE1-38366911B51D}" type="pres">
       <dgm:prSet presAssocID="{04DF2DB5-DC85-4BF7-9D48-4C77294592C2}" presName="hierChild4" presStyleCnt="0"/>
@@ -3618,6 +3894,13 @@
     <dgm:pt modelId="{19773E6C-7E4C-49E8-84A0-93A57A100A95}" type="pres">
       <dgm:prSet presAssocID="{766BEBC2-D820-4468-917F-53C0B302AFA3}" presName="Name37" presStyleLbl="parChTrans1D3" presStyleIdx="2" presStyleCnt="4"/>
       <dgm:spPr/>
+      <dgm:t>
+        <a:bodyPr/>
+        <a:lstStyle/>
+        <a:p>
+          <a:endParaRPr lang="en-US"/>
+        </a:p>
+      </dgm:t>
     </dgm:pt>
     <dgm:pt modelId="{E3A21D5B-4ECA-4973-8D29-47191B97E61C}" type="pres">
       <dgm:prSet presAssocID="{E5328EF6-D1E8-4F2D-A042-60DA3711B014}" presName="hierRoot2" presStyleCnt="0">
@@ -3649,6 +3932,13 @@
     <dgm:pt modelId="{5F59A043-57BC-4DCB-BF1F-3E46F4565B14}" type="pres">
       <dgm:prSet presAssocID="{E5328EF6-D1E8-4F2D-A042-60DA3711B014}" presName="rootConnector" presStyleLbl="node3" presStyleIdx="2" presStyleCnt="4"/>
       <dgm:spPr/>
+      <dgm:t>
+        <a:bodyPr/>
+        <a:lstStyle/>
+        <a:p>
+          <a:endParaRPr lang="en-US"/>
+        </a:p>
+      </dgm:t>
     </dgm:pt>
     <dgm:pt modelId="{AA149F66-35FB-475E-AFCF-5775487BEF64}" type="pres">
       <dgm:prSet presAssocID="{E5328EF6-D1E8-4F2D-A042-60DA3711B014}" presName="hierChild4" presStyleCnt="0"/>
@@ -3661,6 +3951,13 @@
     <dgm:pt modelId="{7E7D3887-CD3B-48DD-BC98-77319920D291}" type="pres">
       <dgm:prSet presAssocID="{DB891F42-3442-4944-A948-3F4DD9152649}" presName="Name37" presStyleLbl="parChTrans1D3" presStyleIdx="3" presStyleCnt="4"/>
       <dgm:spPr/>
+      <dgm:t>
+        <a:bodyPr/>
+        <a:lstStyle/>
+        <a:p>
+          <a:endParaRPr lang="en-US"/>
+        </a:p>
+      </dgm:t>
     </dgm:pt>
     <dgm:pt modelId="{DD4D64A6-03E2-4E5A-85EF-C8ED6CAA0950}" type="pres">
       <dgm:prSet presAssocID="{C0A3CA79-68AE-4360-8294-BC5439A3FC2E}" presName="hierRoot2" presStyleCnt="0">
@@ -3692,6 +3989,13 @@
     <dgm:pt modelId="{5663D576-FC00-4129-B677-7B2DB8596505}" type="pres">
       <dgm:prSet presAssocID="{C0A3CA79-68AE-4360-8294-BC5439A3FC2E}" presName="rootConnector" presStyleLbl="node3" presStyleIdx="3" presStyleCnt="4"/>
       <dgm:spPr/>
+      <dgm:t>
+        <a:bodyPr/>
+        <a:lstStyle/>
+        <a:p>
+          <a:endParaRPr lang="en-US"/>
+        </a:p>
+      </dgm:t>
     </dgm:pt>
     <dgm:pt modelId="{0D7EB7C4-D7F4-4335-9754-2B6873497872}" type="pres">
       <dgm:prSet presAssocID="{C0A3CA79-68AE-4360-8294-BC5439A3FC2E}" presName="hierChild4" presStyleCnt="0"/>
@@ -3711,34 +4015,34 @@
     </dgm:pt>
   </dgm:ptLst>
   <dgm:cxnLst>
+    <dgm:cxn modelId="{93614813-8BA8-414A-A0D3-1A1C49269783}" type="presOf" srcId="{26F73E13-0571-4DAB-BF38-503C171F85CD}" destId="{5680C09E-AEED-4EA8-8539-003A1C690B7C}" srcOrd="1" destOrd="0" presId="urn:microsoft.com/office/officeart/2005/8/layout/orgChart1"/>
+    <dgm:cxn modelId="{F65D1034-A3AC-45A5-99AA-2E486AA370B3}" type="presOf" srcId="{3B30623A-ADBE-49FE-8AA1-63A89B50D8FB}" destId="{995A6D3F-F961-4B30-9169-2E782B34E09D}" srcOrd="0" destOrd="0" presId="urn:microsoft.com/office/officeart/2005/8/layout/orgChart1"/>
+    <dgm:cxn modelId="{D0FF3205-A6CD-43FA-A748-DFB3BAE6537C}" type="presOf" srcId="{766BEBC2-D820-4468-917F-53C0B302AFA3}" destId="{19773E6C-7E4C-49E8-84A0-93A57A100A95}" srcOrd="0" destOrd="0" presId="urn:microsoft.com/office/officeart/2005/8/layout/orgChart1"/>
+    <dgm:cxn modelId="{1ECB08D7-21BA-46F9-B1B5-E6C4DCC5DD29}" srcId="{26F73E13-0571-4DAB-BF38-503C171F85CD}" destId="{A6FCDB85-9EC7-4F08-86CF-60EEB07B7217}" srcOrd="0" destOrd="0" parTransId="{66BD0701-68B0-464E-B709-A0C8B969C23D}" sibTransId="{16C1623F-E56B-420F-9FC4-49ED9C023733}"/>
+    <dgm:cxn modelId="{9E28C8F1-13C0-4EC5-A6CD-FE7406C7D60A}" type="presOf" srcId="{04DF2DB5-DC85-4BF7-9D48-4C77294592C2}" destId="{C00ECE24-9DFA-4755-87CF-67F1DD67A4FA}" srcOrd="0" destOrd="0" presId="urn:microsoft.com/office/officeart/2005/8/layout/orgChart1"/>
+    <dgm:cxn modelId="{8D320D58-B0D8-4D74-B7A0-5E5D09F2490D}" type="presOf" srcId="{DB891F42-3442-4944-A948-3F4DD9152649}" destId="{7E7D3887-CD3B-48DD-BC98-77319920D291}" srcOrd="0" destOrd="0" presId="urn:microsoft.com/office/officeart/2005/8/layout/orgChart1"/>
+    <dgm:cxn modelId="{ABCD64DC-2D5B-4242-ADF2-47DE511BD13E}" type="presOf" srcId="{B6DE890F-7DC5-45B1-8693-1CD833F82426}" destId="{C8079C13-0F47-485E-B9A4-02801F2B6A0A}" srcOrd="0" destOrd="0" presId="urn:microsoft.com/office/officeart/2005/8/layout/orgChart1"/>
+    <dgm:cxn modelId="{15E49DEA-A731-489C-90BB-97CBAC93AF65}" srcId="{B6DE890F-7DC5-45B1-8693-1CD833F82426}" destId="{D784DEBF-CEDB-4E71-ADF9-36F115883D31}" srcOrd="0" destOrd="0" parTransId="{7AC47095-0A02-4319-A5D3-9FF67041C5F8}" sibTransId="{C75D4E51-EA0F-4BE6-8553-D6E699A1D9A2}"/>
+    <dgm:cxn modelId="{3DB7FA0B-5BFA-4D4E-99E0-5D936DEB3651}" type="presOf" srcId="{2C897B1E-3ED3-42B8-9C02-F142BFECAB2F}" destId="{E0D001CA-3CB1-4F76-A431-88491E7E7AFF}" srcOrd="0" destOrd="0" presId="urn:microsoft.com/office/officeart/2005/8/layout/orgChart1"/>
+    <dgm:cxn modelId="{343CF1ED-F627-41F3-AF9A-D1A3EBDD70F7}" type="presOf" srcId="{D784DEBF-CEDB-4E71-ADF9-36F115883D31}" destId="{16D75394-B9C6-4078-930F-1C17DCD56C2A}" srcOrd="1" destOrd="0" presId="urn:microsoft.com/office/officeart/2005/8/layout/orgChart1"/>
+    <dgm:cxn modelId="{1DFC6742-634B-479C-A2A1-AEA8A09DDE68}" srcId="{04DF2DB5-DC85-4BF7-9D48-4C77294592C2}" destId="{E5328EF6-D1E8-4F2D-A042-60DA3711B014}" srcOrd="0" destOrd="0" parTransId="{766BEBC2-D820-4468-917F-53C0B302AFA3}" sibTransId="{D6CC2777-28F2-4DE6-8EE1-6EBF4D249C26}"/>
+    <dgm:cxn modelId="{04111D7F-0028-4236-90A6-8C84C7F77496}" type="presOf" srcId="{242CCA22-A758-4061-8737-6B902161D916}" destId="{6C760A5C-605E-4BC8-B519-9E39CFE77086}" srcOrd="0" destOrd="0" presId="urn:microsoft.com/office/officeart/2005/8/layout/orgChart1"/>
+    <dgm:cxn modelId="{0C435683-A324-4246-BB8C-F937C67083B3}" type="presOf" srcId="{A6FCDB85-9EC7-4F08-86CF-60EEB07B7217}" destId="{BEC7DECD-D0FE-4B4B-86BD-DF275EF53CB4}" srcOrd="1" destOrd="0" presId="urn:microsoft.com/office/officeart/2005/8/layout/orgChart1"/>
+    <dgm:cxn modelId="{E8F73297-2181-4C2D-86FD-BAAAB75D9E7E}" type="presOf" srcId="{A6FCDB85-9EC7-4F08-86CF-60EEB07B7217}" destId="{16F41798-96EB-4716-8C8F-712E001F20CF}" srcOrd="0" destOrd="0" presId="urn:microsoft.com/office/officeart/2005/8/layout/orgChart1"/>
+    <dgm:cxn modelId="{2EF2E64F-1C31-4891-8C29-4F7145B74206}" type="presOf" srcId="{AF389900-14CF-4A1F-8FD9-37E26C28C3C8}" destId="{3EE58DF9-CA0D-4715-9CDC-FE11460CB338}" srcOrd="0" destOrd="0" presId="urn:microsoft.com/office/officeart/2005/8/layout/orgChart1"/>
+    <dgm:cxn modelId="{D54EB6AC-2220-4C6C-9DE8-CD9AC984582C}" type="presOf" srcId="{C0A3CA79-68AE-4360-8294-BC5439A3FC2E}" destId="{5663D576-FC00-4129-B677-7B2DB8596505}" srcOrd="1" destOrd="0" presId="urn:microsoft.com/office/officeart/2005/8/layout/orgChart1"/>
+    <dgm:cxn modelId="{D71FF6A2-0893-4C5C-9D8E-C27ECAD2B4E6}" type="presOf" srcId="{04DF2DB5-DC85-4BF7-9D48-4C77294592C2}" destId="{0F396F3E-AD5D-4F82-9308-165E3D64A5C9}" srcOrd="1" destOrd="0" presId="urn:microsoft.com/office/officeart/2005/8/layout/orgChart1"/>
+    <dgm:cxn modelId="{C80931B9-9010-4180-8D8F-E80534CC8D24}" type="presOf" srcId="{E5328EF6-D1E8-4F2D-A042-60DA3711B014}" destId="{6563D338-A0CA-4D6F-A261-CCA282369FB9}" srcOrd="0" destOrd="0" presId="urn:microsoft.com/office/officeart/2005/8/layout/orgChart1"/>
+    <dgm:cxn modelId="{DC7DFBC9-9F4E-441B-A82C-38A6D679A456}" type="presOf" srcId="{D784DEBF-CEDB-4E71-ADF9-36F115883D31}" destId="{4EE131C3-9C0F-421D-804C-4C5A025CAA23}" srcOrd="0" destOrd="0" presId="urn:microsoft.com/office/officeart/2005/8/layout/orgChart1"/>
+    <dgm:cxn modelId="{5637F599-500F-4349-899E-5829A5385D8C}" srcId="{D784DEBF-CEDB-4E71-ADF9-36F115883D31}" destId="{26F73E13-0571-4DAB-BF38-503C171F85CD}" srcOrd="0" destOrd="0" parTransId="{2C897B1E-3ED3-42B8-9C02-F142BFECAB2F}" sibTransId="{EAF47206-082A-4C18-85FF-C46113F3F79F}"/>
+    <dgm:cxn modelId="{AF6CE5FE-4904-4959-9B89-8476D0D50E47}" type="presOf" srcId="{242CCA22-A758-4061-8737-6B902161D916}" destId="{A406D0D6-07EC-4F96-8876-AE44F1EAEFAA}" srcOrd="1" destOrd="0" presId="urn:microsoft.com/office/officeart/2005/8/layout/orgChart1"/>
+    <dgm:cxn modelId="{2C9881E5-D325-42C7-BFDE-7469CFC1912E}" srcId="{D784DEBF-CEDB-4E71-ADF9-36F115883D31}" destId="{04DF2DB5-DC85-4BF7-9D48-4C77294592C2}" srcOrd="1" destOrd="0" parTransId="{AF389900-14CF-4A1F-8FD9-37E26C28C3C8}" sibTransId="{DA7B4F72-BB3C-43FC-8339-4E1115A8531C}"/>
+    <dgm:cxn modelId="{D2E0830D-E725-4C6F-9CD1-8D84A2A04848}" type="presOf" srcId="{C0A3CA79-68AE-4360-8294-BC5439A3FC2E}" destId="{FB3D2310-5762-45ED-8BA5-3DA821375649}" srcOrd="0" destOrd="0" presId="urn:microsoft.com/office/officeart/2005/8/layout/orgChart1"/>
     <dgm:cxn modelId="{025C3820-A6CB-46D8-AF9D-1B62D0524063}" srcId="{26F73E13-0571-4DAB-BF38-503C171F85CD}" destId="{242CCA22-A758-4061-8737-6B902161D916}" srcOrd="1" destOrd="0" parTransId="{3B30623A-ADBE-49FE-8AA1-63A89B50D8FB}" sibTransId="{2FF78C01-1FDE-4F44-9963-77E0F3E61214}"/>
-    <dgm:cxn modelId="{3DB7FA0B-5BFA-4D4E-99E0-5D936DEB3651}" type="presOf" srcId="{2C897B1E-3ED3-42B8-9C02-F142BFECAB2F}" destId="{E0D001CA-3CB1-4F76-A431-88491E7E7AFF}" srcOrd="0" destOrd="0" presId="urn:microsoft.com/office/officeart/2005/8/layout/orgChart1"/>
+    <dgm:cxn modelId="{C074FD14-1E7C-4F90-988F-0211C9040449}" srcId="{04DF2DB5-DC85-4BF7-9D48-4C77294592C2}" destId="{C0A3CA79-68AE-4360-8294-BC5439A3FC2E}" srcOrd="1" destOrd="0" parTransId="{DB891F42-3442-4944-A948-3F4DD9152649}" sibTransId="{E2C42277-A77C-4160-A4EF-B6829296A85B}"/>
     <dgm:cxn modelId="{7C652D0F-7BC2-4759-A320-9B5CB5F36EBE}" type="presOf" srcId="{66BD0701-68B0-464E-B709-A0C8B969C23D}" destId="{1EA07034-5221-4665-9E69-FE5AB22BFC39}" srcOrd="0" destOrd="0" presId="urn:microsoft.com/office/officeart/2005/8/layout/orgChart1"/>
+    <dgm:cxn modelId="{BBC581B2-60E6-42AA-BFC2-71E147ED95C3}" type="presOf" srcId="{E5328EF6-D1E8-4F2D-A042-60DA3711B014}" destId="{5F59A043-57BC-4DCB-BF1F-3E46F4565B14}" srcOrd="1" destOrd="0" presId="urn:microsoft.com/office/officeart/2005/8/layout/orgChart1"/>
     <dgm:cxn modelId="{81FE0462-81D8-450F-82C3-2409ACD8AACF}" type="presOf" srcId="{26F73E13-0571-4DAB-BF38-503C171F85CD}" destId="{CB4A5DE9-3AE5-41A6-B0F0-2347D48462F6}" srcOrd="0" destOrd="0" presId="urn:microsoft.com/office/officeart/2005/8/layout/orgChart1"/>
-    <dgm:cxn modelId="{D2E0830D-E725-4C6F-9CD1-8D84A2A04848}" type="presOf" srcId="{C0A3CA79-68AE-4360-8294-BC5439A3FC2E}" destId="{FB3D2310-5762-45ED-8BA5-3DA821375649}" srcOrd="0" destOrd="0" presId="urn:microsoft.com/office/officeart/2005/8/layout/orgChart1"/>
-    <dgm:cxn modelId="{0C435683-A324-4246-BB8C-F937C67083B3}" type="presOf" srcId="{A6FCDB85-9EC7-4F08-86CF-60EEB07B7217}" destId="{BEC7DECD-D0FE-4B4B-86BD-DF275EF53CB4}" srcOrd="1" destOrd="0" presId="urn:microsoft.com/office/officeart/2005/8/layout/orgChart1"/>
-    <dgm:cxn modelId="{343CF1ED-F627-41F3-AF9A-D1A3EBDD70F7}" type="presOf" srcId="{D784DEBF-CEDB-4E71-ADF9-36F115883D31}" destId="{16D75394-B9C6-4078-930F-1C17DCD56C2A}" srcOrd="1" destOrd="0" presId="urn:microsoft.com/office/officeart/2005/8/layout/orgChart1"/>
-    <dgm:cxn modelId="{8D320D58-B0D8-4D74-B7A0-5E5D09F2490D}" type="presOf" srcId="{DB891F42-3442-4944-A948-3F4DD9152649}" destId="{7E7D3887-CD3B-48DD-BC98-77319920D291}" srcOrd="0" destOrd="0" presId="urn:microsoft.com/office/officeart/2005/8/layout/orgChart1"/>
-    <dgm:cxn modelId="{1ECB08D7-21BA-46F9-B1B5-E6C4DCC5DD29}" srcId="{26F73E13-0571-4DAB-BF38-503C171F85CD}" destId="{A6FCDB85-9EC7-4F08-86CF-60EEB07B7217}" srcOrd="0" destOrd="0" parTransId="{66BD0701-68B0-464E-B709-A0C8B969C23D}" sibTransId="{16C1623F-E56B-420F-9FC4-49ED9C023733}"/>
-    <dgm:cxn modelId="{2C9881E5-D325-42C7-BFDE-7469CFC1912E}" srcId="{D784DEBF-CEDB-4E71-ADF9-36F115883D31}" destId="{04DF2DB5-DC85-4BF7-9D48-4C77294592C2}" srcOrd="1" destOrd="0" parTransId="{AF389900-14CF-4A1F-8FD9-37E26C28C3C8}" sibTransId="{DA7B4F72-BB3C-43FC-8339-4E1115A8531C}"/>
-    <dgm:cxn modelId="{D0FF3205-A6CD-43FA-A748-DFB3BAE6537C}" type="presOf" srcId="{766BEBC2-D820-4468-917F-53C0B302AFA3}" destId="{19773E6C-7E4C-49E8-84A0-93A57A100A95}" srcOrd="0" destOrd="0" presId="urn:microsoft.com/office/officeart/2005/8/layout/orgChart1"/>
-    <dgm:cxn modelId="{DC7DFBC9-9F4E-441B-A82C-38A6D679A456}" type="presOf" srcId="{D784DEBF-CEDB-4E71-ADF9-36F115883D31}" destId="{4EE131C3-9C0F-421D-804C-4C5A025CAA23}" srcOrd="0" destOrd="0" presId="urn:microsoft.com/office/officeart/2005/8/layout/orgChart1"/>
-    <dgm:cxn modelId="{ABCD64DC-2D5B-4242-ADF2-47DE511BD13E}" type="presOf" srcId="{B6DE890F-7DC5-45B1-8693-1CD833F82426}" destId="{C8079C13-0F47-485E-B9A4-02801F2B6A0A}" srcOrd="0" destOrd="0" presId="urn:microsoft.com/office/officeart/2005/8/layout/orgChart1"/>
-    <dgm:cxn modelId="{D71FF6A2-0893-4C5C-9D8E-C27ECAD2B4E6}" type="presOf" srcId="{04DF2DB5-DC85-4BF7-9D48-4C77294592C2}" destId="{0F396F3E-AD5D-4F82-9308-165E3D64A5C9}" srcOrd="1" destOrd="0" presId="urn:microsoft.com/office/officeart/2005/8/layout/orgChart1"/>
-    <dgm:cxn modelId="{BBC581B2-60E6-42AA-BFC2-71E147ED95C3}" type="presOf" srcId="{E5328EF6-D1E8-4F2D-A042-60DA3711B014}" destId="{5F59A043-57BC-4DCB-BF1F-3E46F4565B14}" srcOrd="1" destOrd="0" presId="urn:microsoft.com/office/officeart/2005/8/layout/orgChart1"/>
-    <dgm:cxn modelId="{C80931B9-9010-4180-8D8F-E80534CC8D24}" type="presOf" srcId="{E5328EF6-D1E8-4F2D-A042-60DA3711B014}" destId="{6563D338-A0CA-4D6F-A261-CCA282369FB9}" srcOrd="0" destOrd="0" presId="urn:microsoft.com/office/officeart/2005/8/layout/orgChart1"/>
-    <dgm:cxn modelId="{C074FD14-1E7C-4F90-988F-0211C9040449}" srcId="{04DF2DB5-DC85-4BF7-9D48-4C77294592C2}" destId="{C0A3CA79-68AE-4360-8294-BC5439A3FC2E}" srcOrd="1" destOrd="0" parTransId="{DB891F42-3442-4944-A948-3F4DD9152649}" sibTransId="{E2C42277-A77C-4160-A4EF-B6829296A85B}"/>
-    <dgm:cxn modelId="{2EF2E64F-1C31-4891-8C29-4F7145B74206}" type="presOf" srcId="{AF389900-14CF-4A1F-8FD9-37E26C28C3C8}" destId="{3EE58DF9-CA0D-4715-9CDC-FE11460CB338}" srcOrd="0" destOrd="0" presId="urn:microsoft.com/office/officeart/2005/8/layout/orgChart1"/>
-    <dgm:cxn modelId="{E8F73297-2181-4C2D-86FD-BAAAB75D9E7E}" type="presOf" srcId="{A6FCDB85-9EC7-4F08-86CF-60EEB07B7217}" destId="{16F41798-96EB-4716-8C8F-712E001F20CF}" srcOrd="0" destOrd="0" presId="urn:microsoft.com/office/officeart/2005/8/layout/orgChart1"/>
-    <dgm:cxn modelId="{5637F599-500F-4349-899E-5829A5385D8C}" srcId="{D784DEBF-CEDB-4E71-ADF9-36F115883D31}" destId="{26F73E13-0571-4DAB-BF38-503C171F85CD}" srcOrd="0" destOrd="0" parTransId="{2C897B1E-3ED3-42B8-9C02-F142BFECAB2F}" sibTransId="{EAF47206-082A-4C18-85FF-C46113F3F79F}"/>
-    <dgm:cxn modelId="{1DFC6742-634B-479C-A2A1-AEA8A09DDE68}" srcId="{04DF2DB5-DC85-4BF7-9D48-4C77294592C2}" destId="{E5328EF6-D1E8-4F2D-A042-60DA3711B014}" srcOrd="0" destOrd="0" parTransId="{766BEBC2-D820-4468-917F-53C0B302AFA3}" sibTransId="{D6CC2777-28F2-4DE6-8EE1-6EBF4D249C26}"/>
-    <dgm:cxn modelId="{AF6CE5FE-4904-4959-9B89-8476D0D50E47}" type="presOf" srcId="{242CCA22-A758-4061-8737-6B902161D916}" destId="{A406D0D6-07EC-4F96-8876-AE44F1EAEFAA}" srcOrd="1" destOrd="0" presId="urn:microsoft.com/office/officeart/2005/8/layout/orgChart1"/>
-    <dgm:cxn modelId="{04111D7F-0028-4236-90A6-8C84C7F77496}" type="presOf" srcId="{242CCA22-A758-4061-8737-6B902161D916}" destId="{6C760A5C-605E-4BC8-B519-9E39CFE77086}" srcOrd="0" destOrd="0" presId="urn:microsoft.com/office/officeart/2005/8/layout/orgChart1"/>
-    <dgm:cxn modelId="{F65D1034-A3AC-45A5-99AA-2E486AA370B3}" type="presOf" srcId="{3B30623A-ADBE-49FE-8AA1-63A89B50D8FB}" destId="{995A6D3F-F961-4B30-9169-2E782B34E09D}" srcOrd="0" destOrd="0" presId="urn:microsoft.com/office/officeart/2005/8/layout/orgChart1"/>
-    <dgm:cxn modelId="{93614813-8BA8-414A-A0D3-1A1C49269783}" type="presOf" srcId="{26F73E13-0571-4DAB-BF38-503C171F85CD}" destId="{5680C09E-AEED-4EA8-8539-003A1C690B7C}" srcOrd="1" destOrd="0" presId="urn:microsoft.com/office/officeart/2005/8/layout/orgChart1"/>
-    <dgm:cxn modelId="{9E28C8F1-13C0-4EC5-A6CD-FE7406C7D60A}" type="presOf" srcId="{04DF2DB5-DC85-4BF7-9D48-4C77294592C2}" destId="{C00ECE24-9DFA-4755-87CF-67F1DD67A4FA}" srcOrd="0" destOrd="0" presId="urn:microsoft.com/office/officeart/2005/8/layout/orgChart1"/>
-    <dgm:cxn modelId="{15E49DEA-A731-489C-90BB-97CBAC93AF65}" srcId="{B6DE890F-7DC5-45B1-8693-1CD833F82426}" destId="{D784DEBF-CEDB-4E71-ADF9-36F115883D31}" srcOrd="0" destOrd="0" parTransId="{7AC47095-0A02-4319-A5D3-9FF67041C5F8}" sibTransId="{C75D4E51-EA0F-4BE6-8553-D6E699A1D9A2}"/>
-    <dgm:cxn modelId="{D54EB6AC-2220-4C6C-9DE8-CD9AC984582C}" type="presOf" srcId="{C0A3CA79-68AE-4360-8294-BC5439A3FC2E}" destId="{5663D576-FC00-4129-B677-7B2DB8596505}" srcOrd="1" destOrd="0" presId="urn:microsoft.com/office/officeart/2005/8/layout/orgChart1"/>
     <dgm:cxn modelId="{4A4BB099-F6A6-426B-B23F-C84D95B94738}" type="presParOf" srcId="{C8079C13-0F47-485E-B9A4-02801F2B6A0A}" destId="{A7097B6A-33CB-4623-A9B1-D866F7006F4A}" srcOrd="0" destOrd="0" presId="urn:microsoft.com/office/officeart/2005/8/layout/orgChart1"/>
     <dgm:cxn modelId="{EBF3FA1F-DDB5-46F3-BFE4-B7812FDDDCA6}" type="presParOf" srcId="{A7097B6A-33CB-4623-A9B1-D866F7006F4A}" destId="{F29E0AB6-EFDD-44B7-967D-C1217C58BA03}" srcOrd="0" destOrd="0" presId="urn:microsoft.com/office/officeart/2005/8/layout/orgChart1"/>
     <dgm:cxn modelId="{57B63AD7-1DE0-4FE7-9CE5-D8117ED72D13}" type="presParOf" srcId="{F29E0AB6-EFDD-44B7-967D-C1217C58BA03}" destId="{4EE131C3-9C0F-421D-804C-4C5A025CAA23}" srcOrd="0" destOrd="0" presId="urn:microsoft.com/office/officeart/2005/8/layout/orgChart1"/>
@@ -12302,7 +12606,7 @@
           <a:p>
             <a:fld id="{D10AF160-CD5A-4A77-96B0-C85B80371432}" type="datetimeFigureOut">
               <a:rPr lang="en-US" smtClean="0"/>
-              <a:t>28-Apr-16</a:t>
+              <a:t>03-May-16</a:t>
             </a:fld>
             <a:endParaRPr lang="en-US"/>
           </a:p>
@@ -12467,7 +12771,7 @@
           <a:p>
             <a:fld id="{F6A950C5-F15E-44EA-AF6A-22227443235C}" type="datetimeFigureOut">
               <a:rPr lang="en-US" smtClean="0"/>
-              <a:t>28-Apr-16</a:t>
+              <a:t>03-May-16</a:t>
             </a:fld>
             <a:endParaRPr lang="en-US"/>
           </a:p>
@@ -13236,7 +13540,7 @@
           <a:p>
             <a:fld id="{6F66794D-9D79-4AC5-96DA-597EA4BF2704}" type="datetimeFigureOut">
               <a:rPr lang="en-US" smtClean="0"/>
-              <a:t>28-Apr-16</a:t>
+              <a:t>03-May-16</a:t>
             </a:fld>
             <a:endParaRPr lang="en-US"/>
           </a:p>
@@ -13562,7 +13866,7 @@
           <a:p>
             <a:fld id="{6F66794D-9D79-4AC5-96DA-597EA4BF2704}" type="datetimeFigureOut">
               <a:rPr lang="en-US" smtClean="0"/>
-              <a:t>28-Apr-16</a:t>
+              <a:t>03-May-16</a:t>
             </a:fld>
             <a:endParaRPr lang="en-US"/>
           </a:p>
@@ -13810,7 +14114,7 @@
           <a:p>
             <a:fld id="{6F66794D-9D79-4AC5-96DA-597EA4BF2704}" type="datetimeFigureOut">
               <a:rPr lang="en-US" smtClean="0"/>
-              <a:t>28-Apr-16</a:t>
+              <a:t>03-May-16</a:t>
             </a:fld>
             <a:endParaRPr lang="en-US"/>
           </a:p>
@@ -14350,7 +14654,7 @@
           <a:p>
             <a:fld id="{6F66794D-9D79-4AC5-96DA-597EA4BF2704}" type="datetimeFigureOut">
               <a:rPr lang="en-US" smtClean="0"/>
-              <a:t>28-Apr-16</a:t>
+              <a:t>03-May-16</a:t>
             </a:fld>
             <a:endParaRPr lang="en-US"/>
           </a:p>
@@ -14598,7 +14902,7 @@
           <a:p>
             <a:fld id="{6F66794D-9D79-4AC5-96DA-597EA4BF2704}" type="datetimeFigureOut">
               <a:rPr lang="en-US" smtClean="0"/>
-              <a:t>28-Apr-16</a:t>
+              <a:t>03-May-16</a:t>
             </a:fld>
             <a:endParaRPr lang="en-US"/>
           </a:p>
@@ -15130,7 +15434,7 @@
           <a:p>
             <a:fld id="{6F66794D-9D79-4AC5-96DA-597EA4BF2704}" type="datetimeFigureOut">
               <a:rPr lang="en-US" smtClean="0"/>
-              <a:t>28-Apr-16</a:t>
+              <a:t>03-May-16</a:t>
             </a:fld>
             <a:endParaRPr lang="en-US"/>
           </a:p>
@@ -15427,7 +15731,7 @@
           <a:p>
             <a:fld id="{6F66794D-9D79-4AC5-96DA-597EA4BF2704}" type="datetimeFigureOut">
               <a:rPr lang="en-US" smtClean="0"/>
-              <a:t>28-Apr-16</a:t>
+              <a:t>03-May-16</a:t>
             </a:fld>
             <a:endParaRPr lang="en-US"/>
           </a:p>
@@ -15601,7 +15905,7 @@
           <a:p>
             <a:fld id="{6F66794D-9D79-4AC5-96DA-597EA4BF2704}" type="datetimeFigureOut">
               <a:rPr lang="en-US" smtClean="0"/>
-              <a:t>28-Apr-16</a:t>
+              <a:t>03-May-16</a:t>
             </a:fld>
             <a:endParaRPr lang="en-US"/>
           </a:p>
@@ -15781,7 +16085,7 @@
           <a:p>
             <a:fld id="{6F66794D-9D79-4AC5-96DA-597EA4BF2704}" type="datetimeFigureOut">
               <a:rPr lang="en-US" smtClean="0"/>
-              <a:t>28-Apr-16</a:t>
+              <a:t>03-May-16</a:t>
             </a:fld>
             <a:endParaRPr lang="en-US"/>
           </a:p>
@@ -15951,7 +16255,7 @@
           <a:p>
             <a:fld id="{6F66794D-9D79-4AC5-96DA-597EA4BF2704}" type="datetimeFigureOut">
               <a:rPr lang="en-US" smtClean="0"/>
-              <a:t>28-Apr-16</a:t>
+              <a:t>03-May-16</a:t>
             </a:fld>
             <a:endParaRPr lang="en-US"/>
           </a:p>
@@ -16232,7 +16536,7 @@
           <a:p>
             <a:fld id="{6F66794D-9D79-4AC5-96DA-597EA4BF2704}" type="datetimeFigureOut">
               <a:rPr lang="en-US" smtClean="0"/>
-              <a:t>28-Apr-16</a:t>
+              <a:t>03-May-16</a:t>
             </a:fld>
             <a:endParaRPr lang="en-US"/>
           </a:p>
@@ -16529,7 +16833,7 @@
           <a:p>
             <a:fld id="{6F66794D-9D79-4AC5-96DA-597EA4BF2704}" type="datetimeFigureOut">
               <a:rPr lang="en-US" smtClean="0"/>
-              <a:t>28-Apr-16</a:t>
+              <a:t>03-May-16</a:t>
             </a:fld>
             <a:endParaRPr lang="en-US"/>
           </a:p>
@@ -17001,7 +17305,7 @@
           <a:p>
             <a:fld id="{6F66794D-9D79-4AC5-96DA-597EA4BF2704}" type="datetimeFigureOut">
               <a:rPr lang="en-US" smtClean="0"/>
-              <a:t>28-Apr-16</a:t>
+              <a:t>03-May-16</a:t>
             </a:fld>
             <a:endParaRPr lang="en-US"/>
           </a:p>
@@ -17149,7 +17453,7 @@
           <a:p>
             <a:fld id="{6F66794D-9D79-4AC5-96DA-597EA4BF2704}" type="datetimeFigureOut">
               <a:rPr lang="en-US" smtClean="0"/>
-              <a:t>28-Apr-16</a:t>
+              <a:t>03-May-16</a:t>
             </a:fld>
             <a:endParaRPr lang="en-US"/>
           </a:p>
@@ -17244,7 +17548,7 @@
           <a:p>
             <a:fld id="{6F66794D-9D79-4AC5-96DA-597EA4BF2704}" type="datetimeFigureOut">
               <a:rPr lang="en-US" smtClean="0"/>
-              <a:t>28-Apr-16</a:t>
+              <a:t>03-May-16</a:t>
             </a:fld>
             <a:endParaRPr lang="en-US"/>
           </a:p>
@@ -17527,7 +17831,7 @@
           <a:p>
             <a:fld id="{6F66794D-9D79-4AC5-96DA-597EA4BF2704}" type="datetimeFigureOut">
               <a:rPr lang="en-US" smtClean="0"/>
-              <a:t>28-Apr-16</a:t>
+              <a:t>03-May-16</a:t>
             </a:fld>
             <a:endParaRPr lang="en-US"/>
           </a:p>
@@ -17818,7 +18122,7 @@
           <a:p>
             <a:fld id="{6F66794D-9D79-4AC5-96DA-597EA4BF2704}" type="datetimeFigureOut">
               <a:rPr lang="en-US" smtClean="0"/>
-              <a:t>28-Apr-16</a:t>
+              <a:t>03-May-16</a:t>
             </a:fld>
             <a:endParaRPr lang="en-US"/>
           </a:p>
@@ -18348,7 +18652,7 @@
           <a:p>
             <a:fld id="{6F66794D-9D79-4AC5-96DA-597EA4BF2704}" type="datetimeFigureOut">
               <a:rPr lang="en-US" smtClean="0"/>
-              <a:t>28-Apr-16</a:t>
+              <a:t>03-May-16</a:t>
             </a:fld>
             <a:endParaRPr lang="en-US"/>
           </a:p>
@@ -18925,11 +19229,7 @@
           <a:p>
             <a:r>
               <a:rPr lang="bg-BG" dirty="0" smtClean="0"/>
-              <a:t>Обектно-ориентирано програмиране</a:t>
-            </a:r>
-            <a:r>
-              <a:rPr lang="bg-BG" dirty="0" smtClean="0"/>
-              <a:t> </a:t>
+              <a:t>Обектно-ориентирано програмиране </a:t>
             </a:r>
             <a:r>
               <a:rPr lang="bg-BG" dirty="0"/>
@@ -18989,6 +19289,1511 @@
 </file>
 
 <file path=ppt/slides/slide10.xml><?xml version="1.0" encoding="utf-8"?>
+<p:sld xmlns:a="http://schemas.openxmlformats.org/drawingml/2006/main" xmlns:r="http://schemas.openxmlformats.org/officeDocument/2006/relationships" xmlns:p="http://schemas.openxmlformats.org/presentationml/2006/main">
+  <p:cSld>
+    <p:spTree>
+      <p:nvGrpSpPr>
+        <p:cNvPr id="1" name=""/>
+        <p:cNvGrpSpPr/>
+        <p:nvPr/>
+      </p:nvGrpSpPr>
+      <p:grpSpPr>
+        <a:xfrm>
+          <a:off x="0" y="0"/>
+          <a:ext cx="0" cy="0"/>
+          <a:chOff x="0" y="0"/>
+          <a:chExt cx="0" cy="0"/>
+        </a:xfrm>
+      </p:grpSpPr>
+      <p:sp>
+        <p:nvSpPr>
+          <p:cNvPr id="2" name="Title 1"/>
+          <p:cNvSpPr>
+            <a:spLocks noGrp="1"/>
+          </p:cNvSpPr>
+          <p:nvPr>
+            <p:ph type="title"/>
+          </p:nvPr>
+        </p:nvSpPr>
+        <p:spPr/>
+        <p:txBody>
+          <a:bodyPr/>
+          <a:lstStyle/>
+          <a:p>
+            <a:r>
+              <a:rPr lang="bg-BG" dirty="0" smtClean="0"/>
+              <a:t>Класическо ООП</a:t>
+            </a:r>
+            <a:endParaRPr lang="en-US" dirty="0"/>
+          </a:p>
+        </p:txBody>
+      </p:sp>
+      <p:sp>
+        <p:nvSpPr>
+          <p:cNvPr id="3" name="Content Placeholder 2"/>
+          <p:cNvSpPr>
+            <a:spLocks noGrp="1"/>
+          </p:cNvSpPr>
+          <p:nvPr>
+            <p:ph idx="1"/>
+          </p:nvPr>
+        </p:nvSpPr>
+        <p:spPr/>
+        <p:txBody>
+          <a:bodyPr/>
+          <a:lstStyle/>
+          <a:p>
+            <a:r>
+              <a:rPr lang="bg-BG" dirty="0" smtClean="0"/>
+              <a:t>За да създава обекти,  в </a:t>
+            </a:r>
+            <a:r>
+              <a:rPr lang="en-US" dirty="0" smtClean="0"/>
+              <a:t>JS</a:t>
+            </a:r>
+            <a:r>
+              <a:rPr lang="bg-BG" dirty="0" smtClean="0"/>
+              <a:t> се използва функции</a:t>
+            </a:r>
+          </a:p>
+          <a:p>
+            <a:pPr lvl="1"/>
+            <a:r>
+              <a:rPr lang="en-US" i="1" dirty="0" smtClean="0"/>
+              <a:t>JS </a:t>
+            </a:r>
+            <a:r>
+              <a:rPr lang="bg-BG" i="1" dirty="0" smtClean="0"/>
+              <a:t>не поддържа ясна дефиниция за клас или конструктор</a:t>
+            </a:r>
+          </a:p>
+          <a:p>
+            <a:pPr lvl="1"/>
+            <a:r>
+              <a:rPr lang="bg-BG" i="1" dirty="0" smtClean="0">
+                <a:solidFill>
+                  <a:srgbClr val="FF0000"/>
+                </a:solidFill>
+              </a:rPr>
+              <a:t>С въдежданането на </a:t>
+            </a:r>
+            <a:r>
+              <a:rPr lang="en-US" i="1" dirty="0" smtClean="0">
+                <a:solidFill>
+                  <a:srgbClr val="FF0000"/>
+                </a:solidFill>
+              </a:rPr>
+              <a:t>EcmaScript 2015</a:t>
+            </a:r>
+            <a:r>
+              <a:rPr lang="bg-BG" i="1" dirty="0" smtClean="0">
+                <a:solidFill>
+                  <a:srgbClr val="FF0000"/>
+                </a:solidFill>
+              </a:rPr>
+              <a:t>, вече съществува ясна дефиниция за клас и конструктор в </a:t>
+            </a:r>
+            <a:r>
+              <a:rPr lang="en-US" i="1" dirty="0" smtClean="0">
+                <a:solidFill>
+                  <a:srgbClr val="FF0000"/>
+                </a:solidFill>
+              </a:rPr>
+              <a:t>JS</a:t>
+            </a:r>
+          </a:p>
+          <a:p>
+            <a:r>
+              <a:rPr lang="bg-BG" dirty="0"/>
+              <a:t>Функциите играят ролята на обектиния </a:t>
+            </a:r>
+            <a:r>
+              <a:rPr lang="bg-BG" dirty="0" smtClean="0"/>
+              <a:t>конструктор</a:t>
+            </a:r>
+          </a:p>
+          <a:p>
+            <a:pPr lvl="1"/>
+            <a:r>
+              <a:rPr lang="bg-BG" dirty="0" smtClean="0"/>
+              <a:t>Създаването/инициализирането на обекта се осъществява като се извика фунцкията с ключовата дума </a:t>
+            </a:r>
+            <a:r>
+              <a:rPr lang="en-US" i="1" dirty="0" smtClean="0">
+                <a:solidFill>
+                  <a:schemeClr val="accent6">
+                    <a:lumMod val="75000"/>
+                  </a:schemeClr>
+                </a:solidFill>
+              </a:rPr>
+              <a:t>new</a:t>
+            </a:r>
+            <a:endParaRPr lang="bg-BG" i="1" dirty="0">
+              <a:solidFill>
+                <a:schemeClr val="accent6">
+                  <a:lumMod val="75000"/>
+                </a:schemeClr>
+              </a:solidFill>
+            </a:endParaRPr>
+          </a:p>
+          <a:p>
+            <a:endParaRPr lang="en-US" dirty="0"/>
+          </a:p>
+        </p:txBody>
+      </p:sp>
+      <p:sp>
+        <p:nvSpPr>
+          <p:cNvPr id="4" name="Text Placeholder 5"/>
+          <p:cNvSpPr txBox="1">
+            <a:spLocks/>
+          </p:cNvSpPr>
+          <p:nvPr/>
+        </p:nvSpPr>
+        <p:spPr>
+          <a:xfrm>
+            <a:off x="2685472" y="5511968"/>
+            <a:ext cx="8077200" cy="923330"/>
+          </a:xfrm>
+          <a:prstGeom prst="rect">
+            <a:avLst/>
+          </a:prstGeom>
+          <a:ln/>
+        </p:spPr>
+        <p:style>
+          <a:lnRef idx="0">
+            <a:schemeClr val="accent1"/>
+          </a:lnRef>
+          <a:fillRef idx="3">
+            <a:schemeClr val="accent1"/>
+          </a:fillRef>
+          <a:effectRef idx="3">
+            <a:schemeClr val="accent1"/>
+          </a:effectRef>
+          <a:fontRef idx="minor">
+            <a:schemeClr val="lt1"/>
+          </a:fontRef>
+        </p:style>
+        <p:txBody>
+          <a:bodyPr wrap="square">
+            <a:spAutoFit/>
+          </a:bodyPr>
+          <a:lstStyle>
+            <a:defPPr>
+              <a:defRPr lang="en-US"/>
+            </a:defPPr>
+            <a:lvl1pPr marL="0" algn="l" defTabSz="914400" rtl="0" eaLnBrk="1" latinLnBrk="0" hangingPunct="1">
+              <a:defRPr sz="1800" kern="1200">
+                <a:solidFill>
+                  <a:schemeClr val="tx1"/>
+                </a:solidFill>
+                <a:latin typeface="+mn-lt"/>
+                <a:ea typeface="+mn-ea"/>
+                <a:cs typeface="+mn-cs"/>
+              </a:defRPr>
+            </a:lvl1pPr>
+            <a:lvl2pPr marL="457200" algn="l" defTabSz="914400" rtl="0" eaLnBrk="1" latinLnBrk="0" hangingPunct="1">
+              <a:defRPr sz="1800" kern="1200">
+                <a:solidFill>
+                  <a:schemeClr val="tx1"/>
+                </a:solidFill>
+                <a:latin typeface="+mn-lt"/>
+                <a:ea typeface="+mn-ea"/>
+                <a:cs typeface="+mn-cs"/>
+              </a:defRPr>
+            </a:lvl2pPr>
+            <a:lvl3pPr marL="914400" algn="l" defTabSz="914400" rtl="0" eaLnBrk="1" latinLnBrk="0" hangingPunct="1">
+              <a:defRPr sz="1800" kern="1200">
+                <a:solidFill>
+                  <a:schemeClr val="tx1"/>
+                </a:solidFill>
+                <a:latin typeface="+mn-lt"/>
+                <a:ea typeface="+mn-ea"/>
+                <a:cs typeface="+mn-cs"/>
+              </a:defRPr>
+            </a:lvl3pPr>
+            <a:lvl4pPr marL="1371600" algn="l" defTabSz="914400" rtl="0" eaLnBrk="1" latinLnBrk="0" hangingPunct="1">
+              <a:defRPr sz="1800" kern="1200">
+                <a:solidFill>
+                  <a:schemeClr val="tx1"/>
+                </a:solidFill>
+                <a:latin typeface="+mn-lt"/>
+                <a:ea typeface="+mn-ea"/>
+                <a:cs typeface="+mn-cs"/>
+              </a:defRPr>
+            </a:lvl4pPr>
+            <a:lvl5pPr marL="1828800" algn="l" defTabSz="914400" rtl="0" eaLnBrk="1" latinLnBrk="0" hangingPunct="1">
+              <a:defRPr sz="1800" kern="1200">
+                <a:solidFill>
+                  <a:schemeClr val="tx1"/>
+                </a:solidFill>
+                <a:latin typeface="+mn-lt"/>
+                <a:ea typeface="+mn-ea"/>
+                <a:cs typeface="+mn-cs"/>
+              </a:defRPr>
+            </a:lvl5pPr>
+            <a:lvl6pPr marL="2286000" algn="l" defTabSz="914400" rtl="0" eaLnBrk="1" latinLnBrk="0" hangingPunct="1">
+              <a:defRPr sz="1800" kern="1200">
+                <a:solidFill>
+                  <a:schemeClr val="tx1"/>
+                </a:solidFill>
+                <a:latin typeface="+mn-lt"/>
+                <a:ea typeface="+mn-ea"/>
+                <a:cs typeface="+mn-cs"/>
+              </a:defRPr>
+            </a:lvl6pPr>
+            <a:lvl7pPr marL="2743200" algn="l" defTabSz="914400" rtl="0" eaLnBrk="1" latinLnBrk="0" hangingPunct="1">
+              <a:defRPr sz="1800" kern="1200">
+                <a:solidFill>
+                  <a:schemeClr val="tx1"/>
+                </a:solidFill>
+                <a:latin typeface="+mn-lt"/>
+                <a:ea typeface="+mn-ea"/>
+                <a:cs typeface="+mn-cs"/>
+              </a:defRPr>
+            </a:lvl7pPr>
+            <a:lvl8pPr marL="3200400" algn="l" defTabSz="914400" rtl="0" eaLnBrk="1" latinLnBrk="0" hangingPunct="1">
+              <a:defRPr sz="1800" kern="1200">
+                <a:solidFill>
+                  <a:schemeClr val="tx1"/>
+                </a:solidFill>
+                <a:latin typeface="+mn-lt"/>
+                <a:ea typeface="+mn-ea"/>
+                <a:cs typeface="+mn-cs"/>
+              </a:defRPr>
+            </a:lvl8pPr>
+            <a:lvl9pPr marL="3657600" algn="l" defTabSz="914400" rtl="0" eaLnBrk="1" latinLnBrk="0" hangingPunct="1">
+              <a:defRPr sz="1800" kern="1200">
+                <a:solidFill>
+                  <a:schemeClr val="tx1"/>
+                </a:solidFill>
+                <a:latin typeface="+mn-lt"/>
+                <a:ea typeface="+mn-ea"/>
+                <a:cs typeface="+mn-cs"/>
+              </a:defRPr>
+            </a:lvl9pPr>
+          </a:lstStyle>
+          <a:p>
+            <a:r>
+              <a:rPr lang="en-US" dirty="0" smtClean="0">
+                <a:solidFill>
+                  <a:schemeClr val="bg1"/>
+                </a:solidFill>
+              </a:rPr>
+              <a:t>function </a:t>
+            </a:r>
+            <a:r>
+              <a:rPr lang="en-US" dirty="0" smtClean="0">
+                <a:solidFill>
+                  <a:schemeClr val="bg1"/>
+                </a:solidFill>
+              </a:rPr>
+              <a:t>Car(){ }</a:t>
+            </a:r>
+            <a:endParaRPr lang="en-US" dirty="0" smtClean="0">
+              <a:solidFill>
+                <a:schemeClr val="bg1"/>
+              </a:solidFill>
+            </a:endParaRPr>
+          </a:p>
+          <a:p>
+            <a:r>
+              <a:rPr lang="en-US" dirty="0" err="1">
+                <a:solidFill>
+                  <a:schemeClr val="bg1"/>
+                </a:solidFill>
+              </a:rPr>
+              <a:t>v</a:t>
+            </a:r>
+            <a:r>
+              <a:rPr lang="en-US" dirty="0" err="1" smtClean="0">
+                <a:solidFill>
+                  <a:schemeClr val="bg1"/>
+                </a:solidFill>
+              </a:rPr>
+              <a:t>ar</a:t>
+            </a:r>
+            <a:r>
+              <a:rPr lang="en-US" dirty="0" smtClean="0">
+                <a:solidFill>
+                  <a:schemeClr val="bg1"/>
+                </a:solidFill>
+              </a:rPr>
+              <a:t> </a:t>
+            </a:r>
+            <a:r>
+              <a:rPr lang="en-US" dirty="0" err="1">
+                <a:solidFill>
+                  <a:schemeClr val="bg1"/>
+                </a:solidFill>
+              </a:rPr>
+              <a:t>m</a:t>
+            </a:r>
+            <a:r>
+              <a:rPr lang="en-US" dirty="0" err="1" smtClean="0">
+                <a:solidFill>
+                  <a:schemeClr val="bg1"/>
+                </a:solidFill>
+              </a:rPr>
+              <a:t>ercedes</a:t>
+            </a:r>
+            <a:r>
+              <a:rPr lang="en-US" dirty="0" smtClean="0">
+                <a:solidFill>
+                  <a:schemeClr val="bg1"/>
+                </a:solidFill>
+              </a:rPr>
+              <a:t> = </a:t>
+            </a:r>
+            <a:r>
+              <a:rPr lang="en-US" b="1" dirty="0" smtClean="0">
+                <a:solidFill>
+                  <a:schemeClr val="bg1"/>
+                </a:solidFill>
+              </a:rPr>
+              <a:t>new</a:t>
+            </a:r>
+            <a:r>
+              <a:rPr lang="en-US" dirty="0" smtClean="0">
+                <a:solidFill>
+                  <a:schemeClr val="bg1"/>
+                </a:solidFill>
+              </a:rPr>
+              <a:t> </a:t>
+            </a:r>
+            <a:r>
+              <a:rPr lang="en-US" dirty="0" smtClean="0">
+                <a:solidFill>
+                  <a:schemeClr val="bg1"/>
+                </a:solidFill>
+              </a:rPr>
+              <a:t>Car(); // instance </a:t>
+            </a:r>
+            <a:r>
+              <a:rPr lang="en-US" dirty="0" smtClean="0">
+                <a:solidFill>
+                  <a:schemeClr val="bg1"/>
+                </a:solidFill>
+              </a:rPr>
+              <a:t>of </a:t>
+            </a:r>
+            <a:r>
+              <a:rPr lang="en-US" dirty="0" smtClean="0">
+                <a:solidFill>
+                  <a:schemeClr val="bg1"/>
+                </a:solidFill>
+              </a:rPr>
+              <a:t>Car</a:t>
+            </a:r>
+            <a:endParaRPr lang="en-US" dirty="0" smtClean="0">
+              <a:solidFill>
+                <a:schemeClr val="bg1"/>
+              </a:solidFill>
+            </a:endParaRPr>
+          </a:p>
+          <a:p>
+            <a:r>
+              <a:rPr lang="en-US" dirty="0" err="1" smtClean="0">
+                <a:solidFill>
+                  <a:schemeClr val="bg1"/>
+                </a:solidFill>
+              </a:rPr>
+              <a:t>var</a:t>
+            </a:r>
+            <a:r>
+              <a:rPr lang="en-US" dirty="0" smtClean="0">
+                <a:solidFill>
+                  <a:schemeClr val="bg1"/>
+                </a:solidFill>
+              </a:rPr>
+              <a:t> </a:t>
+            </a:r>
+            <a:r>
+              <a:rPr lang="en-US" dirty="0" smtClean="0">
+                <a:solidFill>
+                  <a:schemeClr val="bg1"/>
+                </a:solidFill>
+              </a:rPr>
+              <a:t>tesla = </a:t>
+            </a:r>
+            <a:r>
+              <a:rPr lang="en-US" b="1" dirty="0" smtClean="0">
+                <a:solidFill>
+                  <a:schemeClr val="bg1"/>
+                </a:solidFill>
+              </a:rPr>
+              <a:t>new</a:t>
+            </a:r>
+            <a:r>
+              <a:rPr lang="en-US" dirty="0" smtClean="0">
+                <a:solidFill>
+                  <a:schemeClr val="bg1"/>
+                </a:solidFill>
+              </a:rPr>
+              <a:t> </a:t>
+            </a:r>
+            <a:r>
+              <a:rPr lang="en-US" dirty="0" smtClean="0">
+                <a:solidFill>
+                  <a:schemeClr val="bg1"/>
+                </a:solidFill>
+              </a:rPr>
+              <a:t>Car(); // another </a:t>
+            </a:r>
+            <a:r>
+              <a:rPr lang="en-US" dirty="0" smtClean="0">
+                <a:solidFill>
+                  <a:schemeClr val="bg1"/>
+                </a:solidFill>
+              </a:rPr>
+              <a:t>instance of </a:t>
+            </a:r>
+            <a:r>
+              <a:rPr lang="en-US" dirty="0" smtClean="0">
+                <a:solidFill>
+                  <a:schemeClr val="bg1"/>
+                </a:solidFill>
+              </a:rPr>
+              <a:t>Car</a:t>
+            </a:r>
+            <a:endParaRPr lang="en-US" dirty="0">
+              <a:solidFill>
+                <a:schemeClr val="bg1"/>
+              </a:solidFill>
+            </a:endParaRPr>
+          </a:p>
+        </p:txBody>
+      </p:sp>
+    </p:spTree>
+    <p:extLst>
+      <p:ext uri="{BB962C8B-B14F-4D97-AF65-F5344CB8AC3E}">
+        <p14:creationId xmlns:p14="http://schemas.microsoft.com/office/powerpoint/2010/main" val="143597258"/>
+      </p:ext>
+    </p:extLst>
+  </p:cSld>
+  <p:clrMapOvr>
+    <a:masterClrMapping/>
+  </p:clrMapOvr>
+</p:sld>
+</file>
+
+<file path=ppt/slides/slide11.xml><?xml version="1.0" encoding="utf-8"?>
+<p:sld xmlns:a="http://schemas.openxmlformats.org/drawingml/2006/main" xmlns:r="http://schemas.openxmlformats.org/officeDocument/2006/relationships" xmlns:p="http://schemas.openxmlformats.org/presentationml/2006/main">
+  <p:cSld>
+    <p:spTree>
+      <p:nvGrpSpPr>
+        <p:cNvPr id="1" name=""/>
+        <p:cNvGrpSpPr/>
+        <p:nvPr/>
+      </p:nvGrpSpPr>
+      <p:grpSpPr>
+        <a:xfrm>
+          <a:off x="0" y="0"/>
+          <a:ext cx="0" cy="0"/>
+          <a:chOff x="0" y="0"/>
+          <a:chExt cx="0" cy="0"/>
+        </a:xfrm>
+      </p:grpSpPr>
+      <p:sp>
+        <p:nvSpPr>
+          <p:cNvPr id="2" name="Title 1"/>
+          <p:cNvSpPr>
+            <a:spLocks noGrp="1"/>
+          </p:cNvSpPr>
+          <p:nvPr>
+            <p:ph type="title"/>
+          </p:nvPr>
+        </p:nvSpPr>
+        <p:spPr/>
+        <p:txBody>
+          <a:bodyPr/>
+          <a:lstStyle/>
+          <a:p>
+            <a:r>
+              <a:rPr lang="bg-BG" dirty="0" smtClean="0"/>
+              <a:t>Създаване на обекти</a:t>
+            </a:r>
+            <a:endParaRPr lang="en-US" dirty="0"/>
+          </a:p>
+        </p:txBody>
+      </p:sp>
+      <p:sp>
+        <p:nvSpPr>
+          <p:cNvPr id="3" name="Content Placeholder 2"/>
+          <p:cNvSpPr>
+            <a:spLocks noGrp="1"/>
+          </p:cNvSpPr>
+          <p:nvPr>
+            <p:ph idx="1"/>
+          </p:nvPr>
+        </p:nvSpPr>
+        <p:spPr>
+          <a:xfrm>
+            <a:off x="1484310" y="2666999"/>
+            <a:ext cx="10018713" cy="3465946"/>
+          </a:xfrm>
+        </p:spPr>
+        <p:txBody>
+          <a:bodyPr>
+            <a:normAutofit lnSpcReduction="10000"/>
+          </a:bodyPr>
+          <a:lstStyle/>
+          <a:p>
+            <a:r>
+              <a:rPr lang="bg-BG" dirty="0" smtClean="0"/>
+              <a:t>Когато се използва фунцкия като обектен конструктор, то тя се извиква за изпълнение чрез ключовата дума </a:t>
+            </a:r>
+            <a:r>
+              <a:rPr lang="en-US" i="1" dirty="0" smtClean="0">
+                <a:solidFill>
+                  <a:schemeClr val="accent6">
+                    <a:lumMod val="75000"/>
+                  </a:schemeClr>
+                </a:solidFill>
+              </a:rPr>
+              <a:t>new</a:t>
+            </a:r>
+          </a:p>
+          <a:p>
+            <a:endParaRPr lang="en-US" i="1" dirty="0">
+              <a:solidFill>
+                <a:schemeClr val="accent6">
+                  <a:lumMod val="75000"/>
+                </a:schemeClr>
+              </a:solidFill>
+            </a:endParaRPr>
+          </a:p>
+          <a:p>
+            <a:endParaRPr lang="bg-BG" i="1" dirty="0">
+              <a:solidFill>
+                <a:schemeClr val="accent6">
+                  <a:lumMod val="75000"/>
+                </a:schemeClr>
+              </a:solidFill>
+            </a:endParaRPr>
+          </a:p>
+          <a:p>
+            <a:r>
+              <a:rPr lang="bg-BG" dirty="0"/>
+              <a:t>Всяка инстанция е независима, т.е. </a:t>
+            </a:r>
+            <a:r>
+              <a:rPr lang="bg-BG" dirty="0"/>
+              <a:t>всяка инстанция си има свое състояние и </a:t>
+            </a:r>
+            <a:r>
+              <a:rPr lang="bg-BG" dirty="0" smtClean="0"/>
+              <a:t>поведение</a:t>
+            </a:r>
+          </a:p>
+          <a:p>
+            <a:r>
+              <a:rPr lang="bg-BG" dirty="0" smtClean="0"/>
+              <a:t>Функцията конструктор може да приема параметри, за да задава текущото съсотяние на инстанцията</a:t>
+            </a:r>
+            <a:endParaRPr lang="en-US" dirty="0"/>
+          </a:p>
+        </p:txBody>
+      </p:sp>
+      <p:sp>
+        <p:nvSpPr>
+          <p:cNvPr id="5" name="Text Placeholder 5"/>
+          <p:cNvSpPr txBox="1">
+            <a:spLocks/>
+          </p:cNvSpPr>
+          <p:nvPr/>
+        </p:nvSpPr>
+        <p:spPr>
+          <a:xfrm>
+            <a:off x="2455066" y="3481109"/>
+            <a:ext cx="8077200" cy="923330"/>
+          </a:xfrm>
+          <a:prstGeom prst="rect">
+            <a:avLst/>
+          </a:prstGeom>
+          <a:ln/>
+        </p:spPr>
+        <p:style>
+          <a:lnRef idx="0">
+            <a:schemeClr val="accent1"/>
+          </a:lnRef>
+          <a:fillRef idx="3">
+            <a:schemeClr val="accent1"/>
+          </a:fillRef>
+          <a:effectRef idx="3">
+            <a:schemeClr val="accent1"/>
+          </a:effectRef>
+          <a:fontRef idx="minor">
+            <a:schemeClr val="lt1"/>
+          </a:fontRef>
+        </p:style>
+        <p:txBody>
+          <a:bodyPr wrap="square">
+            <a:spAutoFit/>
+          </a:bodyPr>
+          <a:lstStyle>
+            <a:defPPr>
+              <a:defRPr lang="en-US"/>
+            </a:defPPr>
+            <a:lvl1pPr marL="0" algn="l" defTabSz="914400" rtl="0" eaLnBrk="1" latinLnBrk="0" hangingPunct="1">
+              <a:defRPr sz="1800" kern="1200">
+                <a:solidFill>
+                  <a:schemeClr val="tx1"/>
+                </a:solidFill>
+                <a:latin typeface="+mn-lt"/>
+                <a:ea typeface="+mn-ea"/>
+                <a:cs typeface="+mn-cs"/>
+              </a:defRPr>
+            </a:lvl1pPr>
+            <a:lvl2pPr marL="457200" algn="l" defTabSz="914400" rtl="0" eaLnBrk="1" latinLnBrk="0" hangingPunct="1">
+              <a:defRPr sz="1800" kern="1200">
+                <a:solidFill>
+                  <a:schemeClr val="tx1"/>
+                </a:solidFill>
+                <a:latin typeface="+mn-lt"/>
+                <a:ea typeface="+mn-ea"/>
+                <a:cs typeface="+mn-cs"/>
+              </a:defRPr>
+            </a:lvl2pPr>
+            <a:lvl3pPr marL="914400" algn="l" defTabSz="914400" rtl="0" eaLnBrk="1" latinLnBrk="0" hangingPunct="1">
+              <a:defRPr sz="1800" kern="1200">
+                <a:solidFill>
+                  <a:schemeClr val="tx1"/>
+                </a:solidFill>
+                <a:latin typeface="+mn-lt"/>
+                <a:ea typeface="+mn-ea"/>
+                <a:cs typeface="+mn-cs"/>
+              </a:defRPr>
+            </a:lvl3pPr>
+            <a:lvl4pPr marL="1371600" algn="l" defTabSz="914400" rtl="0" eaLnBrk="1" latinLnBrk="0" hangingPunct="1">
+              <a:defRPr sz="1800" kern="1200">
+                <a:solidFill>
+                  <a:schemeClr val="tx1"/>
+                </a:solidFill>
+                <a:latin typeface="+mn-lt"/>
+                <a:ea typeface="+mn-ea"/>
+                <a:cs typeface="+mn-cs"/>
+              </a:defRPr>
+            </a:lvl4pPr>
+            <a:lvl5pPr marL="1828800" algn="l" defTabSz="914400" rtl="0" eaLnBrk="1" latinLnBrk="0" hangingPunct="1">
+              <a:defRPr sz="1800" kern="1200">
+                <a:solidFill>
+                  <a:schemeClr val="tx1"/>
+                </a:solidFill>
+                <a:latin typeface="+mn-lt"/>
+                <a:ea typeface="+mn-ea"/>
+                <a:cs typeface="+mn-cs"/>
+              </a:defRPr>
+            </a:lvl5pPr>
+            <a:lvl6pPr marL="2286000" algn="l" defTabSz="914400" rtl="0" eaLnBrk="1" latinLnBrk="0" hangingPunct="1">
+              <a:defRPr sz="1800" kern="1200">
+                <a:solidFill>
+                  <a:schemeClr val="tx1"/>
+                </a:solidFill>
+                <a:latin typeface="+mn-lt"/>
+                <a:ea typeface="+mn-ea"/>
+                <a:cs typeface="+mn-cs"/>
+              </a:defRPr>
+            </a:lvl6pPr>
+            <a:lvl7pPr marL="2743200" algn="l" defTabSz="914400" rtl="0" eaLnBrk="1" latinLnBrk="0" hangingPunct="1">
+              <a:defRPr sz="1800" kern="1200">
+                <a:solidFill>
+                  <a:schemeClr val="tx1"/>
+                </a:solidFill>
+                <a:latin typeface="+mn-lt"/>
+                <a:ea typeface="+mn-ea"/>
+                <a:cs typeface="+mn-cs"/>
+              </a:defRPr>
+            </a:lvl7pPr>
+            <a:lvl8pPr marL="3200400" algn="l" defTabSz="914400" rtl="0" eaLnBrk="1" latinLnBrk="0" hangingPunct="1">
+              <a:defRPr sz="1800" kern="1200">
+                <a:solidFill>
+                  <a:schemeClr val="tx1"/>
+                </a:solidFill>
+                <a:latin typeface="+mn-lt"/>
+                <a:ea typeface="+mn-ea"/>
+                <a:cs typeface="+mn-cs"/>
+              </a:defRPr>
+            </a:lvl8pPr>
+            <a:lvl9pPr marL="3657600" algn="l" defTabSz="914400" rtl="0" eaLnBrk="1" latinLnBrk="0" hangingPunct="1">
+              <a:defRPr sz="1800" kern="1200">
+                <a:solidFill>
+                  <a:schemeClr val="tx1"/>
+                </a:solidFill>
+                <a:latin typeface="+mn-lt"/>
+                <a:ea typeface="+mn-ea"/>
+                <a:cs typeface="+mn-cs"/>
+              </a:defRPr>
+            </a:lvl9pPr>
+          </a:lstStyle>
+          <a:p>
+            <a:r>
+              <a:rPr lang="en-US" dirty="0" smtClean="0">
+                <a:solidFill>
+                  <a:schemeClr val="bg1"/>
+                </a:solidFill>
+              </a:rPr>
+              <a:t>function </a:t>
+            </a:r>
+            <a:r>
+              <a:rPr lang="en-US" dirty="0" smtClean="0">
+                <a:solidFill>
+                  <a:schemeClr val="bg1"/>
+                </a:solidFill>
+              </a:rPr>
+              <a:t>Car(){ }</a:t>
+            </a:r>
+            <a:endParaRPr lang="en-US" dirty="0" smtClean="0">
+              <a:solidFill>
+                <a:schemeClr val="bg1"/>
+              </a:solidFill>
+            </a:endParaRPr>
+          </a:p>
+          <a:p>
+            <a:r>
+              <a:rPr lang="en-US" dirty="0" err="1">
+                <a:solidFill>
+                  <a:schemeClr val="bg1"/>
+                </a:solidFill>
+              </a:rPr>
+              <a:t>v</a:t>
+            </a:r>
+            <a:r>
+              <a:rPr lang="en-US" dirty="0" err="1" smtClean="0">
+                <a:solidFill>
+                  <a:schemeClr val="bg1"/>
+                </a:solidFill>
+              </a:rPr>
+              <a:t>ar</a:t>
+            </a:r>
+            <a:r>
+              <a:rPr lang="en-US" dirty="0" smtClean="0">
+                <a:solidFill>
+                  <a:schemeClr val="bg1"/>
+                </a:solidFill>
+              </a:rPr>
+              <a:t> </a:t>
+            </a:r>
+            <a:r>
+              <a:rPr lang="en-US" dirty="0" err="1">
+                <a:solidFill>
+                  <a:schemeClr val="bg1"/>
+                </a:solidFill>
+              </a:rPr>
+              <a:t>m</a:t>
+            </a:r>
+            <a:r>
+              <a:rPr lang="en-US" dirty="0" err="1" smtClean="0">
+                <a:solidFill>
+                  <a:schemeClr val="bg1"/>
+                </a:solidFill>
+              </a:rPr>
+              <a:t>ercedes</a:t>
+            </a:r>
+            <a:r>
+              <a:rPr lang="en-US" dirty="0" smtClean="0">
+                <a:solidFill>
+                  <a:schemeClr val="bg1"/>
+                </a:solidFill>
+              </a:rPr>
+              <a:t> = </a:t>
+            </a:r>
+            <a:r>
+              <a:rPr lang="en-US" b="1" dirty="0" smtClean="0">
+                <a:solidFill>
+                  <a:schemeClr val="bg1"/>
+                </a:solidFill>
+              </a:rPr>
+              <a:t>new</a:t>
+            </a:r>
+            <a:r>
+              <a:rPr lang="en-US" dirty="0" smtClean="0">
+                <a:solidFill>
+                  <a:schemeClr val="bg1"/>
+                </a:solidFill>
+              </a:rPr>
+              <a:t> </a:t>
+            </a:r>
+            <a:r>
+              <a:rPr lang="en-US" dirty="0" smtClean="0">
+                <a:solidFill>
+                  <a:schemeClr val="bg1"/>
+                </a:solidFill>
+              </a:rPr>
+              <a:t>Car(); // instance </a:t>
+            </a:r>
+            <a:r>
+              <a:rPr lang="en-US" dirty="0" smtClean="0">
+                <a:solidFill>
+                  <a:schemeClr val="bg1"/>
+                </a:solidFill>
+              </a:rPr>
+              <a:t>of </a:t>
+            </a:r>
+            <a:r>
+              <a:rPr lang="en-US" dirty="0" smtClean="0">
+                <a:solidFill>
+                  <a:schemeClr val="bg1"/>
+                </a:solidFill>
+              </a:rPr>
+              <a:t>Car</a:t>
+            </a:r>
+            <a:endParaRPr lang="en-US" dirty="0" smtClean="0">
+              <a:solidFill>
+                <a:schemeClr val="bg1"/>
+              </a:solidFill>
+            </a:endParaRPr>
+          </a:p>
+          <a:p>
+            <a:r>
+              <a:rPr lang="en-US" dirty="0" err="1" smtClean="0">
+                <a:solidFill>
+                  <a:schemeClr val="bg1"/>
+                </a:solidFill>
+              </a:rPr>
+              <a:t>var</a:t>
+            </a:r>
+            <a:r>
+              <a:rPr lang="en-US" dirty="0" smtClean="0">
+                <a:solidFill>
+                  <a:schemeClr val="bg1"/>
+                </a:solidFill>
+              </a:rPr>
+              <a:t> </a:t>
+            </a:r>
+            <a:r>
+              <a:rPr lang="en-US" dirty="0" smtClean="0">
+                <a:solidFill>
+                  <a:schemeClr val="bg1"/>
+                </a:solidFill>
+              </a:rPr>
+              <a:t>tesla = </a:t>
+            </a:r>
+            <a:r>
+              <a:rPr lang="en-US" b="1" dirty="0" smtClean="0">
+                <a:solidFill>
+                  <a:schemeClr val="bg1"/>
+                </a:solidFill>
+              </a:rPr>
+              <a:t>new</a:t>
+            </a:r>
+            <a:r>
+              <a:rPr lang="en-US" dirty="0" smtClean="0">
+                <a:solidFill>
+                  <a:schemeClr val="bg1"/>
+                </a:solidFill>
+              </a:rPr>
+              <a:t> </a:t>
+            </a:r>
+            <a:r>
+              <a:rPr lang="en-US" dirty="0" smtClean="0">
+                <a:solidFill>
+                  <a:schemeClr val="bg1"/>
+                </a:solidFill>
+              </a:rPr>
+              <a:t>Car(); // another </a:t>
+            </a:r>
+            <a:r>
+              <a:rPr lang="en-US" dirty="0" smtClean="0">
+                <a:solidFill>
+                  <a:schemeClr val="bg1"/>
+                </a:solidFill>
+              </a:rPr>
+              <a:t>instance of </a:t>
+            </a:r>
+            <a:r>
+              <a:rPr lang="en-US" dirty="0" smtClean="0">
+                <a:solidFill>
+                  <a:schemeClr val="bg1"/>
+                </a:solidFill>
+              </a:rPr>
+              <a:t>Car</a:t>
+            </a:r>
+            <a:endParaRPr lang="en-US" dirty="0">
+              <a:solidFill>
+                <a:schemeClr val="bg1"/>
+              </a:solidFill>
+            </a:endParaRPr>
+          </a:p>
+        </p:txBody>
+      </p:sp>
+    </p:spTree>
+    <p:extLst>
+      <p:ext uri="{BB962C8B-B14F-4D97-AF65-F5344CB8AC3E}">
+        <p14:creationId xmlns:p14="http://schemas.microsoft.com/office/powerpoint/2010/main" val="2479337524"/>
+      </p:ext>
+    </p:extLst>
+  </p:cSld>
+  <p:clrMapOvr>
+    <a:masterClrMapping/>
+  </p:clrMapOvr>
+</p:sld>
+</file>
+
+<file path=ppt/slides/slide12.xml><?xml version="1.0" encoding="utf-8"?>
+<p:sld xmlns:a="http://schemas.openxmlformats.org/drawingml/2006/main" xmlns:r="http://schemas.openxmlformats.org/officeDocument/2006/relationships" xmlns:p="http://schemas.openxmlformats.org/presentationml/2006/main">
+  <p:cSld>
+    <p:spTree>
+      <p:nvGrpSpPr>
+        <p:cNvPr id="1" name=""/>
+        <p:cNvGrpSpPr/>
+        <p:nvPr/>
+      </p:nvGrpSpPr>
+      <p:grpSpPr>
+        <a:xfrm>
+          <a:off x="0" y="0"/>
+          <a:ext cx="0" cy="0"/>
+          <a:chOff x="0" y="0"/>
+          <a:chExt cx="0" cy="0"/>
+        </a:xfrm>
+      </p:grpSpPr>
+      <p:sp>
+        <p:nvSpPr>
+          <p:cNvPr id="2" name="Title 1"/>
+          <p:cNvSpPr>
+            <a:spLocks noGrp="1"/>
+          </p:cNvSpPr>
+          <p:nvPr>
+            <p:ph type="title"/>
+          </p:nvPr>
+        </p:nvSpPr>
+        <p:spPr/>
+        <p:txBody>
+          <a:bodyPr/>
+          <a:lstStyle/>
+          <a:p>
+            <a:r>
+              <a:rPr lang="bg-BG" dirty="0" smtClean="0"/>
+              <a:t>Създаване на обекти</a:t>
+            </a:r>
+            <a:endParaRPr lang="en-US" dirty="0"/>
+          </a:p>
+        </p:txBody>
+      </p:sp>
+      <p:sp>
+        <p:nvSpPr>
+          <p:cNvPr id="3" name="Content Placeholder 2"/>
+          <p:cNvSpPr>
+            <a:spLocks noGrp="1"/>
+          </p:cNvSpPr>
+          <p:nvPr>
+            <p:ph idx="1"/>
+          </p:nvPr>
+        </p:nvSpPr>
+        <p:spPr>
+          <a:xfrm>
+            <a:off x="1484310" y="2666999"/>
+            <a:ext cx="10018713" cy="1147619"/>
+          </a:xfrm>
+        </p:spPr>
+        <p:txBody>
+          <a:bodyPr>
+            <a:normAutofit/>
+          </a:bodyPr>
+          <a:lstStyle/>
+          <a:p>
+            <a:r>
+              <a:rPr lang="bg-BG" dirty="0" smtClean="0"/>
+              <a:t>Фунцкия конструктор с параметри</a:t>
+            </a:r>
+          </a:p>
+          <a:p>
+            <a:pPr lvl="1"/>
+            <a:r>
+              <a:rPr lang="bg-BG" dirty="0" smtClean="0"/>
+              <a:t>Нормална функция с параматри, която се извиква с кл. дума </a:t>
+            </a:r>
+            <a:r>
+              <a:rPr lang="en-US" i="1" dirty="0" smtClean="0">
+                <a:solidFill>
+                  <a:schemeClr val="accent6">
+                    <a:lumMod val="75000"/>
+                  </a:schemeClr>
+                </a:solidFill>
+              </a:rPr>
+              <a:t>new</a:t>
+            </a:r>
+            <a:endParaRPr lang="en-US" i="1" dirty="0">
+              <a:solidFill>
+                <a:schemeClr val="accent6">
+                  <a:lumMod val="75000"/>
+                </a:schemeClr>
+              </a:solidFill>
+            </a:endParaRPr>
+          </a:p>
+        </p:txBody>
+      </p:sp>
+      <p:sp>
+        <p:nvSpPr>
+          <p:cNvPr id="5" name="Text Placeholder 5"/>
+          <p:cNvSpPr txBox="1">
+            <a:spLocks/>
+          </p:cNvSpPr>
+          <p:nvPr/>
+        </p:nvSpPr>
+        <p:spPr>
+          <a:xfrm>
+            <a:off x="3042981" y="3814618"/>
+            <a:ext cx="6901370" cy="2862322"/>
+          </a:xfrm>
+          <a:prstGeom prst="rect">
+            <a:avLst/>
+          </a:prstGeom>
+          <a:ln/>
+        </p:spPr>
+        <p:style>
+          <a:lnRef idx="0">
+            <a:schemeClr val="accent1"/>
+          </a:lnRef>
+          <a:fillRef idx="3">
+            <a:schemeClr val="accent1"/>
+          </a:fillRef>
+          <a:effectRef idx="3">
+            <a:schemeClr val="accent1"/>
+          </a:effectRef>
+          <a:fontRef idx="minor">
+            <a:schemeClr val="lt1"/>
+          </a:fontRef>
+        </p:style>
+        <p:txBody>
+          <a:bodyPr wrap="square">
+            <a:spAutoFit/>
+          </a:bodyPr>
+          <a:lstStyle>
+            <a:defPPr>
+              <a:defRPr lang="en-US"/>
+            </a:defPPr>
+            <a:lvl1pPr marL="0" algn="l" defTabSz="914400" rtl="0" eaLnBrk="1" latinLnBrk="0" hangingPunct="1">
+              <a:defRPr sz="1800" kern="1200">
+                <a:solidFill>
+                  <a:schemeClr val="tx1"/>
+                </a:solidFill>
+                <a:latin typeface="+mn-lt"/>
+                <a:ea typeface="+mn-ea"/>
+                <a:cs typeface="+mn-cs"/>
+              </a:defRPr>
+            </a:lvl1pPr>
+            <a:lvl2pPr marL="457200" algn="l" defTabSz="914400" rtl="0" eaLnBrk="1" latinLnBrk="0" hangingPunct="1">
+              <a:defRPr sz="1800" kern="1200">
+                <a:solidFill>
+                  <a:schemeClr val="tx1"/>
+                </a:solidFill>
+                <a:latin typeface="+mn-lt"/>
+                <a:ea typeface="+mn-ea"/>
+                <a:cs typeface="+mn-cs"/>
+              </a:defRPr>
+            </a:lvl2pPr>
+            <a:lvl3pPr marL="914400" algn="l" defTabSz="914400" rtl="0" eaLnBrk="1" latinLnBrk="0" hangingPunct="1">
+              <a:defRPr sz="1800" kern="1200">
+                <a:solidFill>
+                  <a:schemeClr val="tx1"/>
+                </a:solidFill>
+                <a:latin typeface="+mn-lt"/>
+                <a:ea typeface="+mn-ea"/>
+                <a:cs typeface="+mn-cs"/>
+              </a:defRPr>
+            </a:lvl3pPr>
+            <a:lvl4pPr marL="1371600" algn="l" defTabSz="914400" rtl="0" eaLnBrk="1" latinLnBrk="0" hangingPunct="1">
+              <a:defRPr sz="1800" kern="1200">
+                <a:solidFill>
+                  <a:schemeClr val="tx1"/>
+                </a:solidFill>
+                <a:latin typeface="+mn-lt"/>
+                <a:ea typeface="+mn-ea"/>
+                <a:cs typeface="+mn-cs"/>
+              </a:defRPr>
+            </a:lvl4pPr>
+            <a:lvl5pPr marL="1828800" algn="l" defTabSz="914400" rtl="0" eaLnBrk="1" latinLnBrk="0" hangingPunct="1">
+              <a:defRPr sz="1800" kern="1200">
+                <a:solidFill>
+                  <a:schemeClr val="tx1"/>
+                </a:solidFill>
+                <a:latin typeface="+mn-lt"/>
+                <a:ea typeface="+mn-ea"/>
+                <a:cs typeface="+mn-cs"/>
+              </a:defRPr>
+            </a:lvl5pPr>
+            <a:lvl6pPr marL="2286000" algn="l" defTabSz="914400" rtl="0" eaLnBrk="1" latinLnBrk="0" hangingPunct="1">
+              <a:defRPr sz="1800" kern="1200">
+                <a:solidFill>
+                  <a:schemeClr val="tx1"/>
+                </a:solidFill>
+                <a:latin typeface="+mn-lt"/>
+                <a:ea typeface="+mn-ea"/>
+                <a:cs typeface="+mn-cs"/>
+              </a:defRPr>
+            </a:lvl6pPr>
+            <a:lvl7pPr marL="2743200" algn="l" defTabSz="914400" rtl="0" eaLnBrk="1" latinLnBrk="0" hangingPunct="1">
+              <a:defRPr sz="1800" kern="1200">
+                <a:solidFill>
+                  <a:schemeClr val="tx1"/>
+                </a:solidFill>
+                <a:latin typeface="+mn-lt"/>
+                <a:ea typeface="+mn-ea"/>
+                <a:cs typeface="+mn-cs"/>
+              </a:defRPr>
+            </a:lvl7pPr>
+            <a:lvl8pPr marL="3200400" algn="l" defTabSz="914400" rtl="0" eaLnBrk="1" latinLnBrk="0" hangingPunct="1">
+              <a:defRPr sz="1800" kern="1200">
+                <a:solidFill>
+                  <a:schemeClr val="tx1"/>
+                </a:solidFill>
+                <a:latin typeface="+mn-lt"/>
+                <a:ea typeface="+mn-ea"/>
+                <a:cs typeface="+mn-cs"/>
+              </a:defRPr>
+            </a:lvl8pPr>
+            <a:lvl9pPr marL="3657600" algn="l" defTabSz="914400" rtl="0" eaLnBrk="1" latinLnBrk="0" hangingPunct="1">
+              <a:defRPr sz="1800" kern="1200">
+                <a:solidFill>
+                  <a:schemeClr val="tx1"/>
+                </a:solidFill>
+                <a:latin typeface="+mn-lt"/>
+                <a:ea typeface="+mn-ea"/>
+                <a:cs typeface="+mn-cs"/>
+              </a:defRPr>
+            </a:lvl9pPr>
+          </a:lstStyle>
+          <a:p>
+            <a:r>
+              <a:rPr lang="en-US" dirty="0" smtClean="0">
+                <a:solidFill>
+                  <a:schemeClr val="bg1"/>
+                </a:solidFill>
+              </a:rPr>
+              <a:t>function </a:t>
+            </a:r>
+            <a:r>
+              <a:rPr lang="en-US" dirty="0" smtClean="0">
+                <a:solidFill>
+                  <a:schemeClr val="bg1"/>
+                </a:solidFill>
+              </a:rPr>
+              <a:t>Car(make, model, year){ </a:t>
+            </a:r>
+          </a:p>
+          <a:p>
+            <a:r>
+              <a:rPr lang="en-US" dirty="0" smtClean="0">
+                <a:solidFill>
+                  <a:schemeClr val="bg1"/>
+                </a:solidFill>
+              </a:rPr>
+              <a:t>     </a:t>
+            </a:r>
+            <a:r>
+              <a:rPr lang="en-US" dirty="0" err="1" smtClean="0">
+                <a:solidFill>
+                  <a:schemeClr val="bg1"/>
+                </a:solidFill>
+              </a:rPr>
+              <a:t>this.make</a:t>
+            </a:r>
+            <a:r>
+              <a:rPr lang="en-US" dirty="0" smtClean="0">
+                <a:solidFill>
+                  <a:schemeClr val="bg1"/>
+                </a:solidFill>
+              </a:rPr>
+              <a:t> = make;</a:t>
+            </a:r>
+          </a:p>
+          <a:p>
+            <a:r>
+              <a:rPr lang="en-US" dirty="0">
+                <a:solidFill>
+                  <a:schemeClr val="bg1"/>
+                </a:solidFill>
+              </a:rPr>
+              <a:t> </a:t>
+            </a:r>
+            <a:r>
+              <a:rPr lang="en-US" dirty="0" smtClean="0">
+                <a:solidFill>
+                  <a:schemeClr val="bg1"/>
+                </a:solidFill>
+              </a:rPr>
+              <a:t>    </a:t>
+            </a:r>
+            <a:r>
+              <a:rPr lang="en-US" dirty="0" err="1" smtClean="0">
+                <a:solidFill>
+                  <a:schemeClr val="bg1"/>
+                </a:solidFill>
+              </a:rPr>
+              <a:t>this.model</a:t>
+            </a:r>
+            <a:r>
+              <a:rPr lang="en-US" dirty="0" smtClean="0">
+                <a:solidFill>
+                  <a:schemeClr val="bg1"/>
+                </a:solidFill>
+              </a:rPr>
+              <a:t> = model;</a:t>
+            </a:r>
+          </a:p>
+          <a:p>
+            <a:r>
+              <a:rPr lang="en-US" dirty="0">
+                <a:solidFill>
+                  <a:schemeClr val="bg1"/>
+                </a:solidFill>
+              </a:rPr>
+              <a:t> </a:t>
+            </a:r>
+            <a:r>
+              <a:rPr lang="en-US" dirty="0" smtClean="0">
+                <a:solidFill>
+                  <a:schemeClr val="bg1"/>
+                </a:solidFill>
+              </a:rPr>
+              <a:t>    </a:t>
+            </a:r>
+            <a:r>
+              <a:rPr lang="en-US" dirty="0" err="1" smtClean="0">
+                <a:solidFill>
+                  <a:schemeClr val="bg1"/>
+                </a:solidFill>
+              </a:rPr>
+              <a:t>this.year</a:t>
+            </a:r>
+            <a:r>
+              <a:rPr lang="en-US" dirty="0" smtClean="0">
+                <a:solidFill>
+                  <a:schemeClr val="bg1"/>
+                </a:solidFill>
+              </a:rPr>
+              <a:t> = year;</a:t>
+            </a:r>
+            <a:endParaRPr lang="en-US" dirty="0">
+              <a:solidFill>
+                <a:schemeClr val="bg1"/>
+              </a:solidFill>
+            </a:endParaRPr>
+          </a:p>
+          <a:p>
+            <a:r>
+              <a:rPr lang="en-US" dirty="0" smtClean="0">
+                <a:solidFill>
+                  <a:schemeClr val="bg1"/>
+                </a:solidFill>
+              </a:rPr>
+              <a:t>}</a:t>
+            </a:r>
+            <a:endParaRPr lang="en-US" dirty="0" smtClean="0">
+              <a:solidFill>
+                <a:schemeClr val="bg1"/>
+              </a:solidFill>
+            </a:endParaRPr>
+          </a:p>
+          <a:p>
+            <a:r>
+              <a:rPr lang="en-US" dirty="0" err="1">
+                <a:solidFill>
+                  <a:schemeClr val="bg1"/>
+                </a:solidFill>
+              </a:rPr>
+              <a:t>v</a:t>
+            </a:r>
+            <a:r>
+              <a:rPr lang="en-US" dirty="0" err="1" smtClean="0">
+                <a:solidFill>
+                  <a:schemeClr val="bg1"/>
+                </a:solidFill>
+              </a:rPr>
+              <a:t>ar</a:t>
+            </a:r>
+            <a:r>
+              <a:rPr lang="en-US" dirty="0" smtClean="0">
+                <a:solidFill>
+                  <a:schemeClr val="bg1"/>
+                </a:solidFill>
+              </a:rPr>
+              <a:t> </a:t>
+            </a:r>
+            <a:r>
+              <a:rPr lang="en-US" dirty="0" err="1">
+                <a:solidFill>
+                  <a:schemeClr val="bg1"/>
+                </a:solidFill>
+              </a:rPr>
+              <a:t>m</a:t>
+            </a:r>
+            <a:r>
+              <a:rPr lang="en-US" dirty="0" err="1" smtClean="0">
+                <a:solidFill>
+                  <a:schemeClr val="bg1"/>
+                </a:solidFill>
+              </a:rPr>
+              <a:t>ercedes</a:t>
+            </a:r>
+            <a:r>
+              <a:rPr lang="en-US" dirty="0" smtClean="0">
+                <a:solidFill>
+                  <a:schemeClr val="bg1"/>
+                </a:solidFill>
+              </a:rPr>
+              <a:t> = </a:t>
+            </a:r>
+            <a:r>
+              <a:rPr lang="en-US" b="1" dirty="0" smtClean="0">
+                <a:solidFill>
+                  <a:schemeClr val="bg1"/>
+                </a:solidFill>
+              </a:rPr>
+              <a:t>new</a:t>
+            </a:r>
+            <a:r>
+              <a:rPr lang="en-US" dirty="0" smtClean="0">
+                <a:solidFill>
+                  <a:schemeClr val="bg1"/>
+                </a:solidFill>
+              </a:rPr>
+              <a:t> </a:t>
+            </a:r>
+            <a:r>
+              <a:rPr lang="en-US" dirty="0" smtClean="0">
+                <a:solidFill>
+                  <a:schemeClr val="bg1"/>
+                </a:solidFill>
+              </a:rPr>
+              <a:t>Car(‘Mercedes’, ‘E320’, 2006); </a:t>
+            </a:r>
+            <a:endParaRPr lang="en-US" dirty="0" smtClean="0">
+              <a:solidFill>
+                <a:schemeClr val="bg1"/>
+              </a:solidFill>
+            </a:endParaRPr>
+          </a:p>
+          <a:p>
+            <a:r>
+              <a:rPr lang="en-US" dirty="0" err="1" smtClean="0">
+                <a:solidFill>
+                  <a:schemeClr val="bg1"/>
+                </a:solidFill>
+              </a:rPr>
+              <a:t>var</a:t>
+            </a:r>
+            <a:r>
+              <a:rPr lang="en-US" dirty="0" smtClean="0">
+                <a:solidFill>
+                  <a:schemeClr val="bg1"/>
+                </a:solidFill>
+              </a:rPr>
+              <a:t> </a:t>
+            </a:r>
+            <a:r>
+              <a:rPr lang="en-US" dirty="0" smtClean="0">
+                <a:solidFill>
+                  <a:schemeClr val="bg1"/>
+                </a:solidFill>
+              </a:rPr>
+              <a:t>tesla = </a:t>
+            </a:r>
+            <a:r>
+              <a:rPr lang="en-US" b="1" dirty="0" smtClean="0">
+                <a:solidFill>
+                  <a:schemeClr val="bg1"/>
+                </a:solidFill>
+              </a:rPr>
+              <a:t>new</a:t>
+            </a:r>
+            <a:r>
+              <a:rPr lang="en-US" dirty="0" smtClean="0">
+                <a:solidFill>
+                  <a:schemeClr val="bg1"/>
+                </a:solidFill>
+              </a:rPr>
+              <a:t> </a:t>
+            </a:r>
+            <a:r>
+              <a:rPr lang="en-US" dirty="0" smtClean="0">
+                <a:solidFill>
+                  <a:schemeClr val="bg1"/>
+                </a:solidFill>
+              </a:rPr>
+              <a:t>Car(‘Tesla’, ‘Model S’, 2012); </a:t>
+            </a:r>
+          </a:p>
+          <a:p>
+            <a:endParaRPr lang="en-US" dirty="0">
+              <a:solidFill>
+                <a:schemeClr val="bg1"/>
+              </a:solidFill>
+            </a:endParaRPr>
+          </a:p>
+          <a:p>
+            <a:r>
+              <a:rPr lang="en-US" dirty="0" smtClean="0">
+                <a:solidFill>
+                  <a:schemeClr val="bg1"/>
+                </a:solidFill>
+              </a:rPr>
+              <a:t>console.log(</a:t>
+            </a:r>
+            <a:r>
+              <a:rPr lang="en-US" dirty="0" err="1" smtClean="0">
+                <a:solidFill>
+                  <a:schemeClr val="bg1"/>
+                </a:solidFill>
+              </a:rPr>
+              <a:t>Mercedes.model</a:t>
+            </a:r>
+            <a:r>
+              <a:rPr lang="en-US" dirty="0" smtClean="0">
+                <a:solidFill>
+                  <a:schemeClr val="bg1"/>
+                </a:solidFill>
+              </a:rPr>
+              <a:t>); // E320</a:t>
+            </a:r>
+          </a:p>
+          <a:p>
+            <a:r>
+              <a:rPr lang="en-US" dirty="0" smtClean="0">
+                <a:solidFill>
+                  <a:schemeClr val="bg1"/>
+                </a:solidFill>
+              </a:rPr>
+              <a:t>console.log(</a:t>
+            </a:r>
+            <a:r>
+              <a:rPr lang="en-US" dirty="0" err="1" smtClean="0">
+                <a:solidFill>
+                  <a:schemeClr val="bg1"/>
+                </a:solidFill>
+              </a:rPr>
+              <a:t>tesla.year</a:t>
+            </a:r>
+            <a:r>
+              <a:rPr lang="en-US" dirty="0" smtClean="0">
+                <a:solidFill>
+                  <a:schemeClr val="bg1"/>
+                </a:solidFill>
+              </a:rPr>
+              <a:t>); // 2012</a:t>
+            </a:r>
+            <a:endParaRPr lang="en-US" dirty="0">
+              <a:solidFill>
+                <a:schemeClr val="bg1"/>
+              </a:solidFill>
+            </a:endParaRPr>
+          </a:p>
+        </p:txBody>
+      </p:sp>
+    </p:spTree>
+    <p:extLst>
+      <p:ext uri="{BB962C8B-B14F-4D97-AF65-F5344CB8AC3E}">
+        <p14:creationId xmlns:p14="http://schemas.microsoft.com/office/powerpoint/2010/main" val="1460599362"/>
+      </p:ext>
+    </p:extLst>
+  </p:cSld>
+  <p:clrMapOvr>
+    <a:masterClrMapping/>
+  </p:clrMapOvr>
+</p:sld>
+</file>
+
+<file path=ppt/slides/slide13.xml><?xml version="1.0" encoding="utf-8"?>
 <p:sld xmlns:a="http://schemas.openxmlformats.org/drawingml/2006/main" xmlns:r="http://schemas.openxmlformats.org/officeDocument/2006/relationships" xmlns:p="http://schemas.openxmlformats.org/presentationml/2006/main">
   <p:cSld>
     <p:spTree>
@@ -19027,7 +20832,7 @@
           <a:p>
             <a:r>
               <a:rPr lang="bg-BG" dirty="0" smtClean="0"/>
-              <a:t>Рекурсия</a:t>
+              <a:t>Създаване на обекти</a:t>
             </a:r>
             <a:endParaRPr lang="en-US" dirty="0"/>
           </a:p>
@@ -19083,7 +20888,5124 @@
 </p:sld>
 </file>
 
-<file path=ppt/slides/slide11.xml><?xml version="1.0" encoding="utf-8"?>
+<file path=ppt/slides/slide14.xml><?xml version="1.0" encoding="utf-8"?>
+<p:sld xmlns:a="http://schemas.openxmlformats.org/drawingml/2006/main" xmlns:r="http://schemas.openxmlformats.org/officeDocument/2006/relationships" xmlns:p="http://schemas.openxmlformats.org/presentationml/2006/main">
+  <p:cSld>
+    <p:spTree>
+      <p:nvGrpSpPr>
+        <p:cNvPr id="1" name=""/>
+        <p:cNvGrpSpPr/>
+        <p:nvPr/>
+      </p:nvGrpSpPr>
+      <p:grpSpPr>
+        <a:xfrm>
+          <a:off x="0" y="0"/>
+          <a:ext cx="0" cy="0"/>
+          <a:chOff x="0" y="0"/>
+          <a:chExt cx="0" cy="0"/>
+        </a:xfrm>
+      </p:grpSpPr>
+      <p:sp>
+        <p:nvSpPr>
+          <p:cNvPr id="2" name="Title 1"/>
+          <p:cNvSpPr>
+            <a:spLocks noGrp="1"/>
+          </p:cNvSpPr>
+          <p:nvPr>
+            <p:ph type="title"/>
+          </p:nvPr>
+        </p:nvSpPr>
+        <p:spPr/>
+        <p:txBody>
+          <a:bodyPr/>
+          <a:lstStyle/>
+          <a:p>
+            <a:r>
+              <a:rPr lang="bg-BG" dirty="0" smtClean="0"/>
+              <a:t>Прототип (</a:t>
+            </a:r>
+            <a:r>
+              <a:rPr lang="en-US" dirty="0" smtClean="0"/>
+              <a:t>prototype)</a:t>
+            </a:r>
+            <a:endParaRPr lang="en-US" dirty="0"/>
+          </a:p>
+        </p:txBody>
+      </p:sp>
+      <p:sp>
+        <p:nvSpPr>
+          <p:cNvPr id="3" name="Content Placeholder 2"/>
+          <p:cNvSpPr>
+            <a:spLocks noGrp="1"/>
+          </p:cNvSpPr>
+          <p:nvPr>
+            <p:ph sz="half" idx="1"/>
+          </p:nvPr>
+        </p:nvSpPr>
+        <p:spPr>
+          <a:xfrm>
+            <a:off x="1484313" y="1985818"/>
+            <a:ext cx="6237288" cy="4313381"/>
+          </a:xfrm>
+        </p:spPr>
+        <p:txBody>
+          <a:bodyPr>
+            <a:normAutofit/>
+          </a:bodyPr>
+          <a:lstStyle/>
+          <a:p>
+            <a:pPr algn="just"/>
+            <a:r>
+              <a:rPr lang="en-US" sz="2400" dirty="0" smtClean="0"/>
+              <a:t>JS </a:t>
+            </a:r>
+            <a:r>
+              <a:rPr lang="bg-BG" sz="2400" dirty="0" smtClean="0"/>
+              <a:t> е прототипно ориентиран език</a:t>
+            </a:r>
+          </a:p>
+          <a:p>
+            <a:pPr lvl="1" algn="just"/>
+            <a:r>
+              <a:rPr lang="bg-BG" sz="2000" dirty="0" smtClean="0"/>
+              <a:t>Всеки обект има своя прототип</a:t>
+            </a:r>
+          </a:p>
+          <a:p>
+            <a:pPr algn="just"/>
+            <a:r>
+              <a:rPr lang="bg-BG" sz="2400" dirty="0" smtClean="0"/>
+              <a:t>Прототипите притежават характеристики, характерни общи за всички обекти</a:t>
+            </a:r>
+          </a:p>
+          <a:p>
+            <a:pPr lvl="1" algn="just"/>
+            <a:r>
+              <a:rPr lang="en-US" sz="2000" i="1" dirty="0" smtClean="0">
+                <a:solidFill>
+                  <a:schemeClr val="accent6">
+                    <a:lumMod val="75000"/>
+                  </a:schemeClr>
+                </a:solidFill>
+              </a:rPr>
+              <a:t>Object </a:t>
+            </a:r>
+            <a:r>
+              <a:rPr lang="bg-BG" sz="2000" dirty="0"/>
+              <a:t>е обекта родител на всички обекти в </a:t>
+            </a:r>
+            <a:r>
+              <a:rPr lang="en-US" sz="2000" dirty="0" smtClean="0"/>
+              <a:t>JS</a:t>
+            </a:r>
+          </a:p>
+          <a:p>
+            <a:pPr lvl="2" algn="just"/>
+            <a:r>
+              <a:rPr lang="bg-BG" sz="1800" dirty="0"/>
+              <a:t>Напр. </a:t>
+            </a:r>
+            <a:r>
+              <a:rPr lang="en-US" sz="1800" i="1" dirty="0" smtClean="0">
+                <a:solidFill>
+                  <a:schemeClr val="accent6">
+                    <a:lumMod val="75000"/>
+                  </a:schemeClr>
+                </a:solidFill>
+              </a:rPr>
+              <a:t>Object </a:t>
+            </a:r>
+            <a:r>
+              <a:rPr lang="bg-BG" sz="1800" dirty="0"/>
+              <a:t>предоставя чрез своя</a:t>
+            </a:r>
+            <a:r>
+              <a:rPr lang="bg-BG" sz="1800" i="1" dirty="0" smtClean="0">
+                <a:solidFill>
+                  <a:schemeClr val="accent6">
+                    <a:lumMod val="75000"/>
+                  </a:schemeClr>
+                </a:solidFill>
+              </a:rPr>
+              <a:t> </a:t>
+            </a:r>
+            <a:r>
+              <a:rPr lang="en-US" sz="1800" i="1" dirty="0" smtClean="0">
+                <a:solidFill>
+                  <a:schemeClr val="accent6">
+                    <a:lumMod val="75000"/>
+                  </a:schemeClr>
+                </a:solidFill>
+              </a:rPr>
+              <a:t>prototype</a:t>
+            </a:r>
+            <a:r>
+              <a:rPr lang="bg-BG" sz="1800" i="1" dirty="0" smtClean="0">
+                <a:solidFill>
+                  <a:schemeClr val="accent6">
+                    <a:lumMod val="75000"/>
+                  </a:schemeClr>
+                </a:solidFill>
+              </a:rPr>
+              <a:t> </a:t>
+            </a:r>
+            <a:r>
+              <a:rPr lang="bg-BG" sz="1800" dirty="0"/>
+              <a:t>методи като </a:t>
+            </a:r>
+            <a:r>
+              <a:rPr lang="en-US" sz="1800" i="1" dirty="0" err="1" smtClean="0">
+                <a:solidFill>
+                  <a:schemeClr val="accent6">
+                    <a:lumMod val="75000"/>
+                  </a:schemeClr>
+                </a:solidFill>
+              </a:rPr>
+              <a:t>toString</a:t>
+            </a:r>
+            <a:r>
+              <a:rPr lang="en-US" sz="1800" i="1" dirty="0" smtClean="0">
+                <a:solidFill>
+                  <a:schemeClr val="accent6">
+                    <a:lumMod val="75000"/>
+                  </a:schemeClr>
+                </a:solidFill>
+              </a:rPr>
+              <a:t>() </a:t>
+            </a:r>
+            <a:r>
+              <a:rPr lang="bg-BG" sz="1800" dirty="0"/>
+              <a:t>и</a:t>
+            </a:r>
+            <a:r>
+              <a:rPr lang="bg-BG" sz="1800" i="1" dirty="0" smtClean="0">
+                <a:solidFill>
+                  <a:schemeClr val="accent6">
+                    <a:lumMod val="75000"/>
+                  </a:schemeClr>
+                </a:solidFill>
+              </a:rPr>
+              <a:t> </a:t>
+            </a:r>
+            <a:r>
+              <a:rPr lang="en-US" sz="1800" i="1" dirty="0" err="1" smtClean="0">
+                <a:solidFill>
+                  <a:schemeClr val="accent6">
+                    <a:lumMod val="75000"/>
+                  </a:schemeClr>
+                </a:solidFill>
+              </a:rPr>
+              <a:t>valueOf</a:t>
+            </a:r>
+            <a:r>
+              <a:rPr lang="en-US" sz="1800" i="1" dirty="0" smtClean="0">
+                <a:solidFill>
+                  <a:schemeClr val="accent6">
+                    <a:lumMod val="75000"/>
+                  </a:schemeClr>
+                </a:solidFill>
+              </a:rPr>
+              <a:t>() </a:t>
+            </a:r>
+            <a:r>
+              <a:rPr lang="bg-BG" sz="1800" dirty="0"/>
+              <a:t>на всички обекти в </a:t>
+            </a:r>
+            <a:r>
+              <a:rPr lang="en-US" sz="1800" dirty="0" smtClean="0"/>
+              <a:t>JS</a:t>
+            </a:r>
+          </a:p>
+          <a:p>
+            <a:pPr algn="just"/>
+            <a:r>
+              <a:rPr lang="bg-BG" sz="2200" dirty="0" smtClean="0"/>
+              <a:t>Всички инстанции на обекта имат характеристиките, закачени на неговия протип</a:t>
+            </a:r>
+            <a:endParaRPr lang="bg-BG" sz="2200" dirty="0"/>
+          </a:p>
+        </p:txBody>
+      </p:sp>
+      <p:sp>
+        <p:nvSpPr>
+          <p:cNvPr id="5" name="Text Placeholder 5"/>
+          <p:cNvSpPr txBox="1">
+            <a:spLocks/>
+          </p:cNvSpPr>
+          <p:nvPr/>
+        </p:nvSpPr>
+        <p:spPr>
+          <a:xfrm>
+            <a:off x="7721601" y="2038213"/>
+            <a:ext cx="4470399" cy="4524315"/>
+          </a:xfrm>
+          <a:prstGeom prst="rect">
+            <a:avLst/>
+          </a:prstGeom>
+          <a:ln/>
+        </p:spPr>
+        <p:style>
+          <a:lnRef idx="0">
+            <a:schemeClr val="accent1"/>
+          </a:lnRef>
+          <a:fillRef idx="3">
+            <a:schemeClr val="accent1"/>
+          </a:fillRef>
+          <a:effectRef idx="3">
+            <a:schemeClr val="accent1"/>
+          </a:effectRef>
+          <a:fontRef idx="minor">
+            <a:schemeClr val="lt1"/>
+          </a:fontRef>
+        </p:style>
+        <p:txBody>
+          <a:bodyPr wrap="square">
+            <a:spAutoFit/>
+          </a:bodyPr>
+          <a:lstStyle>
+            <a:defPPr>
+              <a:defRPr lang="en-US"/>
+            </a:defPPr>
+            <a:lvl1pPr marL="0" algn="l" defTabSz="914400" rtl="0" eaLnBrk="1" latinLnBrk="0" hangingPunct="1">
+              <a:defRPr sz="1800" kern="1200">
+                <a:solidFill>
+                  <a:schemeClr val="tx1"/>
+                </a:solidFill>
+                <a:latin typeface="+mn-lt"/>
+                <a:ea typeface="+mn-ea"/>
+                <a:cs typeface="+mn-cs"/>
+              </a:defRPr>
+            </a:lvl1pPr>
+            <a:lvl2pPr marL="457200" algn="l" defTabSz="914400" rtl="0" eaLnBrk="1" latinLnBrk="0" hangingPunct="1">
+              <a:defRPr sz="1800" kern="1200">
+                <a:solidFill>
+                  <a:schemeClr val="tx1"/>
+                </a:solidFill>
+                <a:latin typeface="+mn-lt"/>
+                <a:ea typeface="+mn-ea"/>
+                <a:cs typeface="+mn-cs"/>
+              </a:defRPr>
+            </a:lvl2pPr>
+            <a:lvl3pPr marL="914400" algn="l" defTabSz="914400" rtl="0" eaLnBrk="1" latinLnBrk="0" hangingPunct="1">
+              <a:defRPr sz="1800" kern="1200">
+                <a:solidFill>
+                  <a:schemeClr val="tx1"/>
+                </a:solidFill>
+                <a:latin typeface="+mn-lt"/>
+                <a:ea typeface="+mn-ea"/>
+                <a:cs typeface="+mn-cs"/>
+              </a:defRPr>
+            </a:lvl3pPr>
+            <a:lvl4pPr marL="1371600" algn="l" defTabSz="914400" rtl="0" eaLnBrk="1" latinLnBrk="0" hangingPunct="1">
+              <a:defRPr sz="1800" kern="1200">
+                <a:solidFill>
+                  <a:schemeClr val="tx1"/>
+                </a:solidFill>
+                <a:latin typeface="+mn-lt"/>
+                <a:ea typeface="+mn-ea"/>
+                <a:cs typeface="+mn-cs"/>
+              </a:defRPr>
+            </a:lvl4pPr>
+            <a:lvl5pPr marL="1828800" algn="l" defTabSz="914400" rtl="0" eaLnBrk="1" latinLnBrk="0" hangingPunct="1">
+              <a:defRPr sz="1800" kern="1200">
+                <a:solidFill>
+                  <a:schemeClr val="tx1"/>
+                </a:solidFill>
+                <a:latin typeface="+mn-lt"/>
+                <a:ea typeface="+mn-ea"/>
+                <a:cs typeface="+mn-cs"/>
+              </a:defRPr>
+            </a:lvl5pPr>
+            <a:lvl6pPr marL="2286000" algn="l" defTabSz="914400" rtl="0" eaLnBrk="1" latinLnBrk="0" hangingPunct="1">
+              <a:defRPr sz="1800" kern="1200">
+                <a:solidFill>
+                  <a:schemeClr val="tx1"/>
+                </a:solidFill>
+                <a:latin typeface="+mn-lt"/>
+                <a:ea typeface="+mn-ea"/>
+                <a:cs typeface="+mn-cs"/>
+              </a:defRPr>
+            </a:lvl6pPr>
+            <a:lvl7pPr marL="2743200" algn="l" defTabSz="914400" rtl="0" eaLnBrk="1" latinLnBrk="0" hangingPunct="1">
+              <a:defRPr sz="1800" kern="1200">
+                <a:solidFill>
+                  <a:schemeClr val="tx1"/>
+                </a:solidFill>
+                <a:latin typeface="+mn-lt"/>
+                <a:ea typeface="+mn-ea"/>
+                <a:cs typeface="+mn-cs"/>
+              </a:defRPr>
+            </a:lvl7pPr>
+            <a:lvl8pPr marL="3200400" algn="l" defTabSz="914400" rtl="0" eaLnBrk="1" latinLnBrk="0" hangingPunct="1">
+              <a:defRPr sz="1800" kern="1200">
+                <a:solidFill>
+                  <a:schemeClr val="tx1"/>
+                </a:solidFill>
+                <a:latin typeface="+mn-lt"/>
+                <a:ea typeface="+mn-ea"/>
+                <a:cs typeface="+mn-cs"/>
+              </a:defRPr>
+            </a:lvl8pPr>
+            <a:lvl9pPr marL="3657600" algn="l" defTabSz="914400" rtl="0" eaLnBrk="1" latinLnBrk="0" hangingPunct="1">
+              <a:defRPr sz="1800" kern="1200">
+                <a:solidFill>
+                  <a:schemeClr val="tx1"/>
+                </a:solidFill>
+                <a:latin typeface="+mn-lt"/>
+                <a:ea typeface="+mn-ea"/>
+                <a:cs typeface="+mn-cs"/>
+              </a:defRPr>
+            </a:lvl9pPr>
+          </a:lstStyle>
+          <a:p>
+            <a:r>
+              <a:rPr lang="en-US" dirty="0" err="1" smtClean="0">
+                <a:solidFill>
+                  <a:schemeClr val="bg1"/>
+                </a:solidFill>
+              </a:rPr>
+              <a:t>String.</a:t>
+            </a:r>
+            <a:r>
+              <a:rPr lang="en-US" b="1" dirty="0" err="1" smtClean="0">
+                <a:solidFill>
+                  <a:schemeClr val="bg1"/>
+                </a:solidFill>
+              </a:rPr>
+              <a:t>prototype</a:t>
+            </a:r>
+            <a:r>
+              <a:rPr lang="en-US" dirty="0" err="1" smtClean="0">
+                <a:solidFill>
+                  <a:schemeClr val="bg1"/>
+                </a:solidFill>
+              </a:rPr>
+              <a:t>.repeat</a:t>
+            </a:r>
+            <a:r>
+              <a:rPr lang="en-US" dirty="0" smtClean="0">
+                <a:solidFill>
+                  <a:schemeClr val="bg1"/>
+                </a:solidFill>
+              </a:rPr>
+              <a:t> </a:t>
+            </a:r>
+            <a:r>
+              <a:rPr lang="en-US" dirty="0">
+                <a:solidFill>
+                  <a:schemeClr val="bg1"/>
+                </a:solidFill>
+              </a:rPr>
+              <a:t>= function(count) {</a:t>
+            </a:r>
+          </a:p>
+          <a:p>
+            <a:r>
+              <a:rPr lang="en-US" dirty="0">
+                <a:solidFill>
+                  <a:schemeClr val="bg1"/>
+                </a:solidFill>
+              </a:rPr>
+              <a:t>    </a:t>
+            </a:r>
+            <a:r>
+              <a:rPr lang="en-US" dirty="0" err="1">
+                <a:solidFill>
+                  <a:schemeClr val="bg1"/>
+                </a:solidFill>
+              </a:rPr>
+              <a:t>var</a:t>
+            </a:r>
+            <a:r>
+              <a:rPr lang="en-US" dirty="0">
+                <a:solidFill>
+                  <a:schemeClr val="bg1"/>
+                </a:solidFill>
+              </a:rPr>
+              <a:t> pattern = this;</a:t>
+            </a:r>
+          </a:p>
+          <a:p>
+            <a:r>
+              <a:rPr lang="en-US" dirty="0">
+                <a:solidFill>
+                  <a:schemeClr val="bg1"/>
+                </a:solidFill>
+              </a:rPr>
+              <a:t>    </a:t>
+            </a:r>
+            <a:r>
+              <a:rPr lang="en-US" dirty="0" err="1">
+                <a:solidFill>
+                  <a:schemeClr val="bg1"/>
+                </a:solidFill>
+              </a:rPr>
+              <a:t>var</a:t>
+            </a:r>
+            <a:r>
+              <a:rPr lang="en-US" dirty="0">
+                <a:solidFill>
+                  <a:schemeClr val="bg1"/>
+                </a:solidFill>
+              </a:rPr>
+              <a:t> </a:t>
+            </a:r>
+            <a:r>
+              <a:rPr lang="en-US" dirty="0" err="1">
+                <a:solidFill>
+                  <a:schemeClr val="bg1"/>
+                </a:solidFill>
+              </a:rPr>
+              <a:t>str</a:t>
+            </a:r>
+            <a:r>
+              <a:rPr lang="en-US" dirty="0">
+                <a:solidFill>
+                  <a:schemeClr val="bg1"/>
+                </a:solidFill>
+              </a:rPr>
+              <a:t> = '';</a:t>
+            </a:r>
+          </a:p>
+          <a:p>
+            <a:endParaRPr lang="en-US" dirty="0">
+              <a:solidFill>
+                <a:schemeClr val="bg1"/>
+              </a:solidFill>
+            </a:endParaRPr>
+          </a:p>
+          <a:p>
+            <a:r>
+              <a:rPr lang="en-US" dirty="0">
+                <a:solidFill>
+                  <a:schemeClr val="bg1"/>
+                </a:solidFill>
+              </a:rPr>
+              <a:t>    if (!count) {</a:t>
+            </a:r>
+          </a:p>
+          <a:p>
+            <a:r>
+              <a:rPr lang="en-US" dirty="0">
+                <a:solidFill>
+                  <a:schemeClr val="bg1"/>
+                </a:solidFill>
+              </a:rPr>
+              <a:t>        return pattern;</a:t>
+            </a:r>
+          </a:p>
+          <a:p>
+            <a:r>
+              <a:rPr lang="en-US" dirty="0">
+                <a:solidFill>
+                  <a:schemeClr val="bg1"/>
+                </a:solidFill>
+              </a:rPr>
+              <a:t>    </a:t>
+            </a:r>
+            <a:r>
+              <a:rPr lang="en-US" dirty="0" smtClean="0">
+                <a:solidFill>
+                  <a:schemeClr val="bg1"/>
+                </a:solidFill>
+              </a:rPr>
+              <a:t>}</a:t>
+            </a:r>
+            <a:endParaRPr lang="en-US" dirty="0">
+              <a:solidFill>
+                <a:schemeClr val="bg1"/>
+              </a:solidFill>
+            </a:endParaRPr>
+          </a:p>
+          <a:p>
+            <a:endParaRPr lang="en-US" dirty="0">
+              <a:solidFill>
+                <a:schemeClr val="bg1"/>
+              </a:solidFill>
+            </a:endParaRPr>
+          </a:p>
+          <a:p>
+            <a:r>
+              <a:rPr lang="en-US" dirty="0">
+                <a:solidFill>
+                  <a:schemeClr val="bg1"/>
+                </a:solidFill>
+              </a:rPr>
+              <a:t>    for </a:t>
+            </a:r>
+            <a:r>
+              <a:rPr lang="en-US" dirty="0" smtClean="0">
+                <a:solidFill>
+                  <a:schemeClr val="bg1"/>
+                </a:solidFill>
+              </a:rPr>
+              <a:t>(</a:t>
+            </a:r>
+            <a:r>
+              <a:rPr lang="en-US" dirty="0" err="1" smtClean="0">
+                <a:solidFill>
+                  <a:schemeClr val="bg1"/>
+                </a:solidFill>
+              </a:rPr>
+              <a:t>var</a:t>
+            </a:r>
+            <a:r>
+              <a:rPr lang="en-US" dirty="0" smtClean="0">
+                <a:solidFill>
+                  <a:schemeClr val="bg1"/>
+                </a:solidFill>
+              </a:rPr>
+              <a:t> </a:t>
+            </a:r>
+            <a:r>
+              <a:rPr lang="en-US" dirty="0" err="1" smtClean="0">
+                <a:solidFill>
+                  <a:schemeClr val="bg1"/>
+                </a:solidFill>
+              </a:rPr>
+              <a:t>i</a:t>
+            </a:r>
+            <a:r>
+              <a:rPr lang="en-US" dirty="0" smtClean="0">
+                <a:solidFill>
+                  <a:schemeClr val="bg1"/>
+                </a:solidFill>
+              </a:rPr>
+              <a:t> </a:t>
+            </a:r>
+            <a:r>
+              <a:rPr lang="en-US" dirty="0">
+                <a:solidFill>
+                  <a:schemeClr val="bg1"/>
+                </a:solidFill>
+              </a:rPr>
+              <a:t>= 0; </a:t>
+            </a:r>
+            <a:r>
+              <a:rPr lang="en-US" dirty="0" err="1">
+                <a:solidFill>
+                  <a:schemeClr val="bg1"/>
+                </a:solidFill>
+              </a:rPr>
+              <a:t>i</a:t>
+            </a:r>
+            <a:r>
+              <a:rPr lang="en-US" dirty="0">
+                <a:solidFill>
+                  <a:schemeClr val="bg1"/>
+                </a:solidFill>
+              </a:rPr>
+              <a:t> &lt; count; </a:t>
+            </a:r>
+            <a:r>
+              <a:rPr lang="en-US" dirty="0" err="1">
+                <a:solidFill>
+                  <a:schemeClr val="bg1"/>
+                </a:solidFill>
+              </a:rPr>
+              <a:t>i</a:t>
+            </a:r>
+            <a:r>
+              <a:rPr lang="en-US" dirty="0">
+                <a:solidFill>
+                  <a:schemeClr val="bg1"/>
+                </a:solidFill>
+              </a:rPr>
+              <a:t> += 1) {</a:t>
+            </a:r>
+          </a:p>
+          <a:p>
+            <a:r>
+              <a:rPr lang="en-US" dirty="0">
+                <a:solidFill>
+                  <a:schemeClr val="bg1"/>
+                </a:solidFill>
+              </a:rPr>
+              <a:t>        </a:t>
+            </a:r>
+            <a:r>
+              <a:rPr lang="en-US" dirty="0" err="1">
+                <a:solidFill>
+                  <a:schemeClr val="bg1"/>
+                </a:solidFill>
+              </a:rPr>
+              <a:t>str</a:t>
+            </a:r>
+            <a:r>
+              <a:rPr lang="en-US" dirty="0">
+                <a:solidFill>
+                  <a:schemeClr val="bg1"/>
+                </a:solidFill>
+              </a:rPr>
+              <a:t> += pattern;</a:t>
+            </a:r>
+          </a:p>
+          <a:p>
+            <a:r>
+              <a:rPr lang="en-US" dirty="0">
+                <a:solidFill>
+                  <a:schemeClr val="bg1"/>
+                </a:solidFill>
+              </a:rPr>
+              <a:t>    }</a:t>
+            </a:r>
+          </a:p>
+          <a:p>
+            <a:endParaRPr lang="en-US" dirty="0">
+              <a:solidFill>
+                <a:schemeClr val="bg1"/>
+              </a:solidFill>
+            </a:endParaRPr>
+          </a:p>
+          <a:p>
+            <a:r>
+              <a:rPr lang="en-US" dirty="0">
+                <a:solidFill>
+                  <a:schemeClr val="bg1"/>
+                </a:solidFill>
+              </a:rPr>
+              <a:t>    return </a:t>
+            </a:r>
+            <a:r>
+              <a:rPr lang="en-US" dirty="0" err="1">
+                <a:solidFill>
+                  <a:schemeClr val="bg1"/>
+                </a:solidFill>
+              </a:rPr>
+              <a:t>str</a:t>
+            </a:r>
+            <a:r>
+              <a:rPr lang="en-US" dirty="0">
+                <a:solidFill>
+                  <a:schemeClr val="bg1"/>
+                </a:solidFill>
+              </a:rPr>
+              <a:t>;</a:t>
+            </a:r>
+          </a:p>
+          <a:p>
+            <a:r>
+              <a:rPr lang="en-US" dirty="0">
+                <a:solidFill>
+                  <a:schemeClr val="bg1"/>
+                </a:solidFill>
+              </a:rPr>
+              <a:t>};</a:t>
+            </a:r>
+          </a:p>
+          <a:p>
+            <a:endParaRPr lang="en-US" dirty="0">
+              <a:solidFill>
+                <a:schemeClr val="bg1"/>
+              </a:solidFill>
+            </a:endParaRPr>
+          </a:p>
+          <a:p>
+            <a:r>
+              <a:rPr lang="en-US" dirty="0">
+                <a:solidFill>
+                  <a:schemeClr val="bg1"/>
+                </a:solidFill>
+              </a:rPr>
+              <a:t>console.log('@'.repeat(5)); // @@@@@</a:t>
+            </a:r>
+            <a:endParaRPr lang="en-US" dirty="0">
+              <a:solidFill>
+                <a:schemeClr val="bg1"/>
+              </a:solidFill>
+            </a:endParaRPr>
+          </a:p>
+        </p:txBody>
+      </p:sp>
+    </p:spTree>
+    <p:extLst>
+      <p:ext uri="{BB962C8B-B14F-4D97-AF65-F5344CB8AC3E}">
+        <p14:creationId xmlns:p14="http://schemas.microsoft.com/office/powerpoint/2010/main" val="3880019885"/>
+      </p:ext>
+    </p:extLst>
+  </p:cSld>
+  <p:clrMapOvr>
+    <a:masterClrMapping/>
+  </p:clrMapOvr>
+</p:sld>
+</file>
+
+<file path=ppt/slides/slide15.xml><?xml version="1.0" encoding="utf-8"?>
+<p:sld xmlns:a="http://schemas.openxmlformats.org/drawingml/2006/main" xmlns:r="http://schemas.openxmlformats.org/officeDocument/2006/relationships" xmlns:p="http://schemas.openxmlformats.org/presentationml/2006/main">
+  <p:cSld>
+    <p:spTree>
+      <p:nvGrpSpPr>
+        <p:cNvPr id="1" name=""/>
+        <p:cNvGrpSpPr/>
+        <p:nvPr/>
+      </p:nvGrpSpPr>
+      <p:grpSpPr>
+        <a:xfrm>
+          <a:off x="0" y="0"/>
+          <a:ext cx="0" cy="0"/>
+          <a:chOff x="0" y="0"/>
+          <a:chExt cx="0" cy="0"/>
+        </a:xfrm>
+      </p:grpSpPr>
+      <p:sp>
+        <p:nvSpPr>
+          <p:cNvPr id="6" name="Title 5"/>
+          <p:cNvSpPr>
+            <a:spLocks noGrp="1"/>
+          </p:cNvSpPr>
+          <p:nvPr>
+            <p:ph type="title"/>
+          </p:nvPr>
+        </p:nvSpPr>
+        <p:spPr>
+          <a:xfrm>
+            <a:off x="1484311" y="166256"/>
+            <a:ext cx="10018713" cy="2272144"/>
+          </a:xfrm>
+        </p:spPr>
+        <p:txBody>
+          <a:bodyPr/>
+          <a:lstStyle/>
+          <a:p>
+            <a:r>
+              <a:rPr lang="bg-BG" dirty="0" smtClean="0"/>
+              <a:t>Прототипи</a:t>
+            </a:r>
+            <a:endParaRPr lang="en-US" dirty="0"/>
+          </a:p>
+        </p:txBody>
+      </p:sp>
+      <p:pic>
+        <p:nvPicPr>
+          <p:cNvPr id="7" name="Picture 6"/>
+          <p:cNvPicPr>
+            <a:picLocks noChangeAspect="1"/>
+          </p:cNvPicPr>
+          <p:nvPr/>
+        </p:nvPicPr>
+        <p:blipFill>
+          <a:blip r:embed="rId2">
+            <a:extLst>
+              <a:ext uri="{28A0092B-C50C-407E-A947-70E740481C1C}">
+                <a14:useLocalDpi xmlns:a14="http://schemas.microsoft.com/office/drawing/2010/main" val="0"/>
+              </a:ext>
+            </a:extLst>
+          </a:blip>
+          <a:stretch>
+            <a:fillRect/>
+          </a:stretch>
+        </p:blipFill>
+        <p:spPr>
+          <a:xfrm>
+            <a:off x="4112417" y="1943677"/>
+            <a:ext cx="4762500" cy="4762500"/>
+          </a:xfrm>
+          <a:prstGeom prst="rect">
+            <a:avLst/>
+          </a:prstGeom>
+        </p:spPr>
+      </p:pic>
+    </p:spTree>
+    <p:extLst>
+      <p:ext uri="{BB962C8B-B14F-4D97-AF65-F5344CB8AC3E}">
+        <p14:creationId xmlns:p14="http://schemas.microsoft.com/office/powerpoint/2010/main" val="2009979851"/>
+      </p:ext>
+    </p:extLst>
+  </p:cSld>
+  <p:clrMapOvr>
+    <a:masterClrMapping/>
+  </p:clrMapOvr>
+  <p:timing>
+    <p:tnLst>
+      <p:par>
+        <p:cTn id="1" dur="indefinite" restart="never" nodeType="tmRoot"/>
+      </p:par>
+    </p:tnLst>
+  </p:timing>
+</p:sld>
+</file>
+
+<file path=ppt/slides/slide16.xml><?xml version="1.0" encoding="utf-8"?>
+<p:sld xmlns:a="http://schemas.openxmlformats.org/drawingml/2006/main" xmlns:r="http://schemas.openxmlformats.org/officeDocument/2006/relationships" xmlns:p="http://schemas.openxmlformats.org/presentationml/2006/main">
+  <p:cSld>
+    <p:spTree>
+      <p:nvGrpSpPr>
+        <p:cNvPr id="1" name=""/>
+        <p:cNvGrpSpPr/>
+        <p:nvPr/>
+      </p:nvGrpSpPr>
+      <p:grpSpPr>
+        <a:xfrm>
+          <a:off x="0" y="0"/>
+          <a:ext cx="0" cy="0"/>
+          <a:chOff x="0" y="0"/>
+          <a:chExt cx="0" cy="0"/>
+        </a:xfrm>
+      </p:grpSpPr>
+      <p:sp>
+        <p:nvSpPr>
+          <p:cNvPr id="2" name="Title 1"/>
+          <p:cNvSpPr>
+            <a:spLocks noGrp="1"/>
+          </p:cNvSpPr>
+          <p:nvPr>
+            <p:ph type="title"/>
+          </p:nvPr>
+        </p:nvSpPr>
+        <p:spPr/>
+        <p:txBody>
+          <a:bodyPr/>
+          <a:lstStyle/>
+          <a:p>
+            <a:r>
+              <a:rPr lang="bg-BG" dirty="0" smtClean="0"/>
+              <a:t>Характеристики на обекта /</a:t>
+            </a:r>
+            <a:r>
+              <a:rPr lang="en-US" dirty="0" smtClean="0"/>
+              <a:t>object members/</a:t>
+            </a:r>
+            <a:endParaRPr lang="en-US" dirty="0"/>
+          </a:p>
+        </p:txBody>
+      </p:sp>
+      <p:sp>
+        <p:nvSpPr>
+          <p:cNvPr id="3" name="Content Placeholder 2"/>
+          <p:cNvSpPr>
+            <a:spLocks noGrp="1"/>
+          </p:cNvSpPr>
+          <p:nvPr>
+            <p:ph idx="1"/>
+          </p:nvPr>
+        </p:nvSpPr>
+        <p:spPr>
+          <a:xfrm>
+            <a:off x="1484310" y="2198255"/>
+            <a:ext cx="10018713" cy="2955637"/>
+          </a:xfrm>
+        </p:spPr>
+        <p:txBody>
+          <a:bodyPr/>
+          <a:lstStyle/>
+          <a:p>
+            <a:pPr algn="just"/>
+            <a:r>
+              <a:rPr lang="bg-BG" dirty="0" smtClean="0"/>
+              <a:t>Обектите могат да имат различно състояние и това се получава благодарение на техните характеристики</a:t>
+            </a:r>
+          </a:p>
+          <a:p>
+            <a:pPr algn="just"/>
+            <a:r>
+              <a:rPr lang="bg-BG" dirty="0" smtClean="0"/>
+              <a:t>За да се дефинират характеристиките на обекта се използва ключовата дума </a:t>
+            </a:r>
+            <a:r>
+              <a:rPr lang="en-US" i="1" dirty="0" smtClean="0">
+                <a:solidFill>
+                  <a:schemeClr val="accent6">
+                    <a:lumMod val="75000"/>
+                  </a:schemeClr>
+                </a:solidFill>
+              </a:rPr>
+              <a:t>this</a:t>
+            </a:r>
+            <a:r>
+              <a:rPr lang="bg-BG" dirty="0" smtClean="0"/>
+              <a:t>, което означава, че всяка нова инстанция си има конкретно състояния</a:t>
+            </a:r>
+            <a:endParaRPr lang="en-US" dirty="0"/>
+          </a:p>
+        </p:txBody>
+      </p:sp>
+      <p:sp>
+        <p:nvSpPr>
+          <p:cNvPr id="4" name="Text Placeholder 5"/>
+          <p:cNvSpPr txBox="1">
+            <a:spLocks/>
+          </p:cNvSpPr>
+          <p:nvPr/>
+        </p:nvSpPr>
+        <p:spPr>
+          <a:xfrm>
+            <a:off x="6716278" y="4912021"/>
+            <a:ext cx="4786745" cy="1754326"/>
+          </a:xfrm>
+          <a:prstGeom prst="rect">
+            <a:avLst/>
+          </a:prstGeom>
+          <a:ln/>
+        </p:spPr>
+        <p:style>
+          <a:lnRef idx="0">
+            <a:schemeClr val="accent1"/>
+          </a:lnRef>
+          <a:fillRef idx="3">
+            <a:schemeClr val="accent1"/>
+          </a:fillRef>
+          <a:effectRef idx="3">
+            <a:schemeClr val="accent1"/>
+          </a:effectRef>
+          <a:fontRef idx="minor">
+            <a:schemeClr val="lt1"/>
+          </a:fontRef>
+        </p:style>
+        <p:txBody>
+          <a:bodyPr wrap="square">
+            <a:spAutoFit/>
+          </a:bodyPr>
+          <a:lstStyle>
+            <a:defPPr>
+              <a:defRPr lang="en-US"/>
+            </a:defPPr>
+            <a:lvl1pPr marL="0" algn="l" defTabSz="914400" rtl="0" eaLnBrk="1" latinLnBrk="0" hangingPunct="1">
+              <a:defRPr sz="1800" kern="1200">
+                <a:solidFill>
+                  <a:schemeClr val="tx1"/>
+                </a:solidFill>
+                <a:latin typeface="+mn-lt"/>
+                <a:ea typeface="+mn-ea"/>
+                <a:cs typeface="+mn-cs"/>
+              </a:defRPr>
+            </a:lvl1pPr>
+            <a:lvl2pPr marL="457200" algn="l" defTabSz="914400" rtl="0" eaLnBrk="1" latinLnBrk="0" hangingPunct="1">
+              <a:defRPr sz="1800" kern="1200">
+                <a:solidFill>
+                  <a:schemeClr val="tx1"/>
+                </a:solidFill>
+                <a:latin typeface="+mn-lt"/>
+                <a:ea typeface="+mn-ea"/>
+                <a:cs typeface="+mn-cs"/>
+              </a:defRPr>
+            </a:lvl2pPr>
+            <a:lvl3pPr marL="914400" algn="l" defTabSz="914400" rtl="0" eaLnBrk="1" latinLnBrk="0" hangingPunct="1">
+              <a:defRPr sz="1800" kern="1200">
+                <a:solidFill>
+                  <a:schemeClr val="tx1"/>
+                </a:solidFill>
+                <a:latin typeface="+mn-lt"/>
+                <a:ea typeface="+mn-ea"/>
+                <a:cs typeface="+mn-cs"/>
+              </a:defRPr>
+            </a:lvl3pPr>
+            <a:lvl4pPr marL="1371600" algn="l" defTabSz="914400" rtl="0" eaLnBrk="1" latinLnBrk="0" hangingPunct="1">
+              <a:defRPr sz="1800" kern="1200">
+                <a:solidFill>
+                  <a:schemeClr val="tx1"/>
+                </a:solidFill>
+                <a:latin typeface="+mn-lt"/>
+                <a:ea typeface="+mn-ea"/>
+                <a:cs typeface="+mn-cs"/>
+              </a:defRPr>
+            </a:lvl4pPr>
+            <a:lvl5pPr marL="1828800" algn="l" defTabSz="914400" rtl="0" eaLnBrk="1" latinLnBrk="0" hangingPunct="1">
+              <a:defRPr sz="1800" kern="1200">
+                <a:solidFill>
+                  <a:schemeClr val="tx1"/>
+                </a:solidFill>
+                <a:latin typeface="+mn-lt"/>
+                <a:ea typeface="+mn-ea"/>
+                <a:cs typeface="+mn-cs"/>
+              </a:defRPr>
+            </a:lvl5pPr>
+            <a:lvl6pPr marL="2286000" algn="l" defTabSz="914400" rtl="0" eaLnBrk="1" latinLnBrk="0" hangingPunct="1">
+              <a:defRPr sz="1800" kern="1200">
+                <a:solidFill>
+                  <a:schemeClr val="tx1"/>
+                </a:solidFill>
+                <a:latin typeface="+mn-lt"/>
+                <a:ea typeface="+mn-ea"/>
+                <a:cs typeface="+mn-cs"/>
+              </a:defRPr>
+            </a:lvl6pPr>
+            <a:lvl7pPr marL="2743200" algn="l" defTabSz="914400" rtl="0" eaLnBrk="1" latinLnBrk="0" hangingPunct="1">
+              <a:defRPr sz="1800" kern="1200">
+                <a:solidFill>
+                  <a:schemeClr val="tx1"/>
+                </a:solidFill>
+                <a:latin typeface="+mn-lt"/>
+                <a:ea typeface="+mn-ea"/>
+                <a:cs typeface="+mn-cs"/>
+              </a:defRPr>
+            </a:lvl7pPr>
+            <a:lvl8pPr marL="3200400" algn="l" defTabSz="914400" rtl="0" eaLnBrk="1" latinLnBrk="0" hangingPunct="1">
+              <a:defRPr sz="1800" kern="1200">
+                <a:solidFill>
+                  <a:schemeClr val="tx1"/>
+                </a:solidFill>
+                <a:latin typeface="+mn-lt"/>
+                <a:ea typeface="+mn-ea"/>
+                <a:cs typeface="+mn-cs"/>
+              </a:defRPr>
+            </a:lvl8pPr>
+            <a:lvl9pPr marL="3657600" algn="l" defTabSz="914400" rtl="0" eaLnBrk="1" latinLnBrk="0" hangingPunct="1">
+              <a:defRPr sz="1800" kern="1200">
+                <a:solidFill>
+                  <a:schemeClr val="tx1"/>
+                </a:solidFill>
+                <a:latin typeface="+mn-lt"/>
+                <a:ea typeface="+mn-ea"/>
+                <a:cs typeface="+mn-cs"/>
+              </a:defRPr>
+            </a:lvl9pPr>
+          </a:lstStyle>
+          <a:p>
+            <a:r>
+              <a:rPr lang="en-US" dirty="0">
+                <a:solidFill>
+                  <a:schemeClr val="bg1"/>
+                </a:solidFill>
+              </a:rPr>
+              <a:t>function Person(name</a:t>
+            </a:r>
+            <a:r>
+              <a:rPr lang="en-US" dirty="0" smtClean="0">
+                <a:solidFill>
+                  <a:schemeClr val="bg1"/>
+                </a:solidFill>
+              </a:rPr>
+              <a:t>, age) {</a:t>
+            </a:r>
+            <a:endParaRPr lang="en-US" dirty="0">
+              <a:solidFill>
+                <a:schemeClr val="bg1"/>
+              </a:solidFill>
+            </a:endParaRPr>
+          </a:p>
+          <a:p>
+            <a:r>
+              <a:rPr lang="en-US" dirty="0">
+                <a:solidFill>
+                  <a:schemeClr val="bg1"/>
+                </a:solidFill>
+              </a:rPr>
+              <a:t>  </a:t>
+            </a:r>
+            <a:r>
+              <a:rPr lang="bg-BG" dirty="0" smtClean="0">
+                <a:solidFill>
+                  <a:schemeClr val="bg1"/>
+                </a:solidFill>
+              </a:rPr>
+              <a:t>  </a:t>
+            </a:r>
+            <a:r>
+              <a:rPr lang="en-US" b="1" dirty="0" smtClean="0">
+                <a:solidFill>
+                  <a:srgbClr val="FFFF00"/>
+                </a:solidFill>
+              </a:rPr>
+              <a:t>this</a:t>
+            </a:r>
+            <a:r>
+              <a:rPr lang="en-US" dirty="0" smtClean="0">
+                <a:solidFill>
+                  <a:schemeClr val="bg1"/>
+                </a:solidFill>
+              </a:rPr>
+              <a:t>.name </a:t>
+            </a:r>
+            <a:r>
+              <a:rPr lang="en-US" dirty="0">
+                <a:solidFill>
+                  <a:schemeClr val="bg1"/>
+                </a:solidFill>
+              </a:rPr>
+              <a:t>= name;</a:t>
+            </a:r>
+          </a:p>
+          <a:p>
+            <a:r>
+              <a:rPr lang="en-US" dirty="0">
+                <a:solidFill>
+                  <a:schemeClr val="bg1"/>
+                </a:solidFill>
+              </a:rPr>
+              <a:t> </a:t>
+            </a:r>
+            <a:r>
+              <a:rPr lang="en-US" dirty="0">
+                <a:solidFill>
+                  <a:schemeClr val="bg1"/>
+                </a:solidFill>
+              </a:rPr>
+              <a:t> </a:t>
+            </a:r>
+            <a:r>
+              <a:rPr lang="bg-BG" dirty="0" smtClean="0">
+                <a:solidFill>
+                  <a:schemeClr val="bg1"/>
+                </a:solidFill>
+              </a:rPr>
+              <a:t>  </a:t>
+            </a:r>
+            <a:r>
+              <a:rPr lang="en-US" b="1" dirty="0" err="1" smtClean="0">
+                <a:solidFill>
+                  <a:srgbClr val="FFFF00"/>
+                </a:solidFill>
+              </a:rPr>
+              <a:t>this</a:t>
+            </a:r>
+            <a:r>
+              <a:rPr lang="en-US" dirty="0" err="1" smtClean="0">
+                <a:solidFill>
+                  <a:schemeClr val="bg1"/>
+                </a:solidFill>
+              </a:rPr>
+              <a:t>.age</a:t>
+            </a:r>
+            <a:r>
+              <a:rPr lang="en-US" dirty="0" smtClean="0">
+                <a:solidFill>
+                  <a:schemeClr val="bg1"/>
+                </a:solidFill>
+              </a:rPr>
+              <a:t> </a:t>
+            </a:r>
+            <a:r>
+              <a:rPr lang="en-US" dirty="0">
+                <a:solidFill>
+                  <a:schemeClr val="bg1"/>
+                </a:solidFill>
+              </a:rPr>
+              <a:t>= age;</a:t>
+            </a:r>
+          </a:p>
+          <a:p>
+            <a:r>
+              <a:rPr lang="en-US" dirty="0">
+                <a:solidFill>
+                  <a:schemeClr val="bg1"/>
+                </a:solidFill>
+              </a:rPr>
+              <a:t>}</a:t>
+            </a:r>
+          </a:p>
+          <a:p>
+            <a:r>
+              <a:rPr lang="en-US" dirty="0" err="1">
+                <a:solidFill>
+                  <a:schemeClr val="bg1"/>
+                </a:solidFill>
+              </a:rPr>
+              <a:t>v</a:t>
+            </a:r>
+            <a:r>
+              <a:rPr lang="en-US" dirty="0" err="1">
+                <a:solidFill>
+                  <a:schemeClr val="bg1"/>
+                </a:solidFill>
+              </a:rPr>
+              <a:t>ar</a:t>
+            </a:r>
+            <a:r>
+              <a:rPr lang="en-US" dirty="0">
+                <a:solidFill>
+                  <a:schemeClr val="bg1"/>
+                </a:solidFill>
+              </a:rPr>
+              <a:t> </a:t>
+            </a:r>
+            <a:r>
+              <a:rPr lang="en-US" dirty="0" err="1" smtClean="0">
+                <a:solidFill>
+                  <a:schemeClr val="bg1"/>
+                </a:solidFill>
+              </a:rPr>
+              <a:t>mimi</a:t>
+            </a:r>
+            <a:r>
+              <a:rPr lang="en-US" dirty="0" smtClean="0">
+                <a:solidFill>
+                  <a:schemeClr val="bg1"/>
+                </a:solidFill>
+              </a:rPr>
+              <a:t>= </a:t>
+            </a:r>
+            <a:r>
+              <a:rPr lang="en-US" dirty="0">
+                <a:solidFill>
+                  <a:schemeClr val="bg1"/>
+                </a:solidFill>
+              </a:rPr>
+              <a:t>new Person("Maria",18);</a:t>
+            </a:r>
+          </a:p>
+          <a:p>
+            <a:r>
+              <a:rPr lang="en-US" dirty="0" smtClean="0">
+                <a:solidFill>
+                  <a:schemeClr val="bg1"/>
+                </a:solidFill>
+              </a:rPr>
+              <a:t>console.log(mimi.</a:t>
+            </a:r>
+            <a:r>
+              <a:rPr lang="en-US" b="1" dirty="0" smtClean="0">
+                <a:solidFill>
+                  <a:srgbClr val="FFFF00"/>
+                </a:solidFill>
+              </a:rPr>
+              <a:t>name</a:t>
+            </a:r>
+            <a:r>
+              <a:rPr lang="en-US" dirty="0">
+                <a:solidFill>
+                  <a:schemeClr val="bg1"/>
+                </a:solidFill>
+              </a:rPr>
+              <a:t>);</a:t>
+            </a:r>
+            <a:endParaRPr lang="en-US" dirty="0">
+              <a:solidFill>
+                <a:schemeClr val="bg1"/>
+              </a:solidFill>
+            </a:endParaRPr>
+          </a:p>
+        </p:txBody>
+      </p:sp>
+      <p:sp>
+        <p:nvSpPr>
+          <p:cNvPr id="5" name="Rectangular Callout 4"/>
+          <p:cNvSpPr/>
+          <p:nvPr/>
+        </p:nvSpPr>
+        <p:spPr>
+          <a:xfrm>
+            <a:off x="2821058" y="5530857"/>
+            <a:ext cx="2558473" cy="1009365"/>
+          </a:xfrm>
+          <a:prstGeom prst="wedgeRectCallout">
+            <a:avLst>
+              <a:gd name="adj1" fmla="val 122024"/>
+              <a:gd name="adj2" fmla="val -58721"/>
+            </a:avLst>
+          </a:prstGeom>
+        </p:spPr>
+        <p:style>
+          <a:lnRef idx="2">
+            <a:schemeClr val="accent1">
+              <a:shade val="50000"/>
+            </a:schemeClr>
+          </a:lnRef>
+          <a:fillRef idx="1">
+            <a:schemeClr val="accent1"/>
+          </a:fillRef>
+          <a:effectRef idx="0">
+            <a:schemeClr val="accent1"/>
+          </a:effectRef>
+          <a:fontRef idx="minor">
+            <a:schemeClr val="lt1"/>
+          </a:fontRef>
+        </p:style>
+        <p:txBody>
+          <a:bodyPr rtlCol="0" anchor="ctr"/>
+          <a:lstStyle/>
+          <a:p>
+            <a:pPr algn="ctr"/>
+            <a:r>
+              <a:rPr lang="en-US" b="1" dirty="0" smtClean="0">
+                <a:solidFill>
+                  <a:srgbClr val="FFFF00"/>
+                </a:solidFill>
+              </a:rPr>
+              <a:t>this </a:t>
+            </a:r>
+            <a:r>
+              <a:rPr lang="bg-BG" dirty="0"/>
+              <a:t>е текущия контекст на инстанцията на </a:t>
+            </a:r>
+            <a:r>
+              <a:rPr lang="en-US" b="1" dirty="0" smtClean="0">
+                <a:solidFill>
+                  <a:srgbClr val="FFFF00"/>
+                </a:solidFill>
+              </a:rPr>
+              <a:t>Person</a:t>
+            </a:r>
+            <a:endParaRPr lang="en-US" b="1" dirty="0">
+              <a:solidFill>
+                <a:srgbClr val="FFFF00"/>
+              </a:solidFill>
+            </a:endParaRPr>
+          </a:p>
+        </p:txBody>
+      </p:sp>
+    </p:spTree>
+    <p:extLst>
+      <p:ext uri="{BB962C8B-B14F-4D97-AF65-F5344CB8AC3E}">
+        <p14:creationId xmlns:p14="http://schemas.microsoft.com/office/powerpoint/2010/main" val="1827317020"/>
+      </p:ext>
+    </p:extLst>
+  </p:cSld>
+  <p:clrMapOvr>
+    <a:masterClrMapping/>
+  </p:clrMapOvr>
+</p:sld>
+</file>
+
+<file path=ppt/slides/slide17.xml><?xml version="1.0" encoding="utf-8"?>
+<p:sld xmlns:a="http://schemas.openxmlformats.org/drawingml/2006/main" xmlns:r="http://schemas.openxmlformats.org/officeDocument/2006/relationships" xmlns:p="http://schemas.openxmlformats.org/presentationml/2006/main">
+  <p:cSld>
+    <p:spTree>
+      <p:nvGrpSpPr>
+        <p:cNvPr id="1" name=""/>
+        <p:cNvGrpSpPr/>
+        <p:nvPr/>
+      </p:nvGrpSpPr>
+      <p:grpSpPr>
+        <a:xfrm>
+          <a:off x="0" y="0"/>
+          <a:ext cx="0" cy="0"/>
+          <a:chOff x="0" y="0"/>
+          <a:chExt cx="0" cy="0"/>
+        </a:xfrm>
+      </p:grpSpPr>
+      <p:sp>
+        <p:nvSpPr>
+          <p:cNvPr id="2" name="Title 1"/>
+          <p:cNvSpPr>
+            <a:spLocks noGrp="1"/>
+          </p:cNvSpPr>
+          <p:nvPr>
+            <p:ph type="title"/>
+          </p:nvPr>
+        </p:nvSpPr>
+        <p:spPr/>
+        <p:txBody>
+          <a:bodyPr/>
+          <a:lstStyle/>
+          <a:p>
+            <a:r>
+              <a:rPr lang="bg-BG" dirty="0" smtClean="0"/>
+              <a:t>Характеристики на обекта /</a:t>
+            </a:r>
+            <a:r>
+              <a:rPr lang="en-US" dirty="0" smtClean="0"/>
+              <a:t>object members/</a:t>
+            </a:r>
+            <a:endParaRPr lang="en-US" dirty="0"/>
+          </a:p>
+        </p:txBody>
+      </p:sp>
+      <p:sp>
+        <p:nvSpPr>
+          <p:cNvPr id="3" name="Content Placeholder 2"/>
+          <p:cNvSpPr>
+            <a:spLocks noGrp="1"/>
+          </p:cNvSpPr>
+          <p:nvPr>
+            <p:ph idx="1"/>
+          </p:nvPr>
+        </p:nvSpPr>
+        <p:spPr>
+          <a:xfrm>
+            <a:off x="1484310" y="2198255"/>
+            <a:ext cx="10018713" cy="2955637"/>
+          </a:xfrm>
+        </p:spPr>
+        <p:txBody>
+          <a:bodyPr/>
+          <a:lstStyle/>
+          <a:p>
+            <a:pPr algn="just"/>
+            <a:r>
+              <a:rPr lang="bg-BG" dirty="0" smtClean="0"/>
+              <a:t>Характеристики на обекта могат да бъдат както променливи така и фунцкиции</a:t>
+            </a:r>
+          </a:p>
+          <a:p>
+            <a:pPr algn="just"/>
+            <a:r>
+              <a:rPr lang="bg-BG" dirty="0" smtClean="0"/>
+              <a:t>Функциите, които са характеристики на даден обект също се наричат и методи</a:t>
+            </a:r>
+          </a:p>
+        </p:txBody>
+      </p:sp>
+      <p:sp>
+        <p:nvSpPr>
+          <p:cNvPr id="4" name="Text Placeholder 5"/>
+          <p:cNvSpPr txBox="1">
+            <a:spLocks/>
+          </p:cNvSpPr>
+          <p:nvPr/>
+        </p:nvSpPr>
+        <p:spPr>
+          <a:xfrm>
+            <a:off x="4789270" y="4272677"/>
+            <a:ext cx="7402730" cy="2585323"/>
+          </a:xfrm>
+          <a:prstGeom prst="rect">
+            <a:avLst/>
+          </a:prstGeom>
+          <a:ln/>
+        </p:spPr>
+        <p:style>
+          <a:lnRef idx="0">
+            <a:schemeClr val="accent1"/>
+          </a:lnRef>
+          <a:fillRef idx="3">
+            <a:schemeClr val="accent1"/>
+          </a:fillRef>
+          <a:effectRef idx="3">
+            <a:schemeClr val="accent1"/>
+          </a:effectRef>
+          <a:fontRef idx="minor">
+            <a:schemeClr val="lt1"/>
+          </a:fontRef>
+        </p:style>
+        <p:txBody>
+          <a:bodyPr wrap="square">
+            <a:spAutoFit/>
+          </a:bodyPr>
+          <a:lstStyle>
+            <a:defPPr>
+              <a:defRPr lang="en-US"/>
+            </a:defPPr>
+            <a:lvl1pPr marL="0" algn="l" defTabSz="914400" rtl="0" eaLnBrk="1" latinLnBrk="0" hangingPunct="1">
+              <a:defRPr sz="1800" kern="1200">
+                <a:solidFill>
+                  <a:schemeClr val="tx1"/>
+                </a:solidFill>
+                <a:latin typeface="+mn-lt"/>
+                <a:ea typeface="+mn-ea"/>
+                <a:cs typeface="+mn-cs"/>
+              </a:defRPr>
+            </a:lvl1pPr>
+            <a:lvl2pPr marL="457200" algn="l" defTabSz="914400" rtl="0" eaLnBrk="1" latinLnBrk="0" hangingPunct="1">
+              <a:defRPr sz="1800" kern="1200">
+                <a:solidFill>
+                  <a:schemeClr val="tx1"/>
+                </a:solidFill>
+                <a:latin typeface="+mn-lt"/>
+                <a:ea typeface="+mn-ea"/>
+                <a:cs typeface="+mn-cs"/>
+              </a:defRPr>
+            </a:lvl2pPr>
+            <a:lvl3pPr marL="914400" algn="l" defTabSz="914400" rtl="0" eaLnBrk="1" latinLnBrk="0" hangingPunct="1">
+              <a:defRPr sz="1800" kern="1200">
+                <a:solidFill>
+                  <a:schemeClr val="tx1"/>
+                </a:solidFill>
+                <a:latin typeface="+mn-lt"/>
+                <a:ea typeface="+mn-ea"/>
+                <a:cs typeface="+mn-cs"/>
+              </a:defRPr>
+            </a:lvl3pPr>
+            <a:lvl4pPr marL="1371600" algn="l" defTabSz="914400" rtl="0" eaLnBrk="1" latinLnBrk="0" hangingPunct="1">
+              <a:defRPr sz="1800" kern="1200">
+                <a:solidFill>
+                  <a:schemeClr val="tx1"/>
+                </a:solidFill>
+                <a:latin typeface="+mn-lt"/>
+                <a:ea typeface="+mn-ea"/>
+                <a:cs typeface="+mn-cs"/>
+              </a:defRPr>
+            </a:lvl4pPr>
+            <a:lvl5pPr marL="1828800" algn="l" defTabSz="914400" rtl="0" eaLnBrk="1" latinLnBrk="0" hangingPunct="1">
+              <a:defRPr sz="1800" kern="1200">
+                <a:solidFill>
+                  <a:schemeClr val="tx1"/>
+                </a:solidFill>
+                <a:latin typeface="+mn-lt"/>
+                <a:ea typeface="+mn-ea"/>
+                <a:cs typeface="+mn-cs"/>
+              </a:defRPr>
+            </a:lvl5pPr>
+            <a:lvl6pPr marL="2286000" algn="l" defTabSz="914400" rtl="0" eaLnBrk="1" latinLnBrk="0" hangingPunct="1">
+              <a:defRPr sz="1800" kern="1200">
+                <a:solidFill>
+                  <a:schemeClr val="tx1"/>
+                </a:solidFill>
+                <a:latin typeface="+mn-lt"/>
+                <a:ea typeface="+mn-ea"/>
+                <a:cs typeface="+mn-cs"/>
+              </a:defRPr>
+            </a:lvl6pPr>
+            <a:lvl7pPr marL="2743200" algn="l" defTabSz="914400" rtl="0" eaLnBrk="1" latinLnBrk="0" hangingPunct="1">
+              <a:defRPr sz="1800" kern="1200">
+                <a:solidFill>
+                  <a:schemeClr val="tx1"/>
+                </a:solidFill>
+                <a:latin typeface="+mn-lt"/>
+                <a:ea typeface="+mn-ea"/>
+                <a:cs typeface="+mn-cs"/>
+              </a:defRPr>
+            </a:lvl7pPr>
+            <a:lvl8pPr marL="3200400" algn="l" defTabSz="914400" rtl="0" eaLnBrk="1" latinLnBrk="0" hangingPunct="1">
+              <a:defRPr sz="1800" kern="1200">
+                <a:solidFill>
+                  <a:schemeClr val="tx1"/>
+                </a:solidFill>
+                <a:latin typeface="+mn-lt"/>
+                <a:ea typeface="+mn-ea"/>
+                <a:cs typeface="+mn-cs"/>
+              </a:defRPr>
+            </a:lvl8pPr>
+            <a:lvl9pPr marL="3657600" algn="l" defTabSz="914400" rtl="0" eaLnBrk="1" latinLnBrk="0" hangingPunct="1">
+              <a:defRPr sz="1800" kern="1200">
+                <a:solidFill>
+                  <a:schemeClr val="tx1"/>
+                </a:solidFill>
+                <a:latin typeface="+mn-lt"/>
+                <a:ea typeface="+mn-ea"/>
+                <a:cs typeface="+mn-cs"/>
+              </a:defRPr>
+            </a:lvl9pPr>
+          </a:lstStyle>
+          <a:p>
+            <a:r>
+              <a:rPr lang="en-US" dirty="0">
+                <a:solidFill>
+                  <a:schemeClr val="bg1"/>
+                </a:solidFill>
+              </a:rPr>
+              <a:t>function Person(name</a:t>
+            </a:r>
+            <a:r>
+              <a:rPr lang="en-US" dirty="0" smtClean="0">
+                <a:solidFill>
+                  <a:schemeClr val="bg1"/>
+                </a:solidFill>
+              </a:rPr>
+              <a:t>, age) {</a:t>
+            </a:r>
+            <a:endParaRPr lang="en-US" dirty="0">
+              <a:solidFill>
+                <a:schemeClr val="bg1"/>
+              </a:solidFill>
+            </a:endParaRPr>
+          </a:p>
+          <a:p>
+            <a:r>
+              <a:rPr lang="en-US" dirty="0">
+                <a:solidFill>
+                  <a:schemeClr val="bg1"/>
+                </a:solidFill>
+              </a:rPr>
+              <a:t>  </a:t>
+            </a:r>
+            <a:r>
+              <a:rPr lang="bg-BG" dirty="0" smtClean="0">
+                <a:solidFill>
+                  <a:schemeClr val="bg1"/>
+                </a:solidFill>
+              </a:rPr>
+              <a:t>  </a:t>
+            </a:r>
+            <a:r>
+              <a:rPr lang="en-US" b="1" dirty="0" smtClean="0">
+                <a:solidFill>
+                  <a:srgbClr val="FFFF00"/>
+                </a:solidFill>
+              </a:rPr>
+              <a:t>this</a:t>
+            </a:r>
+            <a:r>
+              <a:rPr lang="en-US" dirty="0" smtClean="0">
+                <a:solidFill>
+                  <a:schemeClr val="bg1"/>
+                </a:solidFill>
+              </a:rPr>
+              <a:t>.name </a:t>
+            </a:r>
+            <a:r>
+              <a:rPr lang="en-US" dirty="0">
+                <a:solidFill>
+                  <a:schemeClr val="bg1"/>
+                </a:solidFill>
+              </a:rPr>
+              <a:t>= name;</a:t>
+            </a:r>
+          </a:p>
+          <a:p>
+            <a:r>
+              <a:rPr lang="en-US" dirty="0">
+                <a:solidFill>
+                  <a:schemeClr val="bg1"/>
+                </a:solidFill>
+              </a:rPr>
+              <a:t> </a:t>
+            </a:r>
+            <a:r>
+              <a:rPr lang="en-US" dirty="0">
+                <a:solidFill>
+                  <a:schemeClr val="bg1"/>
+                </a:solidFill>
+              </a:rPr>
+              <a:t> </a:t>
+            </a:r>
+            <a:r>
+              <a:rPr lang="bg-BG" dirty="0" smtClean="0">
+                <a:solidFill>
+                  <a:schemeClr val="bg1"/>
+                </a:solidFill>
+              </a:rPr>
+              <a:t>  </a:t>
+            </a:r>
+            <a:r>
+              <a:rPr lang="en-US" b="1" dirty="0" err="1" smtClean="0">
+                <a:solidFill>
+                  <a:srgbClr val="FFFF00"/>
+                </a:solidFill>
+              </a:rPr>
+              <a:t>this</a:t>
+            </a:r>
+            <a:r>
+              <a:rPr lang="en-US" dirty="0" err="1" smtClean="0">
+                <a:solidFill>
+                  <a:schemeClr val="bg1"/>
+                </a:solidFill>
+              </a:rPr>
+              <a:t>.age</a:t>
+            </a:r>
+            <a:r>
+              <a:rPr lang="en-US" dirty="0" smtClean="0">
+                <a:solidFill>
+                  <a:schemeClr val="bg1"/>
+                </a:solidFill>
+              </a:rPr>
+              <a:t> </a:t>
+            </a:r>
+            <a:r>
+              <a:rPr lang="en-US" dirty="0">
+                <a:solidFill>
+                  <a:schemeClr val="bg1"/>
+                </a:solidFill>
+              </a:rPr>
+              <a:t>= age</a:t>
+            </a:r>
+            <a:r>
+              <a:rPr lang="en-US" dirty="0" smtClean="0">
+                <a:solidFill>
+                  <a:schemeClr val="bg1"/>
+                </a:solidFill>
+              </a:rPr>
+              <a:t>;</a:t>
+            </a:r>
+            <a:endParaRPr lang="bg-BG" dirty="0" smtClean="0">
+              <a:solidFill>
+                <a:schemeClr val="bg1"/>
+              </a:solidFill>
+            </a:endParaRPr>
+          </a:p>
+          <a:p>
+            <a:r>
+              <a:rPr lang="bg-BG" dirty="0">
+                <a:solidFill>
+                  <a:schemeClr val="bg1"/>
+                </a:solidFill>
+              </a:rPr>
+              <a:t> </a:t>
+            </a:r>
+            <a:r>
+              <a:rPr lang="bg-BG" dirty="0" smtClean="0">
+                <a:solidFill>
+                  <a:schemeClr val="bg1"/>
+                </a:solidFill>
+              </a:rPr>
+              <a:t>   </a:t>
+            </a:r>
+            <a:r>
+              <a:rPr lang="en-US" b="1" dirty="0" err="1" smtClean="0">
+                <a:solidFill>
+                  <a:srgbClr val="FFFF00"/>
+                </a:solidFill>
+              </a:rPr>
+              <a:t>this</a:t>
+            </a:r>
+            <a:r>
+              <a:rPr lang="en-US" dirty="0" err="1" smtClean="0">
+                <a:solidFill>
+                  <a:schemeClr val="bg1"/>
+                </a:solidFill>
+              </a:rPr>
+              <a:t>.sayHello</a:t>
+            </a:r>
+            <a:r>
+              <a:rPr lang="en-US" dirty="0" smtClean="0">
+                <a:solidFill>
+                  <a:schemeClr val="bg1"/>
+                </a:solidFill>
+              </a:rPr>
+              <a:t> = function() {</a:t>
+            </a:r>
+          </a:p>
+          <a:p>
+            <a:r>
+              <a:rPr lang="en-US" dirty="0">
+                <a:solidFill>
+                  <a:schemeClr val="bg1"/>
+                </a:solidFill>
+              </a:rPr>
+              <a:t> </a:t>
+            </a:r>
+            <a:r>
+              <a:rPr lang="en-US" dirty="0" smtClean="0">
+                <a:solidFill>
+                  <a:schemeClr val="bg1"/>
+                </a:solidFill>
+              </a:rPr>
+              <a:t>       console.log(‘Hello! I’m ${</a:t>
+            </a:r>
+            <a:r>
+              <a:rPr lang="en-US" b="1" dirty="0" smtClean="0">
+                <a:solidFill>
+                  <a:srgbClr val="FFFF00"/>
+                </a:solidFill>
+              </a:rPr>
+              <a:t>this</a:t>
+            </a:r>
+            <a:r>
+              <a:rPr lang="en-US" dirty="0" smtClean="0">
+                <a:solidFill>
+                  <a:schemeClr val="bg1"/>
+                </a:solidFill>
+              </a:rPr>
+              <a:t>.name} and I’m ${</a:t>
+            </a:r>
+            <a:r>
+              <a:rPr lang="en-US" b="1" dirty="0" err="1" smtClean="0">
+                <a:solidFill>
+                  <a:srgbClr val="FFFF00"/>
+                </a:solidFill>
+              </a:rPr>
+              <a:t>this</a:t>
+            </a:r>
+            <a:r>
+              <a:rPr lang="en-US" dirty="0" err="1" smtClean="0">
+                <a:solidFill>
+                  <a:schemeClr val="bg1"/>
+                </a:solidFill>
+              </a:rPr>
+              <a:t>.age</a:t>
+            </a:r>
+            <a:r>
+              <a:rPr lang="en-US" dirty="0" smtClean="0">
+                <a:solidFill>
+                  <a:schemeClr val="bg1"/>
+                </a:solidFill>
+              </a:rPr>
+              <a:t>} years old.’);     </a:t>
+            </a:r>
+          </a:p>
+          <a:p>
+            <a:r>
+              <a:rPr lang="en-US" dirty="0">
+                <a:solidFill>
+                  <a:schemeClr val="bg1"/>
+                </a:solidFill>
+              </a:rPr>
+              <a:t> </a:t>
+            </a:r>
+            <a:r>
+              <a:rPr lang="en-US" dirty="0" smtClean="0">
+                <a:solidFill>
+                  <a:schemeClr val="bg1"/>
+                </a:solidFill>
+              </a:rPr>
+              <a:t>   }</a:t>
+            </a:r>
+            <a:endParaRPr lang="en-US" dirty="0">
+              <a:solidFill>
+                <a:schemeClr val="bg1"/>
+              </a:solidFill>
+            </a:endParaRPr>
+          </a:p>
+          <a:p>
+            <a:r>
+              <a:rPr lang="en-US" dirty="0">
+                <a:solidFill>
+                  <a:schemeClr val="bg1"/>
+                </a:solidFill>
+              </a:rPr>
+              <a:t>}</a:t>
+            </a:r>
+          </a:p>
+          <a:p>
+            <a:r>
+              <a:rPr lang="en-US" dirty="0" err="1">
+                <a:solidFill>
+                  <a:schemeClr val="bg1"/>
+                </a:solidFill>
+              </a:rPr>
+              <a:t>v</a:t>
+            </a:r>
+            <a:r>
+              <a:rPr lang="en-US" dirty="0" err="1">
+                <a:solidFill>
+                  <a:schemeClr val="bg1"/>
+                </a:solidFill>
+              </a:rPr>
+              <a:t>ar</a:t>
+            </a:r>
+            <a:r>
+              <a:rPr lang="en-US" dirty="0">
+                <a:solidFill>
+                  <a:schemeClr val="bg1"/>
+                </a:solidFill>
+              </a:rPr>
+              <a:t> </a:t>
+            </a:r>
+            <a:r>
+              <a:rPr lang="en-US" dirty="0" err="1" smtClean="0">
+                <a:solidFill>
+                  <a:schemeClr val="bg1"/>
+                </a:solidFill>
+              </a:rPr>
+              <a:t>mimi</a:t>
+            </a:r>
+            <a:r>
+              <a:rPr lang="en-US" dirty="0" smtClean="0">
+                <a:solidFill>
+                  <a:schemeClr val="bg1"/>
+                </a:solidFill>
+              </a:rPr>
+              <a:t>= </a:t>
+            </a:r>
+            <a:r>
+              <a:rPr lang="en-US" dirty="0">
+                <a:solidFill>
+                  <a:schemeClr val="bg1"/>
+                </a:solidFill>
+              </a:rPr>
+              <a:t>new Person("Maria",18);</a:t>
+            </a:r>
+          </a:p>
+          <a:p>
+            <a:r>
+              <a:rPr lang="en-US" dirty="0" smtClean="0">
+                <a:solidFill>
+                  <a:schemeClr val="bg1"/>
+                </a:solidFill>
+              </a:rPr>
+              <a:t>mimi.</a:t>
+            </a:r>
+            <a:r>
+              <a:rPr lang="en-US" b="1" dirty="0" smtClean="0">
+                <a:solidFill>
+                  <a:srgbClr val="FFFF00"/>
+                </a:solidFill>
+              </a:rPr>
+              <a:t>sayHello</a:t>
+            </a:r>
+            <a:r>
+              <a:rPr lang="en-US" dirty="0" smtClean="0">
+                <a:solidFill>
+                  <a:schemeClr val="bg1"/>
+                </a:solidFill>
+              </a:rPr>
+              <a:t>();</a:t>
+            </a:r>
+            <a:endParaRPr lang="en-US" dirty="0">
+              <a:solidFill>
+                <a:schemeClr val="bg1"/>
+              </a:solidFill>
+            </a:endParaRPr>
+          </a:p>
+        </p:txBody>
+      </p:sp>
+    </p:spTree>
+    <p:extLst>
+      <p:ext uri="{BB962C8B-B14F-4D97-AF65-F5344CB8AC3E}">
+        <p14:creationId xmlns:p14="http://schemas.microsoft.com/office/powerpoint/2010/main" val="1893434548"/>
+      </p:ext>
+    </p:extLst>
+  </p:cSld>
+  <p:clrMapOvr>
+    <a:masterClrMapping/>
+  </p:clrMapOvr>
+</p:sld>
+</file>
+
+<file path=ppt/slides/slide18.xml><?xml version="1.0" encoding="utf-8"?>
+<p:sld xmlns:a="http://schemas.openxmlformats.org/drawingml/2006/main" xmlns:r="http://schemas.openxmlformats.org/officeDocument/2006/relationships" xmlns:p="http://schemas.openxmlformats.org/presentationml/2006/main">
+  <p:cSld>
+    <p:spTree>
+      <p:nvGrpSpPr>
+        <p:cNvPr id="1" name=""/>
+        <p:cNvGrpSpPr/>
+        <p:nvPr/>
+      </p:nvGrpSpPr>
+      <p:grpSpPr>
+        <a:xfrm>
+          <a:off x="0" y="0"/>
+          <a:ext cx="0" cy="0"/>
+          <a:chOff x="0" y="0"/>
+          <a:chExt cx="0" cy="0"/>
+        </a:xfrm>
+      </p:grpSpPr>
+      <p:sp>
+        <p:nvSpPr>
+          <p:cNvPr id="6" name="Title 5"/>
+          <p:cNvSpPr>
+            <a:spLocks noGrp="1"/>
+          </p:cNvSpPr>
+          <p:nvPr>
+            <p:ph type="title"/>
+          </p:nvPr>
+        </p:nvSpPr>
+        <p:spPr>
+          <a:xfrm>
+            <a:off x="1484311" y="166256"/>
+            <a:ext cx="10018713" cy="2272144"/>
+          </a:xfrm>
+        </p:spPr>
+        <p:txBody>
+          <a:bodyPr/>
+          <a:lstStyle/>
+          <a:p>
+            <a:r>
+              <a:rPr lang="en-US" dirty="0" smtClean="0"/>
+              <a:t>Object members</a:t>
+            </a:r>
+            <a:endParaRPr lang="en-US" dirty="0"/>
+          </a:p>
+        </p:txBody>
+      </p:sp>
+      <p:pic>
+        <p:nvPicPr>
+          <p:cNvPr id="7" name="Picture 6"/>
+          <p:cNvPicPr>
+            <a:picLocks noChangeAspect="1"/>
+          </p:cNvPicPr>
+          <p:nvPr/>
+        </p:nvPicPr>
+        <p:blipFill>
+          <a:blip r:embed="rId2">
+            <a:extLst>
+              <a:ext uri="{28A0092B-C50C-407E-A947-70E740481C1C}">
+                <a14:useLocalDpi xmlns:a14="http://schemas.microsoft.com/office/drawing/2010/main" val="0"/>
+              </a:ext>
+            </a:extLst>
+          </a:blip>
+          <a:stretch>
+            <a:fillRect/>
+          </a:stretch>
+        </p:blipFill>
+        <p:spPr>
+          <a:xfrm>
+            <a:off x="4112417" y="1943677"/>
+            <a:ext cx="4762500" cy="4762500"/>
+          </a:xfrm>
+          <a:prstGeom prst="rect">
+            <a:avLst/>
+          </a:prstGeom>
+        </p:spPr>
+      </p:pic>
+    </p:spTree>
+    <p:extLst>
+      <p:ext uri="{BB962C8B-B14F-4D97-AF65-F5344CB8AC3E}">
+        <p14:creationId xmlns:p14="http://schemas.microsoft.com/office/powerpoint/2010/main" val="687022806"/>
+      </p:ext>
+    </p:extLst>
+  </p:cSld>
+  <p:clrMapOvr>
+    <a:masterClrMapping/>
+  </p:clrMapOvr>
+  <p:timing>
+    <p:tnLst>
+      <p:par>
+        <p:cTn id="1" dur="indefinite" restart="never" nodeType="tmRoot"/>
+      </p:par>
+    </p:tnLst>
+  </p:timing>
+</p:sld>
+</file>
+
+<file path=ppt/slides/slide19.xml><?xml version="1.0" encoding="utf-8"?>
+<p:sld xmlns:a="http://schemas.openxmlformats.org/drawingml/2006/main" xmlns:r="http://schemas.openxmlformats.org/officeDocument/2006/relationships" xmlns:p="http://schemas.openxmlformats.org/presentationml/2006/main">
+  <p:cSld>
+    <p:spTree>
+      <p:nvGrpSpPr>
+        <p:cNvPr id="1" name=""/>
+        <p:cNvGrpSpPr/>
+        <p:nvPr/>
+      </p:nvGrpSpPr>
+      <p:grpSpPr>
+        <a:xfrm>
+          <a:off x="0" y="0"/>
+          <a:ext cx="0" cy="0"/>
+          <a:chOff x="0" y="0"/>
+          <a:chExt cx="0" cy="0"/>
+        </a:xfrm>
+      </p:grpSpPr>
+      <p:sp>
+        <p:nvSpPr>
+          <p:cNvPr id="2" name="Title 1"/>
+          <p:cNvSpPr>
+            <a:spLocks noGrp="1"/>
+          </p:cNvSpPr>
+          <p:nvPr>
+            <p:ph type="title"/>
+          </p:nvPr>
+        </p:nvSpPr>
+        <p:spPr/>
+        <p:txBody>
+          <a:bodyPr/>
+          <a:lstStyle/>
+          <a:p>
+            <a:r>
+              <a:rPr lang="bg-BG" dirty="0" smtClean="0"/>
+              <a:t>Прикрепяне на методи към обект</a:t>
+            </a:r>
+            <a:endParaRPr lang="en-US" dirty="0"/>
+          </a:p>
+        </p:txBody>
+      </p:sp>
+      <p:sp>
+        <p:nvSpPr>
+          <p:cNvPr id="3" name="Content Placeholder 2"/>
+          <p:cNvSpPr>
+            <a:spLocks noGrp="1"/>
+          </p:cNvSpPr>
+          <p:nvPr>
+            <p:ph idx="1"/>
+          </p:nvPr>
+        </p:nvSpPr>
+        <p:spPr>
+          <a:xfrm>
+            <a:off x="1484310" y="1939637"/>
+            <a:ext cx="10018713" cy="2309090"/>
+          </a:xfrm>
+        </p:spPr>
+        <p:txBody>
+          <a:bodyPr/>
+          <a:lstStyle/>
+          <a:p>
+            <a:r>
+              <a:rPr lang="bg-BG" dirty="0" smtClean="0"/>
+              <a:t>Закачането на методи към конструктора на обекта е „нож с 2 остриета“</a:t>
+            </a:r>
+          </a:p>
+          <a:p>
+            <a:pPr lvl="1"/>
+            <a:r>
+              <a:rPr lang="bg-BG" b="1" dirty="0" smtClean="0"/>
+              <a:t>Бавна</a:t>
+            </a:r>
+            <a:r>
+              <a:rPr lang="bg-BG" dirty="0" smtClean="0"/>
+              <a:t> операция е</a:t>
+            </a:r>
+          </a:p>
+          <a:p>
+            <a:pPr lvl="1"/>
+            <a:r>
+              <a:rPr lang="bg-BG" dirty="0" smtClean="0"/>
+              <a:t>Всеки обект има фунцкия с 1 и съща логика, но въпреки това са различни инстанции</a:t>
+            </a:r>
+          </a:p>
+        </p:txBody>
+      </p:sp>
+      <p:sp>
+        <p:nvSpPr>
+          <p:cNvPr id="4" name="Text Placeholder 5"/>
+          <p:cNvSpPr txBox="1">
+            <a:spLocks/>
+          </p:cNvSpPr>
+          <p:nvPr/>
+        </p:nvSpPr>
+        <p:spPr>
+          <a:xfrm>
+            <a:off x="1780656" y="4248727"/>
+            <a:ext cx="3243926" cy="1477328"/>
+          </a:xfrm>
+          <a:prstGeom prst="rect">
+            <a:avLst/>
+          </a:prstGeom>
+          <a:ln/>
+        </p:spPr>
+        <p:style>
+          <a:lnRef idx="0">
+            <a:schemeClr val="accent1"/>
+          </a:lnRef>
+          <a:fillRef idx="3">
+            <a:schemeClr val="accent1"/>
+          </a:fillRef>
+          <a:effectRef idx="3">
+            <a:schemeClr val="accent1"/>
+          </a:effectRef>
+          <a:fontRef idx="minor">
+            <a:schemeClr val="lt1"/>
+          </a:fontRef>
+        </p:style>
+        <p:txBody>
+          <a:bodyPr wrap="square">
+            <a:spAutoFit/>
+          </a:bodyPr>
+          <a:lstStyle>
+            <a:defPPr>
+              <a:defRPr lang="en-US"/>
+            </a:defPPr>
+            <a:lvl1pPr marL="0" algn="l" defTabSz="914400" rtl="0" eaLnBrk="1" latinLnBrk="0" hangingPunct="1">
+              <a:defRPr sz="1800" kern="1200">
+                <a:solidFill>
+                  <a:schemeClr val="tx1"/>
+                </a:solidFill>
+                <a:latin typeface="+mn-lt"/>
+                <a:ea typeface="+mn-ea"/>
+                <a:cs typeface="+mn-cs"/>
+              </a:defRPr>
+            </a:lvl1pPr>
+            <a:lvl2pPr marL="457200" algn="l" defTabSz="914400" rtl="0" eaLnBrk="1" latinLnBrk="0" hangingPunct="1">
+              <a:defRPr sz="1800" kern="1200">
+                <a:solidFill>
+                  <a:schemeClr val="tx1"/>
+                </a:solidFill>
+                <a:latin typeface="+mn-lt"/>
+                <a:ea typeface="+mn-ea"/>
+                <a:cs typeface="+mn-cs"/>
+              </a:defRPr>
+            </a:lvl2pPr>
+            <a:lvl3pPr marL="914400" algn="l" defTabSz="914400" rtl="0" eaLnBrk="1" latinLnBrk="0" hangingPunct="1">
+              <a:defRPr sz="1800" kern="1200">
+                <a:solidFill>
+                  <a:schemeClr val="tx1"/>
+                </a:solidFill>
+                <a:latin typeface="+mn-lt"/>
+                <a:ea typeface="+mn-ea"/>
+                <a:cs typeface="+mn-cs"/>
+              </a:defRPr>
+            </a:lvl3pPr>
+            <a:lvl4pPr marL="1371600" algn="l" defTabSz="914400" rtl="0" eaLnBrk="1" latinLnBrk="0" hangingPunct="1">
+              <a:defRPr sz="1800" kern="1200">
+                <a:solidFill>
+                  <a:schemeClr val="tx1"/>
+                </a:solidFill>
+                <a:latin typeface="+mn-lt"/>
+                <a:ea typeface="+mn-ea"/>
+                <a:cs typeface="+mn-cs"/>
+              </a:defRPr>
+            </a:lvl4pPr>
+            <a:lvl5pPr marL="1828800" algn="l" defTabSz="914400" rtl="0" eaLnBrk="1" latinLnBrk="0" hangingPunct="1">
+              <a:defRPr sz="1800" kern="1200">
+                <a:solidFill>
+                  <a:schemeClr val="tx1"/>
+                </a:solidFill>
+                <a:latin typeface="+mn-lt"/>
+                <a:ea typeface="+mn-ea"/>
+                <a:cs typeface="+mn-cs"/>
+              </a:defRPr>
+            </a:lvl5pPr>
+            <a:lvl6pPr marL="2286000" algn="l" defTabSz="914400" rtl="0" eaLnBrk="1" latinLnBrk="0" hangingPunct="1">
+              <a:defRPr sz="1800" kern="1200">
+                <a:solidFill>
+                  <a:schemeClr val="tx1"/>
+                </a:solidFill>
+                <a:latin typeface="+mn-lt"/>
+                <a:ea typeface="+mn-ea"/>
+                <a:cs typeface="+mn-cs"/>
+              </a:defRPr>
+            </a:lvl6pPr>
+            <a:lvl7pPr marL="2743200" algn="l" defTabSz="914400" rtl="0" eaLnBrk="1" latinLnBrk="0" hangingPunct="1">
+              <a:defRPr sz="1800" kern="1200">
+                <a:solidFill>
+                  <a:schemeClr val="tx1"/>
+                </a:solidFill>
+                <a:latin typeface="+mn-lt"/>
+                <a:ea typeface="+mn-ea"/>
+                <a:cs typeface="+mn-cs"/>
+              </a:defRPr>
+            </a:lvl7pPr>
+            <a:lvl8pPr marL="3200400" algn="l" defTabSz="914400" rtl="0" eaLnBrk="1" latinLnBrk="0" hangingPunct="1">
+              <a:defRPr sz="1800" kern="1200">
+                <a:solidFill>
+                  <a:schemeClr val="tx1"/>
+                </a:solidFill>
+                <a:latin typeface="+mn-lt"/>
+                <a:ea typeface="+mn-ea"/>
+                <a:cs typeface="+mn-cs"/>
+              </a:defRPr>
+            </a:lvl8pPr>
+            <a:lvl9pPr marL="3657600" algn="l" defTabSz="914400" rtl="0" eaLnBrk="1" latinLnBrk="0" hangingPunct="1">
+              <a:defRPr sz="1800" kern="1200">
+                <a:solidFill>
+                  <a:schemeClr val="tx1"/>
+                </a:solidFill>
+                <a:latin typeface="+mn-lt"/>
+                <a:ea typeface="+mn-ea"/>
+                <a:cs typeface="+mn-cs"/>
+              </a:defRPr>
+            </a:lvl9pPr>
+          </a:lstStyle>
+          <a:p>
+            <a:r>
+              <a:rPr lang="en-US" dirty="0" smtClean="0">
+                <a:solidFill>
+                  <a:schemeClr val="bg1"/>
+                </a:solidFill>
+              </a:rPr>
+              <a:t>function </a:t>
+            </a:r>
+            <a:r>
+              <a:rPr lang="en-US" dirty="0" err="1" smtClean="0">
+                <a:solidFill>
+                  <a:schemeClr val="bg1"/>
+                </a:solidFill>
+              </a:rPr>
+              <a:t>Constr</a:t>
+            </a:r>
+            <a:r>
+              <a:rPr lang="en-US" dirty="0" smtClean="0">
+                <a:solidFill>
+                  <a:schemeClr val="bg1"/>
+                </a:solidFill>
+              </a:rPr>
+              <a:t>(){</a:t>
+            </a:r>
+            <a:endParaRPr lang="en-US" dirty="0" smtClean="0">
+              <a:solidFill>
+                <a:schemeClr val="bg1"/>
+              </a:solidFill>
+            </a:endParaRPr>
+          </a:p>
+          <a:p>
+            <a:r>
+              <a:rPr lang="en-US" dirty="0">
+                <a:solidFill>
+                  <a:schemeClr val="bg1"/>
+                </a:solidFill>
+              </a:rPr>
+              <a:t> </a:t>
+            </a:r>
+            <a:r>
+              <a:rPr lang="en-US" dirty="0" smtClean="0">
+                <a:solidFill>
+                  <a:schemeClr val="bg1"/>
+                </a:solidFill>
+              </a:rPr>
+              <a:t> </a:t>
+            </a:r>
+            <a:r>
+              <a:rPr lang="en-US" dirty="0" smtClean="0">
+                <a:solidFill>
+                  <a:schemeClr val="bg1"/>
+                </a:solidFill>
+              </a:rPr>
+              <a:t>  </a:t>
+            </a:r>
+            <a:r>
+              <a:rPr lang="en-US" dirty="0" err="1" smtClean="0">
+                <a:solidFill>
+                  <a:schemeClr val="bg1"/>
+                </a:solidFill>
+              </a:rPr>
+              <a:t>this.m</a:t>
+            </a:r>
+            <a:r>
+              <a:rPr lang="en-US" dirty="0" err="1" smtClean="0">
+                <a:solidFill>
+                  <a:schemeClr val="bg1"/>
+                </a:solidFill>
+              </a:rPr>
+              <a:t>ethod</a:t>
+            </a:r>
+            <a:r>
+              <a:rPr lang="en-US" dirty="0" smtClean="0">
+                <a:solidFill>
+                  <a:schemeClr val="bg1"/>
+                </a:solidFill>
+              </a:rPr>
+              <a:t> </a:t>
+            </a:r>
+            <a:r>
+              <a:rPr lang="en-US" dirty="0" smtClean="0">
+                <a:solidFill>
+                  <a:schemeClr val="bg1"/>
+                </a:solidFill>
+              </a:rPr>
+              <a:t>= function(){ </a:t>
+            </a:r>
+          </a:p>
+          <a:p>
+            <a:r>
+              <a:rPr lang="en-US" dirty="0" smtClean="0">
+                <a:solidFill>
+                  <a:schemeClr val="bg1"/>
+                </a:solidFill>
+              </a:rPr>
+              <a:t>         // some code</a:t>
+            </a:r>
+          </a:p>
+          <a:p>
+            <a:r>
+              <a:rPr lang="en-US" dirty="0">
+                <a:solidFill>
+                  <a:schemeClr val="bg1"/>
+                </a:solidFill>
+              </a:rPr>
+              <a:t> </a:t>
+            </a:r>
+            <a:r>
+              <a:rPr lang="en-US" dirty="0" smtClean="0">
+                <a:solidFill>
+                  <a:schemeClr val="bg1"/>
+                </a:solidFill>
+              </a:rPr>
+              <a:t>   </a:t>
+            </a:r>
+            <a:r>
+              <a:rPr lang="en-US" dirty="0" smtClean="0">
+                <a:solidFill>
+                  <a:schemeClr val="bg1"/>
+                </a:solidFill>
+              </a:rPr>
+              <a:t>};</a:t>
+            </a:r>
+            <a:endParaRPr lang="en-US" dirty="0">
+              <a:solidFill>
+                <a:schemeClr val="bg1"/>
+              </a:solidFill>
+            </a:endParaRPr>
+          </a:p>
+          <a:p>
+            <a:r>
+              <a:rPr lang="en-US" dirty="0" smtClean="0">
+                <a:solidFill>
+                  <a:schemeClr val="bg1"/>
+                </a:solidFill>
+              </a:rPr>
+              <a:t>}</a:t>
+            </a:r>
+            <a:endParaRPr lang="en-US" dirty="0">
+              <a:solidFill>
+                <a:schemeClr val="bg1"/>
+              </a:solidFill>
+            </a:endParaRPr>
+          </a:p>
+        </p:txBody>
+      </p:sp>
+      <p:sp>
+        <p:nvSpPr>
+          <p:cNvPr id="5" name="Text Placeholder 5"/>
+          <p:cNvSpPr txBox="1">
+            <a:spLocks/>
+          </p:cNvSpPr>
+          <p:nvPr/>
+        </p:nvSpPr>
+        <p:spPr>
+          <a:xfrm>
+            <a:off x="7509164" y="4387226"/>
+            <a:ext cx="3993859" cy="1200329"/>
+          </a:xfrm>
+          <a:prstGeom prst="rect">
+            <a:avLst/>
+          </a:prstGeom>
+          <a:ln/>
+        </p:spPr>
+        <p:style>
+          <a:lnRef idx="0">
+            <a:schemeClr val="accent1"/>
+          </a:lnRef>
+          <a:fillRef idx="3">
+            <a:schemeClr val="accent1"/>
+          </a:fillRef>
+          <a:effectRef idx="3">
+            <a:schemeClr val="accent1"/>
+          </a:effectRef>
+          <a:fontRef idx="minor">
+            <a:schemeClr val="lt1"/>
+          </a:fontRef>
+        </p:style>
+        <p:txBody>
+          <a:bodyPr wrap="square">
+            <a:spAutoFit/>
+          </a:bodyPr>
+          <a:lstStyle>
+            <a:defPPr>
+              <a:defRPr lang="en-US"/>
+            </a:defPPr>
+            <a:lvl1pPr marL="0" algn="l" defTabSz="914400" rtl="0" eaLnBrk="1" latinLnBrk="0" hangingPunct="1">
+              <a:defRPr sz="1800" kern="1200">
+                <a:solidFill>
+                  <a:schemeClr val="tx1"/>
+                </a:solidFill>
+                <a:latin typeface="+mn-lt"/>
+                <a:ea typeface="+mn-ea"/>
+                <a:cs typeface="+mn-cs"/>
+              </a:defRPr>
+            </a:lvl1pPr>
+            <a:lvl2pPr marL="457200" algn="l" defTabSz="914400" rtl="0" eaLnBrk="1" latinLnBrk="0" hangingPunct="1">
+              <a:defRPr sz="1800" kern="1200">
+                <a:solidFill>
+                  <a:schemeClr val="tx1"/>
+                </a:solidFill>
+                <a:latin typeface="+mn-lt"/>
+                <a:ea typeface="+mn-ea"/>
+                <a:cs typeface="+mn-cs"/>
+              </a:defRPr>
+            </a:lvl2pPr>
+            <a:lvl3pPr marL="914400" algn="l" defTabSz="914400" rtl="0" eaLnBrk="1" latinLnBrk="0" hangingPunct="1">
+              <a:defRPr sz="1800" kern="1200">
+                <a:solidFill>
+                  <a:schemeClr val="tx1"/>
+                </a:solidFill>
+                <a:latin typeface="+mn-lt"/>
+                <a:ea typeface="+mn-ea"/>
+                <a:cs typeface="+mn-cs"/>
+              </a:defRPr>
+            </a:lvl3pPr>
+            <a:lvl4pPr marL="1371600" algn="l" defTabSz="914400" rtl="0" eaLnBrk="1" latinLnBrk="0" hangingPunct="1">
+              <a:defRPr sz="1800" kern="1200">
+                <a:solidFill>
+                  <a:schemeClr val="tx1"/>
+                </a:solidFill>
+                <a:latin typeface="+mn-lt"/>
+                <a:ea typeface="+mn-ea"/>
+                <a:cs typeface="+mn-cs"/>
+              </a:defRPr>
+            </a:lvl4pPr>
+            <a:lvl5pPr marL="1828800" algn="l" defTabSz="914400" rtl="0" eaLnBrk="1" latinLnBrk="0" hangingPunct="1">
+              <a:defRPr sz="1800" kern="1200">
+                <a:solidFill>
+                  <a:schemeClr val="tx1"/>
+                </a:solidFill>
+                <a:latin typeface="+mn-lt"/>
+                <a:ea typeface="+mn-ea"/>
+                <a:cs typeface="+mn-cs"/>
+              </a:defRPr>
+            </a:lvl5pPr>
+            <a:lvl6pPr marL="2286000" algn="l" defTabSz="914400" rtl="0" eaLnBrk="1" latinLnBrk="0" hangingPunct="1">
+              <a:defRPr sz="1800" kern="1200">
+                <a:solidFill>
+                  <a:schemeClr val="tx1"/>
+                </a:solidFill>
+                <a:latin typeface="+mn-lt"/>
+                <a:ea typeface="+mn-ea"/>
+                <a:cs typeface="+mn-cs"/>
+              </a:defRPr>
+            </a:lvl6pPr>
+            <a:lvl7pPr marL="2743200" algn="l" defTabSz="914400" rtl="0" eaLnBrk="1" latinLnBrk="0" hangingPunct="1">
+              <a:defRPr sz="1800" kern="1200">
+                <a:solidFill>
+                  <a:schemeClr val="tx1"/>
+                </a:solidFill>
+                <a:latin typeface="+mn-lt"/>
+                <a:ea typeface="+mn-ea"/>
+                <a:cs typeface="+mn-cs"/>
+              </a:defRPr>
+            </a:lvl7pPr>
+            <a:lvl8pPr marL="3200400" algn="l" defTabSz="914400" rtl="0" eaLnBrk="1" latinLnBrk="0" hangingPunct="1">
+              <a:defRPr sz="1800" kern="1200">
+                <a:solidFill>
+                  <a:schemeClr val="tx1"/>
+                </a:solidFill>
+                <a:latin typeface="+mn-lt"/>
+                <a:ea typeface="+mn-ea"/>
+                <a:cs typeface="+mn-cs"/>
+              </a:defRPr>
+            </a:lvl8pPr>
+            <a:lvl9pPr marL="3657600" algn="l" defTabSz="914400" rtl="0" eaLnBrk="1" latinLnBrk="0" hangingPunct="1">
+              <a:defRPr sz="1800" kern="1200">
+                <a:solidFill>
+                  <a:schemeClr val="tx1"/>
+                </a:solidFill>
+                <a:latin typeface="+mn-lt"/>
+                <a:ea typeface="+mn-ea"/>
+                <a:cs typeface="+mn-cs"/>
+              </a:defRPr>
+            </a:lvl9pPr>
+          </a:lstStyle>
+          <a:p>
+            <a:r>
+              <a:rPr lang="en-US" dirty="0" smtClean="0">
+                <a:solidFill>
+                  <a:schemeClr val="bg1"/>
+                </a:solidFill>
+              </a:rPr>
+              <a:t>var x = new </a:t>
+            </a:r>
+            <a:r>
+              <a:rPr lang="en-US" dirty="0" err="1" smtClean="0">
+                <a:solidFill>
+                  <a:schemeClr val="bg1"/>
+                </a:solidFill>
+              </a:rPr>
+              <a:t>Constr</a:t>
+            </a:r>
+            <a:r>
+              <a:rPr lang="en-US" dirty="0" smtClean="0">
+                <a:solidFill>
+                  <a:schemeClr val="bg1"/>
+                </a:solidFill>
+              </a:rPr>
+              <a:t>();</a:t>
+            </a:r>
+          </a:p>
+          <a:p>
+            <a:r>
+              <a:rPr lang="en-US" dirty="0" smtClean="0">
+                <a:solidFill>
+                  <a:schemeClr val="bg1"/>
+                </a:solidFill>
+              </a:rPr>
+              <a:t>var y = new </a:t>
+            </a:r>
+            <a:r>
+              <a:rPr lang="en-US" dirty="0" err="1">
+                <a:solidFill>
+                  <a:schemeClr val="bg1"/>
+                </a:solidFill>
+              </a:rPr>
+              <a:t>Constr</a:t>
+            </a:r>
+            <a:r>
+              <a:rPr lang="en-US" dirty="0" smtClean="0">
+                <a:solidFill>
+                  <a:schemeClr val="bg1"/>
+                </a:solidFill>
+              </a:rPr>
+              <a:t>();</a:t>
+            </a:r>
+          </a:p>
+          <a:p>
+            <a:endParaRPr lang="en-US" dirty="0" smtClean="0">
+              <a:solidFill>
+                <a:schemeClr val="bg1"/>
+              </a:solidFill>
+            </a:endParaRPr>
+          </a:p>
+          <a:p>
+            <a:r>
+              <a:rPr lang="en-US" dirty="0" smtClean="0">
+                <a:solidFill>
+                  <a:schemeClr val="bg1"/>
+                </a:solidFill>
+              </a:rPr>
+              <a:t>console.log (</a:t>
+            </a:r>
+            <a:r>
+              <a:rPr lang="en-US" dirty="0" err="1" smtClean="0">
+                <a:solidFill>
+                  <a:schemeClr val="bg1"/>
+                </a:solidFill>
+              </a:rPr>
+              <a:t>x.method</a:t>
+            </a:r>
+            <a:r>
+              <a:rPr lang="en-US" dirty="0" smtClean="0">
+                <a:solidFill>
+                  <a:schemeClr val="bg1"/>
+                </a:solidFill>
+              </a:rPr>
+              <a:t> </a:t>
+            </a:r>
+            <a:r>
+              <a:rPr lang="en-US" dirty="0" smtClean="0">
+                <a:solidFill>
+                  <a:schemeClr val="bg1"/>
+                </a:solidFill>
+              </a:rPr>
+              <a:t>=== </a:t>
+            </a:r>
+            <a:r>
+              <a:rPr lang="en-US" dirty="0" err="1" smtClean="0">
+                <a:solidFill>
+                  <a:schemeClr val="bg1"/>
+                </a:solidFill>
+              </a:rPr>
+              <a:t>y.method</a:t>
+            </a:r>
+            <a:r>
+              <a:rPr lang="en-US" dirty="0" smtClean="0">
+                <a:solidFill>
+                  <a:schemeClr val="bg1"/>
+                </a:solidFill>
+              </a:rPr>
+              <a:t>);</a:t>
+            </a:r>
+            <a:endParaRPr lang="en-US" dirty="0">
+              <a:solidFill>
+                <a:schemeClr val="bg1"/>
+              </a:solidFill>
+            </a:endParaRPr>
+          </a:p>
+        </p:txBody>
+      </p:sp>
+      <p:sp>
+        <p:nvSpPr>
+          <p:cNvPr id="6" name="Right Arrow 5"/>
+          <p:cNvSpPr/>
+          <p:nvPr/>
+        </p:nvSpPr>
+        <p:spPr>
+          <a:xfrm>
+            <a:off x="5606473" y="4765718"/>
+            <a:ext cx="1542472" cy="443345"/>
+          </a:xfrm>
+          <a:prstGeom prst="rightArrow">
+            <a:avLst/>
+          </a:prstGeom>
+        </p:spPr>
+        <p:style>
+          <a:lnRef idx="2">
+            <a:schemeClr val="accent1">
+              <a:shade val="50000"/>
+            </a:schemeClr>
+          </a:lnRef>
+          <a:fillRef idx="1">
+            <a:schemeClr val="accent1"/>
+          </a:fillRef>
+          <a:effectRef idx="0">
+            <a:schemeClr val="accent1"/>
+          </a:effectRef>
+          <a:fontRef idx="minor">
+            <a:schemeClr val="lt1"/>
+          </a:fontRef>
+        </p:style>
+        <p:txBody>
+          <a:bodyPr rtlCol="0" anchor="ctr"/>
+          <a:lstStyle/>
+          <a:p>
+            <a:pPr algn="ctr"/>
+            <a:endParaRPr lang="en-US"/>
+          </a:p>
+        </p:txBody>
+      </p:sp>
+      <p:sp>
+        <p:nvSpPr>
+          <p:cNvPr id="7" name="Rounded Rectangular Callout 6"/>
+          <p:cNvSpPr/>
+          <p:nvPr/>
+        </p:nvSpPr>
+        <p:spPr>
+          <a:xfrm>
+            <a:off x="6797965" y="5929746"/>
+            <a:ext cx="2446698" cy="572655"/>
+          </a:xfrm>
+          <a:prstGeom prst="wedgeRoundRectCallout">
+            <a:avLst>
+              <a:gd name="adj1" fmla="val 79589"/>
+              <a:gd name="adj2" fmla="val -129435"/>
+              <a:gd name="adj3" fmla="val 16667"/>
+            </a:avLst>
+          </a:prstGeom>
+        </p:spPr>
+        <p:style>
+          <a:lnRef idx="2">
+            <a:schemeClr val="accent1">
+              <a:shade val="50000"/>
+            </a:schemeClr>
+          </a:lnRef>
+          <a:fillRef idx="1">
+            <a:schemeClr val="accent1"/>
+          </a:fillRef>
+          <a:effectRef idx="0">
+            <a:schemeClr val="accent1"/>
+          </a:effectRef>
+          <a:fontRef idx="minor">
+            <a:schemeClr val="lt1"/>
+          </a:fontRef>
+        </p:style>
+        <p:txBody>
+          <a:bodyPr rtlCol="0" anchor="ctr"/>
+          <a:lstStyle/>
+          <a:p>
+            <a:pPr algn="ctr"/>
+            <a:r>
+              <a:rPr lang="en-US" b="1" dirty="0" smtClean="0">
+                <a:solidFill>
+                  <a:srgbClr val="FFFF00"/>
+                </a:solidFill>
+              </a:rPr>
+              <a:t>false</a:t>
+            </a:r>
+            <a:r>
+              <a:rPr lang="en-US" dirty="0" smtClean="0">
+                <a:solidFill>
+                  <a:srgbClr val="FFFF00"/>
+                </a:solidFill>
+              </a:rPr>
+              <a:t> </a:t>
+            </a:r>
+            <a:r>
+              <a:rPr lang="en-US" dirty="0" smtClean="0"/>
+              <a:t>-&gt;</a:t>
+            </a:r>
+            <a:r>
+              <a:rPr lang="bg-BG" dirty="0" smtClean="0"/>
+              <a:t> инстанциите са различни</a:t>
+            </a:r>
+            <a:endParaRPr lang="en-US" dirty="0"/>
+          </a:p>
+        </p:txBody>
+      </p:sp>
+    </p:spTree>
+    <p:extLst>
+      <p:ext uri="{BB962C8B-B14F-4D97-AF65-F5344CB8AC3E}">
+        <p14:creationId xmlns:p14="http://schemas.microsoft.com/office/powerpoint/2010/main" val="957510449"/>
+      </p:ext>
+    </p:extLst>
+  </p:cSld>
+  <p:clrMapOvr>
+    <a:masterClrMapping/>
+  </p:clrMapOvr>
+</p:sld>
+</file>
+
+<file path=ppt/slides/slide2.xml><?xml version="1.0" encoding="utf-8"?>
+<p:sld xmlns:a="http://schemas.openxmlformats.org/drawingml/2006/main" xmlns:r="http://schemas.openxmlformats.org/officeDocument/2006/relationships" xmlns:p="http://schemas.openxmlformats.org/presentationml/2006/main">
+  <p:cSld>
+    <p:spTree>
+      <p:nvGrpSpPr>
+        <p:cNvPr id="1" name=""/>
+        <p:cNvGrpSpPr/>
+        <p:nvPr/>
+      </p:nvGrpSpPr>
+      <p:grpSpPr>
+        <a:xfrm>
+          <a:off x="0" y="0"/>
+          <a:ext cx="0" cy="0"/>
+          <a:chOff x="0" y="0"/>
+          <a:chExt cx="0" cy="0"/>
+        </a:xfrm>
+      </p:grpSpPr>
+      <p:sp>
+        <p:nvSpPr>
+          <p:cNvPr id="2" name="Title 1"/>
+          <p:cNvSpPr>
+            <a:spLocks noGrp="1"/>
+          </p:cNvSpPr>
+          <p:nvPr>
+            <p:ph type="title"/>
+          </p:nvPr>
+        </p:nvSpPr>
+        <p:spPr/>
+        <p:txBody>
+          <a:bodyPr/>
+          <a:lstStyle/>
+          <a:p>
+            <a:r>
+              <a:rPr lang="bg-BG" dirty="0" smtClean="0"/>
+              <a:t>Обектно-ориентирано програмиране</a:t>
+            </a:r>
+            <a:endParaRPr lang="en-US" dirty="0"/>
+          </a:p>
+        </p:txBody>
+      </p:sp>
+      <p:sp>
+        <p:nvSpPr>
+          <p:cNvPr id="5" name="Content Placeholder 4"/>
+          <p:cNvSpPr>
+            <a:spLocks noGrp="1"/>
+          </p:cNvSpPr>
+          <p:nvPr>
+            <p:ph idx="1"/>
+          </p:nvPr>
+        </p:nvSpPr>
+        <p:spPr/>
+        <p:txBody>
+          <a:bodyPr/>
+          <a:lstStyle/>
+          <a:p>
+            <a:r>
+              <a:rPr lang="bg-BG" dirty="0" smtClean="0"/>
+              <a:t>ООП</a:t>
+            </a:r>
+            <a:r>
+              <a:rPr lang="en-US" dirty="0" smtClean="0"/>
+              <a:t> </a:t>
+            </a:r>
+            <a:r>
+              <a:rPr lang="bg-BG" dirty="0" smtClean="0"/>
+              <a:t>подхода означава, че програмата/апликацията </a:t>
+            </a:r>
+            <a:r>
+              <a:rPr lang="en-US" dirty="0" smtClean="0"/>
+              <a:t>e</a:t>
+            </a:r>
+            <a:r>
+              <a:rPr lang="bg-BG" dirty="0" smtClean="0"/>
+              <a:t> конструирана като множество от обозрими обекти</a:t>
+            </a:r>
+          </a:p>
+          <a:p>
+            <a:pPr lvl="1"/>
+            <a:r>
+              <a:rPr lang="bg-BG" dirty="0" smtClean="0"/>
+              <a:t>Всеки обект си има конкретно предназначение</a:t>
+            </a:r>
+          </a:p>
+          <a:p>
+            <a:pPr lvl="1"/>
+            <a:r>
+              <a:rPr lang="bg-BG" dirty="0" smtClean="0"/>
+              <a:t>Всеки обект може да съдържа други обекти</a:t>
+            </a:r>
+          </a:p>
+          <a:p>
+            <a:pPr lvl="1"/>
+            <a:r>
+              <a:rPr lang="bg-BG" dirty="0" smtClean="0"/>
+              <a:t>Чрез обектите се описват реални обекти</a:t>
+            </a:r>
+            <a:endParaRPr lang="en-US" dirty="0"/>
+          </a:p>
+        </p:txBody>
+      </p:sp>
+    </p:spTree>
+    <p:extLst>
+      <p:ext uri="{BB962C8B-B14F-4D97-AF65-F5344CB8AC3E}">
+        <p14:creationId xmlns:p14="http://schemas.microsoft.com/office/powerpoint/2010/main" val="712715770"/>
+      </p:ext>
+    </p:extLst>
+  </p:cSld>
+  <p:clrMapOvr>
+    <a:masterClrMapping/>
+  </p:clrMapOvr>
+</p:sld>
+</file>
+
+<file path=ppt/slides/slide20.xml><?xml version="1.0" encoding="utf-8"?>
+<p:sld xmlns:a="http://schemas.openxmlformats.org/drawingml/2006/main" xmlns:r="http://schemas.openxmlformats.org/officeDocument/2006/relationships" xmlns:p="http://schemas.openxmlformats.org/presentationml/2006/main">
+  <p:cSld>
+    <p:spTree>
+      <p:nvGrpSpPr>
+        <p:cNvPr id="1" name=""/>
+        <p:cNvGrpSpPr/>
+        <p:nvPr/>
+      </p:nvGrpSpPr>
+      <p:grpSpPr>
+        <a:xfrm>
+          <a:off x="0" y="0"/>
+          <a:ext cx="0" cy="0"/>
+          <a:chOff x="0" y="0"/>
+          <a:chExt cx="0" cy="0"/>
+        </a:xfrm>
+      </p:grpSpPr>
+      <p:sp>
+        <p:nvSpPr>
+          <p:cNvPr id="2" name="Title 1"/>
+          <p:cNvSpPr>
+            <a:spLocks noGrp="1"/>
+          </p:cNvSpPr>
+          <p:nvPr>
+            <p:ph type="title"/>
+          </p:nvPr>
+        </p:nvSpPr>
+        <p:spPr/>
+        <p:txBody>
+          <a:bodyPr/>
+          <a:lstStyle/>
+          <a:p>
+            <a:r>
+              <a:rPr lang="bg-BG" dirty="0" smtClean="0"/>
+              <a:t>Прикрепяне на методи към обект. </a:t>
+            </a:r>
+            <a:endParaRPr lang="en-US" i="1" dirty="0">
+              <a:solidFill>
+                <a:schemeClr val="accent6">
+                  <a:lumMod val="75000"/>
+                </a:schemeClr>
+              </a:solidFill>
+            </a:endParaRPr>
+          </a:p>
+        </p:txBody>
+      </p:sp>
+      <p:sp>
+        <p:nvSpPr>
+          <p:cNvPr id="4" name="Text Placeholder 3"/>
+          <p:cNvSpPr>
+            <a:spLocks noGrp="1"/>
+          </p:cNvSpPr>
+          <p:nvPr>
+            <p:ph type="body" idx="1"/>
+          </p:nvPr>
+        </p:nvSpPr>
+        <p:spPr/>
+        <p:txBody>
+          <a:bodyPr/>
+          <a:lstStyle/>
+          <a:p>
+            <a:r>
+              <a:rPr lang="en-US" i="1" dirty="0" smtClean="0">
+                <a:solidFill>
+                  <a:schemeClr val="accent6">
+                    <a:lumMod val="75000"/>
+                  </a:schemeClr>
+                </a:solidFill>
+              </a:rPr>
+              <a:t>this</a:t>
+            </a:r>
+            <a:endParaRPr lang="en-US" i="1" dirty="0">
+              <a:solidFill>
+                <a:schemeClr val="accent6">
+                  <a:lumMod val="75000"/>
+                </a:schemeClr>
+              </a:solidFill>
+            </a:endParaRPr>
+          </a:p>
+        </p:txBody>
+      </p:sp>
+      <p:sp>
+        <p:nvSpPr>
+          <p:cNvPr id="5" name="Content Placeholder 4"/>
+          <p:cNvSpPr>
+            <a:spLocks noGrp="1"/>
+          </p:cNvSpPr>
+          <p:nvPr>
+            <p:ph sz="half" idx="2"/>
+          </p:nvPr>
+        </p:nvSpPr>
+        <p:spPr>
+          <a:xfrm>
+            <a:off x="1484311" y="3335337"/>
+            <a:ext cx="4895056" cy="1938627"/>
+          </a:xfrm>
+        </p:spPr>
+        <p:txBody>
+          <a:bodyPr/>
+          <a:lstStyle/>
+          <a:p>
+            <a:r>
+              <a:rPr lang="bg-BG" dirty="0" smtClean="0"/>
+              <a:t>Сходно с други езици</a:t>
+            </a:r>
+          </a:p>
+          <a:p>
+            <a:r>
+              <a:rPr lang="bg-BG" dirty="0" smtClean="0"/>
+              <a:t>Скриваме данни	</a:t>
+            </a:r>
+          </a:p>
+          <a:p>
+            <a:r>
+              <a:rPr lang="bg-BG" dirty="0" smtClean="0"/>
+              <a:t>Лоша производителност</a:t>
+            </a:r>
+            <a:endParaRPr lang="en-US" dirty="0"/>
+          </a:p>
+        </p:txBody>
+      </p:sp>
+      <p:sp>
+        <p:nvSpPr>
+          <p:cNvPr id="6" name="Text Placeholder 5"/>
+          <p:cNvSpPr>
+            <a:spLocks noGrp="1"/>
+          </p:cNvSpPr>
+          <p:nvPr>
+            <p:ph type="body" sz="quarter" idx="3"/>
+          </p:nvPr>
+        </p:nvSpPr>
+        <p:spPr/>
+        <p:txBody>
+          <a:bodyPr/>
+          <a:lstStyle/>
+          <a:p>
+            <a:r>
+              <a:rPr lang="en-US" i="1" dirty="0" smtClean="0">
+                <a:solidFill>
+                  <a:schemeClr val="accent6">
+                    <a:lumMod val="75000"/>
+                  </a:schemeClr>
+                </a:solidFill>
+              </a:rPr>
+              <a:t>prototype</a:t>
+            </a:r>
+            <a:endParaRPr lang="en-US" i="1" dirty="0">
+              <a:solidFill>
+                <a:schemeClr val="accent6">
+                  <a:lumMod val="75000"/>
+                </a:schemeClr>
+              </a:solidFill>
+            </a:endParaRPr>
+          </a:p>
+        </p:txBody>
+      </p:sp>
+      <p:sp>
+        <p:nvSpPr>
+          <p:cNvPr id="7" name="Content Placeholder 6"/>
+          <p:cNvSpPr>
+            <a:spLocks noGrp="1"/>
+          </p:cNvSpPr>
+          <p:nvPr>
+            <p:ph sz="quarter" idx="4"/>
+          </p:nvPr>
+        </p:nvSpPr>
+        <p:spPr>
+          <a:xfrm>
+            <a:off x="6607967" y="3335337"/>
+            <a:ext cx="4895056" cy="1938627"/>
+          </a:xfrm>
+        </p:spPr>
+        <p:txBody>
+          <a:bodyPr/>
+          <a:lstStyle/>
+          <a:p>
+            <a:r>
+              <a:rPr lang="bg-BG" dirty="0" smtClean="0"/>
+              <a:t>Използваме </a:t>
+            </a:r>
+            <a:r>
+              <a:rPr lang="en-US" dirty="0" smtClean="0"/>
+              <a:t>JS</a:t>
+            </a:r>
+            <a:r>
+              <a:rPr lang="bg-BG" dirty="0" smtClean="0"/>
+              <a:t> така както е измислен да работи</a:t>
+            </a:r>
+          </a:p>
+          <a:p>
+            <a:r>
+              <a:rPr lang="bg-BG" dirty="0" smtClean="0"/>
+              <a:t>В </a:t>
+            </a:r>
+            <a:r>
+              <a:rPr lang="en-US" dirty="0" smtClean="0"/>
+              <a:t>JS</a:t>
+            </a:r>
+            <a:r>
+              <a:rPr lang="bg-BG" dirty="0" smtClean="0"/>
+              <a:t> данни се крият трудно, затова просто им слагаме префикс </a:t>
+            </a:r>
+            <a:r>
+              <a:rPr lang="en-US" dirty="0" smtClean="0"/>
+              <a:t>_</a:t>
+            </a:r>
+            <a:r>
+              <a:rPr lang="bg-BG" dirty="0" smtClean="0"/>
+              <a:t> (долна черта)</a:t>
+            </a:r>
+          </a:p>
+          <a:p>
+            <a:r>
+              <a:rPr lang="bg-BG" dirty="0" smtClean="0"/>
+              <a:t>Добра производителност</a:t>
+            </a:r>
+            <a:endParaRPr lang="en-US" dirty="0"/>
+          </a:p>
+        </p:txBody>
+      </p:sp>
+      <p:sp>
+        <p:nvSpPr>
+          <p:cNvPr id="8" name="Content Placeholder 2"/>
+          <p:cNvSpPr txBox="1">
+            <a:spLocks/>
+          </p:cNvSpPr>
+          <p:nvPr/>
+        </p:nvSpPr>
+        <p:spPr>
+          <a:xfrm>
+            <a:off x="2084794" y="5467928"/>
+            <a:ext cx="8589145" cy="400110"/>
+          </a:xfrm>
+          <a:prstGeom prst="rect">
+            <a:avLst/>
+          </a:prstGeom>
+        </p:spPr>
+        <p:txBody>
+          <a:bodyPr wrap="square">
+            <a:spAutoFit/>
+          </a:bodyPr>
+          <a:lstStyle>
+            <a:defPPr>
+              <a:defRPr lang="en-US"/>
+            </a:defPPr>
+            <a:lvl1pPr marL="0" algn="l" defTabSz="914400" rtl="0" eaLnBrk="1" latinLnBrk="0" hangingPunct="1">
+              <a:defRPr sz="1800" kern="1200">
+                <a:solidFill>
+                  <a:schemeClr val="tx1"/>
+                </a:solidFill>
+                <a:latin typeface="+mn-lt"/>
+                <a:ea typeface="+mn-ea"/>
+                <a:cs typeface="+mn-cs"/>
+              </a:defRPr>
+            </a:lvl1pPr>
+            <a:lvl2pPr marL="457200" algn="l" defTabSz="914400" rtl="0" eaLnBrk="1" latinLnBrk="0" hangingPunct="1">
+              <a:defRPr sz="1800" kern="1200">
+                <a:solidFill>
+                  <a:schemeClr val="tx1"/>
+                </a:solidFill>
+                <a:latin typeface="+mn-lt"/>
+                <a:ea typeface="+mn-ea"/>
+                <a:cs typeface="+mn-cs"/>
+              </a:defRPr>
+            </a:lvl2pPr>
+            <a:lvl3pPr marL="914400" algn="l" defTabSz="914400" rtl="0" eaLnBrk="1" latinLnBrk="0" hangingPunct="1">
+              <a:defRPr sz="1800" kern="1200">
+                <a:solidFill>
+                  <a:schemeClr val="tx1"/>
+                </a:solidFill>
+                <a:latin typeface="+mn-lt"/>
+                <a:ea typeface="+mn-ea"/>
+                <a:cs typeface="+mn-cs"/>
+              </a:defRPr>
+            </a:lvl3pPr>
+            <a:lvl4pPr marL="1371600" algn="l" defTabSz="914400" rtl="0" eaLnBrk="1" latinLnBrk="0" hangingPunct="1">
+              <a:defRPr sz="1800" kern="1200">
+                <a:solidFill>
+                  <a:schemeClr val="tx1"/>
+                </a:solidFill>
+                <a:latin typeface="+mn-lt"/>
+                <a:ea typeface="+mn-ea"/>
+                <a:cs typeface="+mn-cs"/>
+              </a:defRPr>
+            </a:lvl4pPr>
+            <a:lvl5pPr marL="1828800" algn="l" defTabSz="914400" rtl="0" eaLnBrk="1" latinLnBrk="0" hangingPunct="1">
+              <a:defRPr sz="1800" kern="1200">
+                <a:solidFill>
+                  <a:schemeClr val="tx1"/>
+                </a:solidFill>
+                <a:latin typeface="+mn-lt"/>
+                <a:ea typeface="+mn-ea"/>
+                <a:cs typeface="+mn-cs"/>
+              </a:defRPr>
+            </a:lvl5pPr>
+            <a:lvl6pPr marL="2286000" algn="l" defTabSz="914400" rtl="0" eaLnBrk="1" latinLnBrk="0" hangingPunct="1">
+              <a:defRPr sz="1800" kern="1200">
+                <a:solidFill>
+                  <a:schemeClr val="tx1"/>
+                </a:solidFill>
+                <a:latin typeface="+mn-lt"/>
+                <a:ea typeface="+mn-ea"/>
+                <a:cs typeface="+mn-cs"/>
+              </a:defRPr>
+            </a:lvl6pPr>
+            <a:lvl7pPr marL="2743200" algn="l" defTabSz="914400" rtl="0" eaLnBrk="1" latinLnBrk="0" hangingPunct="1">
+              <a:defRPr sz="1800" kern="1200">
+                <a:solidFill>
+                  <a:schemeClr val="tx1"/>
+                </a:solidFill>
+                <a:latin typeface="+mn-lt"/>
+                <a:ea typeface="+mn-ea"/>
+                <a:cs typeface="+mn-cs"/>
+              </a:defRPr>
+            </a:lvl7pPr>
+            <a:lvl8pPr marL="3200400" algn="l" defTabSz="914400" rtl="0" eaLnBrk="1" latinLnBrk="0" hangingPunct="1">
+              <a:defRPr sz="1800" kern="1200">
+                <a:solidFill>
+                  <a:schemeClr val="tx1"/>
+                </a:solidFill>
+                <a:latin typeface="+mn-lt"/>
+                <a:ea typeface="+mn-ea"/>
+                <a:cs typeface="+mn-cs"/>
+              </a:defRPr>
+            </a:lvl8pPr>
+            <a:lvl9pPr marL="3657600" algn="l" defTabSz="914400" rtl="0" eaLnBrk="1" latinLnBrk="0" hangingPunct="1">
+              <a:defRPr sz="1800" kern="1200">
+                <a:solidFill>
+                  <a:schemeClr val="tx1"/>
+                </a:solidFill>
+                <a:latin typeface="+mn-lt"/>
+                <a:ea typeface="+mn-ea"/>
+                <a:cs typeface="+mn-cs"/>
+              </a:defRPr>
+            </a:lvl9pPr>
+          </a:lstStyle>
+          <a:p>
+            <a:pPr marL="0" indent="0" algn="ctr">
+              <a:buNone/>
+            </a:pPr>
+            <a:r>
+              <a:rPr lang="en-US" sz="2000" dirty="0" smtClean="0"/>
+              <a:t>JavaScript</a:t>
+            </a:r>
+            <a:r>
+              <a:rPr lang="bg-BG" sz="2000" dirty="0" smtClean="0"/>
+              <a:t> трбва да се третира като 1-вокласен език, а не като друг език.</a:t>
+            </a:r>
+            <a:endParaRPr lang="en-US" sz="2000" dirty="0"/>
+          </a:p>
+        </p:txBody>
+      </p:sp>
+    </p:spTree>
+    <p:extLst>
+      <p:ext uri="{BB962C8B-B14F-4D97-AF65-F5344CB8AC3E}">
+        <p14:creationId xmlns:p14="http://schemas.microsoft.com/office/powerpoint/2010/main" val="3376340451"/>
+      </p:ext>
+    </p:extLst>
+  </p:cSld>
+  <p:clrMapOvr>
+    <a:masterClrMapping/>
+  </p:clrMapOvr>
+</p:sld>
+</file>
+
+<file path=ppt/slides/slide21.xml><?xml version="1.0" encoding="utf-8"?>
+<p:sld xmlns:a="http://schemas.openxmlformats.org/drawingml/2006/main" xmlns:r="http://schemas.openxmlformats.org/officeDocument/2006/relationships" xmlns:p="http://schemas.openxmlformats.org/presentationml/2006/main">
+  <p:cSld>
+    <p:spTree>
+      <p:nvGrpSpPr>
+        <p:cNvPr id="1" name=""/>
+        <p:cNvGrpSpPr/>
+        <p:nvPr/>
+      </p:nvGrpSpPr>
+      <p:grpSpPr>
+        <a:xfrm>
+          <a:off x="0" y="0"/>
+          <a:ext cx="0" cy="0"/>
+          <a:chOff x="0" y="0"/>
+          <a:chExt cx="0" cy="0"/>
+        </a:xfrm>
+      </p:grpSpPr>
+      <p:sp>
+        <p:nvSpPr>
+          <p:cNvPr id="2" name="Title 1"/>
+          <p:cNvSpPr>
+            <a:spLocks noGrp="1"/>
+          </p:cNvSpPr>
+          <p:nvPr>
+            <p:ph type="title"/>
+          </p:nvPr>
+        </p:nvSpPr>
+        <p:spPr/>
+        <p:txBody>
+          <a:bodyPr/>
+          <a:lstStyle/>
+          <a:p>
+            <a:r>
+              <a:rPr lang="bg-BG" dirty="0" smtClean="0"/>
+              <a:t>Обектът </a:t>
+            </a:r>
+            <a:r>
+              <a:rPr lang="en-US" i="1" dirty="0" smtClean="0">
+                <a:solidFill>
+                  <a:schemeClr val="accent6">
+                    <a:lumMod val="75000"/>
+                  </a:schemeClr>
+                </a:solidFill>
+              </a:rPr>
+              <a:t>this</a:t>
+            </a:r>
+            <a:endParaRPr lang="en-US" i="1" dirty="0">
+              <a:solidFill>
+                <a:schemeClr val="accent6">
+                  <a:lumMod val="75000"/>
+                </a:schemeClr>
+              </a:solidFill>
+            </a:endParaRPr>
+          </a:p>
+        </p:txBody>
+      </p:sp>
+      <p:sp>
+        <p:nvSpPr>
+          <p:cNvPr id="7" name="Content Placeholder 6"/>
+          <p:cNvSpPr>
+            <a:spLocks noGrp="1"/>
+          </p:cNvSpPr>
+          <p:nvPr>
+            <p:ph idx="1"/>
+          </p:nvPr>
+        </p:nvSpPr>
+        <p:spPr>
+          <a:xfrm>
+            <a:off x="1484310" y="2087418"/>
+            <a:ext cx="10018713" cy="4396509"/>
+          </a:xfrm>
+        </p:spPr>
+        <p:txBody>
+          <a:bodyPr>
+            <a:normAutofit/>
+          </a:bodyPr>
+          <a:lstStyle/>
+          <a:p>
+            <a:r>
+              <a:rPr lang="en-US" i="1" dirty="0" smtClean="0">
+                <a:solidFill>
+                  <a:schemeClr val="accent6">
+                    <a:lumMod val="75000"/>
+                  </a:schemeClr>
+                </a:solidFill>
+              </a:rPr>
+              <a:t>this</a:t>
+            </a:r>
+            <a:r>
+              <a:rPr lang="en-US" dirty="0" smtClean="0"/>
+              <a:t> </a:t>
+            </a:r>
+            <a:r>
+              <a:rPr lang="bg-BG" dirty="0" smtClean="0"/>
+              <a:t>е специален обект в </a:t>
+            </a:r>
+            <a:r>
+              <a:rPr lang="en-US" dirty="0" smtClean="0"/>
+              <a:t>JS; </a:t>
+            </a:r>
+            <a:r>
+              <a:rPr lang="bg-BG" dirty="0" smtClean="0"/>
+              <a:t>съществува навсякъде в </a:t>
+            </a:r>
+            <a:r>
+              <a:rPr lang="en-US" dirty="0" smtClean="0"/>
+              <a:t>JS</a:t>
+            </a:r>
+            <a:r>
+              <a:rPr lang="bg-BG" dirty="0" smtClean="0"/>
+              <a:t>, но има </a:t>
+            </a:r>
+            <a:r>
+              <a:rPr lang="bg-BG" b="1" dirty="0" smtClean="0"/>
+              <a:t>различно</a:t>
+            </a:r>
+            <a:r>
+              <a:rPr lang="bg-BG" dirty="0" smtClean="0"/>
+              <a:t> значение, според това къде и как се употребява</a:t>
+            </a:r>
+          </a:p>
+          <a:p>
+            <a:r>
+              <a:rPr lang="en-US" i="1" dirty="0" smtClean="0">
+                <a:solidFill>
+                  <a:schemeClr val="accent6">
+                    <a:lumMod val="75000"/>
+                  </a:schemeClr>
+                </a:solidFill>
+              </a:rPr>
+              <a:t>this</a:t>
+            </a:r>
+            <a:r>
+              <a:rPr lang="en-US" dirty="0" smtClean="0"/>
+              <a:t> </a:t>
+            </a:r>
+            <a:r>
+              <a:rPr lang="bg-BG" dirty="0" smtClean="0"/>
+              <a:t>може да има 2 различни стойности</a:t>
+            </a:r>
+          </a:p>
+          <a:p>
+            <a:pPr lvl="1"/>
+            <a:r>
+              <a:rPr lang="bg-BG" dirty="0" smtClean="0"/>
+              <a:t>Родителския обхват /</a:t>
+            </a:r>
+            <a:r>
+              <a:rPr lang="en-US" dirty="0" smtClean="0"/>
+              <a:t>parent scope/</a:t>
+            </a:r>
+          </a:p>
+          <a:p>
+            <a:pPr lvl="2"/>
+            <a:r>
+              <a:rPr lang="bg-BG" dirty="0" smtClean="0"/>
+              <a:t>Стойността на </a:t>
+            </a:r>
+            <a:r>
+              <a:rPr lang="en-US" i="1" dirty="0" smtClean="0">
+                <a:solidFill>
+                  <a:schemeClr val="accent6">
+                    <a:lumMod val="75000"/>
+                  </a:schemeClr>
+                </a:solidFill>
+              </a:rPr>
+              <a:t>this </a:t>
+            </a:r>
+            <a:r>
+              <a:rPr lang="bg-BG" dirty="0" smtClean="0"/>
+              <a:t>в съдържащия го </a:t>
+            </a:r>
+            <a:r>
+              <a:rPr lang="en-US" i="1" dirty="0" smtClean="0">
+                <a:solidFill>
+                  <a:schemeClr val="accent6">
+                    <a:lumMod val="75000"/>
+                  </a:schemeClr>
+                </a:solidFill>
+              </a:rPr>
+              <a:t>scope</a:t>
+            </a:r>
+            <a:endParaRPr lang="bg-BG" i="1" dirty="0" smtClean="0">
+              <a:solidFill>
+                <a:schemeClr val="accent6">
+                  <a:lumMod val="75000"/>
+                </a:schemeClr>
+              </a:solidFill>
+            </a:endParaRPr>
+          </a:p>
+          <a:p>
+            <a:pPr lvl="2"/>
+            <a:r>
+              <a:rPr lang="bg-BG" dirty="0" smtClean="0"/>
+              <a:t>Ако никой от родителите не е обект, то </a:t>
+            </a:r>
+            <a:r>
+              <a:rPr lang="en-US" i="1" dirty="0" smtClean="0">
+                <a:solidFill>
+                  <a:schemeClr val="accent6">
+                    <a:lumMod val="75000"/>
+                  </a:schemeClr>
+                </a:solidFill>
+              </a:rPr>
+              <a:t>this</a:t>
+            </a:r>
+            <a:r>
+              <a:rPr lang="bg-BG" dirty="0" smtClean="0"/>
+              <a:t> ще има стойност </a:t>
+            </a:r>
+            <a:r>
+              <a:rPr lang="en-US" i="1" dirty="0" smtClean="0">
+                <a:solidFill>
+                  <a:schemeClr val="accent6">
+                    <a:lumMod val="75000"/>
+                  </a:schemeClr>
+                </a:solidFill>
+              </a:rPr>
+              <a:t>window</a:t>
+            </a:r>
+          </a:p>
+          <a:p>
+            <a:pPr lvl="1"/>
+            <a:r>
+              <a:rPr lang="bg-BG" dirty="0"/>
+              <a:t>Конкретен </a:t>
+            </a:r>
+            <a:r>
+              <a:rPr lang="bg-BG" dirty="0" smtClean="0"/>
+              <a:t>обект</a:t>
+            </a:r>
+          </a:p>
+          <a:p>
+            <a:pPr lvl="2"/>
+            <a:r>
+              <a:rPr lang="bg-BG" dirty="0" smtClean="0"/>
+              <a:t>Когато е използван оператора </a:t>
+            </a:r>
+            <a:r>
+              <a:rPr lang="en-US" i="1" dirty="0" smtClean="0">
+                <a:solidFill>
+                  <a:schemeClr val="accent6">
+                    <a:lumMod val="75000"/>
+                  </a:schemeClr>
+                </a:solidFill>
+              </a:rPr>
+              <a:t>new</a:t>
+            </a:r>
+            <a:endParaRPr lang="en-US" i="1" dirty="0">
+              <a:solidFill>
+                <a:schemeClr val="accent6">
+                  <a:lumMod val="75000"/>
+                </a:schemeClr>
+              </a:solidFill>
+            </a:endParaRPr>
+          </a:p>
+        </p:txBody>
+      </p:sp>
+    </p:spTree>
+    <p:extLst>
+      <p:ext uri="{BB962C8B-B14F-4D97-AF65-F5344CB8AC3E}">
+        <p14:creationId xmlns:p14="http://schemas.microsoft.com/office/powerpoint/2010/main" val="3687195588"/>
+      </p:ext>
+    </p:extLst>
+  </p:cSld>
+  <p:clrMapOvr>
+    <a:masterClrMapping/>
+  </p:clrMapOvr>
+</p:sld>
+</file>
+
+<file path=ppt/slides/slide22.xml><?xml version="1.0" encoding="utf-8"?>
+<p:sld xmlns:a="http://schemas.openxmlformats.org/drawingml/2006/main" xmlns:r="http://schemas.openxmlformats.org/officeDocument/2006/relationships" xmlns:p="http://schemas.openxmlformats.org/presentationml/2006/main">
+  <p:cSld>
+    <p:spTree>
+      <p:nvGrpSpPr>
+        <p:cNvPr id="1" name=""/>
+        <p:cNvGrpSpPr/>
+        <p:nvPr/>
+      </p:nvGrpSpPr>
+      <p:grpSpPr>
+        <a:xfrm>
+          <a:off x="0" y="0"/>
+          <a:ext cx="0" cy="0"/>
+          <a:chOff x="0" y="0"/>
+          <a:chExt cx="0" cy="0"/>
+        </a:xfrm>
+      </p:grpSpPr>
+      <p:sp>
+        <p:nvSpPr>
+          <p:cNvPr id="6" name="Title 5"/>
+          <p:cNvSpPr>
+            <a:spLocks noGrp="1"/>
+          </p:cNvSpPr>
+          <p:nvPr>
+            <p:ph type="title"/>
+          </p:nvPr>
+        </p:nvSpPr>
+        <p:spPr>
+          <a:xfrm>
+            <a:off x="1484311" y="166256"/>
+            <a:ext cx="10018713" cy="2272144"/>
+          </a:xfrm>
+        </p:spPr>
+        <p:txBody>
+          <a:bodyPr/>
+          <a:lstStyle/>
+          <a:p>
+            <a:r>
+              <a:rPr lang="bg-BG" dirty="0"/>
+              <a:t>Обектът </a:t>
+            </a:r>
+            <a:r>
+              <a:rPr lang="en-US" i="1" dirty="0">
+                <a:solidFill>
+                  <a:schemeClr val="accent6">
+                    <a:lumMod val="75000"/>
+                  </a:schemeClr>
+                </a:solidFill>
+              </a:rPr>
+              <a:t>this</a:t>
+            </a:r>
+            <a:endParaRPr lang="en-US" dirty="0"/>
+          </a:p>
+        </p:txBody>
+      </p:sp>
+      <p:pic>
+        <p:nvPicPr>
+          <p:cNvPr id="7" name="Picture 6"/>
+          <p:cNvPicPr>
+            <a:picLocks noChangeAspect="1"/>
+          </p:cNvPicPr>
+          <p:nvPr/>
+        </p:nvPicPr>
+        <p:blipFill>
+          <a:blip r:embed="rId2">
+            <a:extLst>
+              <a:ext uri="{28A0092B-C50C-407E-A947-70E740481C1C}">
+                <a14:useLocalDpi xmlns:a14="http://schemas.microsoft.com/office/drawing/2010/main" val="0"/>
+              </a:ext>
+            </a:extLst>
+          </a:blip>
+          <a:stretch>
+            <a:fillRect/>
+          </a:stretch>
+        </p:blipFill>
+        <p:spPr>
+          <a:xfrm>
+            <a:off x="4112417" y="1943677"/>
+            <a:ext cx="4762500" cy="4762500"/>
+          </a:xfrm>
+          <a:prstGeom prst="rect">
+            <a:avLst/>
+          </a:prstGeom>
+        </p:spPr>
+      </p:pic>
+    </p:spTree>
+    <p:extLst>
+      <p:ext uri="{BB962C8B-B14F-4D97-AF65-F5344CB8AC3E}">
+        <p14:creationId xmlns:p14="http://schemas.microsoft.com/office/powerpoint/2010/main" val="1004641465"/>
+      </p:ext>
+    </p:extLst>
+  </p:cSld>
+  <p:clrMapOvr>
+    <a:masterClrMapping/>
+  </p:clrMapOvr>
+  <p:timing>
+    <p:tnLst>
+      <p:par>
+        <p:cTn id="1" dur="indefinite" restart="never" nodeType="tmRoot"/>
+      </p:par>
+    </p:tnLst>
+  </p:timing>
+</p:sld>
+</file>
+
+<file path=ppt/slides/slide23.xml><?xml version="1.0" encoding="utf-8"?>
+<p:sld xmlns:a="http://schemas.openxmlformats.org/drawingml/2006/main" xmlns:r="http://schemas.openxmlformats.org/officeDocument/2006/relationships" xmlns:p="http://schemas.openxmlformats.org/presentationml/2006/main">
+  <p:cSld>
+    <p:spTree>
+      <p:nvGrpSpPr>
+        <p:cNvPr id="1" name=""/>
+        <p:cNvGrpSpPr/>
+        <p:nvPr/>
+      </p:nvGrpSpPr>
+      <p:grpSpPr>
+        <a:xfrm>
+          <a:off x="0" y="0"/>
+          <a:ext cx="0" cy="0"/>
+          <a:chOff x="0" y="0"/>
+          <a:chExt cx="0" cy="0"/>
+        </a:xfrm>
+      </p:grpSpPr>
+      <p:sp>
+        <p:nvSpPr>
+          <p:cNvPr id="2" name="Title 1"/>
+          <p:cNvSpPr>
+            <a:spLocks noGrp="1"/>
+          </p:cNvSpPr>
+          <p:nvPr>
+            <p:ph type="title"/>
+          </p:nvPr>
+        </p:nvSpPr>
+        <p:spPr/>
+        <p:txBody>
+          <a:bodyPr/>
+          <a:lstStyle/>
+          <a:p>
+            <a:r>
+              <a:rPr lang="bg-BG" dirty="0" smtClean="0"/>
+              <a:t>Модули</a:t>
+            </a:r>
+            <a:endParaRPr lang="en-US" dirty="0"/>
+          </a:p>
+        </p:txBody>
+      </p:sp>
+      <p:sp>
+        <p:nvSpPr>
+          <p:cNvPr id="3" name="Content Placeholder 2"/>
+          <p:cNvSpPr>
+            <a:spLocks noGrp="1"/>
+          </p:cNvSpPr>
+          <p:nvPr>
+            <p:ph idx="1"/>
+          </p:nvPr>
+        </p:nvSpPr>
+        <p:spPr>
+          <a:xfrm>
+            <a:off x="1484310" y="1939637"/>
+            <a:ext cx="10018713" cy="2826327"/>
+          </a:xfrm>
+        </p:spPr>
+        <p:txBody>
+          <a:bodyPr/>
+          <a:lstStyle/>
+          <a:p>
+            <a:r>
+              <a:rPr lang="bg-BG" dirty="0" smtClean="0"/>
+              <a:t>Функциите конструктори могат да бъдат поставени в модули</a:t>
+            </a:r>
+          </a:p>
+          <a:p>
+            <a:pPr lvl="1"/>
+            <a:r>
+              <a:rPr lang="bg-BG" dirty="0" smtClean="0"/>
+              <a:t>Позволява по-добра абстракция на кода</a:t>
+            </a:r>
+          </a:p>
+          <a:p>
+            <a:pPr lvl="1"/>
+            <a:r>
+              <a:rPr lang="bg-BG" dirty="0" smtClean="0"/>
+              <a:t>Позволява да се скриват константни или функции</a:t>
+            </a:r>
+          </a:p>
+          <a:p>
+            <a:r>
+              <a:rPr lang="en-US" dirty="0" smtClean="0"/>
+              <a:t>JS</a:t>
+            </a:r>
+            <a:r>
+              <a:rPr lang="bg-BG" dirty="0" smtClean="0"/>
+              <a:t> поддържа 1вокласни функции, които могат да бъдат превърнати в модули</a:t>
+            </a:r>
+            <a:endParaRPr lang="en-US" dirty="0"/>
+          </a:p>
+        </p:txBody>
+      </p:sp>
+      <p:sp>
+        <p:nvSpPr>
+          <p:cNvPr id="4" name="Text Placeholder 5"/>
+          <p:cNvSpPr txBox="1">
+            <a:spLocks/>
+          </p:cNvSpPr>
+          <p:nvPr/>
+        </p:nvSpPr>
+        <p:spPr>
+          <a:xfrm>
+            <a:off x="3992462" y="4549676"/>
+            <a:ext cx="8199538" cy="2308324"/>
+          </a:xfrm>
+          <a:prstGeom prst="rect">
+            <a:avLst/>
+          </a:prstGeom>
+          <a:ln/>
+        </p:spPr>
+        <p:style>
+          <a:lnRef idx="0">
+            <a:schemeClr val="accent1"/>
+          </a:lnRef>
+          <a:fillRef idx="3">
+            <a:schemeClr val="accent1"/>
+          </a:fillRef>
+          <a:effectRef idx="3">
+            <a:schemeClr val="accent1"/>
+          </a:effectRef>
+          <a:fontRef idx="minor">
+            <a:schemeClr val="lt1"/>
+          </a:fontRef>
+        </p:style>
+        <p:txBody>
+          <a:bodyPr wrap="square">
+            <a:spAutoFit/>
+          </a:bodyPr>
+          <a:lstStyle>
+            <a:defPPr>
+              <a:defRPr lang="en-US"/>
+            </a:defPPr>
+            <a:lvl1pPr marL="0" algn="l" defTabSz="914400" rtl="0" eaLnBrk="1" latinLnBrk="0" hangingPunct="1">
+              <a:defRPr sz="1800" kern="1200">
+                <a:solidFill>
+                  <a:schemeClr val="tx1"/>
+                </a:solidFill>
+                <a:latin typeface="+mn-lt"/>
+                <a:ea typeface="+mn-ea"/>
+                <a:cs typeface="+mn-cs"/>
+              </a:defRPr>
+            </a:lvl1pPr>
+            <a:lvl2pPr marL="457200" algn="l" defTabSz="914400" rtl="0" eaLnBrk="1" latinLnBrk="0" hangingPunct="1">
+              <a:defRPr sz="1800" kern="1200">
+                <a:solidFill>
+                  <a:schemeClr val="tx1"/>
+                </a:solidFill>
+                <a:latin typeface="+mn-lt"/>
+                <a:ea typeface="+mn-ea"/>
+                <a:cs typeface="+mn-cs"/>
+              </a:defRPr>
+            </a:lvl2pPr>
+            <a:lvl3pPr marL="914400" algn="l" defTabSz="914400" rtl="0" eaLnBrk="1" latinLnBrk="0" hangingPunct="1">
+              <a:defRPr sz="1800" kern="1200">
+                <a:solidFill>
+                  <a:schemeClr val="tx1"/>
+                </a:solidFill>
+                <a:latin typeface="+mn-lt"/>
+                <a:ea typeface="+mn-ea"/>
+                <a:cs typeface="+mn-cs"/>
+              </a:defRPr>
+            </a:lvl3pPr>
+            <a:lvl4pPr marL="1371600" algn="l" defTabSz="914400" rtl="0" eaLnBrk="1" latinLnBrk="0" hangingPunct="1">
+              <a:defRPr sz="1800" kern="1200">
+                <a:solidFill>
+                  <a:schemeClr val="tx1"/>
+                </a:solidFill>
+                <a:latin typeface="+mn-lt"/>
+                <a:ea typeface="+mn-ea"/>
+                <a:cs typeface="+mn-cs"/>
+              </a:defRPr>
+            </a:lvl4pPr>
+            <a:lvl5pPr marL="1828800" algn="l" defTabSz="914400" rtl="0" eaLnBrk="1" latinLnBrk="0" hangingPunct="1">
+              <a:defRPr sz="1800" kern="1200">
+                <a:solidFill>
+                  <a:schemeClr val="tx1"/>
+                </a:solidFill>
+                <a:latin typeface="+mn-lt"/>
+                <a:ea typeface="+mn-ea"/>
+                <a:cs typeface="+mn-cs"/>
+              </a:defRPr>
+            </a:lvl5pPr>
+            <a:lvl6pPr marL="2286000" algn="l" defTabSz="914400" rtl="0" eaLnBrk="1" latinLnBrk="0" hangingPunct="1">
+              <a:defRPr sz="1800" kern="1200">
+                <a:solidFill>
+                  <a:schemeClr val="tx1"/>
+                </a:solidFill>
+                <a:latin typeface="+mn-lt"/>
+                <a:ea typeface="+mn-ea"/>
+                <a:cs typeface="+mn-cs"/>
+              </a:defRPr>
+            </a:lvl6pPr>
+            <a:lvl7pPr marL="2743200" algn="l" defTabSz="914400" rtl="0" eaLnBrk="1" latinLnBrk="0" hangingPunct="1">
+              <a:defRPr sz="1800" kern="1200">
+                <a:solidFill>
+                  <a:schemeClr val="tx1"/>
+                </a:solidFill>
+                <a:latin typeface="+mn-lt"/>
+                <a:ea typeface="+mn-ea"/>
+                <a:cs typeface="+mn-cs"/>
+              </a:defRPr>
+            </a:lvl7pPr>
+            <a:lvl8pPr marL="3200400" algn="l" defTabSz="914400" rtl="0" eaLnBrk="1" latinLnBrk="0" hangingPunct="1">
+              <a:defRPr sz="1800" kern="1200">
+                <a:solidFill>
+                  <a:schemeClr val="tx1"/>
+                </a:solidFill>
+                <a:latin typeface="+mn-lt"/>
+                <a:ea typeface="+mn-ea"/>
+                <a:cs typeface="+mn-cs"/>
+              </a:defRPr>
+            </a:lvl8pPr>
+            <a:lvl9pPr marL="3657600" algn="l" defTabSz="914400" rtl="0" eaLnBrk="1" latinLnBrk="0" hangingPunct="1">
+              <a:defRPr sz="1800" kern="1200">
+                <a:solidFill>
+                  <a:schemeClr val="tx1"/>
+                </a:solidFill>
+                <a:latin typeface="+mn-lt"/>
+                <a:ea typeface="+mn-ea"/>
+                <a:cs typeface="+mn-cs"/>
+              </a:defRPr>
+            </a:lvl9pPr>
+          </a:lstStyle>
+          <a:p>
+            <a:r>
+              <a:rPr lang="en-US" dirty="0">
+                <a:solidFill>
+                  <a:schemeClr val="bg1"/>
+                </a:solidFill>
+              </a:rPr>
+              <a:t>var </a:t>
+            </a:r>
+            <a:r>
+              <a:rPr lang="en-US" dirty="0" smtClean="0">
+                <a:solidFill>
+                  <a:schemeClr val="bg1"/>
+                </a:solidFill>
+              </a:rPr>
+              <a:t>Person = </a:t>
+            </a:r>
+            <a:r>
+              <a:rPr lang="en-US" dirty="0">
+                <a:solidFill>
+                  <a:schemeClr val="bg1"/>
+                </a:solidFill>
+              </a:rPr>
+              <a:t>(function () </a:t>
+            </a:r>
+            <a:r>
+              <a:rPr lang="en-US" dirty="0" smtClean="0">
+                <a:solidFill>
+                  <a:schemeClr val="bg1"/>
+                </a:solidFill>
+              </a:rPr>
+              <a:t>{</a:t>
+            </a:r>
+          </a:p>
+          <a:p>
+            <a:r>
+              <a:rPr lang="en-US" dirty="0" smtClean="0">
+                <a:solidFill>
+                  <a:schemeClr val="bg1"/>
+                </a:solidFill>
+              </a:rPr>
+              <a:t>  </a:t>
+            </a:r>
+            <a:r>
+              <a:rPr lang="bg-BG" dirty="0" smtClean="0">
+                <a:solidFill>
+                  <a:schemeClr val="bg1"/>
+                </a:solidFill>
+              </a:rPr>
+              <a:t>   </a:t>
+            </a:r>
+            <a:r>
+              <a:rPr lang="en-US" dirty="0" smtClean="0">
+                <a:solidFill>
+                  <a:schemeClr val="bg1"/>
+                </a:solidFill>
+              </a:rPr>
+              <a:t>function </a:t>
+            </a:r>
+            <a:r>
+              <a:rPr lang="en-US" dirty="0">
+                <a:solidFill>
+                  <a:schemeClr val="bg1"/>
+                </a:solidFill>
+              </a:rPr>
+              <a:t>Person(name) {</a:t>
+            </a:r>
+          </a:p>
+          <a:p>
+            <a:r>
+              <a:rPr lang="en-US" dirty="0">
+                <a:solidFill>
+                  <a:schemeClr val="bg1"/>
+                </a:solidFill>
+              </a:rPr>
+              <a:t>  </a:t>
+            </a:r>
+            <a:r>
+              <a:rPr lang="en-US" dirty="0" smtClean="0">
+                <a:solidFill>
+                  <a:schemeClr val="bg1"/>
+                </a:solidFill>
+              </a:rPr>
+              <a:t>  </a:t>
+            </a:r>
+            <a:r>
+              <a:rPr lang="bg-BG" dirty="0" smtClean="0">
+                <a:solidFill>
+                  <a:schemeClr val="bg1"/>
+                </a:solidFill>
+              </a:rPr>
+              <a:t>     </a:t>
+            </a:r>
+            <a:r>
+              <a:rPr lang="en-US" dirty="0" smtClean="0">
+                <a:solidFill>
+                  <a:schemeClr val="bg1"/>
+                </a:solidFill>
+              </a:rPr>
+              <a:t>//…</a:t>
+            </a:r>
+            <a:endParaRPr lang="en-US" dirty="0">
+              <a:solidFill>
+                <a:schemeClr val="bg1"/>
+              </a:solidFill>
+            </a:endParaRPr>
+          </a:p>
+          <a:p>
+            <a:r>
+              <a:rPr lang="en-US" dirty="0" smtClean="0">
+                <a:solidFill>
+                  <a:schemeClr val="bg1"/>
+                </a:solidFill>
+              </a:rPr>
+              <a:t>  </a:t>
+            </a:r>
+            <a:r>
+              <a:rPr lang="bg-BG" dirty="0" smtClean="0">
+                <a:solidFill>
+                  <a:schemeClr val="bg1"/>
+                </a:solidFill>
+              </a:rPr>
+              <a:t>   </a:t>
+            </a:r>
+            <a:r>
+              <a:rPr lang="en-US" dirty="0" smtClean="0">
+                <a:solidFill>
+                  <a:schemeClr val="bg1"/>
+                </a:solidFill>
+              </a:rPr>
+              <a:t>}</a:t>
+            </a:r>
+            <a:endParaRPr lang="en-US" dirty="0">
+              <a:solidFill>
+                <a:schemeClr val="bg1"/>
+              </a:solidFill>
+            </a:endParaRPr>
+          </a:p>
+          <a:p>
+            <a:r>
+              <a:rPr lang="en-US" dirty="0" smtClean="0">
+                <a:solidFill>
+                  <a:schemeClr val="bg1"/>
+                </a:solidFill>
+              </a:rPr>
+              <a:t>  </a:t>
+            </a:r>
+            <a:r>
+              <a:rPr lang="bg-BG" dirty="0" smtClean="0">
+                <a:solidFill>
+                  <a:schemeClr val="bg1"/>
+                </a:solidFill>
+              </a:rPr>
+              <a:t>   </a:t>
+            </a:r>
+            <a:r>
+              <a:rPr lang="en-US" dirty="0" err="1" smtClean="0">
+                <a:solidFill>
+                  <a:schemeClr val="bg1"/>
+                </a:solidFill>
+              </a:rPr>
+              <a:t>Person.prototype.walk</a:t>
+            </a:r>
+            <a:r>
+              <a:rPr lang="en-US" dirty="0" smtClean="0">
+                <a:solidFill>
+                  <a:schemeClr val="bg1"/>
+                </a:solidFill>
+              </a:rPr>
+              <a:t> </a:t>
+            </a:r>
+            <a:r>
+              <a:rPr lang="en-US" dirty="0">
+                <a:solidFill>
+                  <a:schemeClr val="bg1"/>
+                </a:solidFill>
+              </a:rPr>
+              <a:t>= function (distance){ /*...*/ </a:t>
+            </a:r>
+            <a:r>
+              <a:rPr lang="en-US" dirty="0" smtClean="0">
+                <a:solidFill>
+                  <a:schemeClr val="bg1"/>
+                </a:solidFill>
+              </a:rPr>
+              <a:t>};</a:t>
+            </a:r>
+          </a:p>
+          <a:p>
+            <a:r>
+              <a:rPr lang="en-US" dirty="0" smtClean="0">
+                <a:solidFill>
+                  <a:schemeClr val="bg1"/>
+                </a:solidFill>
+              </a:rPr>
+              <a:t>  </a:t>
+            </a:r>
+            <a:r>
+              <a:rPr lang="bg-BG" dirty="0" smtClean="0">
+                <a:solidFill>
+                  <a:schemeClr val="bg1"/>
+                </a:solidFill>
+              </a:rPr>
+              <a:t>   </a:t>
+            </a:r>
+          </a:p>
+          <a:p>
+            <a:r>
+              <a:rPr lang="bg-BG" dirty="0" smtClean="0">
+                <a:solidFill>
+                  <a:schemeClr val="bg1"/>
+                </a:solidFill>
+              </a:rPr>
+              <a:t>     </a:t>
+            </a:r>
+            <a:r>
+              <a:rPr lang="en-US" dirty="0" smtClean="0">
+                <a:solidFill>
+                  <a:schemeClr val="bg1"/>
+                </a:solidFill>
+              </a:rPr>
+              <a:t>return Person</a:t>
+            </a:r>
+            <a:r>
+              <a:rPr lang="en-US" dirty="0" smtClean="0">
+                <a:solidFill>
+                  <a:schemeClr val="bg1"/>
+                </a:solidFill>
+              </a:rPr>
+              <a:t>;</a:t>
+            </a:r>
+          </a:p>
+          <a:p>
+            <a:r>
+              <a:rPr lang="en-US" dirty="0" smtClean="0">
+                <a:solidFill>
+                  <a:schemeClr val="bg1"/>
+                </a:solidFill>
+              </a:rPr>
+              <a:t>}());</a:t>
+            </a:r>
+            <a:r>
+              <a:rPr lang="bg-BG" dirty="0" smtClean="0">
+                <a:solidFill>
+                  <a:schemeClr val="bg1"/>
+                </a:solidFill>
+              </a:rPr>
+              <a:t>  </a:t>
+            </a:r>
+            <a:endParaRPr lang="en-US" dirty="0">
+              <a:solidFill>
+                <a:schemeClr val="bg1"/>
+              </a:solidFill>
+            </a:endParaRPr>
+          </a:p>
+        </p:txBody>
+      </p:sp>
+    </p:spTree>
+    <p:extLst>
+      <p:ext uri="{BB962C8B-B14F-4D97-AF65-F5344CB8AC3E}">
+        <p14:creationId xmlns:p14="http://schemas.microsoft.com/office/powerpoint/2010/main" val="1856804103"/>
+      </p:ext>
+    </p:extLst>
+  </p:cSld>
+  <p:clrMapOvr>
+    <a:masterClrMapping/>
+  </p:clrMapOvr>
+</p:sld>
+</file>
+
+<file path=ppt/slides/slide24.xml><?xml version="1.0" encoding="utf-8"?>
+<p:sld xmlns:a="http://schemas.openxmlformats.org/drawingml/2006/main" xmlns:r="http://schemas.openxmlformats.org/officeDocument/2006/relationships" xmlns:p="http://schemas.openxmlformats.org/presentationml/2006/main">
+  <p:cSld>
+    <p:spTree>
+      <p:nvGrpSpPr>
+        <p:cNvPr id="1" name=""/>
+        <p:cNvGrpSpPr/>
+        <p:nvPr/>
+      </p:nvGrpSpPr>
+      <p:grpSpPr>
+        <a:xfrm>
+          <a:off x="0" y="0"/>
+          <a:ext cx="0" cy="0"/>
+          <a:chOff x="0" y="0"/>
+          <a:chExt cx="0" cy="0"/>
+        </a:xfrm>
+      </p:grpSpPr>
+      <p:sp>
+        <p:nvSpPr>
+          <p:cNvPr id="6" name="Title 5"/>
+          <p:cNvSpPr>
+            <a:spLocks noGrp="1"/>
+          </p:cNvSpPr>
+          <p:nvPr>
+            <p:ph type="title"/>
+          </p:nvPr>
+        </p:nvSpPr>
+        <p:spPr>
+          <a:xfrm>
+            <a:off x="1484311" y="166256"/>
+            <a:ext cx="10018713" cy="2272144"/>
+          </a:xfrm>
+        </p:spPr>
+        <p:txBody>
+          <a:bodyPr/>
+          <a:lstStyle/>
+          <a:p>
+            <a:r>
+              <a:rPr lang="bg-BG" dirty="0" smtClean="0"/>
+              <a:t>Модули</a:t>
+            </a:r>
+            <a:endParaRPr lang="en-US" dirty="0"/>
+          </a:p>
+        </p:txBody>
+      </p:sp>
+      <p:pic>
+        <p:nvPicPr>
+          <p:cNvPr id="7" name="Picture 6"/>
+          <p:cNvPicPr>
+            <a:picLocks noChangeAspect="1"/>
+          </p:cNvPicPr>
+          <p:nvPr/>
+        </p:nvPicPr>
+        <p:blipFill>
+          <a:blip r:embed="rId2">
+            <a:extLst>
+              <a:ext uri="{28A0092B-C50C-407E-A947-70E740481C1C}">
+                <a14:useLocalDpi xmlns:a14="http://schemas.microsoft.com/office/drawing/2010/main" val="0"/>
+              </a:ext>
+            </a:extLst>
+          </a:blip>
+          <a:stretch>
+            <a:fillRect/>
+          </a:stretch>
+        </p:blipFill>
+        <p:spPr>
+          <a:xfrm>
+            <a:off x="4112417" y="1943677"/>
+            <a:ext cx="4762500" cy="4762500"/>
+          </a:xfrm>
+          <a:prstGeom prst="rect">
+            <a:avLst/>
+          </a:prstGeom>
+        </p:spPr>
+      </p:pic>
+    </p:spTree>
+    <p:extLst>
+      <p:ext uri="{BB962C8B-B14F-4D97-AF65-F5344CB8AC3E}">
+        <p14:creationId xmlns:p14="http://schemas.microsoft.com/office/powerpoint/2010/main" val="936369856"/>
+      </p:ext>
+    </p:extLst>
+  </p:cSld>
+  <p:clrMapOvr>
+    <a:masterClrMapping/>
+  </p:clrMapOvr>
+  <p:timing>
+    <p:tnLst>
+      <p:par>
+        <p:cTn id="1" dur="indefinite" restart="never" nodeType="tmRoot"/>
+      </p:par>
+    </p:tnLst>
+  </p:timing>
+</p:sld>
+</file>
+
+<file path=ppt/slides/slide25.xml><?xml version="1.0" encoding="utf-8"?>
+<p:sld xmlns:a="http://schemas.openxmlformats.org/drawingml/2006/main" xmlns:r="http://schemas.openxmlformats.org/officeDocument/2006/relationships" xmlns:p="http://schemas.openxmlformats.org/presentationml/2006/main">
+  <p:cSld>
+    <p:spTree>
+      <p:nvGrpSpPr>
+        <p:cNvPr id="1" name=""/>
+        <p:cNvGrpSpPr/>
+        <p:nvPr/>
+      </p:nvGrpSpPr>
+      <p:grpSpPr>
+        <a:xfrm>
+          <a:off x="0" y="0"/>
+          <a:ext cx="0" cy="0"/>
+          <a:chOff x="0" y="0"/>
+          <a:chExt cx="0" cy="0"/>
+        </a:xfrm>
+      </p:grpSpPr>
+      <p:sp>
+        <p:nvSpPr>
+          <p:cNvPr id="3" name="Title 2"/>
+          <p:cNvSpPr>
+            <a:spLocks noGrp="1"/>
+          </p:cNvSpPr>
+          <p:nvPr>
+            <p:ph type="title"/>
+          </p:nvPr>
+        </p:nvSpPr>
+        <p:spPr/>
+        <p:txBody>
+          <a:bodyPr/>
+          <a:lstStyle/>
+          <a:p>
+            <a:r>
+              <a:rPr lang="bg-BG" dirty="0" smtClean="0"/>
+              <a:t>Скрити функции в модул. Дефиниране и използване</a:t>
+            </a:r>
+            <a:endParaRPr lang="en-US" dirty="0"/>
+          </a:p>
+        </p:txBody>
+      </p:sp>
+      <p:sp>
+        <p:nvSpPr>
+          <p:cNvPr id="4" name="Content Placeholder 3"/>
+          <p:cNvSpPr>
+            <a:spLocks noGrp="1"/>
+          </p:cNvSpPr>
+          <p:nvPr>
+            <p:ph idx="1"/>
+          </p:nvPr>
+        </p:nvSpPr>
+        <p:spPr/>
+        <p:txBody>
+          <a:bodyPr/>
+          <a:lstStyle/>
+          <a:p>
+            <a:r>
+              <a:rPr lang="bg-BG" dirty="0" smtClean="0"/>
+              <a:t>Когато функцията конструктор се използва в модул,то</a:t>
+            </a:r>
+          </a:p>
+          <a:p>
+            <a:pPr lvl="1"/>
+            <a:r>
+              <a:rPr lang="bg-BG" dirty="0" smtClean="0"/>
+              <a:t>Модула може да скрие в себе си функции</a:t>
+            </a:r>
+          </a:p>
+          <a:p>
+            <a:pPr lvl="1"/>
+            <a:r>
+              <a:rPr lang="bg-BG" dirty="0" smtClean="0"/>
+              <a:t>Фунцкията конструктор може да използва и достъпва скритите функции</a:t>
+            </a:r>
+          </a:p>
+          <a:p>
+            <a:r>
+              <a:rPr lang="bg-BG" dirty="0" smtClean="0"/>
+              <a:t>За да могат да бъдат изпозлвани въпросните скрити функции, те трябва да бъдат извикани посредством ключовата дума </a:t>
+            </a:r>
+            <a:r>
+              <a:rPr lang="en-US" i="1" dirty="0" smtClean="0">
+                <a:solidFill>
+                  <a:schemeClr val="accent6">
+                    <a:lumMod val="75000"/>
+                  </a:schemeClr>
+                </a:solidFill>
+              </a:rPr>
+              <a:t>call</a:t>
+            </a:r>
+            <a:r>
+              <a:rPr lang="en-US" dirty="0" smtClean="0">
+                <a:solidFill>
+                  <a:schemeClr val="accent6">
+                    <a:lumMod val="75000"/>
+                  </a:schemeClr>
+                </a:solidFill>
+              </a:rPr>
+              <a:t> </a:t>
+            </a:r>
+            <a:r>
+              <a:rPr lang="bg-BG" dirty="0" smtClean="0"/>
+              <a:t>или </a:t>
+            </a:r>
+            <a:r>
+              <a:rPr lang="en-US" i="1" dirty="0" smtClean="0">
+                <a:solidFill>
+                  <a:schemeClr val="accent6">
+                    <a:lumMod val="75000"/>
+                  </a:schemeClr>
+                </a:solidFill>
+              </a:rPr>
+              <a:t>apply</a:t>
+            </a:r>
+            <a:endParaRPr lang="en-US" i="1" dirty="0">
+              <a:solidFill>
+                <a:schemeClr val="accent6">
+                  <a:lumMod val="75000"/>
+                </a:schemeClr>
+              </a:solidFill>
+            </a:endParaRPr>
+          </a:p>
+        </p:txBody>
+      </p:sp>
+    </p:spTree>
+    <p:extLst>
+      <p:ext uri="{BB962C8B-B14F-4D97-AF65-F5344CB8AC3E}">
+        <p14:creationId xmlns:p14="http://schemas.microsoft.com/office/powerpoint/2010/main" val="1135439445"/>
+      </p:ext>
+    </p:extLst>
+  </p:cSld>
+  <p:clrMapOvr>
+    <a:masterClrMapping/>
+  </p:clrMapOvr>
+</p:sld>
+</file>
+
+<file path=ppt/slides/slide26.xml><?xml version="1.0" encoding="utf-8"?>
+<p:sld xmlns:a="http://schemas.openxmlformats.org/drawingml/2006/main" xmlns:r="http://schemas.openxmlformats.org/officeDocument/2006/relationships" xmlns:p="http://schemas.openxmlformats.org/presentationml/2006/main">
+  <p:cSld>
+    <p:spTree>
+      <p:nvGrpSpPr>
+        <p:cNvPr id="1" name=""/>
+        <p:cNvGrpSpPr/>
+        <p:nvPr/>
+      </p:nvGrpSpPr>
+      <p:grpSpPr>
+        <a:xfrm>
+          <a:off x="0" y="0"/>
+          <a:ext cx="0" cy="0"/>
+          <a:chOff x="0" y="0"/>
+          <a:chExt cx="0" cy="0"/>
+        </a:xfrm>
+      </p:grpSpPr>
+      <p:sp>
+        <p:nvSpPr>
+          <p:cNvPr id="3" name="Title 2"/>
+          <p:cNvSpPr>
+            <a:spLocks noGrp="1"/>
+          </p:cNvSpPr>
+          <p:nvPr>
+            <p:ph type="title"/>
+          </p:nvPr>
+        </p:nvSpPr>
+        <p:spPr/>
+        <p:txBody>
+          <a:bodyPr/>
+          <a:lstStyle/>
+          <a:p>
+            <a:r>
+              <a:rPr lang="bg-BG" dirty="0" smtClean="0"/>
+              <a:t>Скрити функции в модул. Дефиниране и използване</a:t>
+            </a:r>
+            <a:endParaRPr lang="en-US" dirty="0"/>
+          </a:p>
+        </p:txBody>
+      </p:sp>
+      <p:sp>
+        <p:nvSpPr>
+          <p:cNvPr id="5" name="Text Placeholder 4"/>
+          <p:cNvSpPr>
+            <a:spLocks noGrp="1"/>
+          </p:cNvSpPr>
+          <p:nvPr/>
+        </p:nvSpPr>
+        <p:spPr>
+          <a:xfrm>
+            <a:off x="2740891" y="2149019"/>
+            <a:ext cx="8077200" cy="4708981"/>
+          </a:xfrm>
+          <a:prstGeom prst="rect">
+            <a:avLst/>
+          </a:prstGeom>
+          <a:ln/>
+        </p:spPr>
+        <p:style>
+          <a:lnRef idx="0">
+            <a:schemeClr val="accent1"/>
+          </a:lnRef>
+          <a:fillRef idx="3">
+            <a:schemeClr val="accent1"/>
+          </a:fillRef>
+          <a:effectRef idx="3">
+            <a:schemeClr val="accent1"/>
+          </a:effectRef>
+          <a:fontRef idx="minor">
+            <a:schemeClr val="lt1"/>
+          </a:fontRef>
+        </p:style>
+        <p:txBody>
+          <a:bodyPr wrap="square">
+            <a:spAutoFit/>
+          </a:bodyPr>
+          <a:lstStyle>
+            <a:lvl1pPr marL="0" indent="0" algn="l" rtl="0" eaLnBrk="1" fontAlgn="base" hangingPunct="1">
+              <a:spcBef>
+                <a:spcPts val="0"/>
+              </a:spcBef>
+              <a:spcAft>
+                <a:spcPct val="0"/>
+              </a:spcAft>
+              <a:buClr>
+                <a:schemeClr val="accent5">
+                  <a:lumMod val="40000"/>
+                  <a:lumOff val="60000"/>
+                </a:schemeClr>
+              </a:buClr>
+              <a:buSzPct val="70000"/>
+              <a:buFont typeface="Wingdings 2" pitchFamily="18" charset="2"/>
+              <a:buNone/>
+              <a:defRPr lang="en-US" sz="2000" b="1" kern="1200" smtClean="0">
+                <a:solidFill>
+                  <a:srgbClr val="8CF4F2"/>
+                </a:solidFill>
+                <a:effectLst>
+                  <a:outerShdw blurRad="38100" dist="38100" dir="2700000" algn="tl">
+                    <a:srgbClr val="000000">
+                      <a:alpha val="43137"/>
+                    </a:srgbClr>
+                  </a:outerShdw>
+                </a:effectLst>
+                <a:latin typeface="Consolas" pitchFamily="49" charset="0"/>
+                <a:ea typeface="+mn-ea"/>
+                <a:cs typeface="Consolas" pitchFamily="49" charset="0"/>
+              </a:defRPr>
+            </a:lvl1pPr>
+            <a:lvl2pPr marL="630238" indent="-273050" algn="l" rtl="0" eaLnBrk="1" fontAlgn="base" hangingPunct="1">
+              <a:spcBef>
+                <a:spcPct val="20000"/>
+              </a:spcBef>
+              <a:spcAft>
+                <a:spcPct val="0"/>
+              </a:spcAft>
+              <a:buClr>
+                <a:schemeClr val="accent2">
+                  <a:lumMod val="60000"/>
+                  <a:lumOff val="40000"/>
+                </a:schemeClr>
+              </a:buClr>
+              <a:buFont typeface="Wingdings 2" pitchFamily="18" charset="2"/>
+              <a:buChar char=""/>
+              <a:defRPr sz="3000" b="1" kern="1200">
+                <a:solidFill>
+                  <a:schemeClr val="tx1">
+                    <a:lumMod val="20000"/>
+                    <a:lumOff val="80000"/>
+                  </a:schemeClr>
+                </a:solidFill>
+                <a:effectLst>
+                  <a:outerShdw blurRad="38100" dist="38100" dir="2700000" algn="tl">
+                    <a:srgbClr val="000000">
+                      <a:alpha val="43137"/>
+                    </a:srgbClr>
+                  </a:outerShdw>
+                </a:effectLst>
+                <a:latin typeface="+mn-lt"/>
+                <a:ea typeface="+mn-ea"/>
+                <a:cs typeface="+mn-cs"/>
+              </a:defRPr>
+            </a:lvl2pPr>
+            <a:lvl3pPr marL="922338" indent="-273050" algn="l" rtl="0" eaLnBrk="1" fontAlgn="base" hangingPunct="1">
+              <a:spcBef>
+                <a:spcPct val="20000"/>
+              </a:spcBef>
+              <a:spcAft>
+                <a:spcPct val="0"/>
+              </a:spcAft>
+              <a:buClr>
+                <a:schemeClr val="tx1">
+                  <a:lumMod val="50000"/>
+                </a:schemeClr>
+              </a:buClr>
+              <a:buFont typeface="Wingdings 2" pitchFamily="18" charset="2"/>
+              <a:buChar char=""/>
+              <a:defRPr sz="2800" b="1" kern="1200">
+                <a:solidFill>
+                  <a:schemeClr val="tx1">
+                    <a:lumMod val="20000"/>
+                    <a:lumOff val="80000"/>
+                  </a:schemeClr>
+                </a:solidFill>
+                <a:effectLst>
+                  <a:outerShdw blurRad="38100" dist="38100" dir="2700000" algn="tl">
+                    <a:srgbClr val="000000">
+                      <a:alpha val="43137"/>
+                    </a:srgbClr>
+                  </a:outerShdw>
+                </a:effectLst>
+                <a:latin typeface="+mn-lt"/>
+                <a:ea typeface="+mn-ea"/>
+                <a:cs typeface="+mn-cs"/>
+              </a:defRPr>
+            </a:lvl3pPr>
+            <a:lvl4pPr marL="1187450" indent="-228600" algn="l" rtl="0" eaLnBrk="1" fontAlgn="base" hangingPunct="1">
+              <a:spcBef>
+                <a:spcPct val="20000"/>
+              </a:spcBef>
+              <a:spcAft>
+                <a:spcPct val="0"/>
+              </a:spcAft>
+              <a:buClr>
+                <a:srgbClr val="F8BD52"/>
+              </a:buClr>
+              <a:buFont typeface="Wingdings 2" pitchFamily="18" charset="2"/>
+              <a:buChar char=""/>
+              <a:defRPr sz="2600" b="1" kern="1200">
+                <a:solidFill>
+                  <a:schemeClr val="tx1">
+                    <a:lumMod val="20000"/>
+                    <a:lumOff val="80000"/>
+                  </a:schemeClr>
+                </a:solidFill>
+                <a:effectLst>
+                  <a:outerShdw blurRad="38100" dist="38100" dir="2700000" algn="tl">
+                    <a:srgbClr val="000000">
+                      <a:alpha val="43137"/>
+                    </a:srgbClr>
+                  </a:outerShdw>
+                </a:effectLst>
+                <a:latin typeface="+mn-lt"/>
+                <a:ea typeface="+mn-ea"/>
+                <a:cs typeface="+mn-cs"/>
+              </a:defRPr>
+            </a:lvl4pPr>
+            <a:lvl5pPr marL="1425575" indent="-228600" algn="l" rtl="0" eaLnBrk="1" fontAlgn="base" hangingPunct="1">
+              <a:spcBef>
+                <a:spcPct val="20000"/>
+              </a:spcBef>
+              <a:spcAft>
+                <a:spcPct val="0"/>
+              </a:spcAft>
+              <a:buClr>
+                <a:srgbClr val="46A6BD"/>
+              </a:buClr>
+              <a:buFont typeface="Wingdings 2" pitchFamily="18" charset="2"/>
+              <a:buChar char=""/>
+              <a:defRPr sz="2400" b="1" kern="1200">
+                <a:solidFill>
+                  <a:schemeClr val="tx1">
+                    <a:lumMod val="20000"/>
+                    <a:lumOff val="80000"/>
+                  </a:schemeClr>
+                </a:solidFill>
+                <a:effectLst>
+                  <a:outerShdw blurRad="38100" dist="38100" dir="2700000" algn="tl">
+                    <a:srgbClr val="000000">
+                      <a:alpha val="43137"/>
+                    </a:srgbClr>
+                  </a:outerShdw>
+                </a:effectLst>
+                <a:latin typeface="+mn-lt"/>
+                <a:ea typeface="+mn-ea"/>
+                <a:cs typeface="+mn-cs"/>
+              </a:defRPr>
+            </a:lvl5pPr>
+            <a:lvl6pPr marL="1673352" indent="-228600" algn="l" rtl="0" eaLnBrk="1" latinLnBrk="0" hangingPunct="1">
+              <a:spcBef>
+                <a:spcPct val="20000"/>
+              </a:spcBef>
+              <a:buClr>
+                <a:schemeClr val="accent6"/>
+              </a:buClr>
+              <a:buFont typeface="Wingdings 2"/>
+              <a:buChar char=""/>
+              <a:defRPr sz="1800" kern="1200">
+                <a:solidFill>
+                  <a:schemeClr val="tx1"/>
+                </a:solidFill>
+                <a:latin typeface="+mn-lt"/>
+                <a:ea typeface="+mn-ea"/>
+                <a:cs typeface="+mn-cs"/>
+              </a:defRPr>
+            </a:lvl6pPr>
+            <a:lvl7pPr marL="1911096" indent="-228600" algn="l" rtl="0" eaLnBrk="1" latinLnBrk="0" hangingPunct="1">
+              <a:spcBef>
+                <a:spcPct val="20000"/>
+              </a:spcBef>
+              <a:buClr>
+                <a:schemeClr val="tx2"/>
+              </a:buClr>
+              <a:buFont typeface="Wingdings 2"/>
+              <a:buChar char=""/>
+              <a:defRPr sz="1600" kern="1200">
+                <a:solidFill>
+                  <a:schemeClr val="tx1"/>
+                </a:solidFill>
+                <a:latin typeface="+mn-lt"/>
+                <a:ea typeface="+mn-ea"/>
+                <a:cs typeface="+mn-cs"/>
+              </a:defRPr>
+            </a:lvl7pPr>
+            <a:lvl8pPr marL="2121408" indent="-182880" algn="l" rtl="0" eaLnBrk="1" latinLnBrk="0" hangingPunct="1">
+              <a:spcBef>
+                <a:spcPct val="20000"/>
+              </a:spcBef>
+              <a:buClr>
+                <a:schemeClr val="tx2"/>
+              </a:buClr>
+              <a:buFont typeface="Wingdings 2"/>
+              <a:buChar char=""/>
+              <a:defRPr sz="1400" kern="1200">
+                <a:solidFill>
+                  <a:schemeClr val="tx1"/>
+                </a:solidFill>
+                <a:latin typeface="+mn-lt"/>
+                <a:ea typeface="+mn-ea"/>
+                <a:cs typeface="+mn-cs"/>
+              </a:defRPr>
+            </a:lvl8pPr>
+            <a:lvl9pPr marL="2322576" indent="-182880" algn="l" rtl="0" eaLnBrk="1" latinLnBrk="0" hangingPunct="1">
+              <a:spcBef>
+                <a:spcPct val="20000"/>
+              </a:spcBef>
+              <a:buClr>
+                <a:schemeClr val="tx2"/>
+              </a:buClr>
+              <a:buFont typeface="Wingdings 2"/>
+              <a:buChar char=""/>
+              <a:defRPr sz="1400" kern="1200">
+                <a:solidFill>
+                  <a:schemeClr val="tx1"/>
+                </a:solidFill>
+                <a:latin typeface="+mn-lt"/>
+                <a:ea typeface="+mn-ea"/>
+                <a:cs typeface="+mn-cs"/>
+              </a:defRPr>
+            </a:lvl9pPr>
+          </a:lstStyle>
+          <a:p>
+            <a:r>
+              <a:rPr lang="en-US" b="0" dirty="0"/>
+              <a:t>var </a:t>
+            </a:r>
+            <a:r>
+              <a:rPr lang="en-US" b="0" dirty="0" err="1"/>
+              <a:t>Rect</a:t>
+            </a:r>
+            <a:r>
+              <a:rPr lang="en-US" b="0" dirty="0"/>
+              <a:t> = (function () {</a:t>
+            </a:r>
+          </a:p>
+          <a:p>
+            <a:pPr>
+              <a:spcBef>
+                <a:spcPts val="600"/>
+              </a:spcBef>
+            </a:pPr>
+            <a:r>
+              <a:rPr lang="en-US" b="0" dirty="0"/>
+              <a:t>  function </a:t>
+            </a:r>
+            <a:r>
+              <a:rPr lang="en-US" b="0" dirty="0" err="1"/>
+              <a:t>validatePosition</a:t>
+            </a:r>
+            <a:r>
+              <a:rPr lang="en-US" b="0" dirty="0"/>
+              <a:t>() {</a:t>
+            </a:r>
+          </a:p>
+          <a:p>
+            <a:r>
+              <a:rPr lang="en-US" b="0" dirty="0"/>
+              <a:t>    //…</a:t>
+            </a:r>
+          </a:p>
+          <a:p>
+            <a:pPr>
+              <a:spcAft>
+                <a:spcPts val="600"/>
+              </a:spcAft>
+            </a:pPr>
+            <a:r>
+              <a:rPr lang="en-US" b="0" dirty="0"/>
+              <a:t>  }</a:t>
+            </a:r>
+          </a:p>
+          <a:p>
+            <a:r>
+              <a:rPr lang="en-US" b="0" dirty="0"/>
+              <a:t>  function </a:t>
+            </a:r>
+            <a:r>
+              <a:rPr lang="en-US" b="0" dirty="0" err="1"/>
+              <a:t>Rect</a:t>
+            </a:r>
+            <a:r>
+              <a:rPr lang="en-US" b="0" dirty="0"/>
+              <a:t>(x, y, width, height) {</a:t>
+            </a:r>
+          </a:p>
+          <a:p>
+            <a:pPr>
+              <a:spcBef>
+                <a:spcPts val="600"/>
+              </a:spcBef>
+              <a:spcAft>
+                <a:spcPts val="600"/>
+              </a:spcAft>
+            </a:pPr>
+            <a:r>
+              <a:rPr lang="en-US" b="0" dirty="0"/>
+              <a:t>    var </a:t>
+            </a:r>
+            <a:r>
+              <a:rPr lang="en-US" b="0" dirty="0" err="1"/>
+              <a:t>isPositionValid</a:t>
+            </a:r>
+            <a:r>
+              <a:rPr lang="en-US" b="0" dirty="0"/>
+              <a:t> = </a:t>
+            </a:r>
+            <a:r>
+              <a:rPr lang="en-US" b="0" dirty="0" err="1"/>
+              <a:t>validatePosition.</a:t>
+            </a:r>
+            <a:r>
+              <a:rPr lang="en-US" dirty="0" err="1"/>
+              <a:t>call</a:t>
+            </a:r>
+            <a:r>
+              <a:rPr lang="en-US" b="0" dirty="0"/>
+              <a:t>(</a:t>
+            </a:r>
+            <a:r>
+              <a:rPr lang="en-US" dirty="0"/>
+              <a:t>this</a:t>
+            </a:r>
+            <a:r>
+              <a:rPr lang="en-US" b="0" dirty="0"/>
+              <a:t>);</a:t>
+            </a:r>
+          </a:p>
+          <a:p>
+            <a:r>
+              <a:rPr lang="en-US" b="0" dirty="0"/>
+              <a:t>    if (!</a:t>
+            </a:r>
+            <a:r>
+              <a:rPr lang="en-US" b="0" dirty="0" err="1"/>
+              <a:t>isPositionValid</a:t>
+            </a:r>
+            <a:r>
+              <a:rPr lang="en-US" b="0" dirty="0"/>
+              <a:t>) {</a:t>
+            </a:r>
+          </a:p>
+          <a:p>
+            <a:r>
+              <a:rPr lang="en-US" b="0" dirty="0"/>
+              <a:t>      throw new Error('Invalid </a:t>
+            </a:r>
+            <a:r>
+              <a:rPr lang="en-US" b="0" dirty="0" err="1"/>
+              <a:t>Rect</a:t>
+            </a:r>
+            <a:r>
+              <a:rPr lang="en-US" b="0" dirty="0"/>
+              <a:t> position');</a:t>
+            </a:r>
+          </a:p>
+          <a:p>
+            <a:r>
+              <a:rPr lang="en-US" b="0" dirty="0"/>
+              <a:t>    }</a:t>
+            </a:r>
+          </a:p>
+          <a:p>
+            <a:r>
+              <a:rPr lang="en-US" b="0" dirty="0"/>
+              <a:t>  }</a:t>
+            </a:r>
+          </a:p>
+          <a:p>
+            <a:endParaRPr lang="en-US" b="0" dirty="0"/>
+          </a:p>
+          <a:p>
+            <a:r>
+              <a:rPr lang="en-US" b="0" dirty="0"/>
+              <a:t>  </a:t>
+            </a:r>
+            <a:r>
+              <a:rPr lang="en-US" b="0" dirty="0" err="1"/>
+              <a:t>Rect.prototype</a:t>
+            </a:r>
+            <a:r>
+              <a:rPr lang="en-US" b="0" dirty="0"/>
+              <a:t> = { /* … */};</a:t>
+            </a:r>
+          </a:p>
+          <a:p>
+            <a:r>
+              <a:rPr lang="en-US" b="0" dirty="0"/>
+              <a:t>  return </a:t>
+            </a:r>
+            <a:r>
+              <a:rPr lang="en-US" b="0" dirty="0" err="1"/>
+              <a:t>Rect</a:t>
+            </a:r>
+            <a:r>
+              <a:rPr lang="en-US" b="0" dirty="0"/>
+              <a:t>;</a:t>
+            </a:r>
+          </a:p>
+          <a:p>
+            <a:r>
+              <a:rPr lang="en-US" b="0" dirty="0"/>
+              <a:t>}());</a:t>
+            </a:r>
+          </a:p>
+        </p:txBody>
+      </p:sp>
+      <p:sp>
+        <p:nvSpPr>
+          <p:cNvPr id="6" name="Rectangle 5"/>
+          <p:cNvSpPr/>
+          <p:nvPr/>
+        </p:nvSpPr>
+        <p:spPr>
+          <a:xfrm>
+            <a:off x="3048000" y="2576945"/>
+            <a:ext cx="4350327" cy="1006764"/>
+          </a:xfrm>
+          <a:prstGeom prst="rect">
+            <a:avLst/>
+          </a:prstGeom>
+          <a:noFill/>
+          <a:ln w="28575">
+            <a:prstDash val="sysDash"/>
+          </a:ln>
+        </p:spPr>
+        <p:style>
+          <a:lnRef idx="2">
+            <a:schemeClr val="accent1">
+              <a:shade val="50000"/>
+            </a:schemeClr>
+          </a:lnRef>
+          <a:fillRef idx="1">
+            <a:schemeClr val="accent1"/>
+          </a:fillRef>
+          <a:effectRef idx="0">
+            <a:schemeClr val="accent1"/>
+          </a:effectRef>
+          <a:fontRef idx="minor">
+            <a:schemeClr val="lt1"/>
+          </a:fontRef>
+        </p:style>
+        <p:txBody>
+          <a:bodyPr rtlCol="0" anchor="ctr"/>
+          <a:lstStyle/>
+          <a:p>
+            <a:pPr algn="ctr"/>
+            <a:endParaRPr lang="en-US"/>
+          </a:p>
+        </p:txBody>
+      </p:sp>
+      <p:sp>
+        <p:nvSpPr>
+          <p:cNvPr id="7" name="Rounded Rectangular Callout 6"/>
+          <p:cNvSpPr/>
+          <p:nvPr/>
+        </p:nvSpPr>
+        <p:spPr>
+          <a:xfrm>
+            <a:off x="8091055" y="2438399"/>
+            <a:ext cx="1727200" cy="831274"/>
+          </a:xfrm>
+          <a:prstGeom prst="wedgeRoundRectCallout">
+            <a:avLst>
+              <a:gd name="adj1" fmla="val -100327"/>
+              <a:gd name="adj2" fmla="val 46422"/>
+              <a:gd name="adj3" fmla="val 16667"/>
+            </a:avLst>
+          </a:prstGeom>
+        </p:spPr>
+        <p:style>
+          <a:lnRef idx="2">
+            <a:schemeClr val="accent3">
+              <a:shade val="50000"/>
+            </a:schemeClr>
+          </a:lnRef>
+          <a:fillRef idx="1">
+            <a:schemeClr val="accent3"/>
+          </a:fillRef>
+          <a:effectRef idx="0">
+            <a:schemeClr val="accent3"/>
+          </a:effectRef>
+          <a:fontRef idx="minor">
+            <a:schemeClr val="lt1"/>
+          </a:fontRef>
+        </p:style>
+        <p:txBody>
+          <a:bodyPr rtlCol="0" anchor="ctr"/>
+          <a:lstStyle/>
+          <a:p>
+            <a:pPr algn="ctr"/>
+            <a:r>
+              <a:rPr lang="bg-BG" dirty="0" smtClean="0"/>
+              <a:t>Извън модула, функцията не съществува</a:t>
+            </a:r>
+            <a:endParaRPr lang="en-US" dirty="0"/>
+          </a:p>
+        </p:txBody>
+      </p:sp>
+      <p:sp>
+        <p:nvSpPr>
+          <p:cNvPr id="8" name="Rounded Rectangular Callout 7"/>
+          <p:cNvSpPr/>
+          <p:nvPr/>
+        </p:nvSpPr>
+        <p:spPr>
+          <a:xfrm>
+            <a:off x="9467273" y="4765964"/>
+            <a:ext cx="2607397" cy="1237672"/>
+          </a:xfrm>
+          <a:prstGeom prst="wedgeRoundRectCallout">
+            <a:avLst>
+              <a:gd name="adj1" fmla="val -58680"/>
+              <a:gd name="adj2" fmla="val -94477"/>
+              <a:gd name="adj3" fmla="val 16667"/>
+            </a:avLst>
+          </a:prstGeom>
+        </p:spPr>
+        <p:style>
+          <a:lnRef idx="2">
+            <a:schemeClr val="accent3">
+              <a:shade val="50000"/>
+            </a:schemeClr>
+          </a:lnRef>
+          <a:fillRef idx="1">
+            <a:schemeClr val="accent3"/>
+          </a:fillRef>
+          <a:effectRef idx="0">
+            <a:schemeClr val="accent3"/>
+          </a:effectRef>
+          <a:fontRef idx="minor">
+            <a:schemeClr val="lt1"/>
+          </a:fontRef>
+        </p:style>
+        <p:txBody>
+          <a:bodyPr rtlCol="0" anchor="ctr"/>
+          <a:lstStyle/>
+          <a:p>
+            <a:pPr algn="ctr"/>
+            <a:r>
+              <a:rPr lang="bg-BG" dirty="0" smtClean="0"/>
+              <a:t>Използва се </a:t>
+            </a:r>
+            <a:r>
+              <a:rPr lang="en-US" b="1" dirty="0" smtClean="0">
+                <a:solidFill>
+                  <a:schemeClr val="accent6">
+                    <a:lumMod val="75000"/>
+                  </a:schemeClr>
+                </a:solidFill>
+              </a:rPr>
+              <a:t>call()</a:t>
+            </a:r>
+            <a:r>
+              <a:rPr lang="en-US" dirty="0" smtClean="0"/>
+              <a:t>,</a:t>
+            </a:r>
+            <a:r>
+              <a:rPr lang="bg-BG" dirty="0" smtClean="0"/>
+              <a:t> за да се извика ф-цията в/у </a:t>
+            </a:r>
+            <a:r>
+              <a:rPr lang="en-US" b="1" dirty="0" smtClean="0">
+                <a:solidFill>
+                  <a:schemeClr val="accent6">
+                    <a:lumMod val="75000"/>
+                  </a:schemeClr>
+                </a:solidFill>
+              </a:rPr>
+              <a:t>this</a:t>
+            </a:r>
+            <a:r>
+              <a:rPr lang="en-US" dirty="0" smtClean="0"/>
+              <a:t> </a:t>
+            </a:r>
+            <a:r>
+              <a:rPr lang="bg-BG" dirty="0" smtClean="0"/>
+              <a:t>обекта на ф-цията конструктор</a:t>
+            </a:r>
+            <a:endParaRPr lang="en-US" dirty="0"/>
+          </a:p>
+        </p:txBody>
+      </p:sp>
+    </p:spTree>
+    <p:extLst>
+      <p:ext uri="{BB962C8B-B14F-4D97-AF65-F5344CB8AC3E}">
+        <p14:creationId xmlns:p14="http://schemas.microsoft.com/office/powerpoint/2010/main" val="3481964891"/>
+      </p:ext>
+    </p:extLst>
+  </p:cSld>
+  <p:clrMapOvr>
+    <a:masterClrMapping/>
+  </p:clrMapOvr>
+</p:sld>
+</file>
+
+<file path=ppt/slides/slide27.xml><?xml version="1.0" encoding="utf-8"?>
+<p:sld xmlns:a="http://schemas.openxmlformats.org/drawingml/2006/main" xmlns:r="http://schemas.openxmlformats.org/officeDocument/2006/relationships" xmlns:p="http://schemas.openxmlformats.org/presentationml/2006/main">
+  <p:cSld>
+    <p:spTree>
+      <p:nvGrpSpPr>
+        <p:cNvPr id="1" name=""/>
+        <p:cNvGrpSpPr/>
+        <p:nvPr/>
+      </p:nvGrpSpPr>
+      <p:grpSpPr>
+        <a:xfrm>
+          <a:off x="0" y="0"/>
+          <a:ext cx="0" cy="0"/>
+          <a:chOff x="0" y="0"/>
+          <a:chExt cx="0" cy="0"/>
+        </a:xfrm>
+      </p:grpSpPr>
+      <p:sp>
+        <p:nvSpPr>
+          <p:cNvPr id="6" name="Title 5"/>
+          <p:cNvSpPr>
+            <a:spLocks noGrp="1"/>
+          </p:cNvSpPr>
+          <p:nvPr>
+            <p:ph type="title"/>
+          </p:nvPr>
+        </p:nvSpPr>
+        <p:spPr>
+          <a:xfrm>
+            <a:off x="1484311" y="166256"/>
+            <a:ext cx="10018713" cy="2272144"/>
+          </a:xfrm>
+        </p:spPr>
+        <p:txBody>
+          <a:bodyPr/>
+          <a:lstStyle/>
+          <a:p>
+            <a:r>
+              <a:rPr lang="bg-BG"/>
+              <a:t>Скрити функции в модул</a:t>
+            </a:r>
+            <a:endParaRPr lang="en-US" dirty="0"/>
+          </a:p>
+        </p:txBody>
+      </p:sp>
+      <p:pic>
+        <p:nvPicPr>
+          <p:cNvPr id="7" name="Picture 6"/>
+          <p:cNvPicPr>
+            <a:picLocks noChangeAspect="1"/>
+          </p:cNvPicPr>
+          <p:nvPr/>
+        </p:nvPicPr>
+        <p:blipFill>
+          <a:blip r:embed="rId2">
+            <a:extLst>
+              <a:ext uri="{28A0092B-C50C-407E-A947-70E740481C1C}">
+                <a14:useLocalDpi xmlns:a14="http://schemas.microsoft.com/office/drawing/2010/main" val="0"/>
+              </a:ext>
+            </a:extLst>
+          </a:blip>
+          <a:stretch>
+            <a:fillRect/>
+          </a:stretch>
+        </p:blipFill>
+        <p:spPr>
+          <a:xfrm>
+            <a:off x="4112417" y="1943677"/>
+            <a:ext cx="4762500" cy="4762500"/>
+          </a:xfrm>
+          <a:prstGeom prst="rect">
+            <a:avLst/>
+          </a:prstGeom>
+        </p:spPr>
+      </p:pic>
+    </p:spTree>
+    <p:extLst>
+      <p:ext uri="{BB962C8B-B14F-4D97-AF65-F5344CB8AC3E}">
+        <p14:creationId xmlns:p14="http://schemas.microsoft.com/office/powerpoint/2010/main" val="3001420887"/>
+      </p:ext>
+    </p:extLst>
+  </p:cSld>
+  <p:clrMapOvr>
+    <a:masterClrMapping/>
+  </p:clrMapOvr>
+  <p:timing>
+    <p:tnLst>
+      <p:par>
+        <p:cTn id="1" dur="indefinite" restart="never" nodeType="tmRoot"/>
+      </p:par>
+    </p:tnLst>
+  </p:timing>
+</p:sld>
+</file>
+
+<file path=ppt/slides/slide28.xml><?xml version="1.0" encoding="utf-8"?>
 <p:sld xmlns:a="http://schemas.openxmlformats.org/drawingml/2006/main" xmlns:r="http://schemas.openxmlformats.org/officeDocument/2006/relationships" xmlns:p="http://schemas.openxmlformats.org/presentationml/2006/main">
   <p:cSld>
     <p:spTree>
@@ -19149,7 +26071,7 @@
 </p:sld>
 </file>
 
-<file path=ppt/slides/slide12.xml><?xml version="1.0" encoding="utf-8"?>
+<file path=ppt/slides/slide29.xml><?xml version="1.0" encoding="utf-8"?>
 <p:sld xmlns:a="http://schemas.openxmlformats.org/drawingml/2006/main" xmlns:r="http://schemas.openxmlformats.org/officeDocument/2006/relationships" xmlns:p="http://schemas.openxmlformats.org/presentationml/2006/main">
   <p:cSld>
     <p:spTree>
@@ -19380,7 +26302,7 @@
 </p:sld>
 </file>
 
-<file path=ppt/slides/slide2.xml><?xml version="1.0" encoding="utf-8"?>
+<file path=ppt/slides/slide3.xml><?xml version="1.0" encoding="utf-8"?>
 <p:sld xmlns:a="http://schemas.openxmlformats.org/drawingml/2006/main" xmlns:r="http://schemas.openxmlformats.org/officeDocument/2006/relationships" xmlns:p="http://schemas.openxmlformats.org/presentationml/2006/main">
   <p:cSld>
     <p:spTree>
@@ -19499,7 +26421,7 @@
 </p:sld>
 </file>
 
-<file path=ppt/slides/slide3.xml><?xml version="1.0" encoding="utf-8"?>
+<file path=ppt/slides/slide4.xml><?xml version="1.0" encoding="utf-8"?>
 <p:sld xmlns:a="http://schemas.openxmlformats.org/drawingml/2006/main" xmlns:r="http://schemas.openxmlformats.org/officeDocument/2006/relationships" xmlns:p="http://schemas.openxmlformats.org/presentationml/2006/main">
   <p:cSld>
     <p:spTree>
@@ -19612,7 +26534,7 @@
 </p:sld>
 </file>
 
-<file path=ppt/slides/slide4.xml><?xml version="1.0" encoding="utf-8"?>
+<file path=ppt/slides/slide5.xml><?xml version="1.0" encoding="utf-8"?>
 <p:sld xmlns:a="http://schemas.openxmlformats.org/drawingml/2006/main" xmlns:r="http://schemas.openxmlformats.org/officeDocument/2006/relationships" xmlns:p="http://schemas.openxmlformats.org/presentationml/2006/main">
   <p:cSld>
     <p:spTree>
@@ -19733,7 +26655,7 @@
 </p:sld>
 </file>
 
-<file path=ppt/slides/slide5.xml><?xml version="1.0" encoding="utf-8"?>
+<file path=ppt/slides/slide6.xml><?xml version="1.0" encoding="utf-8"?>
 <p:sld xmlns:a="http://schemas.openxmlformats.org/drawingml/2006/main" xmlns:r="http://schemas.openxmlformats.org/officeDocument/2006/relationships" xmlns:p="http://schemas.openxmlformats.org/presentationml/2006/main">
   <p:cSld>
     <p:spTree>
@@ -19865,7 +26787,7 @@
 </p:sld>
 </file>
 
-<file path=ppt/slides/slide6.xml><?xml version="1.0" encoding="utf-8"?>
+<file path=ppt/slides/slide7.xml><?xml version="1.0" encoding="utf-8"?>
 <p:sld xmlns:a="http://schemas.openxmlformats.org/drawingml/2006/main" xmlns:r="http://schemas.openxmlformats.org/officeDocument/2006/relationships" xmlns:p="http://schemas.openxmlformats.org/presentationml/2006/main">
   <p:cSld>
     <p:spTree>
@@ -19982,7 +26904,7 @@
 </p:sld>
 </file>
 
-<file path=ppt/slides/slide7.xml><?xml version="1.0" encoding="utf-8"?>
+<file path=ppt/slides/slide8.xml><?xml version="1.0" encoding="utf-8"?>
 <p:sld xmlns:a="http://schemas.openxmlformats.org/drawingml/2006/main" xmlns:r="http://schemas.openxmlformats.org/officeDocument/2006/relationships" xmlns:p="http://schemas.openxmlformats.org/presentationml/2006/main">
   <p:cSld>
     <p:spTree>
@@ -20230,8 +27152,23 @@
             </a:r>
             <a:r>
               <a:rPr lang="bg-BG" dirty="0" smtClean="0"/>
-              <a:t>-&gt; дефинира характеристиките и действията на конкретен обект</a:t>
-            </a:r>
+              <a:t>-&gt; дефинира характеристиките и действията на конкретен </a:t>
+            </a:r>
+            <a:r>
+              <a:rPr lang="bg-BG" dirty="0" smtClean="0"/>
+              <a:t>обект. </a:t>
+            </a:r>
+            <a:r>
+              <a:rPr lang="bg-BG" dirty="0" smtClean="0"/>
+              <a:t>Обикновено има име, изписано в </a:t>
+            </a:r>
+            <a:r>
+              <a:rPr lang="en-US" dirty="0" smtClean="0">
+                <a:hlinkClick r:id="rId4"/>
+              </a:rPr>
+              <a:t>PascalCase</a:t>
+            </a:r>
+            <a:endParaRPr lang="bg-BG" dirty="0" smtClean="0"/>
           </a:p>
           <a:p>
             <a:pPr lvl="1" algn="just"/>
@@ -20271,9 +27208,27 @@
             </a:r>
             <a:r>
               <a:rPr lang="bg-BG" dirty="0" smtClean="0"/>
-              <a:t> метод, който се вика в момента на създаването на обекта. Обикновено има име като на класа</a:t>
-            </a:r>
-            <a:endParaRPr lang="en-US" dirty="0"/>
+              <a:t> метод, който се вика в момента на създаването на обекта. Обикновено има име като на </a:t>
+            </a:r>
+            <a:r>
+              <a:rPr lang="bg-BG" dirty="0" smtClean="0"/>
+              <a:t>класа</a:t>
+            </a:r>
+            <a:r>
+              <a:rPr lang="en-US" dirty="0" smtClean="0"/>
+              <a:t> </a:t>
+            </a:r>
+            <a:r>
+              <a:rPr lang="bg-BG" dirty="0" smtClean="0"/>
+              <a:t>и се изписва в </a:t>
+            </a:r>
+            <a:r>
+              <a:rPr lang="en-US" dirty="0" smtClean="0">
+                <a:hlinkClick r:id="rId4"/>
+              </a:rPr>
+              <a:t>PascalCase</a:t>
+            </a:r>
+            <a:endParaRPr lang="bg-BG" dirty="0"/>
           </a:p>
         </p:txBody>
       </p:sp>
@@ -20281,153 +27236,6 @@
     <p:extLst>
       <p:ext uri="{BB962C8B-B14F-4D97-AF65-F5344CB8AC3E}">
         <p14:creationId xmlns:p14="http://schemas.microsoft.com/office/powerpoint/2010/main" val="1043063812"/>
-      </p:ext>
-    </p:extLst>
-  </p:cSld>
-  <p:clrMapOvr>
-    <a:masterClrMapping/>
-  </p:clrMapOvr>
-</p:sld>
-</file>
-
-<file path=ppt/slides/slide8.xml><?xml version="1.0" encoding="utf-8"?>
-<p:sld xmlns:a="http://schemas.openxmlformats.org/drawingml/2006/main" xmlns:r="http://schemas.openxmlformats.org/officeDocument/2006/relationships" xmlns:p="http://schemas.openxmlformats.org/presentationml/2006/main">
-  <p:cSld>
-    <p:spTree>
-      <p:nvGrpSpPr>
-        <p:cNvPr id="1" name=""/>
-        <p:cNvGrpSpPr/>
-        <p:nvPr/>
-      </p:nvGrpSpPr>
-      <p:grpSpPr>
-        <a:xfrm>
-          <a:off x="0" y="0"/>
-          <a:ext cx="0" cy="0"/>
-          <a:chOff x="0" y="0"/>
-          <a:chExt cx="0" cy="0"/>
-        </a:xfrm>
-      </p:grpSpPr>
-      <p:sp>
-        <p:nvSpPr>
-          <p:cNvPr id="2" name="Title 1"/>
-          <p:cNvSpPr>
-            <a:spLocks noGrp="1"/>
-          </p:cNvSpPr>
-          <p:nvPr>
-            <p:ph type="title"/>
-          </p:nvPr>
-        </p:nvSpPr>
-        <p:spPr/>
-        <p:txBody>
-          <a:bodyPr/>
-          <a:lstStyle/>
-          <a:p>
-            <a:r>
-              <a:rPr lang="bg-BG" dirty="0" smtClean="0"/>
-              <a:t>ООП в </a:t>
-            </a:r>
-            <a:r>
-              <a:rPr lang="en-US" dirty="0" smtClean="0"/>
-              <a:t>JavaScript</a:t>
-            </a:r>
-            <a:endParaRPr lang="en-US" dirty="0"/>
-          </a:p>
-        </p:txBody>
-      </p:sp>
-      <p:sp>
-        <p:nvSpPr>
-          <p:cNvPr id="5" name="Content Placeholder 4"/>
-          <p:cNvSpPr>
-            <a:spLocks noGrp="1"/>
-          </p:cNvSpPr>
-          <p:nvPr>
-            <p:ph idx="1"/>
-          </p:nvPr>
-        </p:nvSpPr>
-        <p:spPr/>
-        <p:txBody>
-          <a:bodyPr>
-            <a:normAutofit lnSpcReduction="10000"/>
-          </a:bodyPr>
-          <a:lstStyle/>
-          <a:p>
-            <a:r>
-              <a:rPr lang="en-US" dirty="0" smtClean="0"/>
-              <a:t>JavaScript </a:t>
-            </a:r>
-            <a:r>
-              <a:rPr lang="bg-BG" dirty="0" smtClean="0"/>
-              <a:t>е динамичен език</a:t>
-            </a:r>
-          </a:p>
-          <a:p>
-            <a:pPr lvl="1"/>
-            <a:r>
-              <a:rPr lang="bg-BG" dirty="0" smtClean="0"/>
-              <a:t>Няма типове, няма полиморфизъм</a:t>
-            </a:r>
-          </a:p>
-          <a:p>
-            <a:r>
-              <a:rPr lang="en-US" dirty="0" smtClean="0"/>
-              <a:t>JavaScript e</a:t>
-            </a:r>
-            <a:r>
-              <a:rPr lang="bg-BG" dirty="0"/>
-              <a:t> </a:t>
-            </a:r>
-            <a:r>
-              <a:rPr lang="bg-BG" dirty="0" smtClean="0"/>
-              <a:t>силно експресивен език, т.е. 1 нещо може да бъде постигнато по много различни начини</a:t>
-            </a:r>
-          </a:p>
-          <a:p>
-            <a:r>
-              <a:rPr lang="bg-BG" dirty="0" smtClean="0"/>
-              <a:t>Поради своите особенности </a:t>
-            </a:r>
-            <a:r>
-              <a:rPr lang="en-US" dirty="0" smtClean="0"/>
-              <a:t>JS </a:t>
-            </a:r>
-            <a:r>
-              <a:rPr lang="bg-BG" dirty="0" smtClean="0"/>
-              <a:t>поддържа различни видове ООП</a:t>
-            </a:r>
-          </a:p>
-          <a:p>
-            <a:pPr lvl="1"/>
-            <a:r>
-              <a:rPr lang="bg-BG" dirty="0" smtClean="0">
-                <a:hlinkClick r:id="rId2"/>
-              </a:rPr>
-              <a:t>Класическо/функционално</a:t>
-            </a:r>
-            <a:r>
-              <a:rPr lang="bg-BG" dirty="0" smtClean="0"/>
-              <a:t>, </a:t>
-            </a:r>
-            <a:r>
-              <a:rPr lang="bg-BG" dirty="0" smtClean="0">
-                <a:hlinkClick r:id="rId3"/>
-              </a:rPr>
-              <a:t>прототипно</a:t>
-            </a:r>
-            <a:endParaRPr lang="bg-BG" dirty="0" smtClean="0"/>
-          </a:p>
-          <a:p>
-            <a:pPr lvl="1"/>
-            <a:r>
-              <a:rPr lang="bg-BG" dirty="0" smtClean="0"/>
-              <a:t>Всеки тип си има своите предимства и недостатъци</a:t>
-            </a:r>
-          </a:p>
-        </p:txBody>
-      </p:sp>
-    </p:spTree>
-    <p:extLst>
-      <p:ext uri="{BB962C8B-B14F-4D97-AF65-F5344CB8AC3E}">
-        <p14:creationId xmlns:p14="http://schemas.microsoft.com/office/powerpoint/2010/main" val="561082076"/>
       </p:ext>
     </p:extLst>
   </p:cSld>
@@ -20464,24 +27272,20 @@
             <p:ph type="title"/>
           </p:nvPr>
         </p:nvSpPr>
-        <p:spPr>
-          <a:xfrm>
-            <a:off x="1498379" y="699868"/>
-            <a:ext cx="10018713" cy="1752599"/>
-          </a:xfrm>
-        </p:spPr>
+        <p:spPr/>
         <p:txBody>
           <a:bodyPr/>
           <a:lstStyle/>
           <a:p>
             <a:r>
-              <a:rPr lang="bg-BG" dirty="0"/>
-              <a:t>Функции (</a:t>
-            </a:r>
-            <a:r>
-              <a:rPr lang="en-US" dirty="0"/>
-              <a:t>functions)</a:t>
-            </a:r>
+              <a:rPr lang="bg-BG" dirty="0" smtClean="0"/>
+              <a:t>ООП в </a:t>
+            </a:r>
+            <a:r>
+              <a:rPr lang="en-US" dirty="0" smtClean="0"/>
+              <a:t>JavaScript</a:t>
+            </a:r>
+            <a:endParaRPr lang="en-US" dirty="0"/>
           </a:p>
         </p:txBody>
       </p:sp>
@@ -20495,218 +27299,82 @@
             <p:ph idx="1"/>
           </p:nvPr>
         </p:nvSpPr>
-        <p:spPr>
-          <a:xfrm>
-            <a:off x="1484310" y="2133601"/>
-            <a:ext cx="10018713" cy="3352799"/>
-          </a:xfrm>
-        </p:spPr>
+        <p:spPr/>
         <p:txBody>
-          <a:bodyPr/>
-          <a:lstStyle/>
-          <a:p>
-            <a:pPr algn="just"/>
-            <a:r>
-              <a:rPr lang="bg-BG" dirty="0"/>
-              <a:t>Функции се използват за </a:t>
-            </a:r>
-            <a:r>
-              <a:rPr lang="bg-BG" dirty="0" err="1"/>
-              <a:t>повтаряеми</a:t>
-            </a:r>
-            <a:r>
-              <a:rPr lang="bg-BG" dirty="0"/>
-              <a:t> парчета код</a:t>
-            </a:r>
-          </a:p>
-          <a:p>
-            <a:pPr algn="just"/>
-            <a:r>
-              <a:rPr lang="bg-BG" dirty="0"/>
-              <a:t>Функциите представляват малки парчета код, които си имат </a:t>
-            </a:r>
-            <a:r>
-              <a:rPr lang="bg-BG" dirty="0" err="1"/>
-              <a:t>имат</a:t>
-            </a:r>
-            <a:r>
-              <a:rPr lang="bg-BG" dirty="0"/>
-              <a:t> и могат да връщат стойност</a:t>
-            </a:r>
-          </a:p>
-          <a:p>
-            <a:pPr algn="just"/>
-            <a:r>
-              <a:rPr lang="bg-BG" dirty="0"/>
-              <a:t>Функциите могат да бъдат извиквани от други функции или в други функции</a:t>
-            </a:r>
-            <a:r>
-              <a:rPr lang="en-US" dirty="0"/>
-              <a:t>; </a:t>
-            </a:r>
-            <a:r>
-              <a:rPr lang="bg-BG" dirty="0"/>
-              <a:t>Функцията може да се извиква и сама, в своето тяло </a:t>
-            </a:r>
-            <a:r>
-              <a:rPr lang="bg-BG" dirty="0">
-                <a:hlinkClick r:id="rId2"/>
-              </a:rPr>
-              <a:t>(рекурсия)</a:t>
-            </a:r>
-            <a:endParaRPr lang="bg-BG" dirty="0"/>
-          </a:p>
-          <a:p>
-            <a:pPr algn="just"/>
-            <a:r>
-              <a:rPr lang="bg-BG" dirty="0"/>
-              <a:t>Функцията има тяло и може да има име или да бъде анонимна</a:t>
-            </a:r>
-          </a:p>
-          <a:p>
-            <a:pPr algn="just"/>
-            <a:endParaRPr lang="bg-BG" dirty="0"/>
-          </a:p>
-          <a:p>
-            <a:pPr algn="just"/>
-            <a:endParaRPr lang="bg-BG" dirty="0"/>
-          </a:p>
-        </p:txBody>
-      </p:sp>
-      <p:sp>
-        <p:nvSpPr>
-          <p:cNvPr id="12" name="Rectangle 11"/>
-          <p:cNvSpPr/>
-          <p:nvPr/>
-        </p:nvSpPr>
-        <p:spPr>
-          <a:xfrm>
-            <a:off x="3205735" y="5472333"/>
-            <a:ext cx="6604000" cy="1139158"/>
-          </a:xfrm>
-          <a:prstGeom prst="rect">
-            <a:avLst/>
-          </a:prstGeom>
-        </p:spPr>
-        <p:style>
-          <a:lnRef idx="0">
-            <a:schemeClr val="accent1"/>
-          </a:lnRef>
-          <a:fillRef idx="3">
-            <a:schemeClr val="accent1"/>
-          </a:fillRef>
-          <a:effectRef idx="3">
-            <a:schemeClr val="accent1"/>
-          </a:effectRef>
-          <a:fontRef idx="minor">
-            <a:schemeClr val="lt1"/>
-          </a:fontRef>
-        </p:style>
-        <p:txBody>
-          <a:bodyPr wrap="square">
-            <a:spAutoFit/>
+          <a:bodyPr>
+            <a:normAutofit lnSpcReduction="10000"/>
           </a:bodyPr>
           <a:lstStyle/>
           <a:p>
-            <a:pPr eaLnBrk="0" hangingPunct="0">
-              <a:lnSpc>
-                <a:spcPts val="2800"/>
-              </a:lnSpc>
-              <a:spcBef>
-                <a:spcPts val="0"/>
-              </a:spcBef>
-              <a:buClr>
-                <a:schemeClr val="accent5">
-                  <a:lumMod val="40000"/>
-                  <a:lumOff val="60000"/>
-                </a:schemeClr>
-              </a:buClr>
-              <a:buSzPct val="70000"/>
-            </a:pPr>
-            <a:r>
-              <a:rPr lang="en-US" b="1" noProof="1">
-                <a:solidFill>
-                  <a:srgbClr val="8CF4F2"/>
-                </a:solidFill>
-                <a:effectLst>
-                  <a:outerShdw blurRad="38100" dist="38100" dir="2700000" algn="tl">
-                    <a:srgbClr val="000000">
-                      <a:alpha val="43137"/>
-                    </a:srgbClr>
-                  </a:outerShdw>
-                </a:effectLst>
-                <a:latin typeface="Consolas" pitchFamily="49" charset="0"/>
-                <a:cs typeface="Consolas" pitchFamily="49" charset="0"/>
-              </a:rPr>
-              <a:t>function printLogo() {</a:t>
-            </a:r>
-          </a:p>
-          <a:p>
-            <a:pPr eaLnBrk="0" hangingPunct="0">
-              <a:lnSpc>
-                <a:spcPts val="2800"/>
-              </a:lnSpc>
-              <a:spcBef>
-                <a:spcPts val="0"/>
-              </a:spcBef>
-              <a:buClr>
-                <a:schemeClr val="accent5">
-                  <a:lumMod val="40000"/>
-                  <a:lumOff val="60000"/>
-                </a:schemeClr>
-              </a:buClr>
-              <a:buSzPct val="70000"/>
-            </a:pPr>
-            <a:r>
-              <a:rPr lang="en-US" b="1" noProof="1">
-                <a:solidFill>
-                  <a:srgbClr val="8CF4F2"/>
-                </a:solidFill>
-                <a:effectLst>
-                  <a:outerShdw blurRad="38100" dist="38100" dir="2700000" algn="tl">
-                    <a:srgbClr val="000000">
-                      <a:alpha val="43137"/>
-                    </a:srgbClr>
-                  </a:outerShdw>
-                </a:effectLst>
-                <a:latin typeface="Consolas" pitchFamily="49" charset="0"/>
-                <a:cs typeface="Consolas" pitchFamily="49" charset="0"/>
-              </a:rPr>
-              <a:t>    console.log(‘IT-Academy');</a:t>
-            </a:r>
-          </a:p>
-          <a:p>
-            <a:pPr eaLnBrk="0" hangingPunct="0">
-              <a:lnSpc>
-                <a:spcPts val="2800"/>
-              </a:lnSpc>
-              <a:spcBef>
-                <a:spcPts val="0"/>
-              </a:spcBef>
-              <a:buClr>
-                <a:schemeClr val="accent5">
-                  <a:lumMod val="40000"/>
-                  <a:lumOff val="60000"/>
-                </a:schemeClr>
-              </a:buClr>
-              <a:buSzPct val="70000"/>
-            </a:pPr>
-            <a:r>
-              <a:rPr lang="en-US" b="1" noProof="1">
-                <a:solidFill>
-                  <a:srgbClr val="8CF4F2"/>
-                </a:solidFill>
-                <a:effectLst>
-                  <a:outerShdw blurRad="38100" dist="38100" dir="2700000" algn="tl">
-                    <a:srgbClr val="000000">
-                      <a:alpha val="43137"/>
-                    </a:srgbClr>
-                  </a:outerShdw>
-                </a:effectLst>
-                <a:latin typeface="Consolas" pitchFamily="49" charset="0"/>
-                <a:cs typeface="Consolas" pitchFamily="49" charset="0"/>
-              </a:rPr>
-              <a:t>}</a:t>
+            <a:r>
+              <a:rPr lang="en-US" dirty="0" smtClean="0"/>
+              <a:t>JavaScript </a:t>
+            </a:r>
+            <a:r>
+              <a:rPr lang="bg-BG" dirty="0" smtClean="0"/>
+              <a:t>е динамичен език</a:t>
+            </a:r>
+          </a:p>
+          <a:p>
+            <a:pPr lvl="1"/>
+            <a:r>
+              <a:rPr lang="bg-BG" dirty="0" smtClean="0"/>
+              <a:t>Няма типове, няма полиморфизъм</a:t>
+            </a:r>
+          </a:p>
+          <a:p>
+            <a:r>
+              <a:rPr lang="en-US" dirty="0" smtClean="0"/>
+              <a:t>JavaScript e</a:t>
+            </a:r>
+            <a:r>
+              <a:rPr lang="bg-BG" dirty="0"/>
+              <a:t> </a:t>
+            </a:r>
+            <a:r>
+              <a:rPr lang="bg-BG" dirty="0" smtClean="0"/>
+              <a:t>силно експресивен език, т.е. 1 нещо може да бъде постигнато по много различни начини</a:t>
+            </a:r>
+          </a:p>
+          <a:p>
+            <a:r>
+              <a:rPr lang="bg-BG" dirty="0" smtClean="0"/>
+              <a:t>Поради своите особенности </a:t>
+            </a:r>
+            <a:r>
+              <a:rPr lang="en-US" dirty="0" smtClean="0"/>
+              <a:t>JS </a:t>
+            </a:r>
+            <a:r>
+              <a:rPr lang="bg-BG" dirty="0" smtClean="0"/>
+              <a:t>поддържа различни видове ООП</a:t>
+            </a:r>
+          </a:p>
+          <a:p>
+            <a:pPr lvl="1"/>
+            <a:r>
+              <a:rPr lang="bg-BG" dirty="0" smtClean="0">
+                <a:hlinkClick r:id="rId2"/>
+              </a:rPr>
+              <a:t>Класическо/функционално</a:t>
+            </a:r>
+            <a:r>
+              <a:rPr lang="bg-BG" dirty="0" smtClean="0"/>
+              <a:t>, </a:t>
+            </a:r>
+            <a:r>
+              <a:rPr lang="bg-BG" dirty="0" smtClean="0">
+                <a:hlinkClick r:id="rId3"/>
+              </a:rPr>
+              <a:t>прототипно</a:t>
+            </a:r>
+            <a:endParaRPr lang="bg-BG" dirty="0" smtClean="0"/>
+          </a:p>
+          <a:p>
+            <a:pPr lvl="1"/>
+            <a:r>
+              <a:rPr lang="bg-BG" dirty="0" smtClean="0"/>
+              <a:t>Всеки тип си има своите предимства и недостатъци</a:t>
             </a:r>
           </a:p>
         </p:txBody>
@@ -20714,7 +27382,7 @@
     </p:spTree>
     <p:extLst>
       <p:ext uri="{BB962C8B-B14F-4D97-AF65-F5344CB8AC3E}">
-        <p14:creationId xmlns:p14="http://schemas.microsoft.com/office/powerpoint/2010/main" val="1894646579"/>
+        <p14:creationId xmlns:p14="http://schemas.microsoft.com/office/powerpoint/2010/main" val="561082076"/>
       </p:ext>
     </p:extLst>
   </p:cSld>

--- a/JS Fundamentals/8.OOP/JS-OOP.pptx
+++ b/JS Fundamentals/8.OOP/JS-OOP.pptx
@@ -5,10 +5,10 @@
     <p:sldMasterId id="2147484157" r:id="rId1"/>
   </p:sldMasterIdLst>
   <p:notesMasterIdLst>
-    <p:notesMasterId r:id="rId48"/>
+    <p:notesMasterId r:id="rId60"/>
   </p:notesMasterIdLst>
   <p:handoutMasterIdLst>
-    <p:handoutMasterId r:id="rId49"/>
+    <p:handoutMasterId r:id="rId61"/>
   </p:handoutMasterIdLst>
   <p:sldIdLst>
     <p:sldId id="256" r:id="rId2"/>
@@ -51,12 +51,24 @@
     <p:sldId id="333" r:id="rId39"/>
     <p:sldId id="334" r:id="rId40"/>
     <p:sldId id="335" r:id="rId41"/>
-    <p:sldId id="336" r:id="rId42"/>
-    <p:sldId id="337" r:id="rId43"/>
-    <p:sldId id="338" r:id="rId44"/>
-    <p:sldId id="339" r:id="rId45"/>
-    <p:sldId id="266" r:id="rId46"/>
-    <p:sldId id="278" r:id="rId47"/>
+    <p:sldId id="341" r:id="rId42"/>
+    <p:sldId id="336" r:id="rId43"/>
+    <p:sldId id="337" r:id="rId44"/>
+    <p:sldId id="338" r:id="rId45"/>
+    <p:sldId id="339" r:id="rId46"/>
+    <p:sldId id="340" r:id="rId47"/>
+    <p:sldId id="342" r:id="rId48"/>
+    <p:sldId id="343" r:id="rId49"/>
+    <p:sldId id="344" r:id="rId50"/>
+    <p:sldId id="345" r:id="rId51"/>
+    <p:sldId id="346" r:id="rId52"/>
+    <p:sldId id="347" r:id="rId53"/>
+    <p:sldId id="348" r:id="rId54"/>
+    <p:sldId id="349" r:id="rId55"/>
+    <p:sldId id="350" r:id="rId56"/>
+    <p:sldId id="351" r:id="rId57"/>
+    <p:sldId id="266" r:id="rId58"/>
+    <p:sldId id="278" r:id="rId59"/>
   </p:sldIdLst>
   <p:sldSz cx="12192000" cy="6858000"/>
   <p:notesSz cx="6858000" cy="9144000"/>
@@ -4127,6 +4139,720 @@
       <dsp:cNvGrpSpPr/>
     </dsp:nvGrpSpPr>
     <dsp:grpSpPr/>
+    <dsp:sp modelId="{245821F2-1070-432A-AEC7-856371110CAE}">
+      <dsp:nvSpPr>
+        <dsp:cNvPr id="0" name=""/>
+        <dsp:cNvSpPr/>
+      </dsp:nvSpPr>
+      <dsp:spPr>
+        <a:xfrm>
+          <a:off x="1576523" y="1562100"/>
+          <a:ext cx="389400" cy="1112996"/>
+        </a:xfrm>
+        <a:custGeom>
+          <a:avLst/>
+          <a:gdLst/>
+          <a:ahLst/>
+          <a:cxnLst/>
+          <a:rect l="0" t="0" r="0" b="0"/>
+          <a:pathLst>
+            <a:path>
+              <a:moveTo>
+                <a:pt x="0" y="0"/>
+              </a:moveTo>
+              <a:lnTo>
+                <a:pt x="194700" y="0"/>
+              </a:lnTo>
+              <a:lnTo>
+                <a:pt x="194700" y="1112996"/>
+              </a:lnTo>
+              <a:lnTo>
+                <a:pt x="389400" y="1112996"/>
+              </a:lnTo>
+            </a:path>
+          </a:pathLst>
+        </a:custGeom>
+        <a:noFill/>
+        <a:ln w="15875" cap="rnd" cmpd="sng" algn="ctr">
+          <a:solidFill>
+            <a:schemeClr val="accent1">
+              <a:shade val="60000"/>
+              <a:hueOff val="0"/>
+              <a:satOff val="0"/>
+              <a:lumOff val="0"/>
+              <a:alphaOff val="0"/>
+            </a:schemeClr>
+          </a:solidFill>
+          <a:prstDash val="solid"/>
+        </a:ln>
+        <a:effectLst/>
+        <a:sp3d z="-40000" prstMaterial="matte"/>
+      </dsp:spPr>
+      <dsp:style>
+        <a:lnRef idx="2">
+          <a:scrgbClr r="0" g="0" b="0"/>
+        </a:lnRef>
+        <a:fillRef idx="0">
+          <a:scrgbClr r="0" g="0" b="0"/>
+        </a:fillRef>
+        <a:effectRef idx="0">
+          <a:scrgbClr r="0" g="0" b="0"/>
+        </a:effectRef>
+        <a:fontRef idx="minor"/>
+      </dsp:style>
+      <dsp:txBody>
+        <a:bodyPr spcFirstLastPara="0" vert="horz" wrap="square" lIns="12700" tIns="0" rIns="12700" bIns="0" numCol="1" spcCol="1270" anchor="ctr" anchorCtr="0">
+          <a:noAutofit/>
+        </a:bodyPr>
+        <a:lstStyle/>
+        <a:p>
+          <a:pPr lvl="0" algn="ctr" defTabSz="222250">
+            <a:lnSpc>
+              <a:spcPct val="90000"/>
+            </a:lnSpc>
+            <a:spcBef>
+              <a:spcPct val="0"/>
+            </a:spcBef>
+            <a:spcAft>
+              <a:spcPct val="35000"/>
+            </a:spcAft>
+          </a:pPr>
+          <a:endParaRPr lang="en-US" sz="500" kern="1200"/>
+        </a:p>
+      </dsp:txBody>
+      <dsp:txXfrm>
+        <a:off x="1741744" y="2089119"/>
+        <a:ext cx="58957" cy="58957"/>
+      </dsp:txXfrm>
+    </dsp:sp>
+    <dsp:sp modelId="{E3F8A8AC-7015-4B10-86D2-68AABAA20C1E}">
+      <dsp:nvSpPr>
+        <dsp:cNvPr id="0" name=""/>
+        <dsp:cNvSpPr/>
+      </dsp:nvSpPr>
+      <dsp:spPr>
+        <a:xfrm>
+          <a:off x="1576523" y="1562100"/>
+          <a:ext cx="389400" cy="370998"/>
+        </a:xfrm>
+        <a:custGeom>
+          <a:avLst/>
+          <a:gdLst/>
+          <a:ahLst/>
+          <a:cxnLst/>
+          <a:rect l="0" t="0" r="0" b="0"/>
+          <a:pathLst>
+            <a:path>
+              <a:moveTo>
+                <a:pt x="0" y="0"/>
+              </a:moveTo>
+              <a:lnTo>
+                <a:pt x="194700" y="0"/>
+              </a:lnTo>
+              <a:lnTo>
+                <a:pt x="194700" y="370998"/>
+              </a:lnTo>
+              <a:lnTo>
+                <a:pt x="389400" y="370998"/>
+              </a:lnTo>
+            </a:path>
+          </a:pathLst>
+        </a:custGeom>
+        <a:noFill/>
+        <a:ln w="15875" cap="rnd" cmpd="sng" algn="ctr">
+          <a:solidFill>
+            <a:schemeClr val="accent1">
+              <a:shade val="60000"/>
+              <a:hueOff val="0"/>
+              <a:satOff val="0"/>
+              <a:lumOff val="0"/>
+              <a:alphaOff val="0"/>
+            </a:schemeClr>
+          </a:solidFill>
+          <a:prstDash val="solid"/>
+        </a:ln>
+        <a:effectLst/>
+        <a:sp3d z="-40000" prstMaterial="matte"/>
+      </dsp:spPr>
+      <dsp:style>
+        <a:lnRef idx="2">
+          <a:scrgbClr r="0" g="0" b="0"/>
+        </a:lnRef>
+        <a:fillRef idx="0">
+          <a:scrgbClr r="0" g="0" b="0"/>
+        </a:fillRef>
+        <a:effectRef idx="0">
+          <a:scrgbClr r="0" g="0" b="0"/>
+        </a:effectRef>
+        <a:fontRef idx="minor"/>
+      </dsp:style>
+      <dsp:txBody>
+        <a:bodyPr spcFirstLastPara="0" vert="horz" wrap="square" lIns="12700" tIns="0" rIns="12700" bIns="0" numCol="1" spcCol="1270" anchor="ctr" anchorCtr="0">
+          <a:noAutofit/>
+        </a:bodyPr>
+        <a:lstStyle/>
+        <a:p>
+          <a:pPr lvl="0" algn="ctr" defTabSz="222250">
+            <a:lnSpc>
+              <a:spcPct val="90000"/>
+            </a:lnSpc>
+            <a:spcBef>
+              <a:spcPct val="0"/>
+            </a:spcBef>
+            <a:spcAft>
+              <a:spcPct val="35000"/>
+            </a:spcAft>
+          </a:pPr>
+          <a:endParaRPr lang="en-US" sz="500" kern="1200"/>
+        </a:p>
+      </dsp:txBody>
+      <dsp:txXfrm>
+        <a:off x="1757777" y="1734153"/>
+        <a:ext cx="26892" cy="26892"/>
+      </dsp:txXfrm>
+    </dsp:sp>
+    <dsp:sp modelId="{21340826-4622-4F6E-BC98-8E21A857FC4A}">
+      <dsp:nvSpPr>
+        <dsp:cNvPr id="0" name=""/>
+        <dsp:cNvSpPr/>
+      </dsp:nvSpPr>
+      <dsp:spPr>
+        <a:xfrm>
+          <a:off x="1576523" y="1191101"/>
+          <a:ext cx="389400" cy="370998"/>
+        </a:xfrm>
+        <a:custGeom>
+          <a:avLst/>
+          <a:gdLst/>
+          <a:ahLst/>
+          <a:cxnLst/>
+          <a:rect l="0" t="0" r="0" b="0"/>
+          <a:pathLst>
+            <a:path>
+              <a:moveTo>
+                <a:pt x="0" y="370998"/>
+              </a:moveTo>
+              <a:lnTo>
+                <a:pt x="194700" y="370998"/>
+              </a:lnTo>
+              <a:lnTo>
+                <a:pt x="194700" y="0"/>
+              </a:lnTo>
+              <a:lnTo>
+                <a:pt x="389400" y="0"/>
+              </a:lnTo>
+            </a:path>
+          </a:pathLst>
+        </a:custGeom>
+        <a:noFill/>
+        <a:ln w="15875" cap="rnd" cmpd="sng" algn="ctr">
+          <a:solidFill>
+            <a:schemeClr val="accent1">
+              <a:shade val="60000"/>
+              <a:hueOff val="0"/>
+              <a:satOff val="0"/>
+              <a:lumOff val="0"/>
+              <a:alphaOff val="0"/>
+            </a:schemeClr>
+          </a:solidFill>
+          <a:prstDash val="solid"/>
+        </a:ln>
+        <a:effectLst/>
+        <a:sp3d z="-40000" prstMaterial="matte"/>
+      </dsp:spPr>
+      <dsp:style>
+        <a:lnRef idx="2">
+          <a:scrgbClr r="0" g="0" b="0"/>
+        </a:lnRef>
+        <a:fillRef idx="0">
+          <a:scrgbClr r="0" g="0" b="0"/>
+        </a:fillRef>
+        <a:effectRef idx="0">
+          <a:scrgbClr r="0" g="0" b="0"/>
+        </a:effectRef>
+        <a:fontRef idx="minor"/>
+      </dsp:style>
+      <dsp:txBody>
+        <a:bodyPr spcFirstLastPara="0" vert="horz" wrap="square" lIns="12700" tIns="0" rIns="12700" bIns="0" numCol="1" spcCol="1270" anchor="ctr" anchorCtr="0">
+          <a:noAutofit/>
+        </a:bodyPr>
+        <a:lstStyle/>
+        <a:p>
+          <a:pPr lvl="0" algn="ctr" defTabSz="222250">
+            <a:lnSpc>
+              <a:spcPct val="90000"/>
+            </a:lnSpc>
+            <a:spcBef>
+              <a:spcPct val="0"/>
+            </a:spcBef>
+            <a:spcAft>
+              <a:spcPct val="35000"/>
+            </a:spcAft>
+          </a:pPr>
+          <a:endParaRPr lang="en-US" sz="500" kern="1200"/>
+        </a:p>
+      </dsp:txBody>
+      <dsp:txXfrm>
+        <a:off x="1757777" y="1363154"/>
+        <a:ext cx="26892" cy="26892"/>
+      </dsp:txXfrm>
+    </dsp:sp>
+    <dsp:sp modelId="{88425B06-BAEA-4920-B763-1C10E7720A69}">
+      <dsp:nvSpPr>
+        <dsp:cNvPr id="0" name=""/>
+        <dsp:cNvSpPr/>
+      </dsp:nvSpPr>
+      <dsp:spPr>
+        <a:xfrm>
+          <a:off x="1576523" y="449103"/>
+          <a:ext cx="389400" cy="1112996"/>
+        </a:xfrm>
+        <a:custGeom>
+          <a:avLst/>
+          <a:gdLst/>
+          <a:ahLst/>
+          <a:cxnLst/>
+          <a:rect l="0" t="0" r="0" b="0"/>
+          <a:pathLst>
+            <a:path>
+              <a:moveTo>
+                <a:pt x="0" y="1112996"/>
+              </a:moveTo>
+              <a:lnTo>
+                <a:pt x="194700" y="1112996"/>
+              </a:lnTo>
+              <a:lnTo>
+                <a:pt x="194700" y="0"/>
+              </a:lnTo>
+              <a:lnTo>
+                <a:pt x="389400" y="0"/>
+              </a:lnTo>
+            </a:path>
+          </a:pathLst>
+        </a:custGeom>
+        <a:noFill/>
+        <a:ln w="15875" cap="rnd" cmpd="sng" algn="ctr">
+          <a:solidFill>
+            <a:schemeClr val="accent1">
+              <a:shade val="60000"/>
+              <a:hueOff val="0"/>
+              <a:satOff val="0"/>
+              <a:lumOff val="0"/>
+              <a:alphaOff val="0"/>
+            </a:schemeClr>
+          </a:solidFill>
+          <a:prstDash val="solid"/>
+        </a:ln>
+        <a:effectLst/>
+        <a:sp3d z="-40000" prstMaterial="matte"/>
+      </dsp:spPr>
+      <dsp:style>
+        <a:lnRef idx="2">
+          <a:scrgbClr r="0" g="0" b="0"/>
+        </a:lnRef>
+        <a:fillRef idx="0">
+          <a:scrgbClr r="0" g="0" b="0"/>
+        </a:fillRef>
+        <a:effectRef idx="0">
+          <a:scrgbClr r="0" g="0" b="0"/>
+        </a:effectRef>
+        <a:fontRef idx="minor"/>
+      </dsp:style>
+      <dsp:txBody>
+        <a:bodyPr spcFirstLastPara="0" vert="horz" wrap="square" lIns="12700" tIns="0" rIns="12700" bIns="0" numCol="1" spcCol="1270" anchor="ctr" anchorCtr="0">
+          <a:noAutofit/>
+        </a:bodyPr>
+        <a:lstStyle/>
+        <a:p>
+          <a:pPr lvl="0" algn="ctr" defTabSz="222250">
+            <a:lnSpc>
+              <a:spcPct val="90000"/>
+            </a:lnSpc>
+            <a:spcBef>
+              <a:spcPct val="0"/>
+            </a:spcBef>
+            <a:spcAft>
+              <a:spcPct val="35000"/>
+            </a:spcAft>
+          </a:pPr>
+          <a:endParaRPr lang="en-US" sz="500" kern="1200"/>
+        </a:p>
+      </dsp:txBody>
+      <dsp:txXfrm>
+        <a:off x="1741744" y="976123"/>
+        <a:ext cx="58957" cy="58957"/>
+      </dsp:txXfrm>
+    </dsp:sp>
+    <dsp:sp modelId="{CDC3B5F8-F2CE-4E06-93A0-F1EEB3EB8D75}">
+      <dsp:nvSpPr>
+        <dsp:cNvPr id="0" name=""/>
+        <dsp:cNvSpPr/>
+      </dsp:nvSpPr>
+      <dsp:spPr>
+        <a:xfrm rot="16200000">
+          <a:off x="-282375" y="1265301"/>
+          <a:ext cx="3124200" cy="593598"/>
+        </a:xfrm>
+        <a:prstGeom prst="rect">
+          <a:avLst/>
+        </a:prstGeom>
+        <a:solidFill>
+          <a:schemeClr val="accent1">
+            <a:hueOff val="0"/>
+            <a:satOff val="0"/>
+            <a:lumOff val="0"/>
+            <a:alphaOff val="0"/>
+          </a:schemeClr>
+        </a:solidFill>
+        <a:ln>
+          <a:noFill/>
+        </a:ln>
+        <a:effectLst/>
+        <a:sp3d extrusionH="381000" contourW="38100" prstMaterial="matte">
+          <a:contourClr>
+            <a:schemeClr val="lt1"/>
+          </a:contourClr>
+        </a:sp3d>
+      </dsp:spPr>
+      <dsp:style>
+        <a:lnRef idx="0">
+          <a:scrgbClr r="0" g="0" b="0"/>
+        </a:lnRef>
+        <a:fillRef idx="1">
+          <a:scrgbClr r="0" g="0" b="0"/>
+        </a:fillRef>
+        <a:effectRef idx="0">
+          <a:scrgbClr r="0" g="0" b="0"/>
+        </a:effectRef>
+        <a:fontRef idx="minor">
+          <a:schemeClr val="lt1"/>
+        </a:fontRef>
+      </dsp:style>
+      <dsp:txBody>
+        <a:bodyPr spcFirstLastPara="0" vert="horz" wrap="square" lIns="24130" tIns="24130" rIns="24130" bIns="24130" numCol="1" spcCol="1270" anchor="ctr" anchorCtr="0">
+          <a:noAutofit/>
+        </a:bodyPr>
+        <a:lstStyle/>
+        <a:p>
+          <a:pPr lvl="0" algn="ctr" defTabSz="1689100">
+            <a:lnSpc>
+              <a:spcPct val="90000"/>
+            </a:lnSpc>
+            <a:spcBef>
+              <a:spcPct val="0"/>
+            </a:spcBef>
+            <a:spcAft>
+              <a:spcPct val="35000"/>
+            </a:spcAft>
+          </a:pPr>
+          <a:r>
+            <a:rPr lang="bg-BG" sz="3800" kern="1200" dirty="0" smtClean="0"/>
+            <a:t>ООП</a:t>
+          </a:r>
+          <a:endParaRPr lang="en-US" sz="3800" kern="1200" dirty="0"/>
+        </a:p>
+      </dsp:txBody>
+      <dsp:txXfrm>
+        <a:off x="-282375" y="1265301"/>
+        <a:ext cx="3124200" cy="593598"/>
+      </dsp:txXfrm>
+    </dsp:sp>
+    <dsp:sp modelId="{A3D4E035-5DFA-4CF9-8BE9-C9DC6E3B212B}">
+      <dsp:nvSpPr>
+        <dsp:cNvPr id="0" name=""/>
+        <dsp:cNvSpPr/>
+      </dsp:nvSpPr>
+      <dsp:spPr>
+        <a:xfrm>
+          <a:off x="1965923" y="152304"/>
+          <a:ext cx="1947001" cy="593598"/>
+        </a:xfrm>
+        <a:prstGeom prst="rect">
+          <a:avLst/>
+        </a:prstGeom>
+        <a:solidFill>
+          <a:schemeClr val="accent1">
+            <a:hueOff val="0"/>
+            <a:satOff val="0"/>
+            <a:lumOff val="0"/>
+            <a:alphaOff val="0"/>
+          </a:schemeClr>
+        </a:solidFill>
+        <a:ln>
+          <a:noFill/>
+        </a:ln>
+        <a:effectLst/>
+        <a:sp3d extrusionH="381000" contourW="38100" prstMaterial="matte">
+          <a:contourClr>
+            <a:schemeClr val="lt1"/>
+          </a:contourClr>
+        </a:sp3d>
+      </dsp:spPr>
+      <dsp:style>
+        <a:lnRef idx="0">
+          <a:scrgbClr r="0" g="0" b="0"/>
+        </a:lnRef>
+        <a:fillRef idx="1">
+          <a:scrgbClr r="0" g="0" b="0"/>
+        </a:fillRef>
+        <a:effectRef idx="0">
+          <a:scrgbClr r="0" g="0" b="0"/>
+        </a:effectRef>
+        <a:fontRef idx="minor">
+          <a:schemeClr val="lt1"/>
+        </a:fontRef>
+      </dsp:style>
+      <dsp:txBody>
+        <a:bodyPr spcFirstLastPara="0" vert="horz" wrap="square" lIns="13970" tIns="13970" rIns="13970" bIns="13970" numCol="1" spcCol="1270" anchor="ctr" anchorCtr="0">
+          <a:noAutofit/>
+        </a:bodyPr>
+        <a:lstStyle/>
+        <a:p>
+          <a:pPr lvl="0" algn="ctr" defTabSz="977900">
+            <a:lnSpc>
+              <a:spcPct val="90000"/>
+            </a:lnSpc>
+            <a:spcBef>
+              <a:spcPct val="0"/>
+            </a:spcBef>
+            <a:spcAft>
+              <a:spcPct val="35000"/>
+            </a:spcAft>
+          </a:pPr>
+          <a:r>
+            <a:rPr lang="bg-BG" sz="2200" kern="1200" dirty="0" smtClean="0"/>
+            <a:t>Абстракция</a:t>
+          </a:r>
+          <a:endParaRPr lang="en-US" sz="2200" kern="1200" dirty="0"/>
+        </a:p>
+      </dsp:txBody>
+      <dsp:txXfrm>
+        <a:off x="1965923" y="152304"/>
+        <a:ext cx="1947001" cy="593598"/>
+      </dsp:txXfrm>
+    </dsp:sp>
+    <dsp:sp modelId="{F75EF33A-9CBC-45F3-9835-A6C6CAEDF9F6}">
+      <dsp:nvSpPr>
+        <dsp:cNvPr id="0" name=""/>
+        <dsp:cNvSpPr/>
+      </dsp:nvSpPr>
+      <dsp:spPr>
+        <a:xfrm>
+          <a:off x="1965923" y="894302"/>
+          <a:ext cx="1947001" cy="593598"/>
+        </a:xfrm>
+        <a:prstGeom prst="rect">
+          <a:avLst/>
+        </a:prstGeom>
+        <a:solidFill>
+          <a:schemeClr val="accent1">
+            <a:hueOff val="0"/>
+            <a:satOff val="0"/>
+            <a:lumOff val="0"/>
+            <a:alphaOff val="0"/>
+          </a:schemeClr>
+        </a:solidFill>
+        <a:ln>
+          <a:noFill/>
+        </a:ln>
+        <a:effectLst/>
+        <a:sp3d extrusionH="381000" contourW="38100" prstMaterial="matte">
+          <a:contourClr>
+            <a:schemeClr val="lt1"/>
+          </a:contourClr>
+        </a:sp3d>
+      </dsp:spPr>
+      <dsp:style>
+        <a:lnRef idx="0">
+          <a:scrgbClr r="0" g="0" b="0"/>
+        </a:lnRef>
+        <a:fillRef idx="1">
+          <a:scrgbClr r="0" g="0" b="0"/>
+        </a:fillRef>
+        <a:effectRef idx="0">
+          <a:scrgbClr r="0" g="0" b="0"/>
+        </a:effectRef>
+        <a:fontRef idx="minor">
+          <a:schemeClr val="lt1"/>
+        </a:fontRef>
+      </dsp:style>
+      <dsp:txBody>
+        <a:bodyPr spcFirstLastPara="0" vert="horz" wrap="square" lIns="13970" tIns="13970" rIns="13970" bIns="13970" numCol="1" spcCol="1270" anchor="ctr" anchorCtr="0">
+          <a:noAutofit/>
+        </a:bodyPr>
+        <a:lstStyle/>
+        <a:p>
+          <a:pPr lvl="0" algn="ctr" defTabSz="977900">
+            <a:lnSpc>
+              <a:spcPct val="90000"/>
+            </a:lnSpc>
+            <a:spcBef>
+              <a:spcPct val="0"/>
+            </a:spcBef>
+            <a:spcAft>
+              <a:spcPct val="35000"/>
+            </a:spcAft>
+          </a:pPr>
+          <a:r>
+            <a:rPr lang="bg-BG" sz="2200" kern="1200" dirty="0" smtClean="0"/>
+            <a:t>Наследяване</a:t>
+          </a:r>
+          <a:endParaRPr lang="en-US" sz="2200" kern="1200" dirty="0"/>
+        </a:p>
+      </dsp:txBody>
+      <dsp:txXfrm>
+        <a:off x="1965923" y="894302"/>
+        <a:ext cx="1947001" cy="593598"/>
+      </dsp:txXfrm>
+    </dsp:sp>
+    <dsp:sp modelId="{391836A1-7628-449C-A895-FFB3F0FAC62F}">
+      <dsp:nvSpPr>
+        <dsp:cNvPr id="0" name=""/>
+        <dsp:cNvSpPr/>
+      </dsp:nvSpPr>
+      <dsp:spPr>
+        <a:xfrm>
+          <a:off x="1965923" y="1636299"/>
+          <a:ext cx="1947001" cy="593598"/>
+        </a:xfrm>
+        <a:prstGeom prst="rect">
+          <a:avLst/>
+        </a:prstGeom>
+        <a:solidFill>
+          <a:schemeClr val="accent1">
+            <a:hueOff val="0"/>
+            <a:satOff val="0"/>
+            <a:lumOff val="0"/>
+            <a:alphaOff val="0"/>
+          </a:schemeClr>
+        </a:solidFill>
+        <a:ln>
+          <a:noFill/>
+        </a:ln>
+        <a:effectLst/>
+        <a:sp3d extrusionH="381000" contourW="38100" prstMaterial="matte">
+          <a:contourClr>
+            <a:schemeClr val="lt1"/>
+          </a:contourClr>
+        </a:sp3d>
+      </dsp:spPr>
+      <dsp:style>
+        <a:lnRef idx="0">
+          <a:scrgbClr r="0" g="0" b="0"/>
+        </a:lnRef>
+        <a:fillRef idx="1">
+          <a:scrgbClr r="0" g="0" b="0"/>
+        </a:fillRef>
+        <a:effectRef idx="0">
+          <a:scrgbClr r="0" g="0" b="0"/>
+        </a:effectRef>
+        <a:fontRef idx="minor">
+          <a:schemeClr val="lt1"/>
+        </a:fontRef>
+      </dsp:style>
+      <dsp:txBody>
+        <a:bodyPr spcFirstLastPara="0" vert="horz" wrap="square" lIns="13970" tIns="13970" rIns="13970" bIns="13970" numCol="1" spcCol="1270" anchor="ctr" anchorCtr="0">
+          <a:noAutofit/>
+        </a:bodyPr>
+        <a:lstStyle/>
+        <a:p>
+          <a:pPr lvl="0" algn="ctr" defTabSz="977900">
+            <a:lnSpc>
+              <a:spcPct val="90000"/>
+            </a:lnSpc>
+            <a:spcBef>
+              <a:spcPct val="0"/>
+            </a:spcBef>
+            <a:spcAft>
+              <a:spcPct val="35000"/>
+            </a:spcAft>
+          </a:pPr>
+          <a:r>
+            <a:rPr lang="bg-BG" sz="2200" kern="1200" dirty="0" smtClean="0"/>
+            <a:t>Енкапсулация</a:t>
+          </a:r>
+          <a:endParaRPr lang="en-US" sz="2200" kern="1200" dirty="0"/>
+        </a:p>
+      </dsp:txBody>
+      <dsp:txXfrm>
+        <a:off x="1965923" y="1636299"/>
+        <a:ext cx="1947001" cy="593598"/>
+      </dsp:txXfrm>
+    </dsp:sp>
+    <dsp:sp modelId="{FDE3C961-6E78-48AC-9F71-9CB84D36AB7B}">
+      <dsp:nvSpPr>
+        <dsp:cNvPr id="0" name=""/>
+        <dsp:cNvSpPr/>
+      </dsp:nvSpPr>
+      <dsp:spPr>
+        <a:xfrm>
+          <a:off x="1965923" y="2378297"/>
+          <a:ext cx="1947001" cy="593598"/>
+        </a:xfrm>
+        <a:prstGeom prst="rect">
+          <a:avLst/>
+        </a:prstGeom>
+        <a:solidFill>
+          <a:schemeClr val="accent1">
+            <a:hueOff val="0"/>
+            <a:satOff val="0"/>
+            <a:lumOff val="0"/>
+            <a:alphaOff val="0"/>
+          </a:schemeClr>
+        </a:solidFill>
+        <a:ln>
+          <a:noFill/>
+        </a:ln>
+        <a:effectLst/>
+        <a:sp3d extrusionH="381000" contourW="38100" prstMaterial="matte">
+          <a:contourClr>
+            <a:schemeClr val="lt1"/>
+          </a:contourClr>
+        </a:sp3d>
+      </dsp:spPr>
+      <dsp:style>
+        <a:lnRef idx="0">
+          <a:scrgbClr r="0" g="0" b="0"/>
+        </a:lnRef>
+        <a:fillRef idx="1">
+          <a:scrgbClr r="0" g="0" b="0"/>
+        </a:fillRef>
+        <a:effectRef idx="0">
+          <a:scrgbClr r="0" g="0" b="0"/>
+        </a:effectRef>
+        <a:fontRef idx="minor">
+          <a:schemeClr val="lt1"/>
+        </a:fontRef>
+      </dsp:style>
+      <dsp:txBody>
+        <a:bodyPr spcFirstLastPara="0" vert="horz" wrap="square" lIns="13970" tIns="13970" rIns="13970" bIns="13970" numCol="1" spcCol="1270" anchor="ctr" anchorCtr="0">
+          <a:noAutofit/>
+        </a:bodyPr>
+        <a:lstStyle/>
+        <a:p>
+          <a:pPr lvl="0" algn="ctr" defTabSz="977900">
+            <a:lnSpc>
+              <a:spcPct val="90000"/>
+            </a:lnSpc>
+            <a:spcBef>
+              <a:spcPct val="0"/>
+            </a:spcBef>
+            <a:spcAft>
+              <a:spcPct val="35000"/>
+            </a:spcAft>
+          </a:pPr>
+          <a:r>
+            <a:rPr lang="bg-BG" sz="2200" kern="1200" dirty="0" smtClean="0"/>
+            <a:t>Полиморфизъм</a:t>
+          </a:r>
+          <a:endParaRPr lang="en-US" sz="2200" kern="1200" dirty="0"/>
+        </a:p>
+      </dsp:txBody>
+      <dsp:txXfrm>
+        <a:off x="1965923" y="2378297"/>
+        <a:ext cx="1947001" cy="593598"/>
+      </dsp:txXfrm>
+    </dsp:sp>
   </dsp:spTree>
 </dsp:drawing>
 </file>
@@ -4139,6 +4865,482 @@
       <dsp:cNvGrpSpPr/>
     </dsp:nvGrpSpPr>
     <dsp:grpSpPr/>
+    <dsp:sp modelId="{3EE58DF9-CA0D-4715-9CDC-FE11460CB338}">
+      <dsp:nvSpPr>
+        <dsp:cNvPr id="0" name=""/>
+        <dsp:cNvSpPr/>
+      </dsp:nvSpPr>
+      <dsp:spPr>
+        <a:xfrm>
+          <a:off x="2447925" y="1411808"/>
+          <a:ext cx="1731924" cy="300582"/>
+        </a:xfrm>
+        <a:custGeom>
+          <a:avLst/>
+          <a:gdLst/>
+          <a:ahLst/>
+          <a:cxnLst/>
+          <a:rect l="0" t="0" r="0" b="0"/>
+          <a:pathLst>
+            <a:path>
+              <a:moveTo>
+                <a:pt x="0" y="0"/>
+              </a:moveTo>
+              <a:lnTo>
+                <a:pt x="0" y="150291"/>
+              </a:lnTo>
+              <a:lnTo>
+                <a:pt x="1731924" y="150291"/>
+              </a:lnTo>
+              <a:lnTo>
+                <a:pt x="1731924" y="300582"/>
+              </a:lnTo>
+            </a:path>
+          </a:pathLst>
+        </a:custGeom>
+        <a:noFill/>
+        <a:ln w="15875" cap="rnd" cmpd="sng" algn="ctr">
+          <a:solidFill>
+            <a:schemeClr val="accent1">
+              <a:shade val="60000"/>
+              <a:hueOff val="0"/>
+              <a:satOff val="0"/>
+              <a:lumOff val="0"/>
+              <a:alphaOff val="0"/>
+            </a:schemeClr>
+          </a:solidFill>
+          <a:prstDash val="solid"/>
+        </a:ln>
+        <a:effectLst/>
+        <a:sp3d z="-40000" prstMaterial="matte"/>
+      </dsp:spPr>
+      <dsp:style>
+        <a:lnRef idx="2">
+          <a:scrgbClr r="0" g="0" b="0"/>
+        </a:lnRef>
+        <a:fillRef idx="0">
+          <a:scrgbClr r="0" g="0" b="0"/>
+        </a:fillRef>
+        <a:effectRef idx="0">
+          <a:scrgbClr r="0" g="0" b="0"/>
+        </a:effectRef>
+        <a:fontRef idx="minor"/>
+      </dsp:style>
+    </dsp:sp>
+    <dsp:sp modelId="{E0D001CA-3CB1-4F76-A431-88491E7E7AFF}">
+      <dsp:nvSpPr>
+        <dsp:cNvPr id="0" name=""/>
+        <dsp:cNvSpPr/>
+      </dsp:nvSpPr>
+      <dsp:spPr>
+        <a:xfrm>
+          <a:off x="2402205" y="1411808"/>
+          <a:ext cx="91440" cy="300582"/>
+        </a:xfrm>
+        <a:custGeom>
+          <a:avLst/>
+          <a:gdLst/>
+          <a:ahLst/>
+          <a:cxnLst/>
+          <a:rect l="0" t="0" r="0" b="0"/>
+          <a:pathLst>
+            <a:path>
+              <a:moveTo>
+                <a:pt x="45720" y="0"/>
+              </a:moveTo>
+              <a:lnTo>
+                <a:pt x="45720" y="300582"/>
+              </a:lnTo>
+            </a:path>
+          </a:pathLst>
+        </a:custGeom>
+        <a:noFill/>
+        <a:ln w="15875" cap="rnd" cmpd="sng" algn="ctr">
+          <a:solidFill>
+            <a:schemeClr val="accent1">
+              <a:shade val="60000"/>
+              <a:hueOff val="0"/>
+              <a:satOff val="0"/>
+              <a:lumOff val="0"/>
+              <a:alphaOff val="0"/>
+            </a:schemeClr>
+          </a:solidFill>
+          <a:prstDash val="solid"/>
+        </a:ln>
+        <a:effectLst/>
+        <a:sp3d z="-40000" prstMaterial="matte"/>
+      </dsp:spPr>
+      <dsp:style>
+        <a:lnRef idx="2">
+          <a:scrgbClr r="0" g="0" b="0"/>
+        </a:lnRef>
+        <a:fillRef idx="0">
+          <a:scrgbClr r="0" g="0" b="0"/>
+        </a:fillRef>
+        <a:effectRef idx="0">
+          <a:scrgbClr r="0" g="0" b="0"/>
+        </a:effectRef>
+        <a:fontRef idx="minor"/>
+      </dsp:style>
+    </dsp:sp>
+    <dsp:sp modelId="{E84B34BA-868E-4893-8098-86038586869F}">
+      <dsp:nvSpPr>
+        <dsp:cNvPr id="0" name=""/>
+        <dsp:cNvSpPr/>
+      </dsp:nvSpPr>
+      <dsp:spPr>
+        <a:xfrm>
+          <a:off x="716000" y="1411808"/>
+          <a:ext cx="1731924" cy="300582"/>
+        </a:xfrm>
+        <a:custGeom>
+          <a:avLst/>
+          <a:gdLst/>
+          <a:ahLst/>
+          <a:cxnLst/>
+          <a:rect l="0" t="0" r="0" b="0"/>
+          <a:pathLst>
+            <a:path>
+              <a:moveTo>
+                <a:pt x="1731924" y="0"/>
+              </a:moveTo>
+              <a:lnTo>
+                <a:pt x="1731924" y="150291"/>
+              </a:lnTo>
+              <a:lnTo>
+                <a:pt x="0" y="150291"/>
+              </a:lnTo>
+              <a:lnTo>
+                <a:pt x="0" y="300582"/>
+              </a:lnTo>
+            </a:path>
+          </a:pathLst>
+        </a:custGeom>
+        <a:noFill/>
+        <a:ln w="15875" cap="rnd" cmpd="sng" algn="ctr">
+          <a:solidFill>
+            <a:schemeClr val="accent1">
+              <a:shade val="60000"/>
+              <a:hueOff val="0"/>
+              <a:satOff val="0"/>
+              <a:lumOff val="0"/>
+              <a:alphaOff val="0"/>
+            </a:schemeClr>
+          </a:solidFill>
+          <a:prstDash val="solid"/>
+        </a:ln>
+        <a:effectLst/>
+        <a:sp3d z="-40000" prstMaterial="matte"/>
+      </dsp:spPr>
+      <dsp:style>
+        <a:lnRef idx="2">
+          <a:scrgbClr r="0" g="0" b="0"/>
+        </a:lnRef>
+        <a:fillRef idx="0">
+          <a:scrgbClr r="0" g="0" b="0"/>
+        </a:fillRef>
+        <a:effectRef idx="0">
+          <a:scrgbClr r="0" g="0" b="0"/>
+        </a:effectRef>
+        <a:fontRef idx="minor"/>
+      </dsp:style>
+    </dsp:sp>
+    <dsp:sp modelId="{4EE131C3-9C0F-421D-804C-4C5A025CAA23}">
+      <dsp:nvSpPr>
+        <dsp:cNvPr id="0" name=""/>
+        <dsp:cNvSpPr/>
+      </dsp:nvSpPr>
+      <dsp:spPr>
+        <a:xfrm>
+          <a:off x="1732253" y="696137"/>
+          <a:ext cx="1431342" cy="715671"/>
+        </a:xfrm>
+        <a:prstGeom prst="rect">
+          <a:avLst/>
+        </a:prstGeom>
+        <a:solidFill>
+          <a:schemeClr val="accent1">
+            <a:hueOff val="0"/>
+            <a:satOff val="0"/>
+            <a:lumOff val="0"/>
+            <a:alphaOff val="0"/>
+          </a:schemeClr>
+        </a:solidFill>
+        <a:ln>
+          <a:noFill/>
+        </a:ln>
+        <a:effectLst/>
+        <a:sp3d extrusionH="381000" contourW="38100" prstMaterial="matte">
+          <a:contourClr>
+            <a:schemeClr val="lt1"/>
+          </a:contourClr>
+        </a:sp3d>
+      </dsp:spPr>
+      <dsp:style>
+        <a:lnRef idx="0">
+          <a:scrgbClr r="0" g="0" b="0"/>
+        </a:lnRef>
+        <a:fillRef idx="1">
+          <a:scrgbClr r="0" g="0" b="0"/>
+        </a:fillRef>
+        <a:effectRef idx="0">
+          <a:scrgbClr r="0" g="0" b="0"/>
+        </a:effectRef>
+        <a:fontRef idx="minor">
+          <a:schemeClr val="lt1"/>
+        </a:fontRef>
+      </dsp:style>
+      <dsp:txBody>
+        <a:bodyPr spcFirstLastPara="0" vert="horz" wrap="square" lIns="17145" tIns="17145" rIns="17145" bIns="17145" numCol="1" spcCol="1270" anchor="ctr" anchorCtr="0">
+          <a:noAutofit/>
+        </a:bodyPr>
+        <a:lstStyle/>
+        <a:p>
+          <a:pPr lvl="0" algn="ctr" defTabSz="1200150">
+            <a:lnSpc>
+              <a:spcPct val="90000"/>
+            </a:lnSpc>
+            <a:spcBef>
+              <a:spcPct val="0"/>
+            </a:spcBef>
+            <a:spcAft>
+              <a:spcPct val="35000"/>
+            </a:spcAft>
+          </a:pPr>
+          <a:r>
+            <a:rPr lang="bg-BG" sz="2700" kern="1200" dirty="0" smtClean="0"/>
+            <a:t>Човек</a:t>
+          </a:r>
+          <a:endParaRPr lang="en-US" sz="2700" kern="1200" dirty="0"/>
+        </a:p>
+      </dsp:txBody>
+      <dsp:txXfrm>
+        <a:off x="1732253" y="696137"/>
+        <a:ext cx="1431342" cy="715671"/>
+      </dsp:txXfrm>
+    </dsp:sp>
+    <dsp:sp modelId="{66399A43-7CE9-4F5E-B8C7-44D9A0617D06}">
+      <dsp:nvSpPr>
+        <dsp:cNvPr id="0" name=""/>
+        <dsp:cNvSpPr/>
+      </dsp:nvSpPr>
+      <dsp:spPr>
+        <a:xfrm>
+          <a:off x="328" y="1712391"/>
+          <a:ext cx="1431342" cy="715671"/>
+        </a:xfrm>
+        <a:prstGeom prst="rect">
+          <a:avLst/>
+        </a:prstGeom>
+        <a:solidFill>
+          <a:schemeClr val="accent1">
+            <a:hueOff val="0"/>
+            <a:satOff val="0"/>
+            <a:lumOff val="0"/>
+            <a:alphaOff val="0"/>
+          </a:schemeClr>
+        </a:solidFill>
+        <a:ln>
+          <a:noFill/>
+        </a:ln>
+        <a:effectLst/>
+        <a:sp3d extrusionH="381000" contourW="38100" prstMaterial="matte">
+          <a:contourClr>
+            <a:schemeClr val="lt1"/>
+          </a:contourClr>
+        </a:sp3d>
+      </dsp:spPr>
+      <dsp:style>
+        <a:lnRef idx="0">
+          <a:scrgbClr r="0" g="0" b="0"/>
+        </a:lnRef>
+        <a:fillRef idx="1">
+          <a:scrgbClr r="0" g="0" b="0"/>
+        </a:fillRef>
+        <a:effectRef idx="0">
+          <a:scrgbClr r="0" g="0" b="0"/>
+        </a:effectRef>
+        <a:fontRef idx="minor">
+          <a:schemeClr val="lt1"/>
+        </a:fontRef>
+      </dsp:style>
+      <dsp:txBody>
+        <a:bodyPr spcFirstLastPara="0" vert="horz" wrap="square" lIns="17145" tIns="17145" rIns="17145" bIns="17145" numCol="1" spcCol="1270" anchor="ctr" anchorCtr="0">
+          <a:noAutofit/>
+        </a:bodyPr>
+        <a:lstStyle/>
+        <a:p>
+          <a:pPr lvl="0" algn="ctr" defTabSz="1200150">
+            <a:lnSpc>
+              <a:spcPct val="90000"/>
+            </a:lnSpc>
+            <a:spcBef>
+              <a:spcPct val="0"/>
+            </a:spcBef>
+            <a:spcAft>
+              <a:spcPct val="35000"/>
+            </a:spcAft>
+          </a:pPr>
+          <a:r>
+            <a:rPr lang="bg-BG" sz="2700" kern="1200" dirty="0" smtClean="0"/>
+            <a:t>Име</a:t>
+          </a:r>
+          <a:endParaRPr lang="en-US" sz="2700" kern="1200" dirty="0"/>
+        </a:p>
+      </dsp:txBody>
+      <dsp:txXfrm>
+        <a:off x="328" y="1712391"/>
+        <a:ext cx="1431342" cy="715671"/>
+      </dsp:txXfrm>
+    </dsp:sp>
+    <dsp:sp modelId="{CB4A5DE9-3AE5-41A6-B0F0-2347D48462F6}">
+      <dsp:nvSpPr>
+        <dsp:cNvPr id="0" name=""/>
+        <dsp:cNvSpPr/>
+      </dsp:nvSpPr>
+      <dsp:spPr>
+        <a:xfrm>
+          <a:off x="1732253" y="1712391"/>
+          <a:ext cx="1431342" cy="715671"/>
+        </a:xfrm>
+        <a:prstGeom prst="rect">
+          <a:avLst/>
+        </a:prstGeom>
+        <a:solidFill>
+          <a:schemeClr val="accent1">
+            <a:hueOff val="0"/>
+            <a:satOff val="0"/>
+            <a:lumOff val="0"/>
+            <a:alphaOff val="0"/>
+          </a:schemeClr>
+        </a:solidFill>
+        <a:ln>
+          <a:noFill/>
+        </a:ln>
+        <a:effectLst/>
+        <a:sp3d extrusionH="381000" contourW="38100" prstMaterial="matte">
+          <a:contourClr>
+            <a:schemeClr val="lt1"/>
+          </a:contourClr>
+        </a:sp3d>
+      </dsp:spPr>
+      <dsp:style>
+        <a:lnRef idx="0">
+          <a:scrgbClr r="0" g="0" b="0"/>
+        </a:lnRef>
+        <a:fillRef idx="1">
+          <a:scrgbClr r="0" g="0" b="0"/>
+        </a:fillRef>
+        <a:effectRef idx="0">
+          <a:scrgbClr r="0" g="0" b="0"/>
+        </a:effectRef>
+        <a:fontRef idx="minor">
+          <a:schemeClr val="lt1"/>
+        </a:fontRef>
+      </dsp:style>
+      <dsp:txBody>
+        <a:bodyPr spcFirstLastPara="0" vert="horz" wrap="square" lIns="17145" tIns="17145" rIns="17145" bIns="17145" numCol="1" spcCol="1270" anchor="ctr" anchorCtr="0">
+          <a:noAutofit/>
+        </a:bodyPr>
+        <a:lstStyle/>
+        <a:p>
+          <a:pPr lvl="0" algn="ctr" defTabSz="1200150">
+            <a:lnSpc>
+              <a:spcPct val="90000"/>
+            </a:lnSpc>
+            <a:spcBef>
+              <a:spcPct val="0"/>
+            </a:spcBef>
+            <a:spcAft>
+              <a:spcPct val="35000"/>
+            </a:spcAft>
+          </a:pPr>
+          <a:r>
+            <a:rPr lang="bg-BG" sz="2700" kern="1200" dirty="0" smtClean="0"/>
+            <a:t>Фамилия</a:t>
+          </a:r>
+          <a:endParaRPr lang="en-US" sz="2700" kern="1200" dirty="0"/>
+        </a:p>
+      </dsp:txBody>
+      <dsp:txXfrm>
+        <a:off x="1732253" y="1712391"/>
+        <a:ext cx="1431342" cy="715671"/>
+      </dsp:txXfrm>
+    </dsp:sp>
+    <dsp:sp modelId="{C00ECE24-9DFA-4755-87CF-67F1DD67A4FA}">
+      <dsp:nvSpPr>
+        <dsp:cNvPr id="0" name=""/>
+        <dsp:cNvSpPr/>
+      </dsp:nvSpPr>
+      <dsp:spPr>
+        <a:xfrm>
+          <a:off x="3464178" y="1712391"/>
+          <a:ext cx="1431342" cy="715671"/>
+        </a:xfrm>
+        <a:prstGeom prst="rect">
+          <a:avLst/>
+        </a:prstGeom>
+        <a:solidFill>
+          <a:schemeClr val="accent1">
+            <a:hueOff val="0"/>
+            <a:satOff val="0"/>
+            <a:lumOff val="0"/>
+            <a:alphaOff val="0"/>
+          </a:schemeClr>
+        </a:solidFill>
+        <a:ln>
+          <a:noFill/>
+        </a:ln>
+        <a:effectLst/>
+        <a:sp3d extrusionH="381000" contourW="38100" prstMaterial="matte">
+          <a:contourClr>
+            <a:schemeClr val="lt1"/>
+          </a:contourClr>
+        </a:sp3d>
+      </dsp:spPr>
+      <dsp:style>
+        <a:lnRef idx="0">
+          <a:scrgbClr r="0" g="0" b="0"/>
+        </a:lnRef>
+        <a:fillRef idx="1">
+          <a:scrgbClr r="0" g="0" b="0"/>
+        </a:fillRef>
+        <a:effectRef idx="0">
+          <a:scrgbClr r="0" g="0" b="0"/>
+        </a:effectRef>
+        <a:fontRef idx="minor">
+          <a:schemeClr val="lt1"/>
+        </a:fontRef>
+      </dsp:style>
+      <dsp:txBody>
+        <a:bodyPr spcFirstLastPara="0" vert="horz" wrap="square" lIns="17145" tIns="17145" rIns="17145" bIns="17145" numCol="1" spcCol="1270" anchor="ctr" anchorCtr="0">
+          <a:noAutofit/>
+        </a:bodyPr>
+        <a:lstStyle/>
+        <a:p>
+          <a:pPr lvl="0" algn="ctr" defTabSz="1200150">
+            <a:lnSpc>
+              <a:spcPct val="90000"/>
+            </a:lnSpc>
+            <a:spcBef>
+              <a:spcPct val="0"/>
+            </a:spcBef>
+            <a:spcAft>
+              <a:spcPct val="35000"/>
+            </a:spcAft>
+          </a:pPr>
+          <a:r>
+            <a:rPr lang="bg-BG" sz="2700" kern="1200" dirty="0" smtClean="0"/>
+            <a:t>ЕГН</a:t>
+          </a:r>
+          <a:endParaRPr lang="en-US" sz="2700" kern="1200" dirty="0"/>
+        </a:p>
+      </dsp:txBody>
+      <dsp:txXfrm>
+        <a:off x="3464178" y="1712391"/>
+        <a:ext cx="1431342" cy="715671"/>
+      </dsp:txXfrm>
+    </dsp:sp>
   </dsp:spTree>
 </dsp:drawing>
 </file>
@@ -4151,6 +5353,981 @@
       <dsp:cNvGrpSpPr/>
     </dsp:nvGrpSpPr>
     <dsp:grpSpPr/>
+    <dsp:sp modelId="{7E7D3887-CD3B-48DD-BC98-77319920D291}">
+      <dsp:nvSpPr>
+        <dsp:cNvPr id="0" name=""/>
+        <dsp:cNvSpPr/>
+      </dsp:nvSpPr>
+      <dsp:spPr>
+        <a:xfrm>
+          <a:off x="2588250" y="2124913"/>
+          <a:ext cx="263110" cy="2052258"/>
+        </a:xfrm>
+        <a:custGeom>
+          <a:avLst/>
+          <a:gdLst/>
+          <a:ahLst/>
+          <a:cxnLst/>
+          <a:rect l="0" t="0" r="0" b="0"/>
+          <a:pathLst>
+            <a:path>
+              <a:moveTo>
+                <a:pt x="0" y="0"/>
+              </a:moveTo>
+              <a:lnTo>
+                <a:pt x="0" y="2052258"/>
+              </a:lnTo>
+              <a:lnTo>
+                <a:pt x="263110" y="2052258"/>
+              </a:lnTo>
+            </a:path>
+          </a:pathLst>
+        </a:custGeom>
+        <a:noFill/>
+        <a:ln w="15875" cap="rnd" cmpd="sng" algn="ctr">
+          <a:solidFill>
+            <a:schemeClr val="accent1">
+              <a:shade val="80000"/>
+              <a:hueOff val="0"/>
+              <a:satOff val="0"/>
+              <a:lumOff val="0"/>
+              <a:alphaOff val="0"/>
+            </a:schemeClr>
+          </a:solidFill>
+          <a:prstDash val="solid"/>
+        </a:ln>
+        <a:effectLst/>
+        <a:scene3d>
+          <a:camera prst="orthographicFront">
+            <a:rot lat="0" lon="0" rev="0"/>
+          </a:camera>
+          <a:lightRig rig="contrasting" dir="t">
+            <a:rot lat="0" lon="0" rev="1200000"/>
+          </a:lightRig>
+        </a:scene3d>
+        <a:sp3d z="-110000"/>
+      </dsp:spPr>
+      <dsp:style>
+        <a:lnRef idx="2">
+          <a:scrgbClr r="0" g="0" b="0"/>
+        </a:lnRef>
+        <a:fillRef idx="0">
+          <a:scrgbClr r="0" g="0" b="0"/>
+        </a:fillRef>
+        <a:effectRef idx="0">
+          <a:scrgbClr r="0" g="0" b="0"/>
+        </a:effectRef>
+        <a:fontRef idx="minor"/>
+      </dsp:style>
+    </dsp:sp>
+    <dsp:sp modelId="{19773E6C-7E4C-49E8-84A0-93A57A100A95}">
+      <dsp:nvSpPr>
+        <dsp:cNvPr id="0" name=""/>
+        <dsp:cNvSpPr/>
+      </dsp:nvSpPr>
+      <dsp:spPr>
+        <a:xfrm>
+          <a:off x="2588250" y="2124913"/>
+          <a:ext cx="263110" cy="806870"/>
+        </a:xfrm>
+        <a:custGeom>
+          <a:avLst/>
+          <a:gdLst/>
+          <a:ahLst/>
+          <a:cxnLst/>
+          <a:rect l="0" t="0" r="0" b="0"/>
+          <a:pathLst>
+            <a:path>
+              <a:moveTo>
+                <a:pt x="0" y="0"/>
+              </a:moveTo>
+              <a:lnTo>
+                <a:pt x="0" y="806870"/>
+              </a:lnTo>
+              <a:lnTo>
+                <a:pt x="263110" y="806870"/>
+              </a:lnTo>
+            </a:path>
+          </a:pathLst>
+        </a:custGeom>
+        <a:noFill/>
+        <a:ln w="15875" cap="rnd" cmpd="sng" algn="ctr">
+          <a:solidFill>
+            <a:schemeClr val="accent1">
+              <a:shade val="80000"/>
+              <a:hueOff val="0"/>
+              <a:satOff val="0"/>
+              <a:lumOff val="0"/>
+              <a:alphaOff val="0"/>
+            </a:schemeClr>
+          </a:solidFill>
+          <a:prstDash val="solid"/>
+        </a:ln>
+        <a:effectLst/>
+        <a:scene3d>
+          <a:camera prst="orthographicFront">
+            <a:rot lat="0" lon="0" rev="0"/>
+          </a:camera>
+          <a:lightRig rig="contrasting" dir="t">
+            <a:rot lat="0" lon="0" rev="1200000"/>
+          </a:lightRig>
+        </a:scene3d>
+        <a:sp3d z="-110000"/>
+      </dsp:spPr>
+      <dsp:style>
+        <a:lnRef idx="2">
+          <a:scrgbClr r="0" g="0" b="0"/>
+        </a:lnRef>
+        <a:fillRef idx="0">
+          <a:scrgbClr r="0" g="0" b="0"/>
+        </a:fillRef>
+        <a:effectRef idx="0">
+          <a:scrgbClr r="0" g="0" b="0"/>
+        </a:effectRef>
+        <a:fontRef idx="minor"/>
+      </dsp:style>
+    </dsp:sp>
+    <dsp:sp modelId="{3EE58DF9-CA0D-4715-9CDC-FE11460CB338}">
+      <dsp:nvSpPr>
+        <dsp:cNvPr id="0" name=""/>
+        <dsp:cNvSpPr/>
+      </dsp:nvSpPr>
+      <dsp:spPr>
+        <a:xfrm>
+          <a:off x="2228666" y="879526"/>
+          <a:ext cx="1061210" cy="368354"/>
+        </a:xfrm>
+        <a:custGeom>
+          <a:avLst/>
+          <a:gdLst/>
+          <a:ahLst/>
+          <a:cxnLst/>
+          <a:rect l="0" t="0" r="0" b="0"/>
+          <a:pathLst>
+            <a:path>
+              <a:moveTo>
+                <a:pt x="0" y="0"/>
+              </a:moveTo>
+              <a:lnTo>
+                <a:pt x="0" y="184177"/>
+              </a:lnTo>
+              <a:lnTo>
+                <a:pt x="1061210" y="184177"/>
+              </a:lnTo>
+              <a:lnTo>
+                <a:pt x="1061210" y="368354"/>
+              </a:lnTo>
+            </a:path>
+          </a:pathLst>
+        </a:custGeom>
+        <a:noFill/>
+        <a:ln w="15875" cap="rnd" cmpd="sng" algn="ctr">
+          <a:solidFill>
+            <a:schemeClr val="accent1">
+              <a:shade val="60000"/>
+              <a:hueOff val="0"/>
+              <a:satOff val="0"/>
+              <a:lumOff val="0"/>
+              <a:alphaOff val="0"/>
+            </a:schemeClr>
+          </a:solidFill>
+          <a:prstDash val="solid"/>
+        </a:ln>
+        <a:effectLst/>
+        <a:scene3d>
+          <a:camera prst="orthographicFront">
+            <a:rot lat="0" lon="0" rev="0"/>
+          </a:camera>
+          <a:lightRig rig="contrasting" dir="t">
+            <a:rot lat="0" lon="0" rev="1200000"/>
+          </a:lightRig>
+        </a:scene3d>
+        <a:sp3d z="-110000"/>
+      </dsp:spPr>
+      <dsp:style>
+        <a:lnRef idx="2">
+          <a:scrgbClr r="0" g="0" b="0"/>
+        </a:lnRef>
+        <a:fillRef idx="0">
+          <a:scrgbClr r="0" g="0" b="0"/>
+        </a:fillRef>
+        <a:effectRef idx="0">
+          <a:scrgbClr r="0" g="0" b="0"/>
+        </a:effectRef>
+        <a:fontRef idx="minor"/>
+      </dsp:style>
+    </dsp:sp>
+    <dsp:sp modelId="{995A6D3F-F961-4B30-9169-2E782B34E09D}">
+      <dsp:nvSpPr>
+        <dsp:cNvPr id="0" name=""/>
+        <dsp:cNvSpPr/>
+      </dsp:nvSpPr>
+      <dsp:spPr>
+        <a:xfrm>
+          <a:off x="465828" y="2124913"/>
+          <a:ext cx="263110" cy="2052258"/>
+        </a:xfrm>
+        <a:custGeom>
+          <a:avLst/>
+          <a:gdLst/>
+          <a:ahLst/>
+          <a:cxnLst/>
+          <a:rect l="0" t="0" r="0" b="0"/>
+          <a:pathLst>
+            <a:path>
+              <a:moveTo>
+                <a:pt x="0" y="0"/>
+              </a:moveTo>
+              <a:lnTo>
+                <a:pt x="0" y="2052258"/>
+              </a:lnTo>
+              <a:lnTo>
+                <a:pt x="263110" y="2052258"/>
+              </a:lnTo>
+            </a:path>
+          </a:pathLst>
+        </a:custGeom>
+        <a:noFill/>
+        <a:ln w="15875" cap="rnd" cmpd="sng" algn="ctr">
+          <a:solidFill>
+            <a:schemeClr val="accent1">
+              <a:shade val="80000"/>
+              <a:hueOff val="0"/>
+              <a:satOff val="0"/>
+              <a:lumOff val="0"/>
+              <a:alphaOff val="0"/>
+            </a:schemeClr>
+          </a:solidFill>
+          <a:prstDash val="solid"/>
+        </a:ln>
+        <a:effectLst/>
+        <a:scene3d>
+          <a:camera prst="orthographicFront">
+            <a:rot lat="0" lon="0" rev="0"/>
+          </a:camera>
+          <a:lightRig rig="contrasting" dir="t">
+            <a:rot lat="0" lon="0" rev="1200000"/>
+          </a:lightRig>
+        </a:scene3d>
+        <a:sp3d z="-110000"/>
+      </dsp:spPr>
+      <dsp:style>
+        <a:lnRef idx="2">
+          <a:scrgbClr r="0" g="0" b="0"/>
+        </a:lnRef>
+        <a:fillRef idx="0">
+          <a:scrgbClr r="0" g="0" b="0"/>
+        </a:fillRef>
+        <a:effectRef idx="0">
+          <a:scrgbClr r="0" g="0" b="0"/>
+        </a:effectRef>
+        <a:fontRef idx="minor"/>
+      </dsp:style>
+    </dsp:sp>
+    <dsp:sp modelId="{1EA07034-5221-4665-9E69-FE5AB22BFC39}">
+      <dsp:nvSpPr>
+        <dsp:cNvPr id="0" name=""/>
+        <dsp:cNvSpPr/>
+      </dsp:nvSpPr>
+      <dsp:spPr>
+        <a:xfrm>
+          <a:off x="465828" y="2124913"/>
+          <a:ext cx="263110" cy="806870"/>
+        </a:xfrm>
+        <a:custGeom>
+          <a:avLst/>
+          <a:gdLst/>
+          <a:ahLst/>
+          <a:cxnLst/>
+          <a:rect l="0" t="0" r="0" b="0"/>
+          <a:pathLst>
+            <a:path>
+              <a:moveTo>
+                <a:pt x="0" y="0"/>
+              </a:moveTo>
+              <a:lnTo>
+                <a:pt x="0" y="806870"/>
+              </a:lnTo>
+              <a:lnTo>
+                <a:pt x="263110" y="806870"/>
+              </a:lnTo>
+            </a:path>
+          </a:pathLst>
+        </a:custGeom>
+        <a:noFill/>
+        <a:ln w="15875" cap="rnd" cmpd="sng" algn="ctr">
+          <a:solidFill>
+            <a:schemeClr val="accent1">
+              <a:shade val="80000"/>
+              <a:hueOff val="0"/>
+              <a:satOff val="0"/>
+              <a:lumOff val="0"/>
+              <a:alphaOff val="0"/>
+            </a:schemeClr>
+          </a:solidFill>
+          <a:prstDash val="solid"/>
+        </a:ln>
+        <a:effectLst/>
+        <a:scene3d>
+          <a:camera prst="orthographicFront">
+            <a:rot lat="0" lon="0" rev="0"/>
+          </a:camera>
+          <a:lightRig rig="contrasting" dir="t">
+            <a:rot lat="0" lon="0" rev="1200000"/>
+          </a:lightRig>
+        </a:scene3d>
+        <a:sp3d z="-110000"/>
+      </dsp:spPr>
+      <dsp:style>
+        <a:lnRef idx="2">
+          <a:scrgbClr r="0" g="0" b="0"/>
+        </a:lnRef>
+        <a:fillRef idx="0">
+          <a:scrgbClr r="0" g="0" b="0"/>
+        </a:fillRef>
+        <a:effectRef idx="0">
+          <a:scrgbClr r="0" g="0" b="0"/>
+        </a:effectRef>
+        <a:fontRef idx="minor"/>
+      </dsp:style>
+    </dsp:sp>
+    <dsp:sp modelId="{E0D001CA-3CB1-4F76-A431-88491E7E7AFF}">
+      <dsp:nvSpPr>
+        <dsp:cNvPr id="0" name=""/>
+        <dsp:cNvSpPr/>
+      </dsp:nvSpPr>
+      <dsp:spPr>
+        <a:xfrm>
+          <a:off x="1167455" y="879526"/>
+          <a:ext cx="1061210" cy="368354"/>
+        </a:xfrm>
+        <a:custGeom>
+          <a:avLst/>
+          <a:gdLst/>
+          <a:ahLst/>
+          <a:cxnLst/>
+          <a:rect l="0" t="0" r="0" b="0"/>
+          <a:pathLst>
+            <a:path>
+              <a:moveTo>
+                <a:pt x="1061210" y="0"/>
+              </a:moveTo>
+              <a:lnTo>
+                <a:pt x="1061210" y="184177"/>
+              </a:lnTo>
+              <a:lnTo>
+                <a:pt x="0" y="184177"/>
+              </a:lnTo>
+              <a:lnTo>
+                <a:pt x="0" y="368354"/>
+              </a:lnTo>
+            </a:path>
+          </a:pathLst>
+        </a:custGeom>
+        <a:noFill/>
+        <a:ln w="15875" cap="rnd" cmpd="sng" algn="ctr">
+          <a:solidFill>
+            <a:schemeClr val="accent1">
+              <a:shade val="60000"/>
+              <a:hueOff val="0"/>
+              <a:satOff val="0"/>
+              <a:lumOff val="0"/>
+              <a:alphaOff val="0"/>
+            </a:schemeClr>
+          </a:solidFill>
+          <a:prstDash val="solid"/>
+        </a:ln>
+        <a:effectLst/>
+        <a:scene3d>
+          <a:camera prst="orthographicFront">
+            <a:rot lat="0" lon="0" rev="0"/>
+          </a:camera>
+          <a:lightRig rig="contrasting" dir="t">
+            <a:rot lat="0" lon="0" rev="1200000"/>
+          </a:lightRig>
+        </a:scene3d>
+        <a:sp3d z="-110000"/>
+      </dsp:spPr>
+      <dsp:style>
+        <a:lnRef idx="2">
+          <a:scrgbClr r="0" g="0" b="0"/>
+        </a:lnRef>
+        <a:fillRef idx="0">
+          <a:scrgbClr r="0" g="0" b="0"/>
+        </a:fillRef>
+        <a:effectRef idx="0">
+          <a:scrgbClr r="0" g="0" b="0"/>
+        </a:effectRef>
+        <a:fontRef idx="minor"/>
+      </dsp:style>
+    </dsp:sp>
+    <dsp:sp modelId="{4EE131C3-9C0F-421D-804C-4C5A025CAA23}">
+      <dsp:nvSpPr>
+        <dsp:cNvPr id="0" name=""/>
+        <dsp:cNvSpPr/>
+      </dsp:nvSpPr>
+      <dsp:spPr>
+        <a:xfrm>
+          <a:off x="1351632" y="2492"/>
+          <a:ext cx="1754067" cy="877033"/>
+        </a:xfrm>
+        <a:prstGeom prst="rect">
+          <a:avLst/>
+        </a:prstGeom>
+        <a:solidFill>
+          <a:schemeClr val="accent1">
+            <a:hueOff val="0"/>
+            <a:satOff val="0"/>
+            <a:lumOff val="0"/>
+            <a:alphaOff val="0"/>
+          </a:schemeClr>
+        </a:solidFill>
+        <a:ln>
+          <a:noFill/>
+        </a:ln>
+        <a:effectLst/>
+        <a:scene3d>
+          <a:camera prst="orthographicFront">
+            <a:rot lat="0" lon="0" rev="0"/>
+          </a:camera>
+          <a:lightRig rig="contrasting" dir="t">
+            <a:rot lat="0" lon="0" rev="1200000"/>
+          </a:lightRig>
+        </a:scene3d>
+        <a:sp3d contourW="19050" prstMaterial="metal">
+          <a:bevelT w="88900" h="203200"/>
+          <a:bevelB w="165100" h="254000"/>
+        </a:sp3d>
+      </dsp:spPr>
+      <dsp:style>
+        <a:lnRef idx="0">
+          <a:scrgbClr r="0" g="0" b="0"/>
+        </a:lnRef>
+        <a:fillRef idx="1">
+          <a:scrgbClr r="0" g="0" b="0"/>
+        </a:fillRef>
+        <a:effectRef idx="1">
+          <a:scrgbClr r="0" g="0" b="0"/>
+        </a:effectRef>
+        <a:fontRef idx="minor">
+          <a:schemeClr val="lt1"/>
+        </a:fontRef>
+      </dsp:style>
+      <dsp:txBody>
+        <a:bodyPr spcFirstLastPara="0" vert="horz" wrap="square" lIns="15875" tIns="15875" rIns="15875" bIns="15875" numCol="1" spcCol="1270" anchor="ctr" anchorCtr="0">
+          <a:noAutofit/>
+        </a:bodyPr>
+        <a:lstStyle/>
+        <a:p>
+          <a:pPr lvl="0" algn="ctr" defTabSz="1111250">
+            <a:lnSpc>
+              <a:spcPct val="90000"/>
+            </a:lnSpc>
+            <a:spcBef>
+              <a:spcPct val="0"/>
+            </a:spcBef>
+            <a:spcAft>
+              <a:spcPct val="35000"/>
+            </a:spcAft>
+          </a:pPr>
+          <a:r>
+            <a:rPr lang="bg-BG" sz="2500" kern="1200" dirty="0" smtClean="0"/>
+            <a:t>Човек</a:t>
+          </a:r>
+          <a:endParaRPr lang="en-US" sz="2500" kern="1200" dirty="0"/>
+        </a:p>
+      </dsp:txBody>
+      <dsp:txXfrm>
+        <a:off x="1351632" y="2492"/>
+        <a:ext cx="1754067" cy="877033"/>
+      </dsp:txXfrm>
+    </dsp:sp>
+    <dsp:sp modelId="{CB4A5DE9-3AE5-41A6-B0F0-2347D48462F6}">
+      <dsp:nvSpPr>
+        <dsp:cNvPr id="0" name=""/>
+        <dsp:cNvSpPr/>
+      </dsp:nvSpPr>
+      <dsp:spPr>
+        <a:xfrm>
+          <a:off x="290422" y="1247880"/>
+          <a:ext cx="1754067" cy="877033"/>
+        </a:xfrm>
+        <a:prstGeom prst="rect">
+          <a:avLst/>
+        </a:prstGeom>
+        <a:solidFill>
+          <a:schemeClr val="accent1">
+            <a:hueOff val="0"/>
+            <a:satOff val="0"/>
+            <a:lumOff val="0"/>
+            <a:alphaOff val="0"/>
+          </a:schemeClr>
+        </a:solidFill>
+        <a:ln>
+          <a:noFill/>
+        </a:ln>
+        <a:effectLst/>
+        <a:scene3d>
+          <a:camera prst="orthographicFront">
+            <a:rot lat="0" lon="0" rev="0"/>
+          </a:camera>
+          <a:lightRig rig="contrasting" dir="t">
+            <a:rot lat="0" lon="0" rev="1200000"/>
+          </a:lightRig>
+        </a:scene3d>
+        <a:sp3d contourW="19050" prstMaterial="metal">
+          <a:bevelT w="88900" h="203200"/>
+          <a:bevelB w="165100" h="254000"/>
+        </a:sp3d>
+      </dsp:spPr>
+      <dsp:style>
+        <a:lnRef idx="0">
+          <a:scrgbClr r="0" g="0" b="0"/>
+        </a:lnRef>
+        <a:fillRef idx="1">
+          <a:scrgbClr r="0" g="0" b="0"/>
+        </a:fillRef>
+        <a:effectRef idx="1">
+          <a:scrgbClr r="0" g="0" b="0"/>
+        </a:effectRef>
+        <a:fontRef idx="minor">
+          <a:schemeClr val="lt1"/>
+        </a:fontRef>
+      </dsp:style>
+      <dsp:txBody>
+        <a:bodyPr spcFirstLastPara="0" vert="horz" wrap="square" lIns="15875" tIns="15875" rIns="15875" bIns="15875" numCol="1" spcCol="1270" anchor="ctr" anchorCtr="0">
+          <a:noAutofit/>
+        </a:bodyPr>
+        <a:lstStyle/>
+        <a:p>
+          <a:pPr lvl="0" algn="ctr" defTabSz="1111250">
+            <a:lnSpc>
+              <a:spcPct val="90000"/>
+            </a:lnSpc>
+            <a:spcBef>
+              <a:spcPct val="0"/>
+            </a:spcBef>
+            <a:spcAft>
+              <a:spcPct val="35000"/>
+            </a:spcAft>
+          </a:pPr>
+          <a:r>
+            <a:rPr lang="bg-BG" sz="2500" kern="1200" dirty="0" smtClean="0"/>
+            <a:t>Студент</a:t>
+          </a:r>
+          <a:endParaRPr lang="en-US" sz="2500" kern="1200" dirty="0"/>
+        </a:p>
+      </dsp:txBody>
+      <dsp:txXfrm>
+        <a:off x="290422" y="1247880"/>
+        <a:ext cx="1754067" cy="877033"/>
+      </dsp:txXfrm>
+    </dsp:sp>
+    <dsp:sp modelId="{16F41798-96EB-4716-8C8F-712E001F20CF}">
+      <dsp:nvSpPr>
+        <dsp:cNvPr id="0" name=""/>
+        <dsp:cNvSpPr/>
+      </dsp:nvSpPr>
+      <dsp:spPr>
+        <a:xfrm>
+          <a:off x="728938" y="2493268"/>
+          <a:ext cx="1754067" cy="877033"/>
+        </a:xfrm>
+        <a:prstGeom prst="rect">
+          <a:avLst/>
+        </a:prstGeom>
+        <a:solidFill>
+          <a:schemeClr val="accent1">
+            <a:hueOff val="0"/>
+            <a:satOff val="0"/>
+            <a:lumOff val="0"/>
+            <a:alphaOff val="0"/>
+          </a:schemeClr>
+        </a:solidFill>
+        <a:ln>
+          <a:noFill/>
+        </a:ln>
+        <a:effectLst/>
+        <a:scene3d>
+          <a:camera prst="orthographicFront">
+            <a:rot lat="0" lon="0" rev="0"/>
+          </a:camera>
+          <a:lightRig rig="contrasting" dir="t">
+            <a:rot lat="0" lon="0" rev="1200000"/>
+          </a:lightRig>
+        </a:scene3d>
+        <a:sp3d contourW="19050" prstMaterial="metal">
+          <a:bevelT w="88900" h="203200"/>
+          <a:bevelB w="165100" h="254000"/>
+        </a:sp3d>
+      </dsp:spPr>
+      <dsp:style>
+        <a:lnRef idx="0">
+          <a:scrgbClr r="0" g="0" b="0"/>
+        </a:lnRef>
+        <a:fillRef idx="1">
+          <a:scrgbClr r="0" g="0" b="0"/>
+        </a:fillRef>
+        <a:effectRef idx="1">
+          <a:scrgbClr r="0" g="0" b="0"/>
+        </a:effectRef>
+        <a:fontRef idx="minor">
+          <a:schemeClr val="lt1"/>
+        </a:fontRef>
+      </dsp:style>
+      <dsp:txBody>
+        <a:bodyPr spcFirstLastPara="0" vert="horz" wrap="square" lIns="15875" tIns="15875" rIns="15875" bIns="15875" numCol="1" spcCol="1270" anchor="ctr" anchorCtr="0">
+          <a:noAutofit/>
+        </a:bodyPr>
+        <a:lstStyle/>
+        <a:p>
+          <a:pPr lvl="0" algn="ctr" defTabSz="1111250">
+            <a:lnSpc>
+              <a:spcPct val="90000"/>
+            </a:lnSpc>
+            <a:spcBef>
+              <a:spcPct val="0"/>
+            </a:spcBef>
+            <a:spcAft>
+              <a:spcPct val="35000"/>
+            </a:spcAft>
+          </a:pPr>
+          <a:r>
+            <a:rPr lang="bg-BG" sz="2500" kern="1200" dirty="0" smtClean="0"/>
+            <a:t>Право</a:t>
+          </a:r>
+          <a:endParaRPr lang="en-US" sz="2500" kern="1200" dirty="0"/>
+        </a:p>
+      </dsp:txBody>
+      <dsp:txXfrm>
+        <a:off x="728938" y="2493268"/>
+        <a:ext cx="1754067" cy="877033"/>
+      </dsp:txXfrm>
+    </dsp:sp>
+    <dsp:sp modelId="{6C760A5C-605E-4BC8-B519-9E39CFE77086}">
+      <dsp:nvSpPr>
+        <dsp:cNvPr id="0" name=""/>
+        <dsp:cNvSpPr/>
+      </dsp:nvSpPr>
+      <dsp:spPr>
+        <a:xfrm>
+          <a:off x="728938" y="3738655"/>
+          <a:ext cx="1754067" cy="877033"/>
+        </a:xfrm>
+        <a:prstGeom prst="rect">
+          <a:avLst/>
+        </a:prstGeom>
+        <a:solidFill>
+          <a:schemeClr val="accent1">
+            <a:hueOff val="0"/>
+            <a:satOff val="0"/>
+            <a:lumOff val="0"/>
+            <a:alphaOff val="0"/>
+          </a:schemeClr>
+        </a:solidFill>
+        <a:ln>
+          <a:noFill/>
+        </a:ln>
+        <a:effectLst/>
+        <a:scene3d>
+          <a:camera prst="orthographicFront">
+            <a:rot lat="0" lon="0" rev="0"/>
+          </a:camera>
+          <a:lightRig rig="contrasting" dir="t">
+            <a:rot lat="0" lon="0" rev="1200000"/>
+          </a:lightRig>
+        </a:scene3d>
+        <a:sp3d contourW="19050" prstMaterial="metal">
+          <a:bevelT w="88900" h="203200"/>
+          <a:bevelB w="165100" h="254000"/>
+        </a:sp3d>
+      </dsp:spPr>
+      <dsp:style>
+        <a:lnRef idx="0">
+          <a:scrgbClr r="0" g="0" b="0"/>
+        </a:lnRef>
+        <a:fillRef idx="1">
+          <a:scrgbClr r="0" g="0" b="0"/>
+        </a:fillRef>
+        <a:effectRef idx="1">
+          <a:scrgbClr r="0" g="0" b="0"/>
+        </a:effectRef>
+        <a:fontRef idx="minor">
+          <a:schemeClr val="lt1"/>
+        </a:fontRef>
+      </dsp:style>
+      <dsp:txBody>
+        <a:bodyPr spcFirstLastPara="0" vert="horz" wrap="square" lIns="15875" tIns="15875" rIns="15875" bIns="15875" numCol="1" spcCol="1270" anchor="ctr" anchorCtr="0">
+          <a:noAutofit/>
+        </a:bodyPr>
+        <a:lstStyle/>
+        <a:p>
+          <a:pPr lvl="0" algn="ctr" defTabSz="1111250">
+            <a:lnSpc>
+              <a:spcPct val="90000"/>
+            </a:lnSpc>
+            <a:spcBef>
+              <a:spcPct val="0"/>
+            </a:spcBef>
+            <a:spcAft>
+              <a:spcPct val="35000"/>
+            </a:spcAft>
+          </a:pPr>
+          <a:r>
+            <a:rPr lang="bg-BG" sz="2500" kern="1200" dirty="0" smtClean="0"/>
+            <a:t>Медицина</a:t>
+          </a:r>
+          <a:endParaRPr lang="en-US" sz="2500" kern="1200" dirty="0"/>
+        </a:p>
+      </dsp:txBody>
+      <dsp:txXfrm>
+        <a:off x="728938" y="3738655"/>
+        <a:ext cx="1754067" cy="877033"/>
+      </dsp:txXfrm>
+    </dsp:sp>
+    <dsp:sp modelId="{C00ECE24-9DFA-4755-87CF-67F1DD67A4FA}">
+      <dsp:nvSpPr>
+        <dsp:cNvPr id="0" name=""/>
+        <dsp:cNvSpPr/>
+      </dsp:nvSpPr>
+      <dsp:spPr>
+        <a:xfrm>
+          <a:off x="2412843" y="1247880"/>
+          <a:ext cx="1754067" cy="877033"/>
+        </a:xfrm>
+        <a:prstGeom prst="rect">
+          <a:avLst/>
+        </a:prstGeom>
+        <a:solidFill>
+          <a:schemeClr val="accent1">
+            <a:hueOff val="0"/>
+            <a:satOff val="0"/>
+            <a:lumOff val="0"/>
+            <a:alphaOff val="0"/>
+          </a:schemeClr>
+        </a:solidFill>
+        <a:ln>
+          <a:noFill/>
+        </a:ln>
+        <a:effectLst/>
+        <a:scene3d>
+          <a:camera prst="orthographicFront">
+            <a:rot lat="0" lon="0" rev="0"/>
+          </a:camera>
+          <a:lightRig rig="contrasting" dir="t">
+            <a:rot lat="0" lon="0" rev="1200000"/>
+          </a:lightRig>
+        </a:scene3d>
+        <a:sp3d contourW="19050" prstMaterial="metal">
+          <a:bevelT w="88900" h="203200"/>
+          <a:bevelB w="165100" h="254000"/>
+        </a:sp3d>
+      </dsp:spPr>
+      <dsp:style>
+        <a:lnRef idx="0">
+          <a:scrgbClr r="0" g="0" b="0"/>
+        </a:lnRef>
+        <a:fillRef idx="1">
+          <a:scrgbClr r="0" g="0" b="0"/>
+        </a:fillRef>
+        <a:effectRef idx="1">
+          <a:scrgbClr r="0" g="0" b="0"/>
+        </a:effectRef>
+        <a:fontRef idx="minor">
+          <a:schemeClr val="lt1"/>
+        </a:fontRef>
+      </dsp:style>
+      <dsp:txBody>
+        <a:bodyPr spcFirstLastPara="0" vert="horz" wrap="square" lIns="15875" tIns="15875" rIns="15875" bIns="15875" numCol="1" spcCol="1270" anchor="ctr" anchorCtr="0">
+          <a:noAutofit/>
+        </a:bodyPr>
+        <a:lstStyle/>
+        <a:p>
+          <a:pPr lvl="0" algn="ctr" defTabSz="1111250">
+            <a:lnSpc>
+              <a:spcPct val="90000"/>
+            </a:lnSpc>
+            <a:spcBef>
+              <a:spcPct val="0"/>
+            </a:spcBef>
+            <a:spcAft>
+              <a:spcPct val="35000"/>
+            </a:spcAft>
+          </a:pPr>
+          <a:r>
+            <a:rPr lang="bg-BG" sz="2500" kern="1200" dirty="0" smtClean="0"/>
+            <a:t>Работник</a:t>
+          </a:r>
+          <a:endParaRPr lang="en-US" sz="2500" kern="1200" dirty="0"/>
+        </a:p>
+      </dsp:txBody>
+      <dsp:txXfrm>
+        <a:off x="2412843" y="1247880"/>
+        <a:ext cx="1754067" cy="877033"/>
+      </dsp:txXfrm>
+    </dsp:sp>
+    <dsp:sp modelId="{6563D338-A0CA-4D6F-A261-CCA282369FB9}">
+      <dsp:nvSpPr>
+        <dsp:cNvPr id="0" name=""/>
+        <dsp:cNvSpPr/>
+      </dsp:nvSpPr>
+      <dsp:spPr>
+        <a:xfrm>
+          <a:off x="2851360" y="2493268"/>
+          <a:ext cx="1754067" cy="877033"/>
+        </a:xfrm>
+        <a:prstGeom prst="rect">
+          <a:avLst/>
+        </a:prstGeom>
+        <a:solidFill>
+          <a:schemeClr val="accent1">
+            <a:hueOff val="0"/>
+            <a:satOff val="0"/>
+            <a:lumOff val="0"/>
+            <a:alphaOff val="0"/>
+          </a:schemeClr>
+        </a:solidFill>
+        <a:ln>
+          <a:noFill/>
+        </a:ln>
+        <a:effectLst/>
+        <a:scene3d>
+          <a:camera prst="orthographicFront">
+            <a:rot lat="0" lon="0" rev="0"/>
+          </a:camera>
+          <a:lightRig rig="contrasting" dir="t">
+            <a:rot lat="0" lon="0" rev="1200000"/>
+          </a:lightRig>
+        </a:scene3d>
+        <a:sp3d contourW="19050" prstMaterial="metal">
+          <a:bevelT w="88900" h="203200"/>
+          <a:bevelB w="165100" h="254000"/>
+        </a:sp3d>
+      </dsp:spPr>
+      <dsp:style>
+        <a:lnRef idx="0">
+          <a:scrgbClr r="0" g="0" b="0"/>
+        </a:lnRef>
+        <a:fillRef idx="1">
+          <a:scrgbClr r="0" g="0" b="0"/>
+        </a:fillRef>
+        <a:effectRef idx="1">
+          <a:scrgbClr r="0" g="0" b="0"/>
+        </a:effectRef>
+        <a:fontRef idx="minor">
+          <a:schemeClr val="lt1"/>
+        </a:fontRef>
+      </dsp:style>
+      <dsp:txBody>
+        <a:bodyPr spcFirstLastPara="0" vert="horz" wrap="square" lIns="15875" tIns="15875" rIns="15875" bIns="15875" numCol="1" spcCol="1270" anchor="ctr" anchorCtr="0">
+          <a:noAutofit/>
+        </a:bodyPr>
+        <a:lstStyle/>
+        <a:p>
+          <a:pPr lvl="0" algn="ctr" defTabSz="1111250">
+            <a:lnSpc>
+              <a:spcPct val="90000"/>
+            </a:lnSpc>
+            <a:spcBef>
+              <a:spcPct val="0"/>
+            </a:spcBef>
+            <a:spcAft>
+              <a:spcPct val="35000"/>
+            </a:spcAft>
+          </a:pPr>
+          <a:r>
+            <a:rPr lang="bg-BG" sz="2500" kern="1200" dirty="0" smtClean="0"/>
+            <a:t>Програмист</a:t>
+          </a:r>
+          <a:endParaRPr lang="en-US" sz="2500" kern="1200" dirty="0"/>
+        </a:p>
+      </dsp:txBody>
+      <dsp:txXfrm>
+        <a:off x="2851360" y="2493268"/>
+        <a:ext cx="1754067" cy="877033"/>
+      </dsp:txXfrm>
+    </dsp:sp>
+    <dsp:sp modelId="{FB3D2310-5762-45ED-8BA5-3DA821375649}">
+      <dsp:nvSpPr>
+        <dsp:cNvPr id="0" name=""/>
+        <dsp:cNvSpPr/>
+      </dsp:nvSpPr>
+      <dsp:spPr>
+        <a:xfrm>
+          <a:off x="2851360" y="3738655"/>
+          <a:ext cx="1754067" cy="877033"/>
+        </a:xfrm>
+        <a:prstGeom prst="rect">
+          <a:avLst/>
+        </a:prstGeom>
+        <a:solidFill>
+          <a:schemeClr val="accent1">
+            <a:hueOff val="0"/>
+            <a:satOff val="0"/>
+            <a:lumOff val="0"/>
+            <a:alphaOff val="0"/>
+          </a:schemeClr>
+        </a:solidFill>
+        <a:ln>
+          <a:noFill/>
+        </a:ln>
+        <a:effectLst/>
+        <a:scene3d>
+          <a:camera prst="orthographicFront">
+            <a:rot lat="0" lon="0" rev="0"/>
+          </a:camera>
+          <a:lightRig rig="contrasting" dir="t">
+            <a:rot lat="0" lon="0" rev="1200000"/>
+          </a:lightRig>
+        </a:scene3d>
+        <a:sp3d contourW="19050" prstMaterial="metal">
+          <a:bevelT w="88900" h="203200"/>
+          <a:bevelB w="165100" h="254000"/>
+        </a:sp3d>
+      </dsp:spPr>
+      <dsp:style>
+        <a:lnRef idx="0">
+          <a:scrgbClr r="0" g="0" b="0"/>
+        </a:lnRef>
+        <a:fillRef idx="1">
+          <a:scrgbClr r="0" g="0" b="0"/>
+        </a:fillRef>
+        <a:effectRef idx="1">
+          <a:scrgbClr r="0" g="0" b="0"/>
+        </a:effectRef>
+        <a:fontRef idx="minor">
+          <a:schemeClr val="lt1"/>
+        </a:fontRef>
+      </dsp:style>
+      <dsp:txBody>
+        <a:bodyPr spcFirstLastPara="0" vert="horz" wrap="square" lIns="15875" tIns="15875" rIns="15875" bIns="15875" numCol="1" spcCol="1270" anchor="ctr" anchorCtr="0">
+          <a:noAutofit/>
+        </a:bodyPr>
+        <a:lstStyle/>
+        <a:p>
+          <a:pPr lvl="0" algn="ctr" defTabSz="1111250">
+            <a:lnSpc>
+              <a:spcPct val="90000"/>
+            </a:lnSpc>
+            <a:spcBef>
+              <a:spcPct val="0"/>
+            </a:spcBef>
+            <a:spcAft>
+              <a:spcPct val="35000"/>
+            </a:spcAft>
+          </a:pPr>
+          <a:r>
+            <a:rPr lang="bg-BG" sz="2500" kern="1200" dirty="0" smtClean="0"/>
+            <a:t>Инженер</a:t>
+          </a:r>
+          <a:endParaRPr lang="en-US" sz="2500" kern="1200" dirty="0"/>
+        </a:p>
+      </dsp:txBody>
+      <dsp:txXfrm>
+        <a:off x="2851360" y="3738655"/>
+        <a:ext cx="1754067" cy="877033"/>
+      </dsp:txXfrm>
+    </dsp:sp>
   </dsp:spTree>
 </dsp:drawing>
 </file>
@@ -10458,7 +12635,7 @@
           <a:p>
             <a:fld id="{D10AF160-CD5A-4A77-96B0-C85B80371432}" type="datetimeFigureOut">
               <a:rPr lang="en-US" smtClean="0"/>
-              <a:t>04-May-16</a:t>
+              <a:t>16-May-16</a:t>
             </a:fld>
             <a:endParaRPr lang="en-US"/>
           </a:p>
@@ -10623,7 +12800,7 @@
           <a:p>
             <a:fld id="{F6A950C5-F15E-44EA-AF6A-22227443235C}" type="datetimeFigureOut">
               <a:rPr lang="en-US" smtClean="0"/>
-              <a:t>04-May-16</a:t>
+              <a:t>16-May-16</a:t>
             </a:fld>
             <a:endParaRPr lang="en-US"/>
           </a:p>
@@ -11392,7 +13569,7 @@
           <a:p>
             <a:fld id="{6F66794D-9D79-4AC5-96DA-597EA4BF2704}" type="datetimeFigureOut">
               <a:rPr lang="en-US" smtClean="0"/>
-              <a:t>04-May-16</a:t>
+              <a:t>16-May-16</a:t>
             </a:fld>
             <a:endParaRPr lang="en-US"/>
           </a:p>
@@ -11485,6 +13662,14 @@
   <p:clrMapOvr>
     <a:masterClrMapping/>
   </p:clrMapOvr>
+  <mc:AlternateContent xmlns:mc="http://schemas.openxmlformats.org/markup-compatibility/2006">
+    <mc:Choice xmlns:p14="http://schemas.microsoft.com/office/powerpoint/2010/main" Requires="p14">
+      <p:transition spd="slow" p14:dur="2000"/>
+    </mc:Choice>
+    <mc:Fallback>
+      <p:transition spd="slow"/>
+    </mc:Fallback>
+  </mc:AlternateContent>
 </p:sldLayout>
 </file>
 
@@ -11718,7 +13903,7 @@
           <a:p>
             <a:fld id="{6F66794D-9D79-4AC5-96DA-597EA4BF2704}" type="datetimeFigureOut">
               <a:rPr lang="en-US" smtClean="0"/>
-              <a:t>04-May-16</a:t>
+              <a:t>16-May-16</a:t>
             </a:fld>
             <a:endParaRPr lang="en-US"/>
           </a:p>
@@ -11776,6 +13961,14 @@
   <p:clrMapOvr>
     <a:masterClrMapping/>
   </p:clrMapOvr>
+  <mc:AlternateContent xmlns:mc="http://schemas.openxmlformats.org/markup-compatibility/2006">
+    <mc:Choice xmlns:p14="http://schemas.microsoft.com/office/powerpoint/2010/main" Requires="p14">
+      <p:transition spd="slow" p14:dur="2000"/>
+    </mc:Choice>
+    <mc:Fallback>
+      <p:transition spd="slow"/>
+    </mc:Fallback>
+  </mc:AlternateContent>
 </p:sldLayout>
 </file>
 
@@ -11966,7 +14159,7 @@
           <a:p>
             <a:fld id="{6F66794D-9D79-4AC5-96DA-597EA4BF2704}" type="datetimeFigureOut">
               <a:rPr lang="en-US" smtClean="0"/>
-              <a:t>04-May-16</a:t>
+              <a:t>16-May-16</a:t>
             </a:fld>
             <a:endParaRPr lang="en-US"/>
           </a:p>
@@ -12024,6 +14217,14 @@
   <p:clrMapOvr>
     <a:masterClrMapping/>
   </p:clrMapOvr>
+  <mc:AlternateContent xmlns:mc="http://schemas.openxmlformats.org/markup-compatibility/2006">
+    <mc:Choice xmlns:p14="http://schemas.microsoft.com/office/powerpoint/2010/main" Requires="p14">
+      <p:transition spd="slow" p14:dur="2000"/>
+    </mc:Choice>
+    <mc:Fallback>
+      <p:transition spd="slow"/>
+    </mc:Fallback>
+  </mc:AlternateContent>
 </p:sldLayout>
 </file>
 
@@ -12506,7 +14707,7 @@
           <a:p>
             <a:fld id="{6F66794D-9D79-4AC5-96DA-597EA4BF2704}" type="datetimeFigureOut">
               <a:rPr lang="en-US" smtClean="0"/>
-              <a:t>04-May-16</a:t>
+              <a:t>16-May-16</a:t>
             </a:fld>
             <a:endParaRPr lang="en-US"/>
           </a:p>
@@ -12564,6 +14765,14 @@
   <p:clrMapOvr>
     <a:masterClrMapping/>
   </p:clrMapOvr>
+  <mc:AlternateContent xmlns:mc="http://schemas.openxmlformats.org/markup-compatibility/2006">
+    <mc:Choice xmlns:p14="http://schemas.microsoft.com/office/powerpoint/2010/main" Requires="p14">
+      <p:transition spd="slow" p14:dur="2000"/>
+    </mc:Choice>
+    <mc:Fallback>
+      <p:transition spd="slow"/>
+    </mc:Fallback>
+  </mc:AlternateContent>
 </p:sldLayout>
 </file>
 
@@ -12754,7 +14963,7 @@
           <a:p>
             <a:fld id="{6F66794D-9D79-4AC5-96DA-597EA4BF2704}" type="datetimeFigureOut">
               <a:rPr lang="en-US" smtClean="0"/>
-              <a:t>04-May-16</a:t>
+              <a:t>16-May-16</a:t>
             </a:fld>
             <a:endParaRPr lang="en-US"/>
           </a:p>
@@ -12812,6 +15021,14 @@
   <p:clrMapOvr>
     <a:masterClrMapping/>
   </p:clrMapOvr>
+  <mc:AlternateContent xmlns:mc="http://schemas.openxmlformats.org/markup-compatibility/2006">
+    <mc:Choice xmlns:p14="http://schemas.microsoft.com/office/powerpoint/2010/main" Requires="p14">
+      <p:transition spd="slow" p14:dur="2000"/>
+    </mc:Choice>
+    <mc:Fallback>
+      <p:transition spd="slow"/>
+    </mc:Fallback>
+  </mc:AlternateContent>
 </p:sldLayout>
 </file>
 
@@ -13286,7 +15503,7 @@
           <a:p>
             <a:fld id="{6F66794D-9D79-4AC5-96DA-597EA4BF2704}" type="datetimeFigureOut">
               <a:rPr lang="en-US" smtClean="0"/>
-              <a:t>04-May-16</a:t>
+              <a:t>16-May-16</a:t>
             </a:fld>
             <a:endParaRPr lang="en-US"/>
           </a:p>
@@ -13344,6 +15561,14 @@
   <p:clrMapOvr>
     <a:masterClrMapping/>
   </p:clrMapOvr>
+  <mc:AlternateContent xmlns:mc="http://schemas.openxmlformats.org/markup-compatibility/2006">
+    <mc:Choice xmlns:p14="http://schemas.microsoft.com/office/powerpoint/2010/main" Requires="p14">
+      <p:transition spd="slow" p14:dur="2000"/>
+    </mc:Choice>
+    <mc:Fallback>
+      <p:transition spd="slow"/>
+    </mc:Fallback>
+  </mc:AlternateContent>
 </p:sldLayout>
 </file>
 
@@ -13583,7 +15808,7 @@
           <a:p>
             <a:fld id="{6F66794D-9D79-4AC5-96DA-597EA4BF2704}" type="datetimeFigureOut">
               <a:rPr lang="en-US" smtClean="0"/>
-              <a:t>04-May-16</a:t>
+              <a:t>16-May-16</a:t>
             </a:fld>
             <a:endParaRPr lang="en-US"/>
           </a:p>
@@ -13641,6 +15866,14 @@
   <p:clrMapOvr>
     <a:masterClrMapping/>
   </p:clrMapOvr>
+  <mc:AlternateContent xmlns:mc="http://schemas.openxmlformats.org/markup-compatibility/2006">
+    <mc:Choice xmlns:p14="http://schemas.microsoft.com/office/powerpoint/2010/main" Requires="p14">
+      <p:transition spd="slow" p14:dur="2000"/>
+    </mc:Choice>
+    <mc:Fallback>
+      <p:transition spd="slow"/>
+    </mc:Fallback>
+  </mc:AlternateContent>
 </p:sldLayout>
 </file>
 
@@ -13757,7 +15990,7 @@
           <a:p>
             <a:fld id="{6F66794D-9D79-4AC5-96DA-597EA4BF2704}" type="datetimeFigureOut">
               <a:rPr lang="en-US" smtClean="0"/>
-              <a:t>04-May-16</a:t>
+              <a:t>16-May-16</a:t>
             </a:fld>
             <a:endParaRPr lang="en-US"/>
           </a:p>
@@ -13815,6 +16048,14 @@
   <p:clrMapOvr>
     <a:masterClrMapping/>
   </p:clrMapOvr>
+  <mc:AlternateContent xmlns:mc="http://schemas.openxmlformats.org/markup-compatibility/2006">
+    <mc:Choice xmlns:p14="http://schemas.microsoft.com/office/powerpoint/2010/main" Requires="p14">
+      <p:transition spd="slow" p14:dur="2000"/>
+    </mc:Choice>
+    <mc:Fallback>
+      <p:transition spd="slow"/>
+    </mc:Fallback>
+  </mc:AlternateContent>
 </p:sldLayout>
 </file>
 
@@ -13937,7 +16178,7 @@
           <a:p>
             <a:fld id="{6F66794D-9D79-4AC5-96DA-597EA4BF2704}" type="datetimeFigureOut">
               <a:rPr lang="en-US" smtClean="0"/>
-              <a:t>04-May-16</a:t>
+              <a:t>16-May-16</a:t>
             </a:fld>
             <a:endParaRPr lang="en-US"/>
           </a:p>
@@ -13995,6 +16236,14 @@
   <p:clrMapOvr>
     <a:masterClrMapping/>
   </p:clrMapOvr>
+  <mc:AlternateContent xmlns:mc="http://schemas.openxmlformats.org/markup-compatibility/2006">
+    <mc:Choice xmlns:p14="http://schemas.microsoft.com/office/powerpoint/2010/main" Requires="p14">
+      <p:transition spd="slow" p14:dur="2000"/>
+    </mc:Choice>
+    <mc:Fallback>
+      <p:transition spd="slow"/>
+    </mc:Fallback>
+  </mc:AlternateContent>
 </p:sldLayout>
 </file>
 
@@ -14107,7 +16356,7 @@
           <a:p>
             <a:fld id="{6F66794D-9D79-4AC5-96DA-597EA4BF2704}" type="datetimeFigureOut">
               <a:rPr lang="en-US" smtClean="0"/>
-              <a:t>04-May-16</a:t>
+              <a:t>16-May-16</a:t>
             </a:fld>
             <a:endParaRPr lang="en-US"/>
           </a:p>
@@ -14200,6 +16449,14 @@
   <p:clrMapOvr>
     <a:masterClrMapping/>
   </p:clrMapOvr>
+  <mc:AlternateContent xmlns:mc="http://schemas.openxmlformats.org/markup-compatibility/2006">
+    <mc:Choice xmlns:p14="http://schemas.microsoft.com/office/powerpoint/2010/main" Requires="p14">
+      <p:transition spd="slow" p14:dur="2000"/>
+    </mc:Choice>
+    <mc:Fallback>
+      <p:transition spd="slow"/>
+    </mc:Fallback>
+  </mc:AlternateContent>
 </p:sldLayout>
 </file>
 
@@ -14388,7 +16645,7 @@
           <a:p>
             <a:fld id="{6F66794D-9D79-4AC5-96DA-597EA4BF2704}" type="datetimeFigureOut">
               <a:rPr lang="en-US" smtClean="0"/>
-              <a:t>04-May-16</a:t>
+              <a:t>16-May-16</a:t>
             </a:fld>
             <a:endParaRPr lang="en-US"/>
           </a:p>
@@ -14446,6 +16703,14 @@
   <p:clrMapOvr>
     <a:masterClrMapping/>
   </p:clrMapOvr>
+  <mc:AlternateContent xmlns:mc="http://schemas.openxmlformats.org/markup-compatibility/2006">
+    <mc:Choice xmlns:p14="http://schemas.microsoft.com/office/powerpoint/2010/main" Requires="p14">
+      <p:transition spd="slow" p14:dur="2000"/>
+    </mc:Choice>
+    <mc:Fallback>
+      <p:transition spd="slow"/>
+    </mc:Fallback>
+  </mc:AlternateContent>
 </p:sldLayout>
 </file>
 
@@ -14685,7 +16950,7 @@
           <a:p>
             <a:fld id="{6F66794D-9D79-4AC5-96DA-597EA4BF2704}" type="datetimeFigureOut">
               <a:rPr lang="en-US" smtClean="0"/>
-              <a:t>04-May-16</a:t>
+              <a:t>16-May-16</a:t>
             </a:fld>
             <a:endParaRPr lang="en-US"/>
           </a:p>
@@ -14773,6 +17038,14 @@
   <p:clrMapOvr>
     <a:masterClrMapping/>
   </p:clrMapOvr>
+  <mc:AlternateContent xmlns:mc="http://schemas.openxmlformats.org/markup-compatibility/2006">
+    <mc:Choice xmlns:p14="http://schemas.microsoft.com/office/powerpoint/2010/main" Requires="p14">
+      <p:transition spd="slow" p14:dur="2000"/>
+    </mc:Choice>
+    <mc:Fallback>
+      <p:transition spd="slow"/>
+    </mc:Fallback>
+  </mc:AlternateContent>
 </p:sldLayout>
 </file>
 
@@ -15157,7 +17430,7 @@
           <a:p>
             <a:fld id="{6F66794D-9D79-4AC5-96DA-597EA4BF2704}" type="datetimeFigureOut">
               <a:rPr lang="en-US" smtClean="0"/>
-              <a:t>04-May-16</a:t>
+              <a:t>16-May-16</a:t>
             </a:fld>
             <a:endParaRPr lang="en-US"/>
           </a:p>
@@ -15245,6 +17518,14 @@
   <p:clrMapOvr>
     <a:masterClrMapping/>
   </p:clrMapOvr>
+  <mc:AlternateContent xmlns:mc="http://schemas.openxmlformats.org/markup-compatibility/2006">
+    <mc:Choice xmlns:p14="http://schemas.microsoft.com/office/powerpoint/2010/main" Requires="p14">
+      <p:transition spd="slow" p14:dur="2000"/>
+    </mc:Choice>
+    <mc:Fallback>
+      <p:transition spd="slow"/>
+    </mc:Fallback>
+  </mc:AlternateContent>
 </p:sldLayout>
 </file>
 
@@ -15305,7 +17586,7 @@
           <a:p>
             <a:fld id="{6F66794D-9D79-4AC5-96DA-597EA4BF2704}" type="datetimeFigureOut">
               <a:rPr lang="en-US" smtClean="0"/>
-              <a:t>04-May-16</a:t>
+              <a:t>16-May-16</a:t>
             </a:fld>
             <a:endParaRPr lang="en-US"/>
           </a:p>
@@ -15363,6 +17644,14 @@
   <p:clrMapOvr>
     <a:masterClrMapping/>
   </p:clrMapOvr>
+  <mc:AlternateContent xmlns:mc="http://schemas.openxmlformats.org/markup-compatibility/2006">
+    <mc:Choice xmlns:p14="http://schemas.microsoft.com/office/powerpoint/2010/main" Requires="p14">
+      <p:transition spd="slow" p14:dur="2000"/>
+    </mc:Choice>
+    <mc:Fallback>
+      <p:transition spd="slow"/>
+    </mc:Fallback>
+  </mc:AlternateContent>
 </p:sldLayout>
 </file>
 
@@ -15400,7 +17689,7 @@
           <a:p>
             <a:fld id="{6F66794D-9D79-4AC5-96DA-597EA4BF2704}" type="datetimeFigureOut">
               <a:rPr lang="en-US" smtClean="0"/>
-              <a:t>04-May-16</a:t>
+              <a:t>16-May-16</a:t>
             </a:fld>
             <a:endParaRPr lang="en-US"/>
           </a:p>
@@ -15458,6 +17747,14 @@
   <p:clrMapOvr>
     <a:masterClrMapping/>
   </p:clrMapOvr>
+  <mc:AlternateContent xmlns:mc="http://schemas.openxmlformats.org/markup-compatibility/2006">
+    <mc:Choice xmlns:p14="http://schemas.microsoft.com/office/powerpoint/2010/main" Requires="p14">
+      <p:transition spd="slow" p14:dur="2000"/>
+    </mc:Choice>
+    <mc:Fallback>
+      <p:transition spd="slow"/>
+    </mc:Fallback>
+  </mc:AlternateContent>
 </p:sldLayout>
 </file>
 
@@ -15683,7 +17980,7 @@
           <a:p>
             <a:fld id="{6F66794D-9D79-4AC5-96DA-597EA4BF2704}" type="datetimeFigureOut">
               <a:rPr lang="en-US" smtClean="0"/>
-              <a:t>04-May-16</a:t>
+              <a:t>16-May-16</a:t>
             </a:fld>
             <a:endParaRPr lang="en-US"/>
           </a:p>
@@ -15741,6 +18038,14 @@
   <p:clrMapOvr>
     <a:masterClrMapping/>
   </p:clrMapOvr>
+  <mc:AlternateContent xmlns:mc="http://schemas.openxmlformats.org/markup-compatibility/2006">
+    <mc:Choice xmlns:p14="http://schemas.microsoft.com/office/powerpoint/2010/main" Requires="p14">
+      <p:transition spd="slow" p14:dur="2000"/>
+    </mc:Choice>
+    <mc:Fallback>
+      <p:transition spd="slow"/>
+    </mc:Fallback>
+  </mc:AlternateContent>
 </p:sldLayout>
 </file>
 
@@ -15974,7 +18279,7 @@
           <a:p>
             <a:fld id="{6F66794D-9D79-4AC5-96DA-597EA4BF2704}" type="datetimeFigureOut">
               <a:rPr lang="en-US" smtClean="0"/>
-              <a:t>04-May-16</a:t>
+              <a:t>16-May-16</a:t>
             </a:fld>
             <a:endParaRPr lang="en-US"/>
           </a:p>
@@ -16032,6 +18337,14 @@
   <p:clrMapOvr>
     <a:masterClrMapping/>
   </p:clrMapOvr>
+  <mc:AlternateContent xmlns:mc="http://schemas.openxmlformats.org/markup-compatibility/2006">
+    <mc:Choice xmlns:p14="http://schemas.microsoft.com/office/powerpoint/2010/main" Requires="p14">
+      <p:transition spd="slow" p14:dur="2000"/>
+    </mc:Choice>
+    <mc:Fallback>
+      <p:transition spd="slow"/>
+    </mc:Fallback>
+  </mc:AlternateContent>
 </p:sldLayout>
 </file>
 
@@ -16504,7 +18817,7 @@
           <a:p>
             <a:fld id="{6F66794D-9D79-4AC5-96DA-597EA4BF2704}" type="datetimeFigureOut">
               <a:rPr lang="en-US" smtClean="0"/>
-              <a:t>04-May-16</a:t>
+              <a:t>16-May-16</a:t>
             </a:fld>
             <a:endParaRPr lang="en-US"/>
           </a:p>
@@ -16615,6 +18928,14 @@
     <p:sldLayoutId id="2147484173" r:id="rId16"/>
     <p:sldLayoutId id="2147484174" r:id="rId17"/>
   </p:sldLayoutIdLst>
+  <mc:AlternateContent xmlns:mc="http://schemas.openxmlformats.org/markup-compatibility/2006">
+    <mc:Choice xmlns:p14="http://schemas.microsoft.com/office/powerpoint/2010/main" Requires="p14">
+      <p:transition spd="slow" p14:dur="2000"/>
+    </mc:Choice>
+    <mc:Fallback>
+      <p:transition spd="slow"/>
+    </mc:Fallback>
+  </mc:AlternateContent>
   <p:txStyles>
     <p:titleStyle>
       <a:lvl1pPr algn="ctr" defTabSz="457200" rtl="0" eaLnBrk="1" latinLnBrk="0" hangingPunct="1">
@@ -17015,7 +19336,7 @@
       </a:lvl9pPr>
     </p:otherStyle>
   </p:txStyles>
-  <p:extLst>
+  <p:extLst mod="1">
     <p:ext uri="{27BBF7A9-308A-43DC-89C8-2F10F3537804}">
       <p15:sldGuideLst xmlns:p15="http://schemas.microsoft.com/office/powerpoint/2012/main"/>
     </p:ext>
@@ -17137,6 +19458,14 @@
   <p:clrMapOvr>
     <a:masterClrMapping/>
   </p:clrMapOvr>
+  <mc:AlternateContent xmlns:mc="http://schemas.openxmlformats.org/markup-compatibility/2006">
+    <mc:Choice xmlns:p14="http://schemas.microsoft.com/office/powerpoint/2010/main" Requires="p14">
+      <p:transition spd="slow" p14:dur="2000"/>
+    </mc:Choice>
+    <mc:Fallback>
+      <p:transition spd="slow"/>
+    </mc:Fallback>
+  </mc:AlternateContent>
 </p:sld>
 </file>
 
@@ -17224,6 +19553,14 @@
   <p:clrMapOvr>
     <a:masterClrMapping/>
   </p:clrMapOvr>
+  <mc:AlternateContent xmlns:mc="http://schemas.openxmlformats.org/markup-compatibility/2006">
+    <mc:Choice xmlns:p14="http://schemas.microsoft.com/office/powerpoint/2010/main" Requires="p14">
+      <p:transition spd="slow" p14:dur="2000"/>
+    </mc:Choice>
+    <mc:Fallback>
+      <p:transition spd="slow"/>
+    </mc:Fallback>
+  </mc:AlternateContent>
 </p:sld>
 </file>
 
@@ -17638,6 +19975,14 @@
   <p:clrMapOvr>
     <a:masterClrMapping/>
   </p:clrMapOvr>
+  <mc:AlternateContent xmlns:mc="http://schemas.openxmlformats.org/markup-compatibility/2006">
+    <mc:Choice xmlns:p14="http://schemas.microsoft.com/office/powerpoint/2010/main" Requires="p14">
+      <p:transition spd="slow" p14:dur="2000"/>
+    </mc:Choice>
+    <mc:Fallback>
+      <p:transition spd="slow"/>
+    </mc:Fallback>
+  </mc:AlternateContent>
 </p:sld>
 </file>
 
@@ -18013,6 +20358,14 @@
   <p:clrMapOvr>
     <a:masterClrMapping/>
   </p:clrMapOvr>
+  <mc:AlternateContent xmlns:mc="http://schemas.openxmlformats.org/markup-compatibility/2006">
+    <mc:Choice xmlns:p14="http://schemas.microsoft.com/office/powerpoint/2010/main" Requires="p14">
+      <p:transition spd="slow" p14:dur="2000"/>
+    </mc:Choice>
+    <mc:Fallback>
+      <p:transition spd="slow"/>
+    </mc:Fallback>
+  </mc:AlternateContent>
 </p:sld>
 </file>
 
@@ -18535,6 +20888,14 @@
   <p:clrMapOvr>
     <a:masterClrMapping/>
   </p:clrMapOvr>
+  <mc:AlternateContent xmlns:mc="http://schemas.openxmlformats.org/markup-compatibility/2006">
+    <mc:Choice xmlns:p14="http://schemas.microsoft.com/office/powerpoint/2010/main" Requires="p14">
+      <p:transition spd="slow" p14:dur="2000"/>
+    </mc:Choice>
+    <mc:Fallback>
+      <p:transition spd="slow"/>
+    </mc:Fallback>
+  </mc:AlternateContent>
 </p:sld>
 </file>
 
@@ -18623,6 +20984,14 @@
   <p:clrMapOvr>
     <a:masterClrMapping/>
   </p:clrMapOvr>
+  <mc:AlternateContent xmlns:mc="http://schemas.openxmlformats.org/markup-compatibility/2006">
+    <mc:Choice xmlns:p14="http://schemas.microsoft.com/office/powerpoint/2010/main" Requires="p14">
+      <p:transition spd="slow" p14:dur="2000"/>
+    </mc:Choice>
+    <mc:Fallback>
+      <p:transition spd="slow"/>
+    </mc:Fallback>
+  </mc:AlternateContent>
   <p:timing>
     <p:tnLst>
       <p:par>
@@ -19367,6 +21736,14 @@
   <p:clrMapOvr>
     <a:masterClrMapping/>
   </p:clrMapOvr>
+  <mc:AlternateContent xmlns:mc="http://schemas.openxmlformats.org/markup-compatibility/2006">
+    <mc:Choice xmlns:p14="http://schemas.microsoft.com/office/powerpoint/2010/main" Requires="p14">
+      <p:transition spd="slow" p14:dur="2000"/>
+    </mc:Choice>
+    <mc:Fallback>
+      <p:transition spd="slow"/>
+    </mc:Fallback>
+  </mc:AlternateContent>
 </p:sld>
 </file>
 
@@ -19455,6 +21832,14 @@
   <p:clrMapOvr>
     <a:masterClrMapping/>
   </p:clrMapOvr>
+  <mc:AlternateContent xmlns:mc="http://schemas.openxmlformats.org/markup-compatibility/2006">
+    <mc:Choice xmlns:p14="http://schemas.microsoft.com/office/powerpoint/2010/main" Requires="p14">
+      <p:transition spd="slow" p14:dur="2000"/>
+    </mc:Choice>
+    <mc:Fallback>
+      <p:transition spd="slow"/>
+    </mc:Fallback>
+  </mc:AlternateContent>
   <p:timing>
     <p:tnLst>
       <p:par>
@@ -19962,6 +22347,14 @@
   <p:clrMapOvr>
     <a:masterClrMapping/>
   </p:clrMapOvr>
+  <mc:AlternateContent xmlns:mc="http://schemas.openxmlformats.org/markup-compatibility/2006">
+    <mc:Choice xmlns:p14="http://schemas.microsoft.com/office/powerpoint/2010/main" Requires="p14">
+      <p:transition spd="slow" p14:dur="2000"/>
+    </mc:Choice>
+    <mc:Fallback>
+      <p:transition spd="slow"/>
+    </mc:Fallback>
+  </mc:AlternateContent>
 </p:sld>
 </file>
 
@@ -20521,6 +22914,14 @@
   <p:clrMapOvr>
     <a:masterClrMapping/>
   </p:clrMapOvr>
+  <mc:AlternateContent xmlns:mc="http://schemas.openxmlformats.org/markup-compatibility/2006">
+    <mc:Choice xmlns:p14="http://schemas.microsoft.com/office/powerpoint/2010/main" Requires="p14">
+      <p:transition spd="slow" p14:dur="2000"/>
+    </mc:Choice>
+    <mc:Fallback>
+      <p:transition spd="slow"/>
+    </mc:Fallback>
+  </mc:AlternateContent>
 </p:sld>
 </file>
 
@@ -20609,6 +23010,14 @@
   <p:clrMapOvr>
     <a:masterClrMapping/>
   </p:clrMapOvr>
+  <mc:AlternateContent xmlns:mc="http://schemas.openxmlformats.org/markup-compatibility/2006">
+    <mc:Choice xmlns:p14="http://schemas.microsoft.com/office/powerpoint/2010/main" Requires="p14">
+      <p:transition spd="slow" p14:dur="2000"/>
+    </mc:Choice>
+    <mc:Fallback>
+      <p:transition spd="slow"/>
+    </mc:Fallback>
+  </mc:AlternateContent>
   <p:timing>
     <p:tnLst>
       <p:par>
@@ -20729,6 +23138,14 @@
   <p:clrMapOvr>
     <a:masterClrMapping/>
   </p:clrMapOvr>
+  <mc:AlternateContent xmlns:mc="http://schemas.openxmlformats.org/markup-compatibility/2006">
+    <mc:Choice xmlns:p14="http://schemas.microsoft.com/office/powerpoint/2010/main" Requires="p14">
+      <p:transition spd="slow" p14:dur="2000"/>
+    </mc:Choice>
+    <mc:Fallback>
+      <p:transition spd="slow"/>
+    </mc:Fallback>
+  </mc:AlternateContent>
 </p:sld>
 </file>
 
@@ -21415,6 +23832,14 @@
   <p:clrMapOvr>
     <a:masterClrMapping/>
   </p:clrMapOvr>
+  <mc:AlternateContent xmlns:mc="http://schemas.openxmlformats.org/markup-compatibility/2006">
+    <mc:Choice xmlns:p14="http://schemas.microsoft.com/office/powerpoint/2010/main" Requires="p14">
+      <p:transition spd="slow" p14:dur="2000"/>
+    </mc:Choice>
+    <mc:Fallback>
+      <p:transition spd="slow"/>
+    </mc:Fallback>
+  </mc:AlternateContent>
 </p:sld>
 </file>
 
@@ -21780,6 +24205,14 @@
   <p:clrMapOvr>
     <a:masterClrMapping/>
   </p:clrMapOvr>
+  <mc:AlternateContent xmlns:mc="http://schemas.openxmlformats.org/markup-compatibility/2006">
+    <mc:Choice xmlns:p14="http://schemas.microsoft.com/office/powerpoint/2010/main" Requires="p14">
+      <p:transition spd="slow" p14:dur="2000"/>
+    </mc:Choice>
+    <mc:Fallback>
+      <p:transition spd="slow"/>
+    </mc:Fallback>
+  </mc:AlternateContent>
 </p:sld>
 </file>
 
@@ -22051,6 +24484,14 @@
   <p:clrMapOvr>
     <a:masterClrMapping/>
   </p:clrMapOvr>
+  <mc:AlternateContent xmlns:mc="http://schemas.openxmlformats.org/markup-compatibility/2006">
+    <mc:Choice xmlns:p14="http://schemas.microsoft.com/office/powerpoint/2010/main" Requires="p14">
+      <p:transition spd="slow" p14:dur="2000"/>
+    </mc:Choice>
+    <mc:Fallback>
+      <p:transition spd="slow"/>
+    </mc:Fallback>
+  </mc:AlternateContent>
 </p:sld>
 </file>
 
@@ -22149,6 +24590,14 @@
   <p:clrMapOvr>
     <a:masterClrMapping/>
   </p:clrMapOvr>
+  <mc:AlternateContent xmlns:mc="http://schemas.openxmlformats.org/markup-compatibility/2006">
+    <mc:Choice xmlns:p14="http://schemas.microsoft.com/office/powerpoint/2010/main" Requires="p14">
+      <p:transition spd="slow" p14:dur="2000"/>
+    </mc:Choice>
+    <mc:Fallback>
+      <p:transition spd="slow"/>
+    </mc:Fallback>
+  </mc:AlternateContent>
   <p:timing>
     <p:tnLst>
       <p:par>
@@ -22641,6 +25090,14 @@
   <p:clrMapOvr>
     <a:masterClrMapping/>
   </p:clrMapOvr>
+  <mc:AlternateContent xmlns:mc="http://schemas.openxmlformats.org/markup-compatibility/2006">
+    <mc:Choice xmlns:p14="http://schemas.microsoft.com/office/powerpoint/2010/main" Requires="p14">
+      <p:transition spd="slow" p14:dur="2000"/>
+    </mc:Choice>
+    <mc:Fallback>
+      <p:transition spd="slow"/>
+    </mc:Fallback>
+  </mc:AlternateContent>
 </p:sld>
 </file>
 
@@ -22729,6 +25186,14 @@
   <p:clrMapOvr>
     <a:masterClrMapping/>
   </p:clrMapOvr>
+  <mc:AlternateContent xmlns:mc="http://schemas.openxmlformats.org/markup-compatibility/2006">
+    <mc:Choice xmlns:p14="http://schemas.microsoft.com/office/powerpoint/2010/main" Requires="p14">
+      <p:transition spd="slow" p14:dur="2000"/>
+    </mc:Choice>
+    <mc:Fallback>
+      <p:transition spd="slow"/>
+    </mc:Fallback>
+  </mc:AlternateContent>
   <p:timing>
     <p:tnLst>
       <p:par>
@@ -22872,6 +25337,14 @@
   <p:clrMapOvr>
     <a:masterClrMapping/>
   </p:clrMapOvr>
+  <mc:AlternateContent xmlns:mc="http://schemas.openxmlformats.org/markup-compatibility/2006">
+    <mc:Choice xmlns:p14="http://schemas.microsoft.com/office/powerpoint/2010/main" Requires="p14">
+      <p:transition spd="slow" p14:dur="2000"/>
+    </mc:Choice>
+    <mc:Fallback>
+      <p:transition spd="slow"/>
+    </mc:Fallback>
+  </mc:AlternateContent>
 </p:sld>
 </file>
 
@@ -23557,6 +26030,14 @@
   <p:clrMapOvr>
     <a:masterClrMapping/>
   </p:clrMapOvr>
+  <mc:AlternateContent xmlns:mc="http://schemas.openxmlformats.org/markup-compatibility/2006">
+    <mc:Choice xmlns:p14="http://schemas.microsoft.com/office/powerpoint/2010/main" Requires="p14">
+      <p:transition spd="slow" p14:dur="2000"/>
+    </mc:Choice>
+    <mc:Fallback>
+      <p:transition spd="slow"/>
+    </mc:Fallback>
+  </mc:AlternateContent>
 </p:sld>
 </file>
 
@@ -23645,6 +26126,14 @@
   <p:clrMapOvr>
     <a:masterClrMapping/>
   </p:clrMapOvr>
+  <mc:AlternateContent xmlns:mc="http://schemas.openxmlformats.org/markup-compatibility/2006">
+    <mc:Choice xmlns:p14="http://schemas.microsoft.com/office/powerpoint/2010/main" Requires="p14">
+      <p:transition spd="slow" p14:dur="2000"/>
+    </mc:Choice>
+    <mc:Fallback>
+      <p:transition spd="slow"/>
+    </mc:Fallback>
+  </mc:AlternateContent>
   <p:timing>
     <p:tnLst>
       <p:par>
@@ -24184,6 +26673,14 @@
   <p:clrMapOvr>
     <a:masterClrMapping/>
   </p:clrMapOvr>
+  <mc:AlternateContent xmlns:mc="http://schemas.openxmlformats.org/markup-compatibility/2006">
+    <mc:Choice xmlns:p14="http://schemas.microsoft.com/office/powerpoint/2010/main" Requires="p14">
+      <p:transition spd="slow" p14:dur="2000"/>
+    </mc:Choice>
+    <mc:Fallback>
+      <p:transition spd="slow"/>
+    </mc:Fallback>
+  </mc:AlternateContent>
 </p:sld>
 </file>
 
@@ -24303,6 +26800,14 @@
   <p:clrMapOvr>
     <a:masterClrMapping/>
   </p:clrMapOvr>
+  <mc:AlternateContent xmlns:mc="http://schemas.openxmlformats.org/markup-compatibility/2006">
+    <mc:Choice xmlns:p14="http://schemas.microsoft.com/office/powerpoint/2010/main" Requires="p14">
+      <p:transition spd="slow" p14:dur="2000"/>
+    </mc:Choice>
+    <mc:Fallback>
+      <p:transition spd="slow"/>
+    </mc:Fallback>
+  </mc:AlternateContent>
 </p:sld>
 </file>
 
@@ -24399,6 +26904,14 @@
   <p:clrMapOvr>
     <a:masterClrMapping/>
   </p:clrMapOvr>
+  <mc:AlternateContent xmlns:mc="http://schemas.openxmlformats.org/markup-compatibility/2006">
+    <mc:Choice xmlns:p14="http://schemas.microsoft.com/office/powerpoint/2010/main" Requires="p14">
+      <p:transition spd="slow" p14:dur="2000"/>
+    </mc:Choice>
+    <mc:Fallback>
+      <p:transition spd="slow"/>
+    </mc:Fallback>
+  </mc:AlternateContent>
   <p:timing>
     <p:tnLst>
       <p:par>
@@ -24536,6 +27049,14 @@
   <p:clrMapOvr>
     <a:masterClrMapping/>
   </p:clrMapOvr>
+  <mc:AlternateContent xmlns:mc="http://schemas.openxmlformats.org/markup-compatibility/2006">
+    <mc:Choice xmlns:p14="http://schemas.microsoft.com/office/powerpoint/2010/main" Requires="p14">
+      <p:transition spd="slow" p14:dur="2000"/>
+    </mc:Choice>
+    <mc:Fallback>
+      <p:transition spd="slow"/>
+    </mc:Fallback>
+  </mc:AlternateContent>
 </p:sld>
 </file>
 
@@ -24624,6 +27145,14 @@
   <p:clrMapOvr>
     <a:masterClrMapping/>
   </p:clrMapOvr>
+  <mc:AlternateContent xmlns:mc="http://schemas.openxmlformats.org/markup-compatibility/2006">
+    <mc:Choice xmlns:p14="http://schemas.microsoft.com/office/powerpoint/2010/main" Requires="p14">
+      <p:transition spd="slow" p14:dur="2000"/>
+    </mc:Choice>
+    <mc:Fallback>
+      <p:transition spd="slow"/>
+    </mc:Fallback>
+  </mc:AlternateContent>
   <p:timing>
     <p:tnLst>
       <p:par>
@@ -24722,6 +27251,14 @@
   <p:clrMapOvr>
     <a:masterClrMapping/>
   </p:clrMapOvr>
+  <mc:AlternateContent xmlns:mc="http://schemas.openxmlformats.org/markup-compatibility/2006">
+    <mc:Choice xmlns:p14="http://schemas.microsoft.com/office/powerpoint/2010/main" Requires="p14">
+      <p:transition spd="slow" p14:dur="2000"/>
+    </mc:Choice>
+    <mc:Fallback>
+      <p:transition spd="slow"/>
+    </mc:Fallback>
+  </mc:AlternateContent>
 </p:sld>
 </file>
 
@@ -26049,6 +28586,14 @@
   <p:clrMapOvr>
     <a:masterClrMapping/>
   </p:clrMapOvr>
+  <mc:AlternateContent xmlns:mc="http://schemas.openxmlformats.org/markup-compatibility/2006">
+    <mc:Choice xmlns:p14="http://schemas.microsoft.com/office/powerpoint/2010/main" Requires="p14">
+      <p:transition spd="slow" p14:dur="2000"/>
+    </mc:Choice>
+    <mc:Fallback>
+      <p:transition spd="slow"/>
+    </mc:Fallback>
+  </mc:AlternateContent>
 </p:sld>
 </file>
 
@@ -26225,6 +28770,14 @@
   <p:clrMapOvr>
     <a:masterClrMapping/>
   </p:clrMapOvr>
+  <mc:AlternateContent xmlns:mc="http://schemas.openxmlformats.org/markup-compatibility/2006">
+    <mc:Choice xmlns:p14="http://schemas.microsoft.com/office/powerpoint/2010/main" Requires="p14">
+      <p:transition spd="slow" p14:dur="2000"/>
+    </mc:Choice>
+    <mc:Fallback>
+      <p:transition spd="slow"/>
+    </mc:Fallback>
+  </mc:AlternateContent>
 </p:sld>
 </file>
 
@@ -27867,6 +30420,14 @@
   <p:clrMapOvr>
     <a:masterClrMapping/>
   </p:clrMapOvr>
+  <mc:AlternateContent xmlns:mc="http://schemas.openxmlformats.org/markup-compatibility/2006">
+    <mc:Choice xmlns:p14="http://schemas.microsoft.com/office/powerpoint/2010/main" Requires="p14">
+      <p:transition spd="slow" p14:dur="2000"/>
+    </mc:Choice>
+    <mc:Fallback>
+      <p:transition spd="slow"/>
+    </mc:Fallback>
+  </mc:AlternateContent>
 </p:sld>
 </file>
 
@@ -27985,6 +30546,14 @@
   <p:clrMapOvr>
     <a:masterClrMapping/>
   </p:clrMapOvr>
+  <mc:AlternateContent xmlns:mc="http://schemas.openxmlformats.org/markup-compatibility/2006">
+    <mc:Choice xmlns:p14="http://schemas.microsoft.com/office/powerpoint/2010/main" Requires="p14">
+      <p:transition spd="slow" p14:dur="2000"/>
+    </mc:Choice>
+    <mc:Fallback>
+      <p:transition spd="slow"/>
+    </mc:Fallback>
+  </mc:AlternateContent>
   <p:timing>
     <p:tnLst>
       <p:par>
@@ -28797,6 +31366,14 @@
   <p:clrMapOvr>
     <a:masterClrMapping/>
   </p:clrMapOvr>
+  <mc:AlternateContent xmlns:mc="http://schemas.openxmlformats.org/markup-compatibility/2006">
+    <mc:Choice xmlns:p14="http://schemas.microsoft.com/office/powerpoint/2010/main" Requires="p14">
+      <p:transition spd="slow" p14:dur="2000"/>
+    </mc:Choice>
+    <mc:Fallback>
+      <p:transition spd="slow"/>
+    </mc:Fallback>
+  </mc:AlternateContent>
 </p:sld>
 </file>
 
@@ -28907,6 +31484,14 @@
   <p:clrMapOvr>
     <a:masterClrMapping/>
   </p:clrMapOvr>
+  <mc:AlternateContent xmlns:mc="http://schemas.openxmlformats.org/markup-compatibility/2006">
+    <mc:Choice xmlns:p14="http://schemas.microsoft.com/office/powerpoint/2010/main" Requires="p14">
+      <p:transition spd="slow" p14:dur="2000"/>
+    </mc:Choice>
+    <mc:Fallback>
+      <p:transition spd="slow"/>
+    </mc:Fallback>
+  </mc:AlternateContent>
   <p:timing>
     <p:tnLst>
       <p:par>
@@ -29027,6 +31612,14 @@
   <p:clrMapOvr>
     <a:masterClrMapping/>
   </p:clrMapOvr>
+  <mc:AlternateContent xmlns:mc="http://schemas.openxmlformats.org/markup-compatibility/2006">
+    <mc:Choice xmlns:p14="http://schemas.microsoft.com/office/powerpoint/2010/main" Requires="p14">
+      <p:transition spd="slow" p14:dur="2000"/>
+    </mc:Choice>
+    <mc:Fallback>
+      <p:transition spd="slow"/>
+    </mc:Fallback>
+  </mc:AlternateContent>
 </p:sld>
 </file>
 
@@ -29122,7 +31715,7 @@
               <a:t>Този проблем може да се реши чрез </a:t>
             </a:r>
             <a:r>
-              <a:rPr lang="en-US" i="1" dirty="0" err="1" smtClean="0">
+              <a:rPr lang="en-US" i="1" dirty="0" err="1">
                 <a:solidFill>
                   <a:schemeClr val="accent6">
                     <a:lumMod val="75000"/>
@@ -29132,14 +31725,54 @@
               <a:t>Object.defineProperties</a:t>
             </a:r>
             <a:r>
-              <a:rPr lang="en-US" i="1" dirty="0" smtClean="0">
+              <a:rPr lang="en-US" i="1" dirty="0">
                 <a:solidFill>
                   <a:schemeClr val="accent6">
                     <a:lumMod val="75000"/>
                   </a:schemeClr>
                 </a:solidFill>
               </a:rPr>
-              <a:t>()</a:t>
+              <a:t>(</a:t>
+            </a:r>
+            <a:r>
+              <a:rPr lang="en-US" i="1" dirty="0" err="1">
+                <a:solidFill>
+                  <a:schemeClr val="accent6">
+                    <a:lumMod val="75000"/>
+                  </a:schemeClr>
+                </a:solidFill>
+              </a:rPr>
+              <a:t>obj</a:t>
+            </a:r>
+            <a:r>
+              <a:rPr lang="en-US" i="1" dirty="0">
+                <a:solidFill>
+                  <a:schemeClr val="accent6">
+                    <a:lumMod val="75000"/>
+                  </a:schemeClr>
+                </a:solidFill>
+              </a:rPr>
+              <a:t>, props)</a:t>
+            </a:r>
+            <a:endParaRPr lang="en-US" i="1" dirty="0" smtClean="0">
+              <a:solidFill>
+                <a:schemeClr val="accent6">
+                  <a:lumMod val="75000"/>
+                </a:schemeClr>
+              </a:solidFill>
+            </a:endParaRPr>
+          </a:p>
+          <a:p>
+            <a:pPr lvl="2"/>
+            <a:r>
+              <a:rPr lang="bg-BG" i="1" dirty="0" smtClean="0">
+                <a:solidFill>
+                  <a:schemeClr val="accent6">
+                    <a:lumMod val="75000"/>
+                  </a:schemeClr>
+                </a:solidFill>
+              </a:rPr>
+              <a:t>Дефинира множество характеристики на даден обект</a:t>
             </a:r>
             <a:endParaRPr lang="bg-BG" i="1" dirty="0">
               <a:solidFill>
@@ -29167,6 +31800,64 @@
               <a:rPr lang="en-US" i="1" dirty="0" smtClean="0"/>
               <a:t>scope</a:t>
             </a:r>
+            <a:endParaRPr lang="bg-BG" i="1" dirty="0" smtClean="0"/>
+          </a:p>
+          <a:p>
+            <a:pPr lvl="1"/>
+            <a:r>
+              <a:rPr lang="bg-BG" dirty="0"/>
+              <a:t>Този проблем може да се реши чрез </a:t>
+            </a:r>
+            <a:r>
+              <a:rPr lang="en-US" i="1" dirty="0" err="1">
+                <a:solidFill>
+                  <a:schemeClr val="accent6">
+                    <a:lumMod val="75000"/>
+                  </a:schemeClr>
+                </a:solidFill>
+              </a:rPr>
+              <a:t>Object.defineProperty</a:t>
+            </a:r>
+            <a:r>
+              <a:rPr lang="en-US" i="1" dirty="0">
+                <a:solidFill>
+                  <a:schemeClr val="accent6">
+                    <a:lumMod val="75000"/>
+                  </a:schemeClr>
+                </a:solidFill>
+              </a:rPr>
+              <a:t>(</a:t>
+            </a:r>
+            <a:r>
+              <a:rPr lang="en-US" i="1" dirty="0" err="1">
+                <a:solidFill>
+                  <a:schemeClr val="accent6">
+                    <a:lumMod val="75000"/>
+                  </a:schemeClr>
+                </a:solidFill>
+              </a:rPr>
+              <a:t>obj</a:t>
+            </a:r>
+            <a:r>
+              <a:rPr lang="en-US" i="1" dirty="0">
+                <a:solidFill>
+                  <a:schemeClr val="accent6">
+                    <a:lumMod val="75000"/>
+                  </a:schemeClr>
+                </a:solidFill>
+              </a:rPr>
+              <a:t>, prop, descriptor)</a:t>
+            </a:r>
+            <a:endParaRPr lang="bg-BG" i="1" dirty="0">
+              <a:solidFill>
+                <a:schemeClr val="accent6">
+                  <a:lumMod val="75000"/>
+                </a:schemeClr>
+              </a:solidFill>
+            </a:endParaRPr>
+          </a:p>
+          <a:p>
+            <a:pPr lvl="2"/>
             <a:endParaRPr lang="en-US" i="1" dirty="0"/>
           </a:p>
         </p:txBody>
@@ -29181,10 +31872,440 @@
   <p:clrMapOvr>
     <a:masterClrMapping/>
   </p:clrMapOvr>
+  <mc:AlternateContent xmlns:mc="http://schemas.openxmlformats.org/markup-compatibility/2006">
+    <mc:Choice xmlns:p14="http://schemas.microsoft.com/office/powerpoint/2010/main" Requires="p14">
+      <p:transition spd="slow" p14:dur="2000"/>
+    </mc:Choice>
+    <mc:Fallback>
+      <p:transition spd="slow"/>
+    </mc:Fallback>
+  </mc:AlternateContent>
 </p:sld>
 </file>
 
 <file path=ppt/slides/slide41.xml><?xml version="1.0" encoding="utf-8"?>
+<p:sld xmlns:a="http://schemas.openxmlformats.org/drawingml/2006/main" xmlns:r="http://schemas.openxmlformats.org/officeDocument/2006/relationships" xmlns:p="http://schemas.openxmlformats.org/presentationml/2006/main">
+  <p:cSld>
+    <p:spTree>
+      <p:nvGrpSpPr>
+        <p:cNvPr id="1" name=""/>
+        <p:cNvGrpSpPr/>
+        <p:nvPr/>
+      </p:nvGrpSpPr>
+      <p:grpSpPr>
+        <a:xfrm>
+          <a:off x="0" y="0"/>
+          <a:ext cx="0" cy="0"/>
+          <a:chOff x="0" y="0"/>
+          <a:chExt cx="0" cy="0"/>
+        </a:xfrm>
+      </p:grpSpPr>
+      <p:sp>
+        <p:nvSpPr>
+          <p:cNvPr id="2" name="Title 1"/>
+          <p:cNvSpPr>
+            <a:spLocks noGrp="1"/>
+          </p:cNvSpPr>
+          <p:nvPr>
+            <p:ph type="title"/>
+          </p:nvPr>
+        </p:nvSpPr>
+        <p:spPr/>
+        <p:txBody>
+          <a:bodyPr/>
+          <a:lstStyle/>
+          <a:p>
+            <a:r>
+              <a:rPr lang="bg-BG" dirty="0" smtClean="0"/>
+              <a:t>Работа с прототипа на обекта. Обекта </a:t>
+            </a:r>
+            <a:r>
+              <a:rPr lang="en-US" i="1" dirty="0">
+                <a:solidFill>
+                  <a:schemeClr val="accent6">
+                    <a:lumMod val="75000"/>
+                  </a:schemeClr>
+                </a:solidFill>
+              </a:rPr>
+              <a:t>descriptor</a:t>
+            </a:r>
+          </a:p>
+        </p:txBody>
+      </p:sp>
+      <p:sp>
+        <p:nvSpPr>
+          <p:cNvPr id="3" name="Content Placeholder 2"/>
+          <p:cNvSpPr>
+            <a:spLocks noGrp="1"/>
+          </p:cNvSpPr>
+          <p:nvPr>
+            <p:ph idx="1"/>
+          </p:nvPr>
+        </p:nvSpPr>
+        <p:spPr>
+          <a:xfrm>
+            <a:off x="1484311" y="3232727"/>
+            <a:ext cx="10402890" cy="3625273"/>
+          </a:xfrm>
+        </p:spPr>
+        <p:txBody>
+          <a:bodyPr>
+            <a:normAutofit fontScale="85000" lnSpcReduction="10000"/>
+          </a:bodyPr>
+          <a:lstStyle/>
+          <a:p>
+            <a:r>
+              <a:rPr lang="en-US" i="1" dirty="0" smtClean="0">
+                <a:solidFill>
+                  <a:schemeClr val="accent6">
+                    <a:lumMod val="75000"/>
+                  </a:schemeClr>
+                </a:solidFill>
+              </a:rPr>
+              <a:t>configurable</a:t>
+            </a:r>
+            <a:r>
+              <a:rPr lang="en-US" dirty="0" smtClean="0"/>
+              <a:t> -&gt;</a:t>
+            </a:r>
+            <a:r>
+              <a:rPr lang="bg-BG" dirty="0" smtClean="0"/>
+              <a:t> ако е </a:t>
+            </a:r>
+            <a:r>
+              <a:rPr lang="en-US" i="1" dirty="0" smtClean="0">
+                <a:solidFill>
+                  <a:schemeClr val="accent6">
+                    <a:lumMod val="75000"/>
+                  </a:schemeClr>
+                </a:solidFill>
+              </a:rPr>
+              <a:t>true</a:t>
+            </a:r>
+            <a:r>
+              <a:rPr lang="bg-BG" dirty="0" smtClean="0"/>
+              <a:t>, то характерситиките на пропъртито могат да бъдат сменяни само в рамките на обекта. </a:t>
+            </a:r>
+            <a:r>
+              <a:rPr lang="en-US" i="1" dirty="0" smtClean="0">
+                <a:solidFill>
+                  <a:schemeClr val="accent6">
+                    <a:lumMod val="75000"/>
+                  </a:schemeClr>
+                </a:solidFill>
+              </a:rPr>
+              <a:t>false</a:t>
+            </a:r>
+            <a:r>
+              <a:rPr lang="en-US" dirty="0" smtClean="0">
+                <a:solidFill>
+                  <a:schemeClr val="accent6">
+                    <a:lumMod val="75000"/>
+                  </a:schemeClr>
+                </a:solidFill>
+              </a:rPr>
+              <a:t> </a:t>
+            </a:r>
+            <a:r>
+              <a:rPr lang="bg-BG" dirty="0" smtClean="0"/>
+              <a:t>по подразбиране</a:t>
+            </a:r>
+            <a:endParaRPr lang="en-US" dirty="0" smtClean="0"/>
+          </a:p>
+          <a:p>
+            <a:r>
+              <a:rPr lang="en-US" i="1" dirty="0" smtClean="0">
+                <a:solidFill>
+                  <a:schemeClr val="accent6">
+                    <a:lumMod val="75000"/>
+                  </a:schemeClr>
+                </a:solidFill>
+              </a:rPr>
+              <a:t>enumerable-</a:t>
+            </a:r>
+            <a:r>
+              <a:rPr lang="en-US" dirty="0" smtClean="0"/>
+              <a:t>&gt;</a:t>
+            </a:r>
+            <a:r>
+              <a:rPr lang="bg-BG" dirty="0" smtClean="0"/>
+              <a:t> </a:t>
+            </a:r>
+            <a:r>
+              <a:rPr lang="bg-BG" dirty="0"/>
+              <a:t>ако е </a:t>
+            </a:r>
+            <a:r>
+              <a:rPr lang="en-US" i="1" dirty="0">
+                <a:solidFill>
+                  <a:schemeClr val="accent6">
+                    <a:lumMod val="75000"/>
+                  </a:schemeClr>
+                </a:solidFill>
+              </a:rPr>
+              <a:t>true</a:t>
+            </a:r>
+            <a:r>
+              <a:rPr lang="bg-BG" dirty="0"/>
+              <a:t>, то </a:t>
+            </a:r>
+            <a:r>
+              <a:rPr lang="bg-BG" dirty="0" smtClean="0"/>
+              <a:t>въпростната характеристика е изброима. </a:t>
+            </a:r>
+            <a:r>
+              <a:rPr lang="en-US" i="1" dirty="0">
+                <a:solidFill>
+                  <a:schemeClr val="accent6">
+                    <a:lumMod val="75000"/>
+                  </a:schemeClr>
+                </a:solidFill>
+              </a:rPr>
+              <a:t>true</a:t>
+            </a:r>
+            <a:r>
+              <a:rPr lang="en-US" dirty="0">
+                <a:solidFill>
+                  <a:schemeClr val="accent6">
+                    <a:lumMod val="75000"/>
+                  </a:schemeClr>
+                </a:solidFill>
+              </a:rPr>
+              <a:t> </a:t>
+            </a:r>
+            <a:r>
+              <a:rPr lang="bg-BG" dirty="0" smtClean="0"/>
+              <a:t>по подразбиране</a:t>
+            </a:r>
+          </a:p>
+          <a:p>
+            <a:r>
+              <a:rPr lang="en-US" i="1" dirty="0" smtClean="0">
+                <a:solidFill>
+                  <a:schemeClr val="accent6">
+                    <a:lumMod val="75000"/>
+                  </a:schemeClr>
+                </a:solidFill>
+              </a:rPr>
+              <a:t>value-</a:t>
+            </a:r>
+            <a:r>
+              <a:rPr lang="en-US" dirty="0" smtClean="0"/>
+              <a:t>&gt;</a:t>
+            </a:r>
+            <a:r>
+              <a:rPr lang="bg-BG" dirty="0" smtClean="0"/>
+              <a:t> стойността на въпросната характеристика</a:t>
+            </a:r>
+            <a:r>
+              <a:rPr lang="ru-RU" dirty="0" smtClean="0"/>
+              <a:t>. </a:t>
+            </a:r>
+            <a:r>
+              <a:rPr lang="en-US" i="1" dirty="0" smtClean="0">
+                <a:solidFill>
+                  <a:schemeClr val="accent6">
+                    <a:lumMod val="75000"/>
+                  </a:schemeClr>
+                </a:solidFill>
+              </a:rPr>
+              <a:t>undefined</a:t>
+            </a:r>
+            <a:r>
+              <a:rPr lang="en-US" dirty="0" smtClean="0">
+                <a:solidFill>
+                  <a:schemeClr val="accent6">
+                    <a:lumMod val="75000"/>
+                  </a:schemeClr>
+                </a:solidFill>
+              </a:rPr>
+              <a:t> </a:t>
+            </a:r>
+            <a:r>
+              <a:rPr lang="bg-BG" dirty="0" smtClean="0"/>
+              <a:t>по подразбиране</a:t>
+            </a:r>
+          </a:p>
+          <a:p>
+            <a:r>
+              <a:rPr lang="en-US" i="1" dirty="0" smtClean="0">
+                <a:solidFill>
+                  <a:schemeClr val="accent6">
+                    <a:lumMod val="75000"/>
+                  </a:schemeClr>
+                </a:solidFill>
+              </a:rPr>
+              <a:t>writable</a:t>
+            </a:r>
+            <a:r>
+              <a:rPr lang="en-US" dirty="0" smtClean="0"/>
+              <a:t> -&gt;</a:t>
+            </a:r>
+            <a:r>
+              <a:rPr lang="bg-BG" dirty="0" smtClean="0"/>
+              <a:t> </a:t>
+            </a:r>
+            <a:r>
+              <a:rPr lang="bg-BG" dirty="0"/>
+              <a:t>ако е </a:t>
+            </a:r>
+            <a:r>
+              <a:rPr lang="en-US" i="1" dirty="0">
+                <a:solidFill>
+                  <a:schemeClr val="accent6">
+                    <a:lumMod val="75000"/>
+                  </a:schemeClr>
+                </a:solidFill>
+              </a:rPr>
+              <a:t>true</a:t>
+            </a:r>
+            <a:r>
+              <a:rPr lang="ru-RU" dirty="0"/>
+              <a:t>, то </a:t>
+            </a:r>
+            <a:r>
+              <a:rPr lang="bg-BG" dirty="0" smtClean="0"/>
+              <a:t>въпросната характеристиак може да бъде променяна чрез оператори за присвояване</a:t>
+            </a:r>
+            <a:r>
+              <a:rPr lang="ru-RU" dirty="0" smtClean="0"/>
+              <a:t>. </a:t>
+            </a:r>
+            <a:r>
+              <a:rPr lang="en-US" i="1" dirty="0">
+                <a:solidFill>
+                  <a:schemeClr val="accent6">
+                    <a:lumMod val="75000"/>
+                  </a:schemeClr>
+                </a:solidFill>
+              </a:rPr>
+              <a:t>false</a:t>
+            </a:r>
+            <a:r>
+              <a:rPr lang="en-US" dirty="0">
+                <a:solidFill>
+                  <a:schemeClr val="accent6">
+                    <a:lumMod val="75000"/>
+                  </a:schemeClr>
+                </a:solidFill>
+              </a:rPr>
+              <a:t> </a:t>
+            </a:r>
+            <a:r>
+              <a:rPr lang="bg-BG" dirty="0"/>
+              <a:t>по </a:t>
+            </a:r>
+            <a:r>
+              <a:rPr lang="bg-BG" dirty="0" smtClean="0"/>
+              <a:t>подразбиране</a:t>
+            </a:r>
+            <a:endParaRPr lang="en-US" dirty="0" smtClean="0"/>
+          </a:p>
+          <a:p>
+            <a:r>
+              <a:rPr lang="en-US" i="1" dirty="0" smtClean="0">
+                <a:solidFill>
+                  <a:schemeClr val="accent6">
+                    <a:lumMod val="75000"/>
+                  </a:schemeClr>
+                </a:solidFill>
+              </a:rPr>
+              <a:t>get-</a:t>
+            </a:r>
+            <a:r>
+              <a:rPr lang="en-US" dirty="0"/>
+              <a:t>&gt;</a:t>
+            </a:r>
+            <a:r>
+              <a:rPr lang="bg-BG" dirty="0"/>
+              <a:t> </a:t>
+            </a:r>
+            <a:r>
+              <a:rPr lang="bg-BG" dirty="0" smtClean="0"/>
+              <a:t>функция, която позволява контрол върху това какво да получим като стойност, когато използваме конкретната характеристика</a:t>
+            </a:r>
+            <a:endParaRPr lang="en-US" dirty="0" smtClean="0"/>
+          </a:p>
+          <a:p>
+            <a:r>
+              <a:rPr lang="en-US" i="1" dirty="0" smtClean="0">
+                <a:solidFill>
+                  <a:schemeClr val="accent6">
+                    <a:lumMod val="75000"/>
+                  </a:schemeClr>
+                </a:solidFill>
+              </a:rPr>
+              <a:t>set-</a:t>
+            </a:r>
+            <a:r>
+              <a:rPr lang="en-US" dirty="0"/>
+              <a:t>&gt;</a:t>
+            </a:r>
+            <a:r>
+              <a:rPr lang="bg-BG" dirty="0"/>
+              <a:t> </a:t>
+            </a:r>
+            <a:r>
+              <a:rPr lang="bg-BG" dirty="0"/>
+              <a:t>функция, която позволява контрол върху това какво да </a:t>
+            </a:r>
+            <a:r>
+              <a:rPr lang="bg-BG" dirty="0" smtClean="0"/>
+              <a:t>запишем като </a:t>
+            </a:r>
+            <a:r>
+              <a:rPr lang="bg-BG" dirty="0"/>
+              <a:t>стойност, когато </a:t>
+            </a:r>
+            <a:r>
+              <a:rPr lang="bg-BG" dirty="0" smtClean="0"/>
+              <a:t>инициализираме конкретната </a:t>
+            </a:r>
+            <a:r>
+              <a:rPr lang="bg-BG" dirty="0"/>
+              <a:t>характеристика</a:t>
+            </a:r>
+            <a:endParaRPr lang="en-US" dirty="0"/>
+          </a:p>
+          <a:p>
+            <a:endParaRPr lang="en-US" dirty="0"/>
+          </a:p>
+          <a:p>
+            <a:endParaRPr lang="en-US" dirty="0"/>
+          </a:p>
+          <a:p>
+            <a:endParaRPr lang="en-US" dirty="0"/>
+          </a:p>
+          <a:p>
+            <a:endParaRPr lang="en-US" dirty="0"/>
+          </a:p>
+          <a:p>
+            <a:endParaRPr lang="en-US" dirty="0"/>
+          </a:p>
+        </p:txBody>
+      </p:sp>
+    </p:spTree>
+    <p:extLst>
+      <p:ext uri="{BB962C8B-B14F-4D97-AF65-F5344CB8AC3E}">
+        <p14:creationId xmlns:p14="http://schemas.microsoft.com/office/powerpoint/2010/main" val="177770415"/>
+      </p:ext>
+    </p:extLst>
+  </p:cSld>
+  <p:clrMapOvr>
+    <a:masterClrMapping/>
+  </p:clrMapOvr>
+  <mc:AlternateContent xmlns:mc="http://schemas.openxmlformats.org/markup-compatibility/2006">
+    <mc:Choice xmlns:p14="http://schemas.microsoft.com/office/powerpoint/2010/main" Requires="p14">
+      <p:transition spd="slow" p14:dur="2000"/>
+    </mc:Choice>
+    <mc:Fallback>
+      <p:transition spd="slow"/>
+    </mc:Fallback>
+  </mc:AlternateContent>
+</p:sld>
+</file>
+
+<file path=ppt/slides/slide42.xml><?xml version="1.0" encoding="utf-8"?>
 <p:sld xmlns:a="http://schemas.openxmlformats.org/drawingml/2006/main" xmlns:r="http://schemas.openxmlformats.org/officeDocument/2006/relationships" xmlns:p="http://schemas.openxmlformats.org/presentationml/2006/main">
   <p:cSld>
     <p:spTree>
@@ -29978,10 +33099,18 @@
   <p:clrMapOvr>
     <a:masterClrMapping/>
   </p:clrMapOvr>
+  <mc:AlternateContent xmlns:mc="http://schemas.openxmlformats.org/markup-compatibility/2006">
+    <mc:Choice xmlns:p14="http://schemas.microsoft.com/office/powerpoint/2010/main" Requires="p14">
+      <p:transition spd="slow" p14:dur="2000"/>
+    </mc:Choice>
+    <mc:Fallback>
+      <p:transition spd="slow"/>
+    </mc:Fallback>
+  </mc:AlternateContent>
 </p:sld>
 </file>
 
-<file path=ppt/slides/slide42.xml><?xml version="1.0" encoding="utf-8"?>
+<file path=ppt/slides/slide43.xml><?xml version="1.0" encoding="utf-8"?>
 <p:sld xmlns:a="http://schemas.openxmlformats.org/drawingml/2006/main" xmlns:r="http://schemas.openxmlformats.org/officeDocument/2006/relationships" xmlns:p="http://schemas.openxmlformats.org/presentationml/2006/main">
   <p:cSld>
     <p:spTree>
@@ -30088,6 +33217,14 @@
   <p:clrMapOvr>
     <a:masterClrMapping/>
   </p:clrMapOvr>
+  <mc:AlternateContent xmlns:mc="http://schemas.openxmlformats.org/markup-compatibility/2006">
+    <mc:Choice xmlns:p14="http://schemas.microsoft.com/office/powerpoint/2010/main" Requires="p14">
+      <p:transition spd="slow" p14:dur="2000"/>
+    </mc:Choice>
+    <mc:Fallback>
+      <p:transition spd="slow"/>
+    </mc:Fallback>
+  </mc:AlternateContent>
   <p:timing>
     <p:tnLst>
       <p:par>
@@ -30098,7 +33235,7 @@
 </p:sld>
 </file>
 
-<file path=ppt/slides/slide43.xml><?xml version="1.0" encoding="utf-8"?>
+<file path=ppt/slides/slide44.xml><?xml version="1.0" encoding="utf-8"?>
 <p:sld xmlns:a="http://schemas.openxmlformats.org/drawingml/2006/main" xmlns:r="http://schemas.openxmlformats.org/officeDocument/2006/relationships" xmlns:p="http://schemas.openxmlformats.org/presentationml/2006/main">
   <p:cSld>
     <p:spTree>
@@ -30229,10 +33366,18 @@
   <p:clrMapOvr>
     <a:masterClrMapping/>
   </p:clrMapOvr>
+  <mc:AlternateContent xmlns:mc="http://schemas.openxmlformats.org/markup-compatibility/2006">
+    <mc:Choice xmlns:p14="http://schemas.microsoft.com/office/powerpoint/2010/main" Requires="p14">
+      <p:transition spd="slow" p14:dur="2000"/>
+    </mc:Choice>
+    <mc:Fallback>
+      <p:transition spd="slow"/>
+    </mc:Fallback>
+  </mc:AlternateContent>
 </p:sld>
 </file>
 
-<file path=ppt/slides/slide44.xml><?xml version="1.0" encoding="utf-8"?>
+<file path=ppt/slides/slide45.xml><?xml version="1.0" encoding="utf-8"?>
 <p:sld xmlns:a="http://schemas.openxmlformats.org/drawingml/2006/main" xmlns:r="http://schemas.openxmlformats.org/officeDocument/2006/relationships" xmlns:p="http://schemas.openxmlformats.org/presentationml/2006/main">
   <p:cSld>
     <p:spTree>
@@ -30323,6 +33468,14 @@
   <p:clrMapOvr>
     <a:masterClrMapping/>
   </p:clrMapOvr>
+  <mc:AlternateContent xmlns:mc="http://schemas.openxmlformats.org/markup-compatibility/2006">
+    <mc:Choice xmlns:p14="http://schemas.microsoft.com/office/powerpoint/2010/main" Requires="p14">
+      <p:transition spd="slow" p14:dur="2000"/>
+    </mc:Choice>
+    <mc:Fallback>
+      <p:transition spd="slow"/>
+    </mc:Fallback>
+  </mc:AlternateContent>
   <p:timing>
     <p:tnLst>
       <p:par>
@@ -30333,7 +33486,2653 @@
 </p:sld>
 </file>
 
-<file path=ppt/slides/slide45.xml><?xml version="1.0" encoding="utf-8"?>
+<file path=ppt/slides/slide46.xml><?xml version="1.0" encoding="utf-8"?>
+<p:sld xmlns:a="http://schemas.openxmlformats.org/drawingml/2006/main" xmlns:r="http://schemas.openxmlformats.org/officeDocument/2006/relationships" xmlns:p="http://schemas.openxmlformats.org/presentationml/2006/main">
+  <p:cSld>
+    <p:spTree>
+      <p:nvGrpSpPr>
+        <p:cNvPr id="1" name=""/>
+        <p:cNvGrpSpPr/>
+        <p:nvPr/>
+      </p:nvGrpSpPr>
+      <p:grpSpPr>
+        <a:xfrm>
+          <a:off x="0" y="0"/>
+          <a:ext cx="0" cy="0"/>
+          <a:chOff x="0" y="0"/>
+          <a:chExt cx="0" cy="0"/>
+        </a:xfrm>
+      </p:grpSpPr>
+      <p:sp>
+        <p:nvSpPr>
+          <p:cNvPr id="2" name="Title 1"/>
+          <p:cNvSpPr>
+            <a:spLocks noGrp="1"/>
+          </p:cNvSpPr>
+          <p:nvPr>
+            <p:ph type="title"/>
+          </p:nvPr>
+        </p:nvSpPr>
+        <p:spPr/>
+        <p:txBody>
+          <a:bodyPr/>
+          <a:lstStyle/>
+          <a:p>
+            <a:r>
+              <a:rPr lang="bg-BG" dirty="0" smtClean="0"/>
+              <a:t>Изключения. Грешки. Управление на грешки и изключения</a:t>
+            </a:r>
+            <a:endParaRPr lang="en-US" dirty="0"/>
+          </a:p>
+        </p:txBody>
+      </p:sp>
+      <p:sp>
+        <p:nvSpPr>
+          <p:cNvPr id="3" name="Content Placeholder 2"/>
+          <p:cNvSpPr>
+            <a:spLocks noGrp="1"/>
+          </p:cNvSpPr>
+          <p:nvPr>
+            <p:ph idx="1"/>
+          </p:nvPr>
+        </p:nvSpPr>
+        <p:spPr/>
+        <p:txBody>
+          <a:bodyPr>
+            <a:normAutofit fontScale="92500" lnSpcReduction="10000"/>
+          </a:bodyPr>
+          <a:lstStyle/>
+          <a:p>
+            <a:r>
+              <a:rPr lang="bg-BG" dirty="0" smtClean="0"/>
+              <a:t>Изключенията /</a:t>
+            </a:r>
+            <a:r>
+              <a:rPr lang="en-US" dirty="0" smtClean="0"/>
+              <a:t>exceptions/</a:t>
+            </a:r>
+            <a:r>
+              <a:rPr lang="bg-BG" dirty="0" smtClean="0"/>
+              <a:t> са специални обекти в </a:t>
+            </a:r>
+            <a:r>
+              <a:rPr lang="en-US" dirty="0" smtClean="0"/>
+              <a:t>JS</a:t>
+            </a:r>
+            <a:r>
+              <a:rPr lang="bg-BG" dirty="0" smtClean="0"/>
+              <a:t>, които държат информация относно възникнали грешки</a:t>
+            </a:r>
+          </a:p>
+          <a:p>
+            <a:r>
+              <a:rPr lang="bg-BG" dirty="0" smtClean="0"/>
+              <a:t>Изключенията са правилния начин да се обработват възникнали грешки по време на изпълнението на програмата</a:t>
+            </a:r>
+          </a:p>
+          <a:p>
+            <a:r>
+              <a:rPr lang="bg-BG" dirty="0" smtClean="0"/>
+              <a:t>Вградени грешки в </a:t>
+            </a:r>
+            <a:r>
+              <a:rPr lang="en-US" dirty="0" smtClean="0"/>
+              <a:t>JS</a:t>
+            </a:r>
+          </a:p>
+          <a:p>
+            <a:pPr lvl="1"/>
+            <a:r>
+              <a:rPr lang="en-US" dirty="0" smtClean="0">
+                <a:hlinkClick r:id="rId2"/>
+              </a:rPr>
+              <a:t>SyntaxError</a:t>
+            </a:r>
+            <a:endParaRPr lang="en-US" dirty="0" smtClean="0"/>
+          </a:p>
+          <a:p>
+            <a:pPr lvl="1"/>
+            <a:r>
+              <a:rPr lang="en-US" dirty="0" smtClean="0">
+                <a:hlinkClick r:id="rId3"/>
+              </a:rPr>
+              <a:t>ReferenceError</a:t>
+            </a:r>
+            <a:endParaRPr lang="en-US" dirty="0" smtClean="0"/>
+          </a:p>
+          <a:p>
+            <a:pPr lvl="1"/>
+            <a:r>
+              <a:rPr lang="en-US" dirty="0" smtClean="0">
+                <a:hlinkClick r:id="rId4"/>
+              </a:rPr>
+              <a:t>JS Errors in Mozilla Developers Network</a:t>
+            </a:r>
+            <a:endParaRPr lang="en-US" dirty="0"/>
+          </a:p>
+        </p:txBody>
+      </p:sp>
+    </p:spTree>
+    <p:extLst>
+      <p:ext uri="{BB962C8B-B14F-4D97-AF65-F5344CB8AC3E}">
+        <p14:creationId xmlns:p14="http://schemas.microsoft.com/office/powerpoint/2010/main" val="483595316"/>
+      </p:ext>
+    </p:extLst>
+  </p:cSld>
+  <p:clrMapOvr>
+    <a:masterClrMapping/>
+  </p:clrMapOvr>
+  <mc:AlternateContent xmlns:mc="http://schemas.openxmlformats.org/markup-compatibility/2006">
+    <mc:Choice xmlns:p14="http://schemas.microsoft.com/office/powerpoint/2010/main" Requires="p14">
+      <p:transition spd="slow" p14:dur="2000"/>
+    </mc:Choice>
+    <mc:Fallback>
+      <p:transition spd="slow"/>
+    </mc:Fallback>
+  </mc:AlternateContent>
+</p:sld>
+</file>
+
+<file path=ppt/slides/slide47.xml><?xml version="1.0" encoding="utf-8"?>
+<p:sld xmlns:a="http://schemas.openxmlformats.org/drawingml/2006/main" xmlns:r="http://schemas.openxmlformats.org/officeDocument/2006/relationships" xmlns:p="http://schemas.openxmlformats.org/presentationml/2006/main">
+  <p:cSld>
+    <p:spTree>
+      <p:nvGrpSpPr>
+        <p:cNvPr id="1" name=""/>
+        <p:cNvGrpSpPr/>
+        <p:nvPr/>
+      </p:nvGrpSpPr>
+      <p:grpSpPr>
+        <a:xfrm>
+          <a:off x="0" y="0"/>
+          <a:ext cx="0" cy="0"/>
+          <a:chOff x="0" y="0"/>
+          <a:chExt cx="0" cy="0"/>
+        </a:xfrm>
+      </p:grpSpPr>
+      <p:sp>
+        <p:nvSpPr>
+          <p:cNvPr id="2" name="Title 1"/>
+          <p:cNvSpPr>
+            <a:spLocks noGrp="1"/>
+          </p:cNvSpPr>
+          <p:nvPr>
+            <p:ph type="title"/>
+          </p:nvPr>
+        </p:nvSpPr>
+        <p:spPr/>
+        <p:txBody>
+          <a:bodyPr/>
+          <a:lstStyle/>
+          <a:p>
+            <a:r>
+              <a:rPr lang="bg-BG" dirty="0" smtClean="0"/>
+              <a:t>Обработка на изключения. </a:t>
+            </a:r>
+            <a:r>
+              <a:rPr lang="en-US" dirty="0" smtClean="0"/>
+              <a:t/>
+            </a:r>
+            <a:br>
+              <a:rPr lang="en-US" dirty="0" smtClean="0"/>
+            </a:br>
+            <a:r>
+              <a:rPr lang="en-US" dirty="0" smtClean="0"/>
+              <a:t>/Exception handling/</a:t>
+            </a:r>
+            <a:endParaRPr lang="en-US" dirty="0"/>
+          </a:p>
+        </p:txBody>
+      </p:sp>
+      <p:sp>
+        <p:nvSpPr>
+          <p:cNvPr id="3" name="Content Placeholder 2"/>
+          <p:cNvSpPr>
+            <a:spLocks noGrp="1"/>
+          </p:cNvSpPr>
+          <p:nvPr>
+            <p:ph idx="1"/>
+          </p:nvPr>
+        </p:nvSpPr>
+        <p:spPr/>
+        <p:txBody>
+          <a:bodyPr/>
+          <a:lstStyle/>
+          <a:p>
+            <a:r>
+              <a:rPr lang="bg-BG" dirty="0" smtClean="0"/>
+              <a:t>Обработка на изключения</a:t>
+            </a:r>
+          </a:p>
+          <a:p>
+            <a:pPr lvl="1"/>
+            <a:r>
+              <a:rPr lang="bg-BG" dirty="0" smtClean="0"/>
+              <a:t>Прихващане на изключение</a:t>
+            </a:r>
+          </a:p>
+          <a:p>
+            <a:pPr lvl="1"/>
+            <a:r>
+              <a:rPr lang="bg-BG" dirty="0" smtClean="0"/>
+              <a:t>Решение на проблема</a:t>
+            </a:r>
+          </a:p>
+          <a:p>
+            <a:pPr lvl="1"/>
+            <a:r>
+              <a:rPr lang="bg-BG" dirty="0" smtClean="0"/>
+              <a:t>Продължава изпълнението на кода</a:t>
+            </a:r>
+          </a:p>
+          <a:p>
+            <a:r>
+              <a:rPr lang="bg-BG" dirty="0" smtClean="0"/>
+              <a:t>Обработката на изключения позволява да се прихванат грешките и да се обработят конкретно без да се прекратя изпълнението на кода</a:t>
+            </a:r>
+            <a:endParaRPr lang="en-US" dirty="0"/>
+          </a:p>
+        </p:txBody>
+      </p:sp>
+    </p:spTree>
+    <p:extLst>
+      <p:ext uri="{BB962C8B-B14F-4D97-AF65-F5344CB8AC3E}">
+        <p14:creationId xmlns:p14="http://schemas.microsoft.com/office/powerpoint/2010/main" val="118016209"/>
+      </p:ext>
+    </p:extLst>
+  </p:cSld>
+  <p:clrMapOvr>
+    <a:masterClrMapping/>
+  </p:clrMapOvr>
+  <mc:AlternateContent xmlns:mc="http://schemas.openxmlformats.org/markup-compatibility/2006">
+    <mc:Choice xmlns:p14="http://schemas.microsoft.com/office/powerpoint/2010/main" Requires="p14">
+      <p:transition spd="slow" p14:dur="2000"/>
+    </mc:Choice>
+    <mc:Fallback>
+      <p:transition spd="slow"/>
+    </mc:Fallback>
+  </mc:AlternateContent>
+</p:sld>
+</file>
+
+<file path=ppt/slides/slide48.xml><?xml version="1.0" encoding="utf-8"?>
+<p:sld xmlns:a="http://schemas.openxmlformats.org/drawingml/2006/main" xmlns:r="http://schemas.openxmlformats.org/officeDocument/2006/relationships" xmlns:p="http://schemas.openxmlformats.org/presentationml/2006/main">
+  <p:cSld>
+    <p:spTree>
+      <p:nvGrpSpPr>
+        <p:cNvPr id="1" name=""/>
+        <p:cNvGrpSpPr/>
+        <p:nvPr/>
+      </p:nvGrpSpPr>
+      <p:grpSpPr>
+        <a:xfrm>
+          <a:off x="0" y="0"/>
+          <a:ext cx="0" cy="0"/>
+          <a:chOff x="0" y="0"/>
+          <a:chExt cx="0" cy="0"/>
+        </a:xfrm>
+      </p:grpSpPr>
+      <p:sp>
+        <p:nvSpPr>
+          <p:cNvPr id="2" name="Title 1"/>
+          <p:cNvSpPr>
+            <a:spLocks noGrp="1"/>
+          </p:cNvSpPr>
+          <p:nvPr>
+            <p:ph type="title"/>
+          </p:nvPr>
+        </p:nvSpPr>
+        <p:spPr/>
+        <p:txBody>
+          <a:bodyPr/>
+          <a:lstStyle/>
+          <a:p>
+            <a:r>
+              <a:rPr lang="bg-BG" dirty="0" smtClean="0"/>
+              <a:t>Обработка на изключения. </a:t>
+            </a:r>
+            <a:r>
+              <a:rPr lang="en-US" dirty="0" smtClean="0"/>
+              <a:t/>
+            </a:r>
+            <a:br>
+              <a:rPr lang="en-US" dirty="0" smtClean="0"/>
+            </a:br>
+            <a:r>
+              <a:rPr lang="en-US" dirty="0" smtClean="0"/>
+              <a:t>/Exception handling/</a:t>
+            </a:r>
+            <a:endParaRPr lang="en-US" dirty="0"/>
+          </a:p>
+        </p:txBody>
+      </p:sp>
+      <p:sp>
+        <p:nvSpPr>
+          <p:cNvPr id="3" name="Content Placeholder 2"/>
+          <p:cNvSpPr>
+            <a:spLocks noGrp="1"/>
+          </p:cNvSpPr>
+          <p:nvPr>
+            <p:ph idx="1"/>
+          </p:nvPr>
+        </p:nvSpPr>
+        <p:spPr>
+          <a:xfrm>
+            <a:off x="1484310" y="2667000"/>
+            <a:ext cx="10018713" cy="3964709"/>
+          </a:xfrm>
+        </p:spPr>
+        <p:txBody>
+          <a:bodyPr>
+            <a:normAutofit lnSpcReduction="10000"/>
+          </a:bodyPr>
+          <a:lstStyle/>
+          <a:p>
+            <a:r>
+              <a:rPr lang="bg-BG" dirty="0" smtClean="0"/>
+              <a:t>Обработка на изключения  в </a:t>
+            </a:r>
+            <a:r>
+              <a:rPr lang="en-US" dirty="0" smtClean="0"/>
+              <a:t>JS</a:t>
+            </a:r>
+            <a:r>
+              <a:rPr lang="bg-BG" dirty="0" smtClean="0"/>
+              <a:t> е посредством </a:t>
+            </a:r>
+            <a:r>
+              <a:rPr lang="en-US" i="1" dirty="0" smtClean="0">
+                <a:solidFill>
+                  <a:schemeClr val="accent6">
+                    <a:lumMod val="75000"/>
+                  </a:schemeClr>
+                </a:solidFill>
+              </a:rPr>
+              <a:t>try-catch</a:t>
+            </a:r>
+            <a:r>
+              <a:rPr lang="bg-BG" dirty="0" smtClean="0"/>
+              <a:t> конструкцията</a:t>
+            </a:r>
+          </a:p>
+          <a:p>
+            <a:endParaRPr lang="bg-BG" dirty="0"/>
+          </a:p>
+          <a:p>
+            <a:endParaRPr lang="bg-BG" dirty="0" smtClean="0"/>
+          </a:p>
+          <a:p>
+            <a:endParaRPr lang="bg-BG" dirty="0" smtClean="0"/>
+          </a:p>
+          <a:p>
+            <a:endParaRPr lang="bg-BG" dirty="0" smtClean="0"/>
+          </a:p>
+          <a:p>
+            <a:r>
+              <a:rPr lang="bg-BG" dirty="0" smtClean="0"/>
+              <a:t>В тялото на </a:t>
+            </a:r>
+            <a:r>
+              <a:rPr lang="en-US" dirty="0" smtClean="0"/>
+              <a:t>try </a:t>
+            </a:r>
+            <a:r>
+              <a:rPr lang="bg-BG" dirty="0" smtClean="0"/>
+              <a:t>блока се изпълнява код, който е възможен да стигне до изключение /грешка/</a:t>
+            </a:r>
+          </a:p>
+          <a:p>
+            <a:r>
+              <a:rPr lang="bg-BG" dirty="0" smtClean="0"/>
+              <a:t>Възникналата грешка се обработва в </a:t>
+            </a:r>
+            <a:r>
+              <a:rPr lang="en-US" dirty="0" smtClean="0"/>
+              <a:t>catch</a:t>
+            </a:r>
+            <a:r>
+              <a:rPr lang="bg-BG" dirty="0" smtClean="0"/>
+              <a:t> блока</a:t>
+            </a:r>
+          </a:p>
+          <a:p>
+            <a:endParaRPr lang="en-US" dirty="0"/>
+          </a:p>
+        </p:txBody>
+      </p:sp>
+      <p:sp>
+        <p:nvSpPr>
+          <p:cNvPr id="5" name="Text Placeholder 1"/>
+          <p:cNvSpPr txBox="1">
+            <a:spLocks/>
+          </p:cNvSpPr>
+          <p:nvPr/>
+        </p:nvSpPr>
+        <p:spPr>
+          <a:xfrm>
+            <a:off x="3209636" y="3183728"/>
+            <a:ext cx="5842000" cy="1646890"/>
+          </a:xfrm>
+          <a:prstGeom prst="rect">
+            <a:avLst/>
+          </a:prstGeom>
+        </p:spPr>
+        <p:style>
+          <a:lnRef idx="0">
+            <a:schemeClr val="accent1"/>
+          </a:lnRef>
+          <a:fillRef idx="3">
+            <a:schemeClr val="accent1"/>
+          </a:fillRef>
+          <a:effectRef idx="3">
+            <a:schemeClr val="accent1"/>
+          </a:effectRef>
+          <a:fontRef idx="minor">
+            <a:schemeClr val="lt1"/>
+          </a:fontRef>
+        </p:style>
+        <p:txBody>
+          <a:bodyPr vert="horz" lIns="91440" tIns="45720" rIns="91440" bIns="45720" rtlCol="0" anchor="ctr"/>
+          <a:lstStyle>
+            <a:defPPr>
+              <a:defRPr lang="en-US"/>
+            </a:defPPr>
+            <a:lvl1pPr marL="0" algn="l" defTabSz="914400" rtl="0" eaLnBrk="1" latinLnBrk="0" hangingPunct="1">
+              <a:defRPr sz="1000" b="0" i="0" kern="1200">
+                <a:solidFill>
+                  <a:schemeClr val="tx1"/>
+                </a:solidFill>
+                <a:effectLst/>
+                <a:latin typeface="+mn-lt"/>
+                <a:ea typeface="+mn-ea"/>
+                <a:cs typeface="+mn-cs"/>
+              </a:defRPr>
+            </a:lvl1pPr>
+            <a:lvl2pPr marL="457200" algn="l" defTabSz="914400" rtl="0" eaLnBrk="1" latinLnBrk="0" hangingPunct="1">
+              <a:defRPr sz="1800" kern="1200">
+                <a:solidFill>
+                  <a:schemeClr val="tx1"/>
+                </a:solidFill>
+                <a:latin typeface="+mn-lt"/>
+                <a:ea typeface="+mn-ea"/>
+                <a:cs typeface="+mn-cs"/>
+              </a:defRPr>
+            </a:lvl2pPr>
+            <a:lvl3pPr marL="914400" algn="l" defTabSz="914400" rtl="0" eaLnBrk="1" latinLnBrk="0" hangingPunct="1">
+              <a:defRPr sz="1800" kern="1200">
+                <a:solidFill>
+                  <a:schemeClr val="tx1"/>
+                </a:solidFill>
+                <a:latin typeface="+mn-lt"/>
+                <a:ea typeface="+mn-ea"/>
+                <a:cs typeface="+mn-cs"/>
+              </a:defRPr>
+            </a:lvl3pPr>
+            <a:lvl4pPr marL="1371600" algn="l" defTabSz="914400" rtl="0" eaLnBrk="1" latinLnBrk="0" hangingPunct="1">
+              <a:defRPr sz="1800" kern="1200">
+                <a:solidFill>
+                  <a:schemeClr val="tx1"/>
+                </a:solidFill>
+                <a:latin typeface="+mn-lt"/>
+                <a:ea typeface="+mn-ea"/>
+                <a:cs typeface="+mn-cs"/>
+              </a:defRPr>
+            </a:lvl4pPr>
+            <a:lvl5pPr marL="1828800" algn="l" defTabSz="914400" rtl="0" eaLnBrk="1" latinLnBrk="0" hangingPunct="1">
+              <a:defRPr sz="1800" kern="1200">
+                <a:solidFill>
+                  <a:schemeClr val="tx1"/>
+                </a:solidFill>
+                <a:latin typeface="+mn-lt"/>
+                <a:ea typeface="+mn-ea"/>
+                <a:cs typeface="+mn-cs"/>
+              </a:defRPr>
+            </a:lvl5pPr>
+            <a:lvl6pPr marL="2286000" algn="l" defTabSz="914400" rtl="0" eaLnBrk="1" latinLnBrk="0" hangingPunct="1">
+              <a:defRPr sz="1800" kern="1200">
+                <a:solidFill>
+                  <a:schemeClr val="tx1"/>
+                </a:solidFill>
+                <a:latin typeface="+mn-lt"/>
+                <a:ea typeface="+mn-ea"/>
+                <a:cs typeface="+mn-cs"/>
+              </a:defRPr>
+            </a:lvl6pPr>
+            <a:lvl7pPr marL="2743200" algn="l" defTabSz="914400" rtl="0" eaLnBrk="1" latinLnBrk="0" hangingPunct="1">
+              <a:defRPr sz="1800" kern="1200">
+                <a:solidFill>
+                  <a:schemeClr val="tx1"/>
+                </a:solidFill>
+                <a:latin typeface="+mn-lt"/>
+                <a:ea typeface="+mn-ea"/>
+                <a:cs typeface="+mn-cs"/>
+              </a:defRPr>
+            </a:lvl7pPr>
+            <a:lvl8pPr marL="3200400" algn="l" defTabSz="914400" rtl="0" eaLnBrk="1" latinLnBrk="0" hangingPunct="1">
+              <a:defRPr sz="1800" kern="1200">
+                <a:solidFill>
+                  <a:schemeClr val="tx1"/>
+                </a:solidFill>
+                <a:latin typeface="+mn-lt"/>
+                <a:ea typeface="+mn-ea"/>
+                <a:cs typeface="+mn-cs"/>
+              </a:defRPr>
+            </a:lvl8pPr>
+            <a:lvl9pPr marL="3657600" algn="l" defTabSz="914400" rtl="0" eaLnBrk="1" latinLnBrk="0" hangingPunct="1">
+              <a:defRPr sz="1800" kern="1200">
+                <a:solidFill>
+                  <a:schemeClr val="tx1"/>
+                </a:solidFill>
+                <a:latin typeface="+mn-lt"/>
+                <a:ea typeface="+mn-ea"/>
+                <a:cs typeface="+mn-cs"/>
+              </a:defRPr>
+            </a:lvl9pPr>
+          </a:lstStyle>
+          <a:p>
+            <a:r>
+              <a:rPr lang="en-US" sz="1600" dirty="0" smtClean="0">
+                <a:solidFill>
+                  <a:schemeClr val="bg1"/>
+                </a:solidFill>
+              </a:rPr>
+              <a:t>try {</a:t>
+            </a:r>
+          </a:p>
+          <a:p>
+            <a:r>
+              <a:rPr lang="en-US" sz="1600" dirty="0" smtClean="0">
+                <a:solidFill>
+                  <a:schemeClr val="bg1"/>
+                </a:solidFill>
+              </a:rPr>
+              <a:t>  </a:t>
+            </a:r>
+            <a:r>
+              <a:rPr lang="bg-BG" sz="1600" dirty="0" smtClean="0">
+                <a:solidFill>
+                  <a:schemeClr val="bg1"/>
+                </a:solidFill>
+              </a:rPr>
+              <a:t>   </a:t>
+            </a:r>
+            <a:r>
+              <a:rPr lang="en-US" sz="1600" dirty="0" smtClean="0">
+                <a:solidFill>
+                  <a:schemeClr val="bg1"/>
+                </a:solidFill>
+              </a:rPr>
+              <a:t>// code that can throw an exception</a:t>
+            </a:r>
+          </a:p>
+          <a:p>
+            <a:r>
+              <a:rPr lang="en-US" sz="1600" dirty="0" smtClean="0">
+                <a:solidFill>
+                  <a:schemeClr val="bg1"/>
+                </a:solidFill>
+              </a:rPr>
+              <a:t>} catch (ex) {</a:t>
+            </a:r>
+          </a:p>
+          <a:p>
+            <a:r>
+              <a:rPr lang="en-US" sz="1600" dirty="0" smtClean="0">
+                <a:solidFill>
+                  <a:schemeClr val="bg1"/>
+                </a:solidFill>
+              </a:rPr>
+              <a:t>  </a:t>
+            </a:r>
+            <a:r>
+              <a:rPr lang="bg-BG" sz="1600" dirty="0" smtClean="0">
+                <a:solidFill>
+                  <a:schemeClr val="bg1"/>
+                </a:solidFill>
+              </a:rPr>
+              <a:t>   </a:t>
+            </a:r>
+            <a:r>
+              <a:rPr lang="en-US" sz="1600" dirty="0" smtClean="0">
+                <a:solidFill>
+                  <a:schemeClr val="bg1"/>
+                </a:solidFill>
+              </a:rPr>
+              <a:t>// if the above code throws an exception this code is  </a:t>
+            </a:r>
+          </a:p>
+          <a:p>
+            <a:r>
+              <a:rPr lang="en-US" sz="1600" dirty="0" smtClean="0">
+                <a:solidFill>
+                  <a:schemeClr val="bg1"/>
+                </a:solidFill>
+              </a:rPr>
+              <a:t>  </a:t>
+            </a:r>
+            <a:r>
+              <a:rPr lang="bg-BG" sz="1600" dirty="0" smtClean="0">
+                <a:solidFill>
+                  <a:schemeClr val="bg1"/>
+                </a:solidFill>
+              </a:rPr>
+              <a:t>   // </a:t>
+            </a:r>
+            <a:r>
+              <a:rPr lang="en-US" sz="1600" dirty="0" smtClean="0">
+                <a:solidFill>
+                  <a:schemeClr val="bg1"/>
+                </a:solidFill>
+              </a:rPr>
+              <a:t>executed and ex holds the info about the exception</a:t>
+            </a:r>
+          </a:p>
+          <a:p>
+            <a:r>
+              <a:rPr lang="en-US" sz="1600" dirty="0" smtClean="0">
+                <a:solidFill>
+                  <a:schemeClr val="bg1"/>
+                </a:solidFill>
+              </a:rPr>
+              <a:t>}</a:t>
+            </a:r>
+            <a:r>
+              <a:rPr lang="bg-BG" sz="1600" dirty="0" smtClean="0">
+                <a:solidFill>
+                  <a:schemeClr val="bg1"/>
+                </a:solidFill>
+              </a:rPr>
+              <a:t>   </a:t>
+            </a:r>
+            <a:endParaRPr lang="en-US" sz="1600" dirty="0" smtClean="0">
+              <a:solidFill>
+                <a:schemeClr val="bg1"/>
+              </a:solidFill>
+            </a:endParaRPr>
+          </a:p>
+        </p:txBody>
+      </p:sp>
+    </p:spTree>
+    <p:extLst>
+      <p:ext uri="{BB962C8B-B14F-4D97-AF65-F5344CB8AC3E}">
+        <p14:creationId xmlns:p14="http://schemas.microsoft.com/office/powerpoint/2010/main" val="3156353968"/>
+      </p:ext>
+    </p:extLst>
+  </p:cSld>
+  <p:clrMapOvr>
+    <a:masterClrMapping/>
+  </p:clrMapOvr>
+  <mc:AlternateContent xmlns:mc="http://schemas.openxmlformats.org/markup-compatibility/2006">
+    <mc:Choice xmlns:p14="http://schemas.microsoft.com/office/powerpoint/2010/main" Requires="p14">
+      <p:transition spd="slow" p14:dur="2000"/>
+    </mc:Choice>
+    <mc:Fallback>
+      <p:transition spd="slow"/>
+    </mc:Fallback>
+  </mc:AlternateContent>
+</p:sld>
+</file>
+
+<file path=ppt/slides/slide49.xml><?xml version="1.0" encoding="utf-8"?>
+<p:sld xmlns:a="http://schemas.openxmlformats.org/drawingml/2006/main" xmlns:r="http://schemas.openxmlformats.org/officeDocument/2006/relationships" xmlns:p="http://schemas.openxmlformats.org/presentationml/2006/main">
+  <p:cSld>
+    <p:spTree>
+      <p:nvGrpSpPr>
+        <p:cNvPr id="1" name=""/>
+        <p:cNvGrpSpPr/>
+        <p:nvPr/>
+      </p:nvGrpSpPr>
+      <p:grpSpPr>
+        <a:xfrm>
+          <a:off x="0" y="0"/>
+          <a:ext cx="0" cy="0"/>
+          <a:chOff x="0" y="0"/>
+          <a:chExt cx="0" cy="0"/>
+        </a:xfrm>
+      </p:grpSpPr>
+      <p:sp>
+        <p:nvSpPr>
+          <p:cNvPr id="2" name="Title 1"/>
+          <p:cNvSpPr>
+            <a:spLocks noGrp="1"/>
+          </p:cNvSpPr>
+          <p:nvPr>
+            <p:ph type="title"/>
+          </p:nvPr>
+        </p:nvSpPr>
+        <p:spPr/>
+        <p:txBody>
+          <a:bodyPr/>
+          <a:lstStyle/>
+          <a:p>
+            <a:r>
+              <a:rPr lang="bg-BG" dirty="0" smtClean="0"/>
+              <a:t>Обработка на изключения. </a:t>
+            </a:r>
+            <a:r>
+              <a:rPr lang="en-US" dirty="0" smtClean="0"/>
+              <a:t/>
+            </a:r>
+            <a:br>
+              <a:rPr lang="en-US" dirty="0" smtClean="0"/>
+            </a:br>
+            <a:r>
+              <a:rPr lang="en-US" dirty="0" smtClean="0"/>
+              <a:t>/Exception handling/</a:t>
+            </a:r>
+            <a:endParaRPr lang="en-US" dirty="0"/>
+          </a:p>
+        </p:txBody>
+      </p:sp>
+      <p:sp>
+        <p:nvSpPr>
+          <p:cNvPr id="3" name="Content Placeholder 2"/>
+          <p:cNvSpPr>
+            <a:spLocks noGrp="1"/>
+          </p:cNvSpPr>
+          <p:nvPr>
+            <p:ph idx="1"/>
+          </p:nvPr>
+        </p:nvSpPr>
+        <p:spPr>
+          <a:xfrm>
+            <a:off x="1484310" y="2667000"/>
+            <a:ext cx="10018713" cy="3964709"/>
+          </a:xfrm>
+        </p:spPr>
+        <p:txBody>
+          <a:bodyPr>
+            <a:normAutofit/>
+          </a:bodyPr>
+          <a:lstStyle/>
+          <a:p>
+            <a:r>
+              <a:rPr lang="bg-BG" dirty="0" smtClean="0"/>
+              <a:t>Всеки </a:t>
+            </a:r>
+            <a:r>
+              <a:rPr lang="en-US" i="1" dirty="0" smtClean="0">
+                <a:solidFill>
+                  <a:schemeClr val="accent6">
+                    <a:lumMod val="75000"/>
+                  </a:schemeClr>
+                </a:solidFill>
+              </a:rPr>
+              <a:t>try-catch</a:t>
+            </a:r>
+            <a:r>
+              <a:rPr lang="bg-BG" dirty="0" smtClean="0"/>
+              <a:t> съдържа само един </a:t>
+            </a:r>
+            <a:r>
+              <a:rPr lang="en-US" dirty="0" smtClean="0"/>
+              <a:t>try</a:t>
+            </a:r>
+            <a:r>
+              <a:rPr lang="bg-BG" dirty="0" smtClean="0"/>
+              <a:t> и само 1 </a:t>
+            </a:r>
+            <a:r>
+              <a:rPr lang="en-US" dirty="0" smtClean="0"/>
+              <a:t>catch</a:t>
+            </a:r>
+          </a:p>
+          <a:p>
+            <a:pPr lvl="1"/>
+            <a:r>
+              <a:rPr lang="bg-BG" dirty="0" smtClean="0"/>
+              <a:t>Ако очаквате специфична грешка, то трябва да проверите типа на грешката вътрв в </a:t>
+            </a:r>
+            <a:r>
+              <a:rPr lang="en-US" dirty="0" smtClean="0"/>
+              <a:t>catch </a:t>
+            </a:r>
+            <a:r>
+              <a:rPr lang="bg-BG" dirty="0" smtClean="0"/>
+              <a:t>блока</a:t>
+            </a:r>
+          </a:p>
+          <a:p>
+            <a:r>
+              <a:rPr lang="bg-BG" dirty="0" smtClean="0"/>
+              <a:t>Обекта на грешката съдържа информация за самата грешка</a:t>
+            </a:r>
+          </a:p>
+          <a:p>
+            <a:pPr lvl="1"/>
+            <a:r>
+              <a:rPr lang="bg-BG" dirty="0" smtClean="0"/>
+              <a:t>Нейния тип</a:t>
+            </a:r>
+          </a:p>
+          <a:p>
+            <a:pPr lvl="1"/>
+            <a:r>
+              <a:rPr lang="bg-BG" dirty="0" smtClean="0"/>
+              <a:t>Съобщението на грешката</a:t>
+            </a:r>
+          </a:p>
+          <a:p>
+            <a:endParaRPr lang="en-US" dirty="0"/>
+          </a:p>
+        </p:txBody>
+      </p:sp>
+    </p:spTree>
+    <p:extLst>
+      <p:ext uri="{BB962C8B-B14F-4D97-AF65-F5344CB8AC3E}">
+        <p14:creationId xmlns:p14="http://schemas.microsoft.com/office/powerpoint/2010/main" val="931361158"/>
+      </p:ext>
+    </p:extLst>
+  </p:cSld>
+  <p:clrMapOvr>
+    <a:masterClrMapping/>
+  </p:clrMapOvr>
+  <mc:AlternateContent xmlns:mc="http://schemas.openxmlformats.org/markup-compatibility/2006">
+    <mc:Choice xmlns:p14="http://schemas.microsoft.com/office/powerpoint/2010/main" Requires="p14">
+      <p:transition spd="slow" p14:dur="2000"/>
+    </mc:Choice>
+    <mc:Fallback>
+      <p:transition spd="slow"/>
+    </mc:Fallback>
+  </mc:AlternateContent>
+</p:sld>
+</file>
+
+<file path=ppt/slides/slide5.xml><?xml version="1.0" encoding="utf-8"?>
+<p:sld xmlns:a="http://schemas.openxmlformats.org/drawingml/2006/main" xmlns:r="http://schemas.openxmlformats.org/officeDocument/2006/relationships" xmlns:p="http://schemas.openxmlformats.org/presentationml/2006/main">
+  <p:cSld>
+    <p:spTree>
+      <p:nvGrpSpPr>
+        <p:cNvPr id="1" name=""/>
+        <p:cNvGrpSpPr/>
+        <p:nvPr/>
+      </p:nvGrpSpPr>
+      <p:grpSpPr>
+        <a:xfrm>
+          <a:off x="0" y="0"/>
+          <a:ext cx="0" cy="0"/>
+          <a:chOff x="0" y="0"/>
+          <a:chExt cx="0" cy="0"/>
+        </a:xfrm>
+      </p:grpSpPr>
+      <p:sp>
+        <p:nvSpPr>
+          <p:cNvPr id="2" name="Title 1"/>
+          <p:cNvSpPr>
+            <a:spLocks noGrp="1"/>
+          </p:cNvSpPr>
+          <p:nvPr>
+            <p:ph type="title"/>
+          </p:nvPr>
+        </p:nvSpPr>
+        <p:spPr/>
+        <p:txBody>
+          <a:bodyPr/>
+          <a:lstStyle/>
+          <a:p>
+            <a:r>
+              <a:rPr lang="bg-BG" dirty="0" smtClean="0"/>
+              <a:t>Наследяване</a:t>
+            </a:r>
+            <a:endParaRPr lang="en-US" dirty="0"/>
+          </a:p>
+        </p:txBody>
+      </p:sp>
+      <p:sp>
+        <p:nvSpPr>
+          <p:cNvPr id="5" name="Content Placeholder 4"/>
+          <p:cNvSpPr>
+            <a:spLocks noGrp="1"/>
+          </p:cNvSpPr>
+          <p:nvPr>
+            <p:ph sz="half" idx="1"/>
+          </p:nvPr>
+        </p:nvSpPr>
+        <p:spPr>
+          <a:xfrm>
+            <a:off x="1484312" y="2666999"/>
+            <a:ext cx="5452197" cy="3410528"/>
+          </a:xfrm>
+        </p:spPr>
+        <p:txBody>
+          <a:bodyPr/>
+          <a:lstStyle/>
+          <a:p>
+            <a:pPr algn="just"/>
+            <a:r>
+              <a:rPr lang="bg-BG" dirty="0" smtClean="0"/>
+              <a:t>Чрез наследяването споделяме общи характеристики между наследниците и техния родител</a:t>
+            </a:r>
+          </a:p>
+          <a:p>
+            <a:pPr algn="just"/>
+            <a:r>
+              <a:rPr lang="bg-BG" dirty="0" smtClean="0"/>
+              <a:t>Наследвяването ни помага да имаме високо ниво на абстракция</a:t>
+            </a:r>
+          </a:p>
+          <a:p>
+            <a:pPr algn="just"/>
+            <a:r>
+              <a:rPr lang="bg-BG" dirty="0" smtClean="0"/>
+              <a:t>Наследяването спестава повторяемо писане на код и поддръжката му</a:t>
+            </a:r>
+            <a:endParaRPr lang="en-US" dirty="0"/>
+          </a:p>
+        </p:txBody>
+      </p:sp>
+      <p:graphicFrame>
+        <p:nvGraphicFramePr>
+          <p:cNvPr id="7" name="Content Placeholder 6"/>
+          <p:cNvGraphicFramePr>
+            <a:graphicFrameLocks noGrp="1"/>
+          </p:cNvGraphicFramePr>
+          <p:nvPr>
+            <p:ph sz="half" idx="2"/>
+            <p:extLst>
+              <p:ext uri="{D42A27DB-BD31-4B8C-83A1-F6EECF244321}">
+                <p14:modId xmlns:p14="http://schemas.microsoft.com/office/powerpoint/2010/main" val="805974925"/>
+              </p:ext>
+            </p:extLst>
+          </p:nvPr>
+        </p:nvGraphicFramePr>
+        <p:xfrm>
+          <a:off x="7022812" y="1920008"/>
+          <a:ext cx="4895850" cy="4618182"/>
+        </p:xfrm>
+        <a:graphic>
+          <a:graphicData uri="http://schemas.openxmlformats.org/drawingml/2006/diagram">
+            <dgm:relIds xmlns:dgm="http://schemas.openxmlformats.org/drawingml/2006/diagram" xmlns:r="http://schemas.openxmlformats.org/officeDocument/2006/relationships" r:dm="rId2" r:lo="rId3" r:qs="rId4" r:cs="rId5"/>
+          </a:graphicData>
+        </a:graphic>
+      </p:graphicFrame>
+    </p:spTree>
+    <p:extLst>
+      <p:ext uri="{BB962C8B-B14F-4D97-AF65-F5344CB8AC3E}">
+        <p14:creationId xmlns:p14="http://schemas.microsoft.com/office/powerpoint/2010/main" val="3047233625"/>
+      </p:ext>
+    </p:extLst>
+  </p:cSld>
+  <p:clrMapOvr>
+    <a:masterClrMapping/>
+  </p:clrMapOvr>
+  <mc:AlternateContent xmlns:mc="http://schemas.openxmlformats.org/markup-compatibility/2006">
+    <mc:Choice xmlns:p14="http://schemas.microsoft.com/office/powerpoint/2010/main" Requires="p14">
+      <p:transition spd="slow" p14:dur="2000"/>
+    </mc:Choice>
+    <mc:Fallback>
+      <p:transition spd="slow"/>
+    </mc:Fallback>
+  </mc:AlternateContent>
+</p:sld>
+</file>
+
+<file path=ppt/slides/slide50.xml><?xml version="1.0" encoding="utf-8"?>
+<p:sld xmlns:a="http://schemas.openxmlformats.org/drawingml/2006/main" xmlns:r="http://schemas.openxmlformats.org/officeDocument/2006/relationships" xmlns:p="http://schemas.openxmlformats.org/presentationml/2006/main">
+  <p:cSld>
+    <p:spTree>
+      <p:nvGrpSpPr>
+        <p:cNvPr id="1" name=""/>
+        <p:cNvGrpSpPr/>
+        <p:nvPr/>
+      </p:nvGrpSpPr>
+      <p:grpSpPr>
+        <a:xfrm>
+          <a:off x="0" y="0"/>
+          <a:ext cx="0" cy="0"/>
+          <a:chOff x="0" y="0"/>
+          <a:chExt cx="0" cy="0"/>
+        </a:xfrm>
+      </p:grpSpPr>
+      <p:sp>
+        <p:nvSpPr>
+          <p:cNvPr id="6" name="Title 5"/>
+          <p:cNvSpPr>
+            <a:spLocks noGrp="1"/>
+          </p:cNvSpPr>
+          <p:nvPr>
+            <p:ph type="title"/>
+          </p:nvPr>
+        </p:nvSpPr>
+        <p:spPr>
+          <a:xfrm>
+            <a:off x="1484311" y="166256"/>
+            <a:ext cx="10018713" cy="2272144"/>
+          </a:xfrm>
+        </p:spPr>
+        <p:txBody>
+          <a:bodyPr/>
+          <a:lstStyle/>
+          <a:p>
+            <a:r>
+              <a:rPr lang="bg-BG" dirty="0"/>
+              <a:t>Обработка на </a:t>
+            </a:r>
+            <a:r>
+              <a:rPr lang="bg-BG" dirty="0" smtClean="0"/>
+              <a:t>изключения</a:t>
+            </a:r>
+            <a:endParaRPr lang="en-US" i="1" dirty="0">
+              <a:solidFill>
+                <a:schemeClr val="accent6">
+                  <a:lumMod val="75000"/>
+                </a:schemeClr>
+              </a:solidFill>
+            </a:endParaRPr>
+          </a:p>
+        </p:txBody>
+      </p:sp>
+      <p:pic>
+        <p:nvPicPr>
+          <p:cNvPr id="7" name="Picture 6"/>
+          <p:cNvPicPr>
+            <a:picLocks noChangeAspect="1"/>
+          </p:cNvPicPr>
+          <p:nvPr/>
+        </p:nvPicPr>
+        <p:blipFill>
+          <a:blip r:embed="rId2">
+            <a:extLst>
+              <a:ext uri="{28A0092B-C50C-407E-A947-70E740481C1C}">
+                <a14:useLocalDpi xmlns:a14="http://schemas.microsoft.com/office/drawing/2010/main" val="0"/>
+              </a:ext>
+            </a:extLst>
+          </a:blip>
+          <a:stretch>
+            <a:fillRect/>
+          </a:stretch>
+        </p:blipFill>
+        <p:spPr>
+          <a:xfrm>
+            <a:off x="4112417" y="1943677"/>
+            <a:ext cx="4762500" cy="4762500"/>
+          </a:xfrm>
+          <a:prstGeom prst="rect">
+            <a:avLst/>
+          </a:prstGeom>
+        </p:spPr>
+      </p:pic>
+    </p:spTree>
+    <p:extLst>
+      <p:ext uri="{BB962C8B-B14F-4D97-AF65-F5344CB8AC3E}">
+        <p14:creationId xmlns:p14="http://schemas.microsoft.com/office/powerpoint/2010/main" val="3628418358"/>
+      </p:ext>
+    </p:extLst>
+  </p:cSld>
+  <p:clrMapOvr>
+    <a:masterClrMapping/>
+  </p:clrMapOvr>
+  <mc:AlternateContent xmlns:mc="http://schemas.openxmlformats.org/markup-compatibility/2006">
+    <mc:Choice xmlns:p14="http://schemas.microsoft.com/office/powerpoint/2010/main" Requires="p14">
+      <p:transition spd="slow" p14:dur="2000"/>
+    </mc:Choice>
+    <mc:Fallback>
+      <p:transition spd="slow"/>
+    </mc:Fallback>
+  </mc:AlternateContent>
+  <p:timing>
+    <p:tnLst>
+      <p:par>
+        <p:cTn id="1" dur="indefinite" restart="never" nodeType="tmRoot"/>
+      </p:par>
+    </p:tnLst>
+  </p:timing>
+</p:sld>
+</file>
+
+<file path=ppt/slides/slide51.xml><?xml version="1.0" encoding="utf-8"?>
+<p:sld xmlns:a="http://schemas.openxmlformats.org/drawingml/2006/main" xmlns:r="http://schemas.openxmlformats.org/officeDocument/2006/relationships" xmlns:p="http://schemas.openxmlformats.org/presentationml/2006/main">
+  <p:cSld>
+    <p:spTree>
+      <p:nvGrpSpPr>
+        <p:cNvPr id="1" name=""/>
+        <p:cNvGrpSpPr/>
+        <p:nvPr/>
+      </p:nvGrpSpPr>
+      <p:grpSpPr>
+        <a:xfrm>
+          <a:off x="0" y="0"/>
+          <a:ext cx="0" cy="0"/>
+          <a:chOff x="0" y="0"/>
+          <a:chExt cx="0" cy="0"/>
+        </a:xfrm>
+      </p:grpSpPr>
+      <p:sp>
+        <p:nvSpPr>
+          <p:cNvPr id="3" name="Title 2"/>
+          <p:cNvSpPr>
+            <a:spLocks noGrp="1"/>
+          </p:cNvSpPr>
+          <p:nvPr>
+            <p:ph type="title"/>
+          </p:nvPr>
+        </p:nvSpPr>
+        <p:spPr/>
+        <p:txBody>
+          <a:bodyPr/>
+          <a:lstStyle/>
+          <a:p>
+            <a:r>
+              <a:rPr lang="bg-BG" dirty="0" smtClean="0"/>
+              <a:t>Създаване на изключения</a:t>
+            </a:r>
+            <a:endParaRPr lang="en-US" dirty="0"/>
+          </a:p>
+        </p:txBody>
+      </p:sp>
+      <p:sp>
+        <p:nvSpPr>
+          <p:cNvPr id="4" name="Content Placeholder 3"/>
+          <p:cNvSpPr>
+            <a:spLocks noGrp="1"/>
+          </p:cNvSpPr>
+          <p:nvPr>
+            <p:ph idx="1"/>
+          </p:nvPr>
+        </p:nvSpPr>
+        <p:spPr/>
+        <p:txBody>
+          <a:bodyPr/>
+          <a:lstStyle/>
+          <a:p>
+            <a:r>
+              <a:rPr lang="bg-BG" dirty="0" smtClean="0"/>
+              <a:t>Изключение могат да бъдат създавани посредством конструктор</a:t>
+            </a:r>
+          </a:p>
+          <a:p>
+            <a:pPr lvl="1"/>
+            <a:r>
+              <a:rPr lang="bg-BG" dirty="0" smtClean="0"/>
+              <a:t>Конструктора има опционален параметър за съобщение, ако се пропусне, то получава стойност празен стринг</a:t>
+            </a:r>
+          </a:p>
+          <a:p>
+            <a:pPr lvl="1"/>
+            <a:endParaRPr lang="bg-BG" dirty="0"/>
+          </a:p>
+          <a:p>
+            <a:pPr lvl="1"/>
+            <a:endParaRPr lang="bg-BG" dirty="0" smtClean="0"/>
+          </a:p>
+          <a:p>
+            <a:pPr lvl="1"/>
+            <a:r>
+              <a:rPr lang="bg-BG" dirty="0" smtClean="0"/>
+              <a:t>Изкл‘чение могат да бъдат хвърляни чрез ключовата дума </a:t>
+            </a:r>
+            <a:r>
+              <a:rPr lang="en-US" i="1" dirty="0" smtClean="0">
+                <a:solidFill>
+                  <a:schemeClr val="accent6">
+                    <a:lumMod val="75000"/>
+                  </a:schemeClr>
+                </a:solidFill>
+              </a:rPr>
+              <a:t>throw</a:t>
+            </a:r>
+            <a:endParaRPr lang="en-US" i="1" dirty="0">
+              <a:solidFill>
+                <a:schemeClr val="accent6">
+                  <a:lumMod val="75000"/>
+                </a:schemeClr>
+              </a:solidFill>
+            </a:endParaRPr>
+          </a:p>
+        </p:txBody>
+      </p:sp>
+      <p:sp>
+        <p:nvSpPr>
+          <p:cNvPr id="5" name="Text Placeholder 5"/>
+          <p:cNvSpPr txBox="1">
+            <a:spLocks/>
+          </p:cNvSpPr>
+          <p:nvPr/>
+        </p:nvSpPr>
+        <p:spPr>
+          <a:xfrm>
+            <a:off x="2565400" y="4229099"/>
+            <a:ext cx="8077200" cy="646331"/>
+          </a:xfrm>
+          <a:prstGeom prst="rect">
+            <a:avLst/>
+          </a:prstGeom>
+          <a:ln/>
+        </p:spPr>
+        <p:style>
+          <a:lnRef idx="0">
+            <a:schemeClr val="accent1"/>
+          </a:lnRef>
+          <a:fillRef idx="3">
+            <a:schemeClr val="accent1"/>
+          </a:fillRef>
+          <a:effectRef idx="3">
+            <a:schemeClr val="accent1"/>
+          </a:effectRef>
+          <a:fontRef idx="minor">
+            <a:schemeClr val="lt1"/>
+          </a:fontRef>
+        </p:style>
+        <p:txBody>
+          <a:bodyPr wrap="square">
+            <a:spAutoFit/>
+          </a:bodyPr>
+          <a:lstStyle>
+            <a:lvl1pPr indent="0" fontAlgn="base">
+              <a:spcBef>
+                <a:spcPts val="0"/>
+              </a:spcBef>
+              <a:spcAft>
+                <a:spcPct val="0"/>
+              </a:spcAft>
+              <a:buClr>
+                <a:schemeClr val="accent5">
+                  <a:lumMod val="40000"/>
+                  <a:lumOff val="60000"/>
+                </a:schemeClr>
+              </a:buClr>
+              <a:buSzPct val="70000"/>
+              <a:buFont typeface="Wingdings 2" pitchFamily="18" charset="2"/>
+              <a:buNone/>
+              <a:defRPr lang="en-US" sz="2000" b="1" smtClean="0">
+                <a:solidFill>
+                  <a:srgbClr val="8CF4F2"/>
+                </a:solidFill>
+                <a:effectLst>
+                  <a:outerShdw blurRad="38100" dist="38100" dir="2700000" algn="tl">
+                    <a:srgbClr val="000000">
+                      <a:alpha val="43137"/>
+                    </a:srgbClr>
+                  </a:outerShdw>
+                </a:effectLst>
+                <a:latin typeface="Consolas" pitchFamily="49" charset="0"/>
+                <a:cs typeface="Consolas" pitchFamily="49" charset="0"/>
+              </a:defRPr>
+            </a:lvl1pPr>
+            <a:lvl2pPr marL="630238" indent="-273050" fontAlgn="base">
+              <a:spcBef>
+                <a:spcPct val="20000"/>
+              </a:spcBef>
+              <a:spcAft>
+                <a:spcPct val="0"/>
+              </a:spcAft>
+              <a:buClr>
+                <a:schemeClr val="accent2">
+                  <a:lumMod val="60000"/>
+                  <a:lumOff val="40000"/>
+                </a:schemeClr>
+              </a:buClr>
+              <a:buFont typeface="Wingdings 2" pitchFamily="18" charset="2"/>
+              <a:buChar char=""/>
+              <a:defRPr sz="3000" b="1">
+                <a:solidFill>
+                  <a:schemeClr val="tx1">
+                    <a:lumMod val="20000"/>
+                    <a:lumOff val="80000"/>
+                  </a:schemeClr>
+                </a:solidFill>
+                <a:effectLst>
+                  <a:outerShdw blurRad="38100" dist="38100" dir="2700000" algn="tl">
+                    <a:srgbClr val="000000">
+                      <a:alpha val="43137"/>
+                    </a:srgbClr>
+                  </a:outerShdw>
+                </a:effectLst>
+              </a:defRPr>
+            </a:lvl2pPr>
+            <a:lvl3pPr marL="922338" indent="-273050" fontAlgn="base">
+              <a:spcBef>
+                <a:spcPct val="20000"/>
+              </a:spcBef>
+              <a:spcAft>
+                <a:spcPct val="0"/>
+              </a:spcAft>
+              <a:buClr>
+                <a:schemeClr val="tx1">
+                  <a:lumMod val="50000"/>
+                </a:schemeClr>
+              </a:buClr>
+              <a:buFont typeface="Wingdings 2" pitchFamily="18" charset="2"/>
+              <a:buChar char=""/>
+              <a:defRPr sz="2800" b="1">
+                <a:solidFill>
+                  <a:schemeClr val="tx1">
+                    <a:lumMod val="20000"/>
+                    <a:lumOff val="80000"/>
+                  </a:schemeClr>
+                </a:solidFill>
+                <a:effectLst>
+                  <a:outerShdw blurRad="38100" dist="38100" dir="2700000" algn="tl">
+                    <a:srgbClr val="000000">
+                      <a:alpha val="43137"/>
+                    </a:srgbClr>
+                  </a:outerShdw>
+                </a:effectLst>
+              </a:defRPr>
+            </a:lvl3pPr>
+            <a:lvl4pPr marL="1187450" indent="-228600" fontAlgn="base">
+              <a:spcBef>
+                <a:spcPct val="20000"/>
+              </a:spcBef>
+              <a:spcAft>
+                <a:spcPct val="0"/>
+              </a:spcAft>
+              <a:buClr>
+                <a:srgbClr val="F8BD52"/>
+              </a:buClr>
+              <a:buFont typeface="Wingdings 2" pitchFamily="18" charset="2"/>
+              <a:buChar char=""/>
+              <a:defRPr sz="2600" b="1">
+                <a:solidFill>
+                  <a:schemeClr val="tx1">
+                    <a:lumMod val="20000"/>
+                    <a:lumOff val="80000"/>
+                  </a:schemeClr>
+                </a:solidFill>
+                <a:effectLst>
+                  <a:outerShdw blurRad="38100" dist="38100" dir="2700000" algn="tl">
+                    <a:srgbClr val="000000">
+                      <a:alpha val="43137"/>
+                    </a:srgbClr>
+                  </a:outerShdw>
+                </a:effectLst>
+              </a:defRPr>
+            </a:lvl4pPr>
+            <a:lvl5pPr marL="1425575" indent="-228600" fontAlgn="base">
+              <a:spcBef>
+                <a:spcPct val="20000"/>
+              </a:spcBef>
+              <a:spcAft>
+                <a:spcPct val="0"/>
+              </a:spcAft>
+              <a:buClr>
+                <a:srgbClr val="46A6BD"/>
+              </a:buClr>
+              <a:buFont typeface="Wingdings 2" pitchFamily="18" charset="2"/>
+              <a:buChar char=""/>
+              <a:defRPr sz="2400" b="1">
+                <a:solidFill>
+                  <a:schemeClr val="tx1">
+                    <a:lumMod val="20000"/>
+                    <a:lumOff val="80000"/>
+                  </a:schemeClr>
+                </a:solidFill>
+                <a:effectLst>
+                  <a:outerShdw blurRad="38100" dist="38100" dir="2700000" algn="tl">
+                    <a:srgbClr val="000000">
+                      <a:alpha val="43137"/>
+                    </a:srgbClr>
+                  </a:outerShdw>
+                </a:effectLst>
+              </a:defRPr>
+            </a:lvl5pPr>
+            <a:lvl6pPr marL="1673352" indent="-228600">
+              <a:spcBef>
+                <a:spcPct val="20000"/>
+              </a:spcBef>
+              <a:buClr>
+                <a:schemeClr val="accent6"/>
+              </a:buClr>
+              <a:buFont typeface="Wingdings 2"/>
+              <a:buChar char=""/>
+            </a:lvl6pPr>
+            <a:lvl7pPr marL="1911096" indent="-228600">
+              <a:spcBef>
+                <a:spcPct val="20000"/>
+              </a:spcBef>
+              <a:buClr>
+                <a:schemeClr val="tx2"/>
+              </a:buClr>
+              <a:buFont typeface="Wingdings 2"/>
+              <a:buChar char=""/>
+              <a:defRPr sz="1600"/>
+            </a:lvl7pPr>
+            <a:lvl8pPr marL="2121408" indent="-182880">
+              <a:spcBef>
+                <a:spcPct val="20000"/>
+              </a:spcBef>
+              <a:buClr>
+                <a:schemeClr val="tx2"/>
+              </a:buClr>
+              <a:buFont typeface="Wingdings 2"/>
+              <a:buChar char=""/>
+              <a:defRPr sz="1400"/>
+            </a:lvl8pPr>
+            <a:lvl9pPr marL="2322576" indent="-182880">
+              <a:spcBef>
+                <a:spcPct val="20000"/>
+              </a:spcBef>
+              <a:buClr>
+                <a:schemeClr val="tx2"/>
+              </a:buClr>
+              <a:buFont typeface="Wingdings 2"/>
+              <a:buChar char=""/>
+              <a:defRPr sz="1400"/>
+            </a:lvl9pPr>
+          </a:lstStyle>
+          <a:p>
+            <a:r>
+              <a:rPr lang="en-US" sz="1800" dirty="0" smtClean="0"/>
+              <a:t>var </a:t>
+            </a:r>
+            <a:r>
+              <a:rPr lang="en-US" sz="1800" dirty="0" err="1" smtClean="0"/>
+              <a:t>typeException</a:t>
+            </a:r>
+            <a:r>
+              <a:rPr lang="en-US" sz="1800" dirty="0" smtClean="0"/>
+              <a:t> = new TypeError([message]);</a:t>
+            </a:r>
+          </a:p>
+          <a:p>
+            <a:r>
+              <a:rPr lang="en-US" sz="1800" dirty="0" smtClean="0"/>
+              <a:t>var </a:t>
+            </a:r>
+            <a:r>
+              <a:rPr lang="en-US" sz="1800" dirty="0" err="1" smtClean="0"/>
+              <a:t>rangeException</a:t>
+            </a:r>
+            <a:r>
+              <a:rPr lang="en-US" sz="1800" dirty="0" smtClean="0"/>
+              <a:t> = new </a:t>
+            </a:r>
+            <a:r>
+              <a:rPr lang="en-US" sz="1800" dirty="0" err="1" smtClean="0"/>
+              <a:t>RangeError</a:t>
+            </a:r>
+            <a:r>
+              <a:rPr lang="en-US" sz="1800" dirty="0" smtClean="0"/>
+              <a:t>([message]);</a:t>
+            </a:r>
+            <a:endParaRPr lang="en-US" sz="1800" dirty="0"/>
+          </a:p>
+        </p:txBody>
+      </p:sp>
+      <p:sp>
+        <p:nvSpPr>
+          <p:cNvPr id="6" name="Text Placeholder 5"/>
+          <p:cNvSpPr txBox="1">
+            <a:spLocks/>
+          </p:cNvSpPr>
+          <p:nvPr/>
+        </p:nvSpPr>
+        <p:spPr>
+          <a:xfrm>
+            <a:off x="2565400" y="5791199"/>
+            <a:ext cx="8077200" cy="646331"/>
+          </a:xfrm>
+          <a:prstGeom prst="rect">
+            <a:avLst/>
+          </a:prstGeom>
+          <a:ln/>
+        </p:spPr>
+        <p:style>
+          <a:lnRef idx="0">
+            <a:schemeClr val="accent1"/>
+          </a:lnRef>
+          <a:fillRef idx="3">
+            <a:schemeClr val="accent1"/>
+          </a:fillRef>
+          <a:effectRef idx="3">
+            <a:schemeClr val="accent1"/>
+          </a:effectRef>
+          <a:fontRef idx="minor">
+            <a:schemeClr val="lt1"/>
+          </a:fontRef>
+        </p:style>
+        <p:txBody>
+          <a:bodyPr wrap="square">
+            <a:spAutoFit/>
+          </a:bodyPr>
+          <a:lstStyle>
+            <a:lvl1pPr indent="0" fontAlgn="base">
+              <a:spcBef>
+                <a:spcPts val="0"/>
+              </a:spcBef>
+              <a:spcAft>
+                <a:spcPct val="0"/>
+              </a:spcAft>
+              <a:buClr>
+                <a:schemeClr val="accent5">
+                  <a:lumMod val="40000"/>
+                  <a:lumOff val="60000"/>
+                </a:schemeClr>
+              </a:buClr>
+              <a:buSzPct val="70000"/>
+              <a:buFont typeface="Wingdings 2" pitchFamily="18" charset="2"/>
+              <a:buNone/>
+              <a:defRPr lang="en-US" sz="2000" b="1" smtClean="0">
+                <a:solidFill>
+                  <a:srgbClr val="8CF4F2"/>
+                </a:solidFill>
+                <a:effectLst>
+                  <a:outerShdw blurRad="38100" dist="38100" dir="2700000" algn="tl">
+                    <a:srgbClr val="000000">
+                      <a:alpha val="43137"/>
+                    </a:srgbClr>
+                  </a:outerShdw>
+                </a:effectLst>
+                <a:latin typeface="Consolas" pitchFamily="49" charset="0"/>
+                <a:cs typeface="Consolas" pitchFamily="49" charset="0"/>
+              </a:defRPr>
+            </a:lvl1pPr>
+            <a:lvl2pPr marL="630238" indent="-273050" fontAlgn="base">
+              <a:spcBef>
+                <a:spcPct val="20000"/>
+              </a:spcBef>
+              <a:spcAft>
+                <a:spcPct val="0"/>
+              </a:spcAft>
+              <a:buClr>
+                <a:schemeClr val="accent2">
+                  <a:lumMod val="60000"/>
+                  <a:lumOff val="40000"/>
+                </a:schemeClr>
+              </a:buClr>
+              <a:buFont typeface="Wingdings 2" pitchFamily="18" charset="2"/>
+              <a:buChar char=""/>
+              <a:defRPr sz="3000" b="1">
+                <a:solidFill>
+                  <a:schemeClr val="tx1">
+                    <a:lumMod val="20000"/>
+                    <a:lumOff val="80000"/>
+                  </a:schemeClr>
+                </a:solidFill>
+                <a:effectLst>
+                  <a:outerShdw blurRad="38100" dist="38100" dir="2700000" algn="tl">
+                    <a:srgbClr val="000000">
+                      <a:alpha val="43137"/>
+                    </a:srgbClr>
+                  </a:outerShdw>
+                </a:effectLst>
+              </a:defRPr>
+            </a:lvl2pPr>
+            <a:lvl3pPr marL="922338" indent="-273050" fontAlgn="base">
+              <a:spcBef>
+                <a:spcPct val="20000"/>
+              </a:spcBef>
+              <a:spcAft>
+                <a:spcPct val="0"/>
+              </a:spcAft>
+              <a:buClr>
+                <a:schemeClr val="tx1">
+                  <a:lumMod val="50000"/>
+                </a:schemeClr>
+              </a:buClr>
+              <a:buFont typeface="Wingdings 2" pitchFamily="18" charset="2"/>
+              <a:buChar char=""/>
+              <a:defRPr sz="2800" b="1">
+                <a:solidFill>
+                  <a:schemeClr val="tx1">
+                    <a:lumMod val="20000"/>
+                    <a:lumOff val="80000"/>
+                  </a:schemeClr>
+                </a:solidFill>
+                <a:effectLst>
+                  <a:outerShdw blurRad="38100" dist="38100" dir="2700000" algn="tl">
+                    <a:srgbClr val="000000">
+                      <a:alpha val="43137"/>
+                    </a:srgbClr>
+                  </a:outerShdw>
+                </a:effectLst>
+              </a:defRPr>
+            </a:lvl3pPr>
+            <a:lvl4pPr marL="1187450" indent="-228600" fontAlgn="base">
+              <a:spcBef>
+                <a:spcPct val="20000"/>
+              </a:spcBef>
+              <a:spcAft>
+                <a:spcPct val="0"/>
+              </a:spcAft>
+              <a:buClr>
+                <a:srgbClr val="F8BD52"/>
+              </a:buClr>
+              <a:buFont typeface="Wingdings 2" pitchFamily="18" charset="2"/>
+              <a:buChar char=""/>
+              <a:defRPr sz="2600" b="1">
+                <a:solidFill>
+                  <a:schemeClr val="tx1">
+                    <a:lumMod val="20000"/>
+                    <a:lumOff val="80000"/>
+                  </a:schemeClr>
+                </a:solidFill>
+                <a:effectLst>
+                  <a:outerShdw blurRad="38100" dist="38100" dir="2700000" algn="tl">
+                    <a:srgbClr val="000000">
+                      <a:alpha val="43137"/>
+                    </a:srgbClr>
+                  </a:outerShdw>
+                </a:effectLst>
+              </a:defRPr>
+            </a:lvl4pPr>
+            <a:lvl5pPr marL="1425575" indent="-228600" fontAlgn="base">
+              <a:spcBef>
+                <a:spcPct val="20000"/>
+              </a:spcBef>
+              <a:spcAft>
+                <a:spcPct val="0"/>
+              </a:spcAft>
+              <a:buClr>
+                <a:srgbClr val="46A6BD"/>
+              </a:buClr>
+              <a:buFont typeface="Wingdings 2" pitchFamily="18" charset="2"/>
+              <a:buChar char=""/>
+              <a:defRPr sz="2400" b="1">
+                <a:solidFill>
+                  <a:schemeClr val="tx1">
+                    <a:lumMod val="20000"/>
+                    <a:lumOff val="80000"/>
+                  </a:schemeClr>
+                </a:solidFill>
+                <a:effectLst>
+                  <a:outerShdw blurRad="38100" dist="38100" dir="2700000" algn="tl">
+                    <a:srgbClr val="000000">
+                      <a:alpha val="43137"/>
+                    </a:srgbClr>
+                  </a:outerShdw>
+                </a:effectLst>
+              </a:defRPr>
+            </a:lvl5pPr>
+            <a:lvl6pPr marL="1673352" indent="-228600">
+              <a:spcBef>
+                <a:spcPct val="20000"/>
+              </a:spcBef>
+              <a:buClr>
+                <a:schemeClr val="accent6"/>
+              </a:buClr>
+              <a:buFont typeface="Wingdings 2"/>
+              <a:buChar char=""/>
+            </a:lvl6pPr>
+            <a:lvl7pPr marL="1911096" indent="-228600">
+              <a:spcBef>
+                <a:spcPct val="20000"/>
+              </a:spcBef>
+              <a:buClr>
+                <a:schemeClr val="tx2"/>
+              </a:buClr>
+              <a:buFont typeface="Wingdings 2"/>
+              <a:buChar char=""/>
+              <a:defRPr sz="1600"/>
+            </a:lvl7pPr>
+            <a:lvl8pPr marL="2121408" indent="-182880">
+              <a:spcBef>
+                <a:spcPct val="20000"/>
+              </a:spcBef>
+              <a:buClr>
+                <a:schemeClr val="tx2"/>
+              </a:buClr>
+              <a:buFont typeface="Wingdings 2"/>
+              <a:buChar char=""/>
+              <a:defRPr sz="1400"/>
+            </a:lvl8pPr>
+            <a:lvl9pPr marL="2322576" indent="-182880">
+              <a:spcBef>
+                <a:spcPct val="20000"/>
+              </a:spcBef>
+              <a:buClr>
+                <a:schemeClr val="tx2"/>
+              </a:buClr>
+              <a:buFont typeface="Wingdings 2"/>
+              <a:buChar char=""/>
+              <a:defRPr sz="1400"/>
+            </a:lvl9pPr>
+          </a:lstStyle>
+          <a:p>
+            <a:r>
+              <a:rPr lang="en-US" sz="1800" dirty="0" smtClean="0"/>
+              <a:t>var </a:t>
+            </a:r>
+            <a:r>
+              <a:rPr lang="en-US" sz="1800" dirty="0" err="1" smtClean="0"/>
+              <a:t>typeEx</a:t>
+            </a:r>
+            <a:r>
+              <a:rPr lang="en-US" sz="1800" dirty="0" smtClean="0"/>
+              <a:t> = new TypeError("Not correct use of an object");</a:t>
+            </a:r>
+          </a:p>
+          <a:p>
+            <a:r>
+              <a:rPr lang="en-US" sz="1800" dirty="0" smtClean="0"/>
+              <a:t>throw </a:t>
+            </a:r>
+            <a:r>
+              <a:rPr lang="en-US" sz="1800" dirty="0" err="1" smtClean="0"/>
+              <a:t>typeEx</a:t>
+            </a:r>
+            <a:r>
+              <a:rPr lang="en-US" sz="1800" dirty="0" smtClean="0"/>
+              <a:t>;</a:t>
+            </a:r>
+            <a:endParaRPr lang="en-US" sz="1800" dirty="0"/>
+          </a:p>
+        </p:txBody>
+      </p:sp>
+    </p:spTree>
+    <p:extLst>
+      <p:ext uri="{BB962C8B-B14F-4D97-AF65-F5344CB8AC3E}">
+        <p14:creationId xmlns:p14="http://schemas.microsoft.com/office/powerpoint/2010/main" val="3392180608"/>
+      </p:ext>
+    </p:extLst>
+  </p:cSld>
+  <p:clrMapOvr>
+    <a:masterClrMapping/>
+  </p:clrMapOvr>
+  <mc:AlternateContent xmlns:mc="http://schemas.openxmlformats.org/markup-compatibility/2006">
+    <mc:Choice xmlns:p14="http://schemas.microsoft.com/office/powerpoint/2010/main" Requires="p14">
+      <p:transition spd="slow" p14:dur="2000"/>
+    </mc:Choice>
+    <mc:Fallback>
+      <p:transition spd="slow"/>
+    </mc:Fallback>
+  </mc:AlternateContent>
+</p:sld>
+</file>
+
+<file path=ppt/slides/slide52.xml><?xml version="1.0" encoding="utf-8"?>
+<p:sld xmlns:a="http://schemas.openxmlformats.org/drawingml/2006/main" xmlns:r="http://schemas.openxmlformats.org/officeDocument/2006/relationships" xmlns:p="http://schemas.openxmlformats.org/presentationml/2006/main">
+  <p:cSld>
+    <p:spTree>
+      <p:nvGrpSpPr>
+        <p:cNvPr id="1" name=""/>
+        <p:cNvGrpSpPr/>
+        <p:nvPr/>
+      </p:nvGrpSpPr>
+      <p:grpSpPr>
+        <a:xfrm>
+          <a:off x="0" y="0"/>
+          <a:ext cx="0" cy="0"/>
+          <a:chOff x="0" y="0"/>
+          <a:chExt cx="0" cy="0"/>
+        </a:xfrm>
+      </p:grpSpPr>
+      <p:sp>
+        <p:nvSpPr>
+          <p:cNvPr id="2" name="Title 1"/>
+          <p:cNvSpPr>
+            <a:spLocks noGrp="1"/>
+          </p:cNvSpPr>
+          <p:nvPr>
+            <p:ph type="title"/>
+          </p:nvPr>
+        </p:nvSpPr>
+        <p:spPr/>
+        <p:txBody>
+          <a:bodyPr/>
+          <a:lstStyle/>
+          <a:p>
+            <a:r>
+              <a:rPr lang="bg-BG" dirty="0" smtClean="0"/>
+              <a:t>Собствени изключние</a:t>
+            </a:r>
+            <a:endParaRPr lang="en-US" dirty="0"/>
+          </a:p>
+        </p:txBody>
+      </p:sp>
+      <p:sp>
+        <p:nvSpPr>
+          <p:cNvPr id="3" name="Content Placeholder 2"/>
+          <p:cNvSpPr>
+            <a:spLocks noGrp="1"/>
+          </p:cNvSpPr>
+          <p:nvPr>
+            <p:ph idx="1"/>
+          </p:nvPr>
+        </p:nvSpPr>
+        <p:spPr/>
+        <p:txBody>
+          <a:bodyPr/>
+          <a:lstStyle/>
+          <a:p>
+            <a:r>
+              <a:rPr lang="bg-BG" dirty="0" smtClean="0"/>
+              <a:t>Може да се създават и собствени изключения</a:t>
+            </a:r>
+          </a:p>
+          <a:p>
+            <a:r>
+              <a:rPr lang="bg-BG" dirty="0" smtClean="0"/>
+              <a:t>Използва се ключовата дума </a:t>
+            </a:r>
+            <a:r>
+              <a:rPr lang="en-US" i="1" dirty="0" smtClean="0">
+                <a:solidFill>
+                  <a:schemeClr val="accent6">
+                    <a:lumMod val="75000"/>
+                  </a:schemeClr>
+                </a:solidFill>
+              </a:rPr>
+              <a:t>throw</a:t>
+            </a:r>
+            <a:r>
+              <a:rPr lang="bg-BG" dirty="0" smtClean="0">
+                <a:solidFill>
+                  <a:schemeClr val="accent6">
+                    <a:lumMod val="75000"/>
+                  </a:schemeClr>
+                </a:solidFill>
+              </a:rPr>
+              <a:t> </a:t>
+            </a:r>
+            <a:r>
+              <a:rPr lang="bg-BG" dirty="0" smtClean="0"/>
+              <a:t>и след нея се задава, това което се вдига като изключение</a:t>
+            </a:r>
+          </a:p>
+          <a:p>
+            <a:r>
+              <a:rPr lang="bg-BG" dirty="0" smtClean="0"/>
+              <a:t>Може да се хвърли просто нова инстанция на  </a:t>
+            </a:r>
+            <a:r>
+              <a:rPr lang="en-US" dirty="0" smtClean="0"/>
+              <a:t>Error </a:t>
+            </a:r>
+            <a:r>
+              <a:rPr lang="bg-BG" dirty="0" smtClean="0"/>
+              <a:t>обекта със съответно съобщение</a:t>
+            </a:r>
+            <a:endParaRPr lang="en-US" dirty="0"/>
+          </a:p>
+        </p:txBody>
+      </p:sp>
+      <p:sp>
+        <p:nvSpPr>
+          <p:cNvPr id="4" name="Text Placeholder 5"/>
+          <p:cNvSpPr txBox="1">
+            <a:spLocks/>
+          </p:cNvSpPr>
+          <p:nvPr/>
+        </p:nvSpPr>
+        <p:spPr>
+          <a:xfrm>
+            <a:off x="2455066" y="5468034"/>
+            <a:ext cx="8077200" cy="923330"/>
+          </a:xfrm>
+          <a:prstGeom prst="rect">
+            <a:avLst/>
+          </a:prstGeom>
+          <a:ln/>
+        </p:spPr>
+        <p:style>
+          <a:lnRef idx="0">
+            <a:schemeClr val="accent1"/>
+          </a:lnRef>
+          <a:fillRef idx="3">
+            <a:schemeClr val="accent1"/>
+          </a:fillRef>
+          <a:effectRef idx="3">
+            <a:schemeClr val="accent1"/>
+          </a:effectRef>
+          <a:fontRef idx="minor">
+            <a:schemeClr val="lt1"/>
+          </a:fontRef>
+        </p:style>
+        <p:txBody>
+          <a:bodyPr wrap="square">
+            <a:spAutoFit/>
+          </a:bodyPr>
+          <a:lstStyle>
+            <a:lvl1pPr indent="0" fontAlgn="base">
+              <a:spcBef>
+                <a:spcPts val="0"/>
+              </a:spcBef>
+              <a:spcAft>
+                <a:spcPct val="0"/>
+              </a:spcAft>
+              <a:buClr>
+                <a:schemeClr val="accent5">
+                  <a:lumMod val="40000"/>
+                  <a:lumOff val="60000"/>
+                </a:schemeClr>
+              </a:buClr>
+              <a:buSzPct val="70000"/>
+              <a:buFont typeface="Wingdings 2" pitchFamily="18" charset="2"/>
+              <a:buNone/>
+              <a:defRPr lang="en-US" sz="2000" b="1" smtClean="0">
+                <a:solidFill>
+                  <a:srgbClr val="8CF4F2"/>
+                </a:solidFill>
+                <a:effectLst>
+                  <a:outerShdw blurRad="38100" dist="38100" dir="2700000" algn="tl">
+                    <a:srgbClr val="000000">
+                      <a:alpha val="43137"/>
+                    </a:srgbClr>
+                  </a:outerShdw>
+                </a:effectLst>
+                <a:latin typeface="Consolas" pitchFamily="49" charset="0"/>
+                <a:cs typeface="Consolas" pitchFamily="49" charset="0"/>
+              </a:defRPr>
+            </a:lvl1pPr>
+            <a:lvl2pPr marL="630238" indent="-273050" fontAlgn="base">
+              <a:spcBef>
+                <a:spcPct val="20000"/>
+              </a:spcBef>
+              <a:spcAft>
+                <a:spcPct val="0"/>
+              </a:spcAft>
+              <a:buClr>
+                <a:schemeClr val="accent2">
+                  <a:lumMod val="60000"/>
+                  <a:lumOff val="40000"/>
+                </a:schemeClr>
+              </a:buClr>
+              <a:buFont typeface="Wingdings 2" pitchFamily="18" charset="2"/>
+              <a:buChar char=""/>
+              <a:defRPr sz="3000" b="1">
+                <a:solidFill>
+                  <a:schemeClr val="tx1">
+                    <a:lumMod val="20000"/>
+                    <a:lumOff val="80000"/>
+                  </a:schemeClr>
+                </a:solidFill>
+                <a:effectLst>
+                  <a:outerShdw blurRad="38100" dist="38100" dir="2700000" algn="tl">
+                    <a:srgbClr val="000000">
+                      <a:alpha val="43137"/>
+                    </a:srgbClr>
+                  </a:outerShdw>
+                </a:effectLst>
+              </a:defRPr>
+            </a:lvl2pPr>
+            <a:lvl3pPr marL="922338" indent="-273050" fontAlgn="base">
+              <a:spcBef>
+                <a:spcPct val="20000"/>
+              </a:spcBef>
+              <a:spcAft>
+                <a:spcPct val="0"/>
+              </a:spcAft>
+              <a:buClr>
+                <a:schemeClr val="tx1">
+                  <a:lumMod val="50000"/>
+                </a:schemeClr>
+              </a:buClr>
+              <a:buFont typeface="Wingdings 2" pitchFamily="18" charset="2"/>
+              <a:buChar char=""/>
+              <a:defRPr sz="2800" b="1">
+                <a:solidFill>
+                  <a:schemeClr val="tx1">
+                    <a:lumMod val="20000"/>
+                    <a:lumOff val="80000"/>
+                  </a:schemeClr>
+                </a:solidFill>
+                <a:effectLst>
+                  <a:outerShdw blurRad="38100" dist="38100" dir="2700000" algn="tl">
+                    <a:srgbClr val="000000">
+                      <a:alpha val="43137"/>
+                    </a:srgbClr>
+                  </a:outerShdw>
+                </a:effectLst>
+              </a:defRPr>
+            </a:lvl3pPr>
+            <a:lvl4pPr marL="1187450" indent="-228600" fontAlgn="base">
+              <a:spcBef>
+                <a:spcPct val="20000"/>
+              </a:spcBef>
+              <a:spcAft>
+                <a:spcPct val="0"/>
+              </a:spcAft>
+              <a:buClr>
+                <a:srgbClr val="F8BD52"/>
+              </a:buClr>
+              <a:buFont typeface="Wingdings 2" pitchFamily="18" charset="2"/>
+              <a:buChar char=""/>
+              <a:defRPr sz="2600" b="1">
+                <a:solidFill>
+                  <a:schemeClr val="tx1">
+                    <a:lumMod val="20000"/>
+                    <a:lumOff val="80000"/>
+                  </a:schemeClr>
+                </a:solidFill>
+                <a:effectLst>
+                  <a:outerShdw blurRad="38100" dist="38100" dir="2700000" algn="tl">
+                    <a:srgbClr val="000000">
+                      <a:alpha val="43137"/>
+                    </a:srgbClr>
+                  </a:outerShdw>
+                </a:effectLst>
+              </a:defRPr>
+            </a:lvl4pPr>
+            <a:lvl5pPr marL="1425575" indent="-228600" fontAlgn="base">
+              <a:spcBef>
+                <a:spcPct val="20000"/>
+              </a:spcBef>
+              <a:spcAft>
+                <a:spcPct val="0"/>
+              </a:spcAft>
+              <a:buClr>
+                <a:srgbClr val="46A6BD"/>
+              </a:buClr>
+              <a:buFont typeface="Wingdings 2" pitchFamily="18" charset="2"/>
+              <a:buChar char=""/>
+              <a:defRPr sz="2400" b="1">
+                <a:solidFill>
+                  <a:schemeClr val="tx1">
+                    <a:lumMod val="20000"/>
+                    <a:lumOff val="80000"/>
+                  </a:schemeClr>
+                </a:solidFill>
+                <a:effectLst>
+                  <a:outerShdw blurRad="38100" dist="38100" dir="2700000" algn="tl">
+                    <a:srgbClr val="000000">
+                      <a:alpha val="43137"/>
+                    </a:srgbClr>
+                  </a:outerShdw>
+                </a:effectLst>
+              </a:defRPr>
+            </a:lvl5pPr>
+            <a:lvl6pPr marL="1673352" indent="-228600">
+              <a:spcBef>
+                <a:spcPct val="20000"/>
+              </a:spcBef>
+              <a:buClr>
+                <a:schemeClr val="accent6"/>
+              </a:buClr>
+              <a:buFont typeface="Wingdings 2"/>
+              <a:buChar char=""/>
+            </a:lvl6pPr>
+            <a:lvl7pPr marL="1911096" indent="-228600">
+              <a:spcBef>
+                <a:spcPct val="20000"/>
+              </a:spcBef>
+              <a:buClr>
+                <a:schemeClr val="tx2"/>
+              </a:buClr>
+              <a:buFont typeface="Wingdings 2"/>
+              <a:buChar char=""/>
+              <a:defRPr sz="1600"/>
+            </a:lvl7pPr>
+            <a:lvl8pPr marL="2121408" indent="-182880">
+              <a:spcBef>
+                <a:spcPct val="20000"/>
+              </a:spcBef>
+              <a:buClr>
+                <a:schemeClr val="tx2"/>
+              </a:buClr>
+              <a:buFont typeface="Wingdings 2"/>
+              <a:buChar char=""/>
+              <a:defRPr sz="1400"/>
+            </a:lvl8pPr>
+            <a:lvl9pPr marL="2322576" indent="-182880">
+              <a:spcBef>
+                <a:spcPct val="20000"/>
+              </a:spcBef>
+              <a:buClr>
+                <a:schemeClr val="tx2"/>
+              </a:buClr>
+              <a:buFont typeface="Wingdings 2"/>
+              <a:buChar char=""/>
+              <a:defRPr sz="1400"/>
+            </a:lvl9pPr>
+          </a:lstStyle>
+          <a:p>
+            <a:r>
+              <a:rPr lang="en-US" sz="1800" dirty="0" smtClean="0"/>
+              <a:t>throw </a:t>
+            </a:r>
+            <a:r>
+              <a:rPr lang="en-US" sz="1800" dirty="0" smtClean="0"/>
+              <a:t>new Error(‘Name is too short’)</a:t>
+            </a:r>
+            <a:r>
+              <a:rPr lang="en-US" sz="1800" dirty="0" smtClean="0"/>
+              <a:t>;</a:t>
+            </a:r>
+          </a:p>
+          <a:p>
+            <a:r>
+              <a:rPr lang="en-US" sz="1800" dirty="0" smtClean="0"/>
+              <a:t>throw ‘I have a custom </a:t>
+            </a:r>
+            <a:r>
+              <a:rPr lang="en-US" sz="1800" dirty="0" err="1" smtClean="0"/>
+              <a:t>erro</a:t>
+            </a:r>
+            <a:r>
+              <a:rPr lang="en-US" sz="1800" dirty="0" smtClean="0"/>
+              <a:t>’;</a:t>
+            </a:r>
+          </a:p>
+          <a:p>
+            <a:r>
+              <a:rPr lang="en-US" sz="1800" dirty="0" smtClean="0"/>
+              <a:t>throw </a:t>
+            </a:r>
+            <a:r>
+              <a:rPr lang="en-US" sz="1800" dirty="0" smtClean="0"/>
+              <a:t>{ </a:t>
+            </a:r>
+            <a:r>
+              <a:rPr lang="en-US" sz="1800" dirty="0" err="1" smtClean="0"/>
+              <a:t>msg</a:t>
+            </a:r>
+            <a:r>
+              <a:rPr lang="en-US" sz="1800" dirty="0" smtClean="0"/>
+              <a:t>: ‘Error’, type: ‘</a:t>
+            </a:r>
+            <a:r>
+              <a:rPr lang="en-US" sz="1800" dirty="0" err="1" smtClean="0"/>
+              <a:t>CustomError</a:t>
+            </a:r>
+            <a:r>
+              <a:rPr lang="en-US" sz="1800" dirty="0" smtClean="0"/>
+              <a:t>’ };</a:t>
+            </a:r>
+            <a:endParaRPr lang="en-US" sz="1800" dirty="0"/>
+          </a:p>
+        </p:txBody>
+      </p:sp>
+    </p:spTree>
+    <p:extLst>
+      <p:ext uri="{BB962C8B-B14F-4D97-AF65-F5344CB8AC3E}">
+        <p14:creationId xmlns:p14="http://schemas.microsoft.com/office/powerpoint/2010/main" val="865724098"/>
+      </p:ext>
+    </p:extLst>
+  </p:cSld>
+  <p:clrMapOvr>
+    <a:masterClrMapping/>
+  </p:clrMapOvr>
+  <mc:AlternateContent xmlns:mc="http://schemas.openxmlformats.org/markup-compatibility/2006">
+    <mc:Choice xmlns:p14="http://schemas.microsoft.com/office/powerpoint/2010/main" Requires="p14">
+      <p:transition spd="slow" p14:dur="2000"/>
+    </mc:Choice>
+    <mc:Fallback>
+      <p:transition spd="slow"/>
+    </mc:Fallback>
+  </mc:AlternateContent>
+</p:sld>
+</file>
+
+<file path=ppt/slides/slide53.xml><?xml version="1.0" encoding="utf-8"?>
+<p:sld xmlns:a="http://schemas.openxmlformats.org/drawingml/2006/main" xmlns:r="http://schemas.openxmlformats.org/officeDocument/2006/relationships" xmlns:p="http://schemas.openxmlformats.org/presentationml/2006/main">
+  <p:cSld>
+    <p:spTree>
+      <p:nvGrpSpPr>
+        <p:cNvPr id="1" name=""/>
+        <p:cNvGrpSpPr/>
+        <p:nvPr/>
+      </p:nvGrpSpPr>
+      <p:grpSpPr>
+        <a:xfrm>
+          <a:off x="0" y="0"/>
+          <a:ext cx="0" cy="0"/>
+          <a:chOff x="0" y="0"/>
+          <a:chExt cx="0" cy="0"/>
+        </a:xfrm>
+      </p:grpSpPr>
+      <p:sp>
+        <p:nvSpPr>
+          <p:cNvPr id="6" name="Title 5"/>
+          <p:cNvSpPr>
+            <a:spLocks noGrp="1"/>
+          </p:cNvSpPr>
+          <p:nvPr>
+            <p:ph type="title"/>
+          </p:nvPr>
+        </p:nvSpPr>
+        <p:spPr>
+          <a:xfrm>
+            <a:off x="1484311" y="166256"/>
+            <a:ext cx="10018713" cy="2272144"/>
+          </a:xfrm>
+        </p:spPr>
+        <p:txBody>
+          <a:bodyPr/>
+          <a:lstStyle/>
+          <a:p>
+            <a:r>
+              <a:rPr lang="bg-BG" dirty="0" smtClean="0"/>
+              <a:t>Собствени изключения</a:t>
+            </a:r>
+            <a:endParaRPr lang="en-US" i="1" dirty="0">
+              <a:solidFill>
+                <a:schemeClr val="accent6">
+                  <a:lumMod val="75000"/>
+                </a:schemeClr>
+              </a:solidFill>
+            </a:endParaRPr>
+          </a:p>
+        </p:txBody>
+      </p:sp>
+      <p:pic>
+        <p:nvPicPr>
+          <p:cNvPr id="7" name="Picture 6"/>
+          <p:cNvPicPr>
+            <a:picLocks noChangeAspect="1"/>
+          </p:cNvPicPr>
+          <p:nvPr/>
+        </p:nvPicPr>
+        <p:blipFill>
+          <a:blip r:embed="rId2">
+            <a:extLst>
+              <a:ext uri="{28A0092B-C50C-407E-A947-70E740481C1C}">
+                <a14:useLocalDpi xmlns:a14="http://schemas.microsoft.com/office/drawing/2010/main" val="0"/>
+              </a:ext>
+            </a:extLst>
+          </a:blip>
+          <a:stretch>
+            <a:fillRect/>
+          </a:stretch>
+        </p:blipFill>
+        <p:spPr>
+          <a:xfrm>
+            <a:off x="4112417" y="1943677"/>
+            <a:ext cx="4762500" cy="4762500"/>
+          </a:xfrm>
+          <a:prstGeom prst="rect">
+            <a:avLst/>
+          </a:prstGeom>
+        </p:spPr>
+      </p:pic>
+    </p:spTree>
+    <p:extLst>
+      <p:ext uri="{BB962C8B-B14F-4D97-AF65-F5344CB8AC3E}">
+        <p14:creationId xmlns:p14="http://schemas.microsoft.com/office/powerpoint/2010/main" val="1364580715"/>
+      </p:ext>
+    </p:extLst>
+  </p:cSld>
+  <p:clrMapOvr>
+    <a:masterClrMapping/>
+  </p:clrMapOvr>
+  <mc:AlternateContent xmlns:mc="http://schemas.openxmlformats.org/markup-compatibility/2006">
+    <mc:Choice xmlns:p14="http://schemas.microsoft.com/office/powerpoint/2010/main" Requires="p14">
+      <p:transition spd="slow" p14:dur="2000"/>
+    </mc:Choice>
+    <mc:Fallback>
+      <p:transition spd="slow"/>
+    </mc:Fallback>
+  </mc:AlternateContent>
+  <p:timing>
+    <p:tnLst>
+      <p:par>
+        <p:cTn id="1" dur="indefinite" restart="never" nodeType="tmRoot"/>
+      </p:par>
+    </p:tnLst>
+  </p:timing>
+</p:sld>
+</file>
+
+<file path=ppt/slides/slide54.xml><?xml version="1.0" encoding="utf-8"?>
+<p:sld xmlns:a="http://schemas.openxmlformats.org/drawingml/2006/main" xmlns:r="http://schemas.openxmlformats.org/officeDocument/2006/relationships" xmlns:p="http://schemas.openxmlformats.org/presentationml/2006/main">
+  <p:cSld>
+    <p:spTree>
+      <p:nvGrpSpPr>
+        <p:cNvPr id="1" name=""/>
+        <p:cNvGrpSpPr/>
+        <p:nvPr/>
+      </p:nvGrpSpPr>
+      <p:grpSpPr>
+        <a:xfrm>
+          <a:off x="0" y="0"/>
+          <a:ext cx="0" cy="0"/>
+          <a:chOff x="0" y="0"/>
+          <a:chExt cx="0" cy="0"/>
+        </a:xfrm>
+      </p:grpSpPr>
+      <p:sp>
+        <p:nvSpPr>
+          <p:cNvPr id="2" name="Title 1"/>
+          <p:cNvSpPr>
+            <a:spLocks noGrp="1"/>
+          </p:cNvSpPr>
+          <p:nvPr>
+            <p:ph type="title"/>
+          </p:nvPr>
+        </p:nvSpPr>
+        <p:spPr/>
+        <p:txBody>
+          <a:bodyPr/>
+          <a:lstStyle/>
+          <a:p>
+            <a:r>
+              <a:rPr lang="bg-BG" dirty="0" smtClean="0"/>
+              <a:t>ООП в </a:t>
+            </a:r>
+            <a:r>
+              <a:rPr lang="en-US" dirty="0" smtClean="0"/>
+              <a:t>EcmaScript 2015</a:t>
+            </a:r>
+            <a:endParaRPr lang="en-US" dirty="0"/>
+          </a:p>
+        </p:txBody>
+      </p:sp>
+      <p:sp>
+        <p:nvSpPr>
+          <p:cNvPr id="3" name="Content Placeholder 2"/>
+          <p:cNvSpPr>
+            <a:spLocks noGrp="1"/>
+          </p:cNvSpPr>
+          <p:nvPr>
+            <p:ph idx="1"/>
+          </p:nvPr>
+        </p:nvSpPr>
+        <p:spPr/>
+        <p:txBody>
+          <a:bodyPr/>
+          <a:lstStyle/>
+          <a:p>
+            <a:r>
+              <a:rPr lang="bg-BG" dirty="0" smtClean="0"/>
+              <a:t>Е</a:t>
+            </a:r>
+            <a:r>
+              <a:rPr lang="en-US" dirty="0" smtClean="0"/>
+              <a:t>S2015 e</a:t>
+            </a:r>
+            <a:r>
+              <a:rPr lang="bg-BG" dirty="0" smtClean="0"/>
+              <a:t> отскоро въведен и не се поддържа от малко по-стари системи</a:t>
+            </a:r>
+          </a:p>
+          <a:p>
+            <a:r>
+              <a:rPr lang="bg-BG" dirty="0" smtClean="0"/>
+              <a:t>Добро решение за </a:t>
+            </a:r>
+            <a:r>
+              <a:rPr lang="en-US" dirty="0" smtClean="0"/>
+              <a:t>JS</a:t>
+            </a:r>
+            <a:r>
+              <a:rPr lang="bg-BG" dirty="0" smtClean="0"/>
+              <a:t>, особено по-лесен за ООП</a:t>
+            </a:r>
+          </a:p>
+          <a:p>
+            <a:r>
+              <a:rPr lang="bg-BG" dirty="0" smtClean="0"/>
+              <a:t>Ясни дефиниции на класове и обекти</a:t>
+            </a:r>
+          </a:p>
+          <a:p>
+            <a:r>
+              <a:rPr lang="en-US" dirty="0" smtClean="0"/>
+              <a:t>Syntax sugar</a:t>
+            </a:r>
+            <a:endParaRPr lang="en-US" dirty="0"/>
+          </a:p>
+        </p:txBody>
+      </p:sp>
+    </p:spTree>
+    <p:extLst>
+      <p:ext uri="{BB962C8B-B14F-4D97-AF65-F5344CB8AC3E}">
+        <p14:creationId xmlns:p14="http://schemas.microsoft.com/office/powerpoint/2010/main" val="480139427"/>
+      </p:ext>
+    </p:extLst>
+  </p:cSld>
+  <p:clrMapOvr>
+    <a:masterClrMapping/>
+  </p:clrMapOvr>
+  <mc:AlternateContent xmlns:mc="http://schemas.openxmlformats.org/markup-compatibility/2006">
+    <mc:Choice xmlns:p14="http://schemas.microsoft.com/office/powerpoint/2010/main" Requires="p14">
+      <p:transition spd="slow" p14:dur="2000"/>
+    </mc:Choice>
+    <mc:Fallback>
+      <p:transition spd="slow"/>
+    </mc:Fallback>
+  </mc:AlternateContent>
+</p:sld>
+</file>
+
+<file path=ppt/slides/slide55.xml><?xml version="1.0" encoding="utf-8"?>
+<p:sld xmlns:a="http://schemas.openxmlformats.org/drawingml/2006/main" xmlns:r="http://schemas.openxmlformats.org/officeDocument/2006/relationships" xmlns:p="http://schemas.openxmlformats.org/presentationml/2006/main">
+  <p:cSld>
+    <p:spTree>
+      <p:nvGrpSpPr>
+        <p:cNvPr id="1" name=""/>
+        <p:cNvGrpSpPr/>
+        <p:nvPr/>
+      </p:nvGrpSpPr>
+      <p:grpSpPr>
+        <a:xfrm>
+          <a:off x="0" y="0"/>
+          <a:ext cx="0" cy="0"/>
+          <a:chOff x="0" y="0"/>
+          <a:chExt cx="0" cy="0"/>
+        </a:xfrm>
+      </p:grpSpPr>
+      <p:sp>
+        <p:nvSpPr>
+          <p:cNvPr id="2" name="Title 1"/>
+          <p:cNvSpPr>
+            <a:spLocks noGrp="1"/>
+          </p:cNvSpPr>
+          <p:nvPr>
+            <p:ph type="title"/>
+          </p:nvPr>
+        </p:nvSpPr>
+        <p:spPr/>
+        <p:txBody>
+          <a:bodyPr/>
+          <a:lstStyle/>
+          <a:p>
+            <a:r>
+              <a:rPr lang="bg-BG" dirty="0" smtClean="0"/>
+              <a:t>Обект в </a:t>
+            </a:r>
+            <a:r>
+              <a:rPr lang="en-US" dirty="0" smtClean="0"/>
+              <a:t>ES2015</a:t>
+            </a:r>
+            <a:endParaRPr lang="en-US" dirty="0"/>
+          </a:p>
+        </p:txBody>
+      </p:sp>
+      <p:sp>
+        <p:nvSpPr>
+          <p:cNvPr id="3" name="Content Placeholder 2"/>
+          <p:cNvSpPr>
+            <a:spLocks noGrp="1"/>
+          </p:cNvSpPr>
+          <p:nvPr>
+            <p:ph idx="1"/>
+          </p:nvPr>
+        </p:nvSpPr>
+        <p:spPr/>
+        <p:txBody>
+          <a:bodyPr/>
+          <a:lstStyle/>
+          <a:p>
+            <a:r>
+              <a:rPr lang="bg-BG" dirty="0" smtClean="0"/>
+              <a:t>Абстракцията на обект от реалността в </a:t>
+            </a:r>
+            <a:r>
+              <a:rPr lang="en-US" dirty="0" smtClean="0"/>
+              <a:t>JS</a:t>
+            </a:r>
+            <a:r>
+              <a:rPr lang="bg-BG" dirty="0" smtClean="0"/>
+              <a:t>, при </a:t>
+            </a:r>
+            <a:r>
+              <a:rPr lang="en-US" dirty="0" smtClean="0"/>
+              <a:t>ES2015 </a:t>
+            </a:r>
+            <a:r>
+              <a:rPr lang="bg-BG" dirty="0" smtClean="0"/>
+              <a:t>вече се нарича клас и има ясна дефиниция за </a:t>
+            </a:r>
+            <a:r>
+              <a:rPr lang="en-US" dirty="0" smtClean="0"/>
+              <a:t>class</a:t>
+            </a:r>
+          </a:p>
+          <a:p>
+            <a:r>
+              <a:rPr lang="bg-BG" dirty="0" smtClean="0"/>
+              <a:t>Класът има конструктор</a:t>
+            </a:r>
+          </a:p>
+          <a:p>
+            <a:r>
+              <a:rPr lang="bg-BG" dirty="0" smtClean="0"/>
+              <a:t>Има съкратено изписване на </a:t>
+            </a:r>
+            <a:r>
+              <a:rPr lang="en-US" dirty="0" smtClean="0"/>
+              <a:t>getter-</a:t>
+            </a:r>
+            <a:r>
+              <a:rPr lang="bg-BG" dirty="0" smtClean="0"/>
+              <a:t>и и </a:t>
+            </a:r>
+            <a:r>
+              <a:rPr lang="en-US" dirty="0" smtClean="0"/>
+              <a:t>setter-</a:t>
+            </a:r>
+            <a:r>
+              <a:rPr lang="bg-BG" dirty="0" smtClean="0"/>
+              <a:t>и</a:t>
+            </a:r>
+          </a:p>
+          <a:p>
+            <a:r>
+              <a:rPr lang="bg-BG" dirty="0" smtClean="0"/>
+              <a:t>С </a:t>
+            </a:r>
+            <a:r>
+              <a:rPr lang="en-US" dirty="0" smtClean="0"/>
+              <a:t>ES2015 </a:t>
+            </a:r>
+            <a:r>
+              <a:rPr lang="bg-BG" dirty="0" smtClean="0"/>
+              <a:t>пишем доста по-лесно класическо ООП</a:t>
+            </a:r>
+            <a:endParaRPr lang="en-US" dirty="0"/>
+          </a:p>
+        </p:txBody>
+      </p:sp>
+    </p:spTree>
+    <p:extLst>
+      <p:ext uri="{BB962C8B-B14F-4D97-AF65-F5344CB8AC3E}">
+        <p14:creationId xmlns:p14="http://schemas.microsoft.com/office/powerpoint/2010/main" val="3244858285"/>
+      </p:ext>
+    </p:extLst>
+  </p:cSld>
+  <p:clrMapOvr>
+    <a:masterClrMapping/>
+  </p:clrMapOvr>
+  <mc:AlternateContent xmlns:mc="http://schemas.openxmlformats.org/markup-compatibility/2006">
+    <mc:Choice xmlns:p14="http://schemas.microsoft.com/office/powerpoint/2010/main" Requires="p14">
+      <p:transition spd="slow" p14:dur="2000"/>
+    </mc:Choice>
+    <mc:Fallback>
+      <p:transition spd="slow"/>
+    </mc:Fallback>
+  </mc:AlternateContent>
+</p:sld>
+</file>
+
+<file path=ppt/slides/slide56.xml><?xml version="1.0" encoding="utf-8"?>
+<p:sld xmlns:a="http://schemas.openxmlformats.org/drawingml/2006/main" xmlns:r="http://schemas.openxmlformats.org/officeDocument/2006/relationships" xmlns:p="http://schemas.openxmlformats.org/presentationml/2006/main">
+  <p:cSld>
+    <p:spTree>
+      <p:nvGrpSpPr>
+        <p:cNvPr id="1" name=""/>
+        <p:cNvGrpSpPr/>
+        <p:nvPr/>
+      </p:nvGrpSpPr>
+      <p:grpSpPr>
+        <a:xfrm>
+          <a:off x="0" y="0"/>
+          <a:ext cx="0" cy="0"/>
+          <a:chOff x="0" y="0"/>
+          <a:chExt cx="0" cy="0"/>
+        </a:xfrm>
+      </p:grpSpPr>
+      <p:sp>
+        <p:nvSpPr>
+          <p:cNvPr id="6" name="Title 5"/>
+          <p:cNvSpPr>
+            <a:spLocks noGrp="1"/>
+          </p:cNvSpPr>
+          <p:nvPr>
+            <p:ph type="title"/>
+          </p:nvPr>
+        </p:nvSpPr>
+        <p:spPr>
+          <a:xfrm>
+            <a:off x="1484311" y="166256"/>
+            <a:ext cx="10018713" cy="2272144"/>
+          </a:xfrm>
+        </p:spPr>
+        <p:txBody>
+          <a:bodyPr/>
+          <a:lstStyle/>
+          <a:p>
+            <a:r>
+              <a:rPr lang="bg-BG" dirty="0"/>
+              <a:t>ООП с </a:t>
+            </a:r>
+            <a:r>
+              <a:rPr lang="en-US" dirty="0"/>
+              <a:t>EcmaScript2015</a:t>
+            </a:r>
+            <a:endParaRPr lang="en-US" dirty="0"/>
+          </a:p>
+        </p:txBody>
+      </p:sp>
+      <p:pic>
+        <p:nvPicPr>
+          <p:cNvPr id="7" name="Picture 6"/>
+          <p:cNvPicPr>
+            <a:picLocks noChangeAspect="1"/>
+          </p:cNvPicPr>
+          <p:nvPr/>
+        </p:nvPicPr>
+        <p:blipFill>
+          <a:blip r:embed="rId2">
+            <a:extLst>
+              <a:ext uri="{28A0092B-C50C-407E-A947-70E740481C1C}">
+                <a14:useLocalDpi xmlns:a14="http://schemas.microsoft.com/office/drawing/2010/main" val="0"/>
+              </a:ext>
+            </a:extLst>
+          </a:blip>
+          <a:stretch>
+            <a:fillRect/>
+          </a:stretch>
+        </p:blipFill>
+        <p:spPr>
+          <a:xfrm>
+            <a:off x="4112417" y="1943677"/>
+            <a:ext cx="4762500" cy="4762500"/>
+          </a:xfrm>
+          <a:prstGeom prst="rect">
+            <a:avLst/>
+          </a:prstGeom>
+        </p:spPr>
+      </p:pic>
+    </p:spTree>
+    <p:extLst>
+      <p:ext uri="{BB962C8B-B14F-4D97-AF65-F5344CB8AC3E}">
+        <p14:creationId xmlns:p14="http://schemas.microsoft.com/office/powerpoint/2010/main" val="1982575929"/>
+      </p:ext>
+    </p:extLst>
+  </p:cSld>
+  <p:clrMapOvr>
+    <a:masterClrMapping/>
+  </p:clrMapOvr>
+  <mc:AlternateContent xmlns:mc="http://schemas.openxmlformats.org/markup-compatibility/2006">
+    <mc:Choice xmlns:p14="http://schemas.microsoft.com/office/powerpoint/2010/main" Requires="p14">
+      <p:transition spd="slow" p14:dur="2000"/>
+    </mc:Choice>
+    <mc:Fallback>
+      <p:transition spd="slow"/>
+    </mc:Fallback>
+  </mc:AlternateContent>
+  <p:timing>
+    <p:tnLst>
+      <p:par>
+        <p:cTn id="1" dur="indefinite" restart="never" nodeType="tmRoot"/>
+      </p:par>
+    </p:tnLst>
+  </p:timing>
+</p:sld>
+</file>
+
+<file path=ppt/slides/slide57.xml><?xml version="1.0" encoding="utf-8"?>
 <p:sld xmlns:a="http://schemas.openxmlformats.org/drawingml/2006/main" xmlns:r="http://schemas.openxmlformats.org/officeDocument/2006/relationships" xmlns:p="http://schemas.openxmlformats.org/presentationml/2006/main">
   <p:cSld>
     <p:spTree>
@@ -30389,6 +36188,14 @@
   <p:clrMapOvr>
     <a:masterClrMapping/>
   </p:clrMapOvr>
+  <mc:AlternateContent xmlns:mc="http://schemas.openxmlformats.org/markup-compatibility/2006">
+    <mc:Choice xmlns:p14="http://schemas.microsoft.com/office/powerpoint/2010/main" Requires="p14">
+      <p:transition spd="slow" p14:dur="2000"/>
+    </mc:Choice>
+    <mc:Fallback>
+      <p:transition spd="slow"/>
+    </mc:Fallback>
+  </mc:AlternateContent>
   <p:timing>
     <p:tnLst>
       <p:par>
@@ -30399,7 +36206,7 @@
 </p:sld>
 </file>
 
-<file path=ppt/slides/slide46.xml><?xml version="1.0" encoding="utf-8"?>
+<file path=ppt/slides/slide58.xml><?xml version="1.0" encoding="utf-8"?>
 <p:sld xmlns:a="http://schemas.openxmlformats.org/drawingml/2006/main" xmlns:r="http://schemas.openxmlformats.org/officeDocument/2006/relationships" xmlns:p="http://schemas.openxmlformats.org/presentationml/2006/main">
   <p:cSld>
     <p:spTree>
@@ -30457,7 +36264,7 @@
         </p:spPr>
         <p:txBody>
           <a:bodyPr anchor="ctr" anchorCtr="0">
-            <a:normAutofit fontScale="85000" lnSpcReduction="20000"/>
+            <a:normAutofit/>
           </a:bodyPr>
           <a:lstStyle/>
           <a:p>
@@ -30466,124 +36273,44 @@
               <a:buAutoNum type="arabicPeriod"/>
             </a:pPr>
             <a:r>
-              <a:rPr lang="bg-BG" dirty="0"/>
-              <a:t>Напишете </a:t>
-            </a:r>
-            <a:r>
-              <a:rPr lang="en-US" dirty="0" smtClean="0"/>
-              <a:t>JS </a:t>
-            </a:r>
-            <a:r>
-              <a:rPr lang="bg-BG" dirty="0" smtClean="0"/>
-              <a:t>функция, която да връща последната цифра в дадено число като дума на английски. Напр. 305 -&gt; </a:t>
-            </a:r>
-            <a:r>
-              <a:rPr lang="en-US" dirty="0" smtClean="0"/>
-              <a:t>five</a:t>
-            </a:r>
-          </a:p>
-          <a:p>
-            <a:pPr marL="457200" indent="-457200">
-              <a:buFont typeface="+mj-lt"/>
-              <a:buAutoNum type="arabicPeriod"/>
-            </a:pPr>
-            <a:r>
-              <a:rPr lang="bg-BG" dirty="0"/>
-              <a:t>Напишете </a:t>
-            </a:r>
-            <a:r>
-              <a:rPr lang="en-US" dirty="0"/>
-              <a:t>JS </a:t>
-            </a:r>
-            <a:r>
-              <a:rPr lang="bg-BG" dirty="0"/>
-              <a:t>функция, която да </a:t>
-            </a:r>
-            <a:r>
-              <a:rPr lang="bg-BG" dirty="0" smtClean="0"/>
-              <a:t>намира колко пъти се среща дадена дума в даден текст. Търсеното може да бъде чувствително към главни букви или да не бъде чувствително, нека това зависи от параметър, който да има дефолтна стойност.</a:t>
-            </a:r>
-          </a:p>
-          <a:p>
-            <a:pPr marL="457200" indent="-457200">
-              <a:buFont typeface="+mj-lt"/>
-              <a:buAutoNum type="arabicPeriod"/>
-            </a:pPr>
-            <a:r>
-              <a:rPr lang="bg-BG" dirty="0"/>
-              <a:t>Напишете </a:t>
-            </a:r>
-            <a:r>
-              <a:rPr lang="en-US" dirty="0"/>
-              <a:t>JS </a:t>
-            </a:r>
-            <a:r>
-              <a:rPr lang="bg-BG" dirty="0"/>
-              <a:t>функция, която </a:t>
-            </a:r>
-            <a:r>
-              <a:rPr lang="bg-BG" dirty="0" smtClean="0"/>
-              <a:t>да намира 1вия елемент от даден масив от цели числа, който е по-голям от неговите съседни и да връща индекса му или -1, ако такъв няма.Напр. </a:t>
-            </a:r>
-            <a:r>
-              <a:rPr lang="en-US" dirty="0" smtClean="0"/>
-              <a:t>[</a:t>
-            </a:r>
-            <a:r>
-              <a:rPr lang="en-US" i="1" dirty="0" smtClean="0"/>
-              <a:t>1,</a:t>
-            </a:r>
-            <a:r>
-              <a:rPr lang="en-US" b="1" i="1" dirty="0" smtClean="0"/>
-              <a:t>3</a:t>
-            </a:r>
-            <a:r>
-              <a:rPr lang="en-US" i="1" dirty="0" smtClean="0"/>
-              <a:t>,2</a:t>
-            </a:r>
-            <a:r>
-              <a:rPr lang="en-US" dirty="0" smtClean="0"/>
-              <a:t>,5,6] -&gt; 1</a:t>
-            </a:r>
-          </a:p>
-          <a:p>
-            <a:pPr marL="457200" indent="-457200">
-              <a:buFont typeface="+mj-lt"/>
-              <a:buAutoNum type="arabicPeriod"/>
-            </a:pPr>
-            <a:r>
-              <a:rPr lang="bg-BG" dirty="0"/>
-              <a:t>Напишете </a:t>
-            </a:r>
-            <a:r>
-              <a:rPr lang="en-US" dirty="0"/>
-              <a:t>JS </a:t>
-            </a:r>
-            <a:r>
-              <a:rPr lang="bg-BG" dirty="0"/>
-              <a:t>функция, която </a:t>
-            </a:r>
-            <a:r>
-              <a:rPr lang="bg-BG" dirty="0" smtClean="0"/>
-              <a:t>да калкулира дадени числа. Възможните операции са събиране, изваждане, умножение, деление, деление с остатък.</a:t>
-            </a:r>
-          </a:p>
-          <a:p>
-            <a:pPr marL="457200" indent="-457200">
-              <a:buFont typeface="+mj-lt"/>
-              <a:buAutoNum type="arabicPeriod"/>
-            </a:pPr>
-            <a:r>
               <a:rPr lang="bg-BG" dirty="0" smtClean="0"/>
               <a:t>Напишете </a:t>
             </a:r>
             <a:r>
               <a:rPr lang="en-US" dirty="0" smtClean="0"/>
-              <a:t>JS </a:t>
+              <a:t>JS</a:t>
             </a:r>
             <a:r>
               <a:rPr lang="bg-BG" dirty="0" smtClean="0"/>
-              <a:t>функция, която получава текст и връща нов текст, в който всяко изречение е на нов ред.</a:t>
+              <a:t> ООП ориентиран код за  фирма</a:t>
+            </a:r>
+          </a:p>
+          <a:p>
+            <a:pPr lvl="1"/>
+            <a:r>
+              <a:rPr lang="bg-BG" dirty="0" smtClean="0"/>
+              <a:t>Фирмата има име и брой служители</a:t>
+            </a:r>
+          </a:p>
+          <a:p>
+            <a:pPr lvl="1"/>
+            <a:r>
+              <a:rPr lang="bg-BG" dirty="0" smtClean="0"/>
+              <a:t>Във фирмата могат да бъдат назначавани или уволнявани хора</a:t>
+            </a:r>
+          </a:p>
+          <a:p>
+            <a:pPr lvl="1"/>
+            <a:r>
+              <a:rPr lang="bg-BG" dirty="0" smtClean="0"/>
+              <a:t>Всеки служител има име, позиция и може да се представи</a:t>
+            </a:r>
+          </a:p>
+          <a:p>
+            <a:pPr lvl="1"/>
+            <a:r>
+              <a:rPr lang="bg-BG" dirty="0" smtClean="0"/>
+              <a:t>*Използвайте какъвто ООП подход намерите за добре и за удобен</a:t>
             </a:r>
             <a:endParaRPr lang="bg-BG" dirty="0"/>
           </a:p>
@@ -30620,6 +36347,14 @@
   <p:clrMapOvr>
     <a:masterClrMapping/>
   </p:clrMapOvr>
+  <mc:AlternateContent xmlns:mc="http://schemas.openxmlformats.org/markup-compatibility/2006">
+    <mc:Choice xmlns:p14="http://schemas.microsoft.com/office/powerpoint/2010/main" Requires="p14">
+      <p:transition spd="slow" p14:dur="2000"/>
+    </mc:Choice>
+    <mc:Fallback>
+      <p:transition spd="slow"/>
+    </mc:Fallback>
+  </mc:AlternateContent>
   <p:timing>
     <p:tnLst>
       <p:par>
@@ -30627,127 +36362,6 @@
       </p:par>
     </p:tnLst>
   </p:timing>
-</p:sld>
-</file>
-
-<file path=ppt/slides/slide5.xml><?xml version="1.0" encoding="utf-8"?>
-<p:sld xmlns:a="http://schemas.openxmlformats.org/drawingml/2006/main" xmlns:r="http://schemas.openxmlformats.org/officeDocument/2006/relationships" xmlns:p="http://schemas.openxmlformats.org/presentationml/2006/main">
-  <p:cSld>
-    <p:spTree>
-      <p:nvGrpSpPr>
-        <p:cNvPr id="1" name=""/>
-        <p:cNvGrpSpPr/>
-        <p:nvPr/>
-      </p:nvGrpSpPr>
-      <p:grpSpPr>
-        <a:xfrm>
-          <a:off x="0" y="0"/>
-          <a:ext cx="0" cy="0"/>
-          <a:chOff x="0" y="0"/>
-          <a:chExt cx="0" cy="0"/>
-        </a:xfrm>
-      </p:grpSpPr>
-      <p:sp>
-        <p:nvSpPr>
-          <p:cNvPr id="2" name="Title 1"/>
-          <p:cNvSpPr>
-            <a:spLocks noGrp="1"/>
-          </p:cNvSpPr>
-          <p:nvPr>
-            <p:ph type="title"/>
-          </p:nvPr>
-        </p:nvSpPr>
-        <p:spPr/>
-        <p:txBody>
-          <a:bodyPr/>
-          <a:lstStyle/>
-          <a:p>
-            <a:r>
-              <a:rPr lang="bg-BG" dirty="0" smtClean="0"/>
-              <a:t>Наследяване</a:t>
-            </a:r>
-            <a:endParaRPr lang="en-US" dirty="0"/>
-          </a:p>
-        </p:txBody>
-      </p:sp>
-      <p:sp>
-        <p:nvSpPr>
-          <p:cNvPr id="5" name="Content Placeholder 4"/>
-          <p:cNvSpPr>
-            <a:spLocks noGrp="1"/>
-          </p:cNvSpPr>
-          <p:nvPr>
-            <p:ph sz="half" idx="1"/>
-          </p:nvPr>
-        </p:nvSpPr>
-        <p:spPr>
-          <a:xfrm>
-            <a:off x="1484312" y="2666999"/>
-            <a:ext cx="5452197" cy="3410528"/>
-          </a:xfrm>
-        </p:spPr>
-        <p:txBody>
-          <a:bodyPr/>
-          <a:lstStyle/>
-          <a:p>
-            <a:pPr algn="just"/>
-            <a:r>
-              <a:rPr lang="bg-BG" dirty="0" smtClean="0"/>
-              <a:t>Чрез наследяването споделяме общи характеристики между наследниците и техния родител</a:t>
-            </a:r>
-          </a:p>
-          <a:p>
-            <a:pPr algn="just"/>
-            <a:r>
-              <a:rPr lang="bg-BG" dirty="0" smtClean="0"/>
-              <a:t>Наследвяването ни помага да имаме високо ниво на абстракция</a:t>
-            </a:r>
-          </a:p>
-          <a:p>
-            <a:pPr algn="just"/>
-            <a:r>
-              <a:rPr lang="bg-BG" dirty="0" smtClean="0"/>
-              <a:t>Наследяването спестава повторяемо писане на код и поддръжката му</a:t>
-            </a:r>
-            <a:endParaRPr lang="en-US" dirty="0"/>
-          </a:p>
-        </p:txBody>
-      </p:sp>
-      <p:graphicFrame>
-        <p:nvGraphicFramePr>
-          <p:cNvPr id="7" name="Content Placeholder 6"/>
-          <p:cNvGraphicFramePr>
-            <a:graphicFrameLocks noGrp="1"/>
-          </p:cNvGraphicFramePr>
-          <p:nvPr>
-            <p:ph sz="half" idx="2"/>
-            <p:extLst>
-              <p:ext uri="{D42A27DB-BD31-4B8C-83A1-F6EECF244321}">
-                <p14:modId xmlns:p14="http://schemas.microsoft.com/office/powerpoint/2010/main" val="805974925"/>
-              </p:ext>
-            </p:extLst>
-          </p:nvPr>
-        </p:nvGraphicFramePr>
-        <p:xfrm>
-          <a:off x="7022812" y="1920008"/>
-          <a:ext cx="4895850" cy="4618182"/>
-        </p:xfrm>
-        <a:graphic>
-          <a:graphicData uri="http://schemas.openxmlformats.org/drawingml/2006/diagram">
-            <dgm:relIds xmlns:dgm="http://schemas.openxmlformats.org/drawingml/2006/diagram" xmlns:r="http://schemas.openxmlformats.org/officeDocument/2006/relationships" r:dm="rId2" r:lo="rId3" r:qs="rId4" r:cs="rId5"/>
-          </a:graphicData>
-        </a:graphic>
-      </p:graphicFrame>
-    </p:spTree>
-    <p:extLst>
-      <p:ext uri="{BB962C8B-B14F-4D97-AF65-F5344CB8AC3E}">
-        <p14:creationId xmlns:p14="http://schemas.microsoft.com/office/powerpoint/2010/main" val="3047233625"/>
-      </p:ext>
-    </p:extLst>
-  </p:cSld>
-  <p:clrMapOvr>
-    <a:masterClrMapping/>
-  </p:clrMapOvr>
 </p:sld>
 </file>
 
@@ -30880,6 +36494,14 @@
   <p:clrMapOvr>
     <a:masterClrMapping/>
   </p:clrMapOvr>
+  <mc:AlternateContent xmlns:mc="http://schemas.openxmlformats.org/markup-compatibility/2006">
+    <mc:Choice xmlns:p14="http://schemas.microsoft.com/office/powerpoint/2010/main" Requires="p14">
+      <p:transition spd="slow" p14:dur="2000"/>
+    </mc:Choice>
+    <mc:Fallback>
+      <p:transition spd="slow"/>
+    </mc:Fallback>
+  </mc:AlternateContent>
 </p:sld>
 </file>
 
@@ -30997,6 +36619,14 @@
   <p:clrMapOvr>
     <a:masterClrMapping/>
   </p:clrMapOvr>
+  <mc:AlternateContent xmlns:mc="http://schemas.openxmlformats.org/markup-compatibility/2006">
+    <mc:Choice xmlns:p14="http://schemas.microsoft.com/office/powerpoint/2010/main" Requires="p14">
+      <p:transition spd="slow" p14:dur="2000"/>
+    </mc:Choice>
+    <mc:Fallback>
+      <p:transition spd="slow"/>
+    </mc:Fallback>
+  </mc:AlternateContent>
 </p:sld>
 </file>
 
@@ -31326,6 +36956,14 @@
   <p:clrMapOvr>
     <a:masterClrMapping/>
   </p:clrMapOvr>
+  <mc:AlternateContent xmlns:mc="http://schemas.openxmlformats.org/markup-compatibility/2006">
+    <mc:Choice xmlns:p14="http://schemas.microsoft.com/office/powerpoint/2010/main" Requires="p14">
+      <p:transition spd="slow" p14:dur="2000"/>
+    </mc:Choice>
+    <mc:Fallback>
+      <p:transition spd="slow"/>
+    </mc:Fallback>
+  </mc:AlternateContent>
 </p:sld>
 </file>
 
@@ -31473,6 +37111,14 @@
   <p:clrMapOvr>
     <a:masterClrMapping/>
   </p:clrMapOvr>
+  <mc:AlternateContent xmlns:mc="http://schemas.openxmlformats.org/markup-compatibility/2006">
+    <mc:Choice xmlns:p14="http://schemas.microsoft.com/office/powerpoint/2010/main" Requires="p14">
+      <p:transition spd="slow" p14:dur="2000"/>
+    </mc:Choice>
+    <mc:Fallback>
+      <p:transition spd="slow"/>
+    </mc:Fallback>
+  </mc:AlternateContent>
 </p:sld>
 </file>
 

--- a/JS Fundamentals/8.OOP/JS-OOP.pptx
+++ b/JS Fundamentals/8.OOP/JS-OOP.pptx
@@ -12635,7 +12635,7 @@
           <a:p>
             <a:fld id="{D10AF160-CD5A-4A77-96B0-C85B80371432}" type="datetimeFigureOut">
               <a:rPr lang="en-US" smtClean="0"/>
-              <a:t>16-May-16</a:t>
+              <a:t>23-May-17</a:t>
             </a:fld>
             <a:endParaRPr lang="en-US"/>
           </a:p>
@@ -12800,7 +12800,7 @@
           <a:p>
             <a:fld id="{F6A950C5-F15E-44EA-AF6A-22227443235C}" type="datetimeFigureOut">
               <a:rPr lang="en-US" smtClean="0"/>
-              <a:t>16-May-16</a:t>
+              <a:t>23-May-17</a:t>
             </a:fld>
             <a:endParaRPr lang="en-US"/>
           </a:p>
@@ -13569,7 +13569,7 @@
           <a:p>
             <a:fld id="{6F66794D-9D79-4AC5-96DA-597EA4BF2704}" type="datetimeFigureOut">
               <a:rPr lang="en-US" smtClean="0"/>
-              <a:t>16-May-16</a:t>
+              <a:t>23-May-17</a:t>
             </a:fld>
             <a:endParaRPr lang="en-US"/>
           </a:p>
@@ -13662,11 +13662,11 @@
   <p:clrMapOvr>
     <a:masterClrMapping/>
   </p:clrMapOvr>
-  <mc:AlternateContent xmlns:mc="http://schemas.openxmlformats.org/markup-compatibility/2006">
-    <mc:Choice xmlns:p14="http://schemas.microsoft.com/office/powerpoint/2010/main" Requires="p14">
+  <mc:AlternateContent xmlns:mc="http://schemas.openxmlformats.org/markup-compatibility/2006" xmlns:p14="http://schemas.microsoft.com/office/powerpoint/2010/main">
+    <mc:Choice Requires="p14">
       <p:transition spd="slow" p14:dur="2000"/>
     </mc:Choice>
-    <mc:Fallback>
+    <mc:Fallback xmlns="">
       <p:transition spd="slow"/>
     </mc:Fallback>
   </mc:AlternateContent>
@@ -13903,7 +13903,7 @@
           <a:p>
             <a:fld id="{6F66794D-9D79-4AC5-96DA-597EA4BF2704}" type="datetimeFigureOut">
               <a:rPr lang="en-US" smtClean="0"/>
-              <a:t>16-May-16</a:t>
+              <a:t>23-May-17</a:t>
             </a:fld>
             <a:endParaRPr lang="en-US"/>
           </a:p>
@@ -13961,11 +13961,11 @@
   <p:clrMapOvr>
     <a:masterClrMapping/>
   </p:clrMapOvr>
-  <mc:AlternateContent xmlns:mc="http://schemas.openxmlformats.org/markup-compatibility/2006">
-    <mc:Choice xmlns:p14="http://schemas.microsoft.com/office/powerpoint/2010/main" Requires="p14">
+  <mc:AlternateContent xmlns:mc="http://schemas.openxmlformats.org/markup-compatibility/2006" xmlns:p14="http://schemas.microsoft.com/office/powerpoint/2010/main">
+    <mc:Choice Requires="p14">
       <p:transition spd="slow" p14:dur="2000"/>
     </mc:Choice>
-    <mc:Fallback>
+    <mc:Fallback xmlns="">
       <p:transition spd="slow"/>
     </mc:Fallback>
   </mc:AlternateContent>
@@ -14159,7 +14159,7 @@
           <a:p>
             <a:fld id="{6F66794D-9D79-4AC5-96DA-597EA4BF2704}" type="datetimeFigureOut">
               <a:rPr lang="en-US" smtClean="0"/>
-              <a:t>16-May-16</a:t>
+              <a:t>23-May-17</a:t>
             </a:fld>
             <a:endParaRPr lang="en-US"/>
           </a:p>
@@ -14217,11 +14217,11 @@
   <p:clrMapOvr>
     <a:masterClrMapping/>
   </p:clrMapOvr>
-  <mc:AlternateContent xmlns:mc="http://schemas.openxmlformats.org/markup-compatibility/2006">
-    <mc:Choice xmlns:p14="http://schemas.microsoft.com/office/powerpoint/2010/main" Requires="p14">
+  <mc:AlternateContent xmlns:mc="http://schemas.openxmlformats.org/markup-compatibility/2006" xmlns:p14="http://schemas.microsoft.com/office/powerpoint/2010/main">
+    <mc:Choice Requires="p14">
       <p:transition spd="slow" p14:dur="2000"/>
     </mc:Choice>
-    <mc:Fallback>
+    <mc:Fallback xmlns="">
       <p:transition spd="slow"/>
     </mc:Fallback>
   </mc:AlternateContent>
@@ -14707,7 +14707,7 @@
           <a:p>
             <a:fld id="{6F66794D-9D79-4AC5-96DA-597EA4BF2704}" type="datetimeFigureOut">
               <a:rPr lang="en-US" smtClean="0"/>
-              <a:t>16-May-16</a:t>
+              <a:t>23-May-17</a:t>
             </a:fld>
             <a:endParaRPr lang="en-US"/>
           </a:p>
@@ -14765,11 +14765,11 @@
   <p:clrMapOvr>
     <a:masterClrMapping/>
   </p:clrMapOvr>
-  <mc:AlternateContent xmlns:mc="http://schemas.openxmlformats.org/markup-compatibility/2006">
-    <mc:Choice xmlns:p14="http://schemas.microsoft.com/office/powerpoint/2010/main" Requires="p14">
+  <mc:AlternateContent xmlns:mc="http://schemas.openxmlformats.org/markup-compatibility/2006" xmlns:p14="http://schemas.microsoft.com/office/powerpoint/2010/main">
+    <mc:Choice Requires="p14">
       <p:transition spd="slow" p14:dur="2000"/>
     </mc:Choice>
-    <mc:Fallback>
+    <mc:Fallback xmlns="">
       <p:transition spd="slow"/>
     </mc:Fallback>
   </mc:AlternateContent>
@@ -14963,7 +14963,7 @@
           <a:p>
             <a:fld id="{6F66794D-9D79-4AC5-96DA-597EA4BF2704}" type="datetimeFigureOut">
               <a:rPr lang="en-US" smtClean="0"/>
-              <a:t>16-May-16</a:t>
+              <a:t>23-May-17</a:t>
             </a:fld>
             <a:endParaRPr lang="en-US"/>
           </a:p>
@@ -15021,11 +15021,11 @@
   <p:clrMapOvr>
     <a:masterClrMapping/>
   </p:clrMapOvr>
-  <mc:AlternateContent xmlns:mc="http://schemas.openxmlformats.org/markup-compatibility/2006">
-    <mc:Choice xmlns:p14="http://schemas.microsoft.com/office/powerpoint/2010/main" Requires="p14">
+  <mc:AlternateContent xmlns:mc="http://schemas.openxmlformats.org/markup-compatibility/2006" xmlns:p14="http://schemas.microsoft.com/office/powerpoint/2010/main">
+    <mc:Choice Requires="p14">
       <p:transition spd="slow" p14:dur="2000"/>
     </mc:Choice>
-    <mc:Fallback>
+    <mc:Fallback xmlns="">
       <p:transition spd="slow"/>
     </mc:Fallback>
   </mc:AlternateContent>
@@ -15503,7 +15503,7 @@
           <a:p>
             <a:fld id="{6F66794D-9D79-4AC5-96DA-597EA4BF2704}" type="datetimeFigureOut">
               <a:rPr lang="en-US" smtClean="0"/>
-              <a:t>16-May-16</a:t>
+              <a:t>23-May-17</a:t>
             </a:fld>
             <a:endParaRPr lang="en-US"/>
           </a:p>
@@ -15561,11 +15561,11 @@
   <p:clrMapOvr>
     <a:masterClrMapping/>
   </p:clrMapOvr>
-  <mc:AlternateContent xmlns:mc="http://schemas.openxmlformats.org/markup-compatibility/2006">
-    <mc:Choice xmlns:p14="http://schemas.microsoft.com/office/powerpoint/2010/main" Requires="p14">
+  <mc:AlternateContent xmlns:mc="http://schemas.openxmlformats.org/markup-compatibility/2006" xmlns:p14="http://schemas.microsoft.com/office/powerpoint/2010/main">
+    <mc:Choice Requires="p14">
       <p:transition spd="slow" p14:dur="2000"/>
     </mc:Choice>
-    <mc:Fallback>
+    <mc:Fallback xmlns="">
       <p:transition spd="slow"/>
     </mc:Fallback>
   </mc:AlternateContent>
@@ -15808,7 +15808,7 @@
           <a:p>
             <a:fld id="{6F66794D-9D79-4AC5-96DA-597EA4BF2704}" type="datetimeFigureOut">
               <a:rPr lang="en-US" smtClean="0"/>
-              <a:t>16-May-16</a:t>
+              <a:t>23-May-17</a:t>
             </a:fld>
             <a:endParaRPr lang="en-US"/>
           </a:p>
@@ -15866,11 +15866,11 @@
   <p:clrMapOvr>
     <a:masterClrMapping/>
   </p:clrMapOvr>
-  <mc:AlternateContent xmlns:mc="http://schemas.openxmlformats.org/markup-compatibility/2006">
-    <mc:Choice xmlns:p14="http://schemas.microsoft.com/office/powerpoint/2010/main" Requires="p14">
+  <mc:AlternateContent xmlns:mc="http://schemas.openxmlformats.org/markup-compatibility/2006" xmlns:p14="http://schemas.microsoft.com/office/powerpoint/2010/main">
+    <mc:Choice Requires="p14">
       <p:transition spd="slow" p14:dur="2000"/>
     </mc:Choice>
-    <mc:Fallback>
+    <mc:Fallback xmlns="">
       <p:transition spd="slow"/>
     </mc:Fallback>
   </mc:AlternateContent>
@@ -15990,7 +15990,7 @@
           <a:p>
             <a:fld id="{6F66794D-9D79-4AC5-96DA-597EA4BF2704}" type="datetimeFigureOut">
               <a:rPr lang="en-US" smtClean="0"/>
-              <a:t>16-May-16</a:t>
+              <a:t>23-May-17</a:t>
             </a:fld>
             <a:endParaRPr lang="en-US"/>
           </a:p>
@@ -16048,11 +16048,11 @@
   <p:clrMapOvr>
     <a:masterClrMapping/>
   </p:clrMapOvr>
-  <mc:AlternateContent xmlns:mc="http://schemas.openxmlformats.org/markup-compatibility/2006">
-    <mc:Choice xmlns:p14="http://schemas.microsoft.com/office/powerpoint/2010/main" Requires="p14">
+  <mc:AlternateContent xmlns:mc="http://schemas.openxmlformats.org/markup-compatibility/2006" xmlns:p14="http://schemas.microsoft.com/office/powerpoint/2010/main">
+    <mc:Choice Requires="p14">
       <p:transition spd="slow" p14:dur="2000"/>
     </mc:Choice>
-    <mc:Fallback>
+    <mc:Fallback xmlns="">
       <p:transition spd="slow"/>
     </mc:Fallback>
   </mc:AlternateContent>
@@ -16178,7 +16178,7 @@
           <a:p>
             <a:fld id="{6F66794D-9D79-4AC5-96DA-597EA4BF2704}" type="datetimeFigureOut">
               <a:rPr lang="en-US" smtClean="0"/>
-              <a:t>16-May-16</a:t>
+              <a:t>23-May-17</a:t>
             </a:fld>
             <a:endParaRPr lang="en-US"/>
           </a:p>
@@ -16236,11 +16236,11 @@
   <p:clrMapOvr>
     <a:masterClrMapping/>
   </p:clrMapOvr>
-  <mc:AlternateContent xmlns:mc="http://schemas.openxmlformats.org/markup-compatibility/2006">
-    <mc:Choice xmlns:p14="http://schemas.microsoft.com/office/powerpoint/2010/main" Requires="p14">
+  <mc:AlternateContent xmlns:mc="http://schemas.openxmlformats.org/markup-compatibility/2006" xmlns:p14="http://schemas.microsoft.com/office/powerpoint/2010/main">
+    <mc:Choice Requires="p14">
       <p:transition spd="slow" p14:dur="2000"/>
     </mc:Choice>
-    <mc:Fallback>
+    <mc:Fallback xmlns="">
       <p:transition spd="slow"/>
     </mc:Fallback>
   </mc:AlternateContent>
@@ -16356,7 +16356,7 @@
           <a:p>
             <a:fld id="{6F66794D-9D79-4AC5-96DA-597EA4BF2704}" type="datetimeFigureOut">
               <a:rPr lang="en-US" smtClean="0"/>
-              <a:t>16-May-16</a:t>
+              <a:t>23-May-17</a:t>
             </a:fld>
             <a:endParaRPr lang="en-US"/>
           </a:p>
@@ -16449,11 +16449,11 @@
   <p:clrMapOvr>
     <a:masterClrMapping/>
   </p:clrMapOvr>
-  <mc:AlternateContent xmlns:mc="http://schemas.openxmlformats.org/markup-compatibility/2006">
-    <mc:Choice xmlns:p14="http://schemas.microsoft.com/office/powerpoint/2010/main" Requires="p14">
+  <mc:AlternateContent xmlns:mc="http://schemas.openxmlformats.org/markup-compatibility/2006" xmlns:p14="http://schemas.microsoft.com/office/powerpoint/2010/main">
+    <mc:Choice Requires="p14">
       <p:transition spd="slow" p14:dur="2000"/>
     </mc:Choice>
-    <mc:Fallback>
+    <mc:Fallback xmlns="">
       <p:transition spd="slow"/>
     </mc:Fallback>
   </mc:AlternateContent>
@@ -16645,7 +16645,7 @@
           <a:p>
             <a:fld id="{6F66794D-9D79-4AC5-96DA-597EA4BF2704}" type="datetimeFigureOut">
               <a:rPr lang="en-US" smtClean="0"/>
-              <a:t>16-May-16</a:t>
+              <a:t>23-May-17</a:t>
             </a:fld>
             <a:endParaRPr lang="en-US"/>
           </a:p>
@@ -16703,11 +16703,11 @@
   <p:clrMapOvr>
     <a:masterClrMapping/>
   </p:clrMapOvr>
-  <mc:AlternateContent xmlns:mc="http://schemas.openxmlformats.org/markup-compatibility/2006">
-    <mc:Choice xmlns:p14="http://schemas.microsoft.com/office/powerpoint/2010/main" Requires="p14">
+  <mc:AlternateContent xmlns:mc="http://schemas.openxmlformats.org/markup-compatibility/2006" xmlns:p14="http://schemas.microsoft.com/office/powerpoint/2010/main">
+    <mc:Choice Requires="p14">
       <p:transition spd="slow" p14:dur="2000"/>
     </mc:Choice>
-    <mc:Fallback>
+    <mc:Fallback xmlns="">
       <p:transition spd="slow"/>
     </mc:Fallback>
   </mc:AlternateContent>
@@ -16950,7 +16950,7 @@
           <a:p>
             <a:fld id="{6F66794D-9D79-4AC5-96DA-597EA4BF2704}" type="datetimeFigureOut">
               <a:rPr lang="en-US" smtClean="0"/>
-              <a:t>16-May-16</a:t>
+              <a:t>23-May-17</a:t>
             </a:fld>
             <a:endParaRPr lang="en-US"/>
           </a:p>
@@ -17038,11 +17038,11 @@
   <p:clrMapOvr>
     <a:masterClrMapping/>
   </p:clrMapOvr>
-  <mc:AlternateContent xmlns:mc="http://schemas.openxmlformats.org/markup-compatibility/2006">
-    <mc:Choice xmlns:p14="http://schemas.microsoft.com/office/powerpoint/2010/main" Requires="p14">
+  <mc:AlternateContent xmlns:mc="http://schemas.openxmlformats.org/markup-compatibility/2006" xmlns:p14="http://schemas.microsoft.com/office/powerpoint/2010/main">
+    <mc:Choice Requires="p14">
       <p:transition spd="slow" p14:dur="2000"/>
     </mc:Choice>
-    <mc:Fallback>
+    <mc:Fallback xmlns="">
       <p:transition spd="slow"/>
     </mc:Fallback>
   </mc:AlternateContent>
@@ -17430,7 +17430,7 @@
           <a:p>
             <a:fld id="{6F66794D-9D79-4AC5-96DA-597EA4BF2704}" type="datetimeFigureOut">
               <a:rPr lang="en-US" smtClean="0"/>
-              <a:t>16-May-16</a:t>
+              <a:t>23-May-17</a:t>
             </a:fld>
             <a:endParaRPr lang="en-US"/>
           </a:p>
@@ -17518,11 +17518,11 @@
   <p:clrMapOvr>
     <a:masterClrMapping/>
   </p:clrMapOvr>
-  <mc:AlternateContent xmlns:mc="http://schemas.openxmlformats.org/markup-compatibility/2006">
-    <mc:Choice xmlns:p14="http://schemas.microsoft.com/office/powerpoint/2010/main" Requires="p14">
+  <mc:AlternateContent xmlns:mc="http://schemas.openxmlformats.org/markup-compatibility/2006" xmlns:p14="http://schemas.microsoft.com/office/powerpoint/2010/main">
+    <mc:Choice Requires="p14">
       <p:transition spd="slow" p14:dur="2000"/>
     </mc:Choice>
-    <mc:Fallback>
+    <mc:Fallback xmlns="">
       <p:transition spd="slow"/>
     </mc:Fallback>
   </mc:AlternateContent>
@@ -17586,7 +17586,7 @@
           <a:p>
             <a:fld id="{6F66794D-9D79-4AC5-96DA-597EA4BF2704}" type="datetimeFigureOut">
               <a:rPr lang="en-US" smtClean="0"/>
-              <a:t>16-May-16</a:t>
+              <a:t>23-May-17</a:t>
             </a:fld>
             <a:endParaRPr lang="en-US"/>
           </a:p>
@@ -17644,11 +17644,11 @@
   <p:clrMapOvr>
     <a:masterClrMapping/>
   </p:clrMapOvr>
-  <mc:AlternateContent xmlns:mc="http://schemas.openxmlformats.org/markup-compatibility/2006">
-    <mc:Choice xmlns:p14="http://schemas.microsoft.com/office/powerpoint/2010/main" Requires="p14">
+  <mc:AlternateContent xmlns:mc="http://schemas.openxmlformats.org/markup-compatibility/2006" xmlns:p14="http://schemas.microsoft.com/office/powerpoint/2010/main">
+    <mc:Choice Requires="p14">
       <p:transition spd="slow" p14:dur="2000"/>
     </mc:Choice>
-    <mc:Fallback>
+    <mc:Fallback xmlns="">
       <p:transition spd="slow"/>
     </mc:Fallback>
   </mc:AlternateContent>
@@ -17689,7 +17689,7 @@
           <a:p>
             <a:fld id="{6F66794D-9D79-4AC5-96DA-597EA4BF2704}" type="datetimeFigureOut">
               <a:rPr lang="en-US" smtClean="0"/>
-              <a:t>16-May-16</a:t>
+              <a:t>23-May-17</a:t>
             </a:fld>
             <a:endParaRPr lang="en-US"/>
           </a:p>
@@ -17747,11 +17747,11 @@
   <p:clrMapOvr>
     <a:masterClrMapping/>
   </p:clrMapOvr>
-  <mc:AlternateContent xmlns:mc="http://schemas.openxmlformats.org/markup-compatibility/2006">
-    <mc:Choice xmlns:p14="http://schemas.microsoft.com/office/powerpoint/2010/main" Requires="p14">
+  <mc:AlternateContent xmlns:mc="http://schemas.openxmlformats.org/markup-compatibility/2006" xmlns:p14="http://schemas.microsoft.com/office/powerpoint/2010/main">
+    <mc:Choice Requires="p14">
       <p:transition spd="slow" p14:dur="2000"/>
     </mc:Choice>
-    <mc:Fallback>
+    <mc:Fallback xmlns="">
       <p:transition spd="slow"/>
     </mc:Fallback>
   </mc:AlternateContent>
@@ -17980,7 +17980,7 @@
           <a:p>
             <a:fld id="{6F66794D-9D79-4AC5-96DA-597EA4BF2704}" type="datetimeFigureOut">
               <a:rPr lang="en-US" smtClean="0"/>
-              <a:t>16-May-16</a:t>
+              <a:t>23-May-17</a:t>
             </a:fld>
             <a:endParaRPr lang="en-US"/>
           </a:p>
@@ -18038,11 +18038,11 @@
   <p:clrMapOvr>
     <a:masterClrMapping/>
   </p:clrMapOvr>
-  <mc:AlternateContent xmlns:mc="http://schemas.openxmlformats.org/markup-compatibility/2006">
-    <mc:Choice xmlns:p14="http://schemas.microsoft.com/office/powerpoint/2010/main" Requires="p14">
+  <mc:AlternateContent xmlns:mc="http://schemas.openxmlformats.org/markup-compatibility/2006" xmlns:p14="http://schemas.microsoft.com/office/powerpoint/2010/main">
+    <mc:Choice Requires="p14">
       <p:transition spd="slow" p14:dur="2000"/>
     </mc:Choice>
-    <mc:Fallback>
+    <mc:Fallback xmlns="">
       <p:transition spd="slow"/>
     </mc:Fallback>
   </mc:AlternateContent>
@@ -18279,7 +18279,7 @@
           <a:p>
             <a:fld id="{6F66794D-9D79-4AC5-96DA-597EA4BF2704}" type="datetimeFigureOut">
               <a:rPr lang="en-US" smtClean="0"/>
-              <a:t>16-May-16</a:t>
+              <a:t>23-May-17</a:t>
             </a:fld>
             <a:endParaRPr lang="en-US"/>
           </a:p>
@@ -18337,11 +18337,11 @@
   <p:clrMapOvr>
     <a:masterClrMapping/>
   </p:clrMapOvr>
-  <mc:AlternateContent xmlns:mc="http://schemas.openxmlformats.org/markup-compatibility/2006">
-    <mc:Choice xmlns:p14="http://schemas.microsoft.com/office/powerpoint/2010/main" Requires="p14">
+  <mc:AlternateContent xmlns:mc="http://schemas.openxmlformats.org/markup-compatibility/2006" xmlns:p14="http://schemas.microsoft.com/office/powerpoint/2010/main">
+    <mc:Choice Requires="p14">
       <p:transition spd="slow" p14:dur="2000"/>
     </mc:Choice>
-    <mc:Fallback>
+    <mc:Fallback xmlns="">
       <p:transition spd="slow"/>
     </mc:Fallback>
   </mc:AlternateContent>
@@ -18817,7 +18817,7 @@
           <a:p>
             <a:fld id="{6F66794D-9D79-4AC5-96DA-597EA4BF2704}" type="datetimeFigureOut">
               <a:rPr lang="en-US" smtClean="0"/>
-              <a:t>16-May-16</a:t>
+              <a:t>23-May-17</a:t>
             </a:fld>
             <a:endParaRPr lang="en-US"/>
           </a:p>
@@ -18928,11 +18928,11 @@
     <p:sldLayoutId id="2147484173" r:id="rId16"/>
     <p:sldLayoutId id="2147484174" r:id="rId17"/>
   </p:sldLayoutIdLst>
-  <mc:AlternateContent xmlns:mc="http://schemas.openxmlformats.org/markup-compatibility/2006">
-    <mc:Choice xmlns:p14="http://schemas.microsoft.com/office/powerpoint/2010/main" Requires="p14">
+  <mc:AlternateContent xmlns:mc="http://schemas.openxmlformats.org/markup-compatibility/2006" xmlns:p14="http://schemas.microsoft.com/office/powerpoint/2010/main">
+    <mc:Choice Requires="p14">
       <p:transition spd="slow" p14:dur="2000"/>
     </mc:Choice>
-    <mc:Fallback>
+    <mc:Fallback xmlns="">
       <p:transition spd="slow"/>
     </mc:Fallback>
   </mc:AlternateContent>
@@ -19458,14 +19458,21 @@
   <p:clrMapOvr>
     <a:masterClrMapping/>
   </p:clrMapOvr>
-  <mc:AlternateContent xmlns:mc="http://schemas.openxmlformats.org/markup-compatibility/2006">
-    <mc:Choice xmlns:p14="http://schemas.microsoft.com/office/powerpoint/2010/main" Requires="p14">
+  <mc:AlternateContent xmlns:mc="http://schemas.openxmlformats.org/markup-compatibility/2006" xmlns:p14="http://schemas.microsoft.com/office/powerpoint/2010/main">
+    <mc:Choice Requires="p14">
       <p:transition spd="slow" p14:dur="2000"/>
     </mc:Choice>
-    <mc:Fallback>
+    <mc:Fallback xmlns="">
       <p:transition spd="slow"/>
     </mc:Fallback>
   </mc:AlternateContent>
+  <p:timing>
+    <p:tnLst>
+      <p:par>
+        <p:cTn id="1" dur="indefinite" restart="never" nodeType="tmRoot"/>
+      </p:par>
+    </p:tnLst>
+  </p:timing>
 </p:sld>
 </file>
 
@@ -19553,14 +19560,21 @@
   <p:clrMapOvr>
     <a:masterClrMapping/>
   </p:clrMapOvr>
-  <mc:AlternateContent xmlns:mc="http://schemas.openxmlformats.org/markup-compatibility/2006">
-    <mc:Choice xmlns:p14="http://schemas.microsoft.com/office/powerpoint/2010/main" Requires="p14">
+  <mc:AlternateContent xmlns:mc="http://schemas.openxmlformats.org/markup-compatibility/2006" xmlns:p14="http://schemas.microsoft.com/office/powerpoint/2010/main">
+    <mc:Choice Requires="p14">
       <p:transition spd="slow" p14:dur="2000"/>
     </mc:Choice>
-    <mc:Fallback>
+    <mc:Fallback xmlns="">
       <p:transition spd="slow"/>
     </mc:Fallback>
   </mc:AlternateContent>
+  <p:timing>
+    <p:tnLst>
+      <p:par>
+        <p:cTn id="1" dur="indefinite" restart="never" nodeType="tmRoot"/>
+      </p:par>
+    </p:tnLst>
+  </p:timing>
 </p:sld>
 </file>
 
@@ -19975,14 +19989,21 @@
   <p:clrMapOvr>
     <a:masterClrMapping/>
   </p:clrMapOvr>
-  <mc:AlternateContent xmlns:mc="http://schemas.openxmlformats.org/markup-compatibility/2006">
-    <mc:Choice xmlns:p14="http://schemas.microsoft.com/office/powerpoint/2010/main" Requires="p14">
+  <mc:AlternateContent xmlns:mc="http://schemas.openxmlformats.org/markup-compatibility/2006" xmlns:p14="http://schemas.microsoft.com/office/powerpoint/2010/main">
+    <mc:Choice Requires="p14">
       <p:transition spd="slow" p14:dur="2000"/>
     </mc:Choice>
-    <mc:Fallback>
+    <mc:Fallback xmlns="">
       <p:transition spd="slow"/>
     </mc:Fallback>
   </mc:AlternateContent>
+  <p:timing>
+    <p:tnLst>
+      <p:par>
+        <p:cTn id="1" dur="indefinite" restart="never" nodeType="tmRoot"/>
+      </p:par>
+    </p:tnLst>
+  </p:timing>
 </p:sld>
 </file>
 
@@ -20358,14 +20379,21 @@
   <p:clrMapOvr>
     <a:masterClrMapping/>
   </p:clrMapOvr>
-  <mc:AlternateContent xmlns:mc="http://schemas.openxmlformats.org/markup-compatibility/2006">
-    <mc:Choice xmlns:p14="http://schemas.microsoft.com/office/powerpoint/2010/main" Requires="p14">
+  <mc:AlternateContent xmlns:mc="http://schemas.openxmlformats.org/markup-compatibility/2006" xmlns:p14="http://schemas.microsoft.com/office/powerpoint/2010/main">
+    <mc:Choice Requires="p14">
       <p:transition spd="slow" p14:dur="2000"/>
     </mc:Choice>
-    <mc:Fallback>
+    <mc:Fallback xmlns="">
       <p:transition spd="slow"/>
     </mc:Fallback>
   </mc:AlternateContent>
+  <p:timing>
+    <p:tnLst>
+      <p:par>
+        <p:cTn id="1" dur="indefinite" restart="never" nodeType="tmRoot"/>
+      </p:par>
+    </p:tnLst>
+  </p:timing>
 </p:sld>
 </file>
 
@@ -20829,12 +20857,20 @@
               <a:t>console.log(</a:t>
             </a:r>
             <a:r>
+              <a:rPr lang="en-US" dirty="0" err="1">
+                <a:solidFill>
+                  <a:schemeClr val="bg1"/>
+                </a:solidFill>
+              </a:rPr>
+              <a:t>m</a:t>
+            </a:r>
+            <a:r>
               <a:rPr lang="en-US" dirty="0" err="1" smtClean="0">
                 <a:solidFill>
                   <a:schemeClr val="bg1"/>
                 </a:solidFill>
               </a:rPr>
-              <a:t>Mercedes.model</a:t>
+              <a:t>ercedes.model</a:t>
             </a:r>
             <a:r>
               <a:rPr lang="en-US" dirty="0" smtClean="0">
@@ -20888,14 +20924,21 @@
   <p:clrMapOvr>
     <a:masterClrMapping/>
   </p:clrMapOvr>
-  <mc:AlternateContent xmlns:mc="http://schemas.openxmlformats.org/markup-compatibility/2006">
-    <mc:Choice xmlns:p14="http://schemas.microsoft.com/office/powerpoint/2010/main" Requires="p14">
+  <mc:AlternateContent xmlns:mc="http://schemas.openxmlformats.org/markup-compatibility/2006" xmlns:p14="http://schemas.microsoft.com/office/powerpoint/2010/main">
+    <mc:Choice Requires="p14">
       <p:transition spd="slow" p14:dur="2000"/>
     </mc:Choice>
-    <mc:Fallback>
+    <mc:Fallback xmlns="">
       <p:transition spd="slow"/>
     </mc:Fallback>
   </mc:AlternateContent>
+  <p:timing>
+    <p:tnLst>
+      <p:par>
+        <p:cTn id="1" dur="indefinite" restart="never" nodeType="tmRoot"/>
+      </p:par>
+    </p:tnLst>
+  </p:timing>
 </p:sld>
 </file>
 
@@ -20984,11 +21027,11 @@
   <p:clrMapOvr>
     <a:masterClrMapping/>
   </p:clrMapOvr>
-  <mc:AlternateContent xmlns:mc="http://schemas.openxmlformats.org/markup-compatibility/2006">
-    <mc:Choice xmlns:p14="http://schemas.microsoft.com/office/powerpoint/2010/main" Requires="p14">
+  <mc:AlternateContent xmlns:mc="http://schemas.openxmlformats.org/markup-compatibility/2006" xmlns:p14="http://schemas.microsoft.com/office/powerpoint/2010/main">
+    <mc:Choice Requires="p14">
       <p:transition spd="slow" p14:dur="2000"/>
     </mc:Choice>
-    <mc:Fallback>
+    <mc:Fallback xmlns="">
       <p:transition spd="slow"/>
     </mc:Fallback>
   </mc:AlternateContent>
@@ -21736,14 +21779,21 @@
   <p:clrMapOvr>
     <a:masterClrMapping/>
   </p:clrMapOvr>
-  <mc:AlternateContent xmlns:mc="http://schemas.openxmlformats.org/markup-compatibility/2006">
-    <mc:Choice xmlns:p14="http://schemas.microsoft.com/office/powerpoint/2010/main" Requires="p14">
+  <mc:AlternateContent xmlns:mc="http://schemas.openxmlformats.org/markup-compatibility/2006" xmlns:p14="http://schemas.microsoft.com/office/powerpoint/2010/main">
+    <mc:Choice Requires="p14">
       <p:transition spd="slow" p14:dur="2000"/>
     </mc:Choice>
-    <mc:Fallback>
+    <mc:Fallback xmlns="">
       <p:transition spd="slow"/>
     </mc:Fallback>
   </mc:AlternateContent>
+  <p:timing>
+    <p:tnLst>
+      <p:par>
+        <p:cTn id="1" dur="indefinite" restart="never" nodeType="tmRoot"/>
+      </p:par>
+    </p:tnLst>
+  </p:timing>
 </p:sld>
 </file>
 
@@ -21832,11 +21882,11 @@
   <p:clrMapOvr>
     <a:masterClrMapping/>
   </p:clrMapOvr>
-  <mc:AlternateContent xmlns:mc="http://schemas.openxmlformats.org/markup-compatibility/2006">
-    <mc:Choice xmlns:p14="http://schemas.microsoft.com/office/powerpoint/2010/main" Requires="p14">
+  <mc:AlternateContent xmlns:mc="http://schemas.openxmlformats.org/markup-compatibility/2006" xmlns:p14="http://schemas.microsoft.com/office/powerpoint/2010/main">
+    <mc:Choice Requires="p14">
       <p:transition spd="slow" p14:dur="2000"/>
     </mc:Choice>
-    <mc:Fallback>
+    <mc:Fallback xmlns="">
       <p:transition spd="slow"/>
     </mc:Fallback>
   </mc:AlternateContent>
@@ -22347,14 +22397,21 @@
   <p:clrMapOvr>
     <a:masterClrMapping/>
   </p:clrMapOvr>
-  <mc:AlternateContent xmlns:mc="http://schemas.openxmlformats.org/markup-compatibility/2006">
-    <mc:Choice xmlns:p14="http://schemas.microsoft.com/office/powerpoint/2010/main" Requires="p14">
+  <mc:AlternateContent xmlns:mc="http://schemas.openxmlformats.org/markup-compatibility/2006" xmlns:p14="http://schemas.microsoft.com/office/powerpoint/2010/main">
+    <mc:Choice Requires="p14">
       <p:transition spd="slow" p14:dur="2000"/>
     </mc:Choice>
-    <mc:Fallback>
+    <mc:Fallback xmlns="">
       <p:transition spd="slow"/>
     </mc:Fallback>
   </mc:AlternateContent>
+  <p:timing>
+    <p:tnLst>
+      <p:par>
+        <p:cTn id="1" dur="indefinite" restart="never" nodeType="tmRoot"/>
+      </p:par>
+    </p:tnLst>
+  </p:timing>
 </p:sld>
 </file>
 
@@ -22914,14 +22971,21 @@
   <p:clrMapOvr>
     <a:masterClrMapping/>
   </p:clrMapOvr>
-  <mc:AlternateContent xmlns:mc="http://schemas.openxmlformats.org/markup-compatibility/2006">
-    <mc:Choice xmlns:p14="http://schemas.microsoft.com/office/powerpoint/2010/main" Requires="p14">
+  <mc:AlternateContent xmlns:mc="http://schemas.openxmlformats.org/markup-compatibility/2006" xmlns:p14="http://schemas.microsoft.com/office/powerpoint/2010/main">
+    <mc:Choice Requires="p14">
       <p:transition spd="slow" p14:dur="2000"/>
     </mc:Choice>
-    <mc:Fallback>
+    <mc:Fallback xmlns="">
       <p:transition spd="slow"/>
     </mc:Fallback>
   </mc:AlternateContent>
+  <p:timing>
+    <p:tnLst>
+      <p:par>
+        <p:cTn id="1" dur="indefinite" restart="never" nodeType="tmRoot"/>
+      </p:par>
+    </p:tnLst>
+  </p:timing>
 </p:sld>
 </file>
 
@@ -23010,11 +23074,11 @@
   <p:clrMapOvr>
     <a:masterClrMapping/>
   </p:clrMapOvr>
-  <mc:AlternateContent xmlns:mc="http://schemas.openxmlformats.org/markup-compatibility/2006">
-    <mc:Choice xmlns:p14="http://schemas.microsoft.com/office/powerpoint/2010/main" Requires="p14">
+  <mc:AlternateContent xmlns:mc="http://schemas.openxmlformats.org/markup-compatibility/2006" xmlns:p14="http://schemas.microsoft.com/office/powerpoint/2010/main">
+    <mc:Choice Requires="p14">
       <p:transition spd="slow" p14:dur="2000"/>
     </mc:Choice>
-    <mc:Fallback>
+    <mc:Fallback xmlns="">
       <p:transition spd="slow"/>
     </mc:Fallback>
   </mc:AlternateContent>
@@ -23138,14 +23202,21 @@
   <p:clrMapOvr>
     <a:masterClrMapping/>
   </p:clrMapOvr>
-  <mc:AlternateContent xmlns:mc="http://schemas.openxmlformats.org/markup-compatibility/2006">
-    <mc:Choice xmlns:p14="http://schemas.microsoft.com/office/powerpoint/2010/main" Requires="p14">
+  <mc:AlternateContent xmlns:mc="http://schemas.openxmlformats.org/markup-compatibility/2006" xmlns:p14="http://schemas.microsoft.com/office/powerpoint/2010/main">
+    <mc:Choice Requires="p14">
       <p:transition spd="slow" p14:dur="2000"/>
     </mc:Choice>
-    <mc:Fallback>
+    <mc:Fallback xmlns="">
       <p:transition spd="slow"/>
     </mc:Fallback>
   </mc:AlternateContent>
+  <p:timing>
+    <p:tnLst>
+      <p:par>
+        <p:cTn id="1" dur="indefinite" restart="never" nodeType="tmRoot"/>
+      </p:par>
+    </p:tnLst>
+  </p:timing>
 </p:sld>
 </file>
 
@@ -23832,14 +23903,21 @@
   <p:clrMapOvr>
     <a:masterClrMapping/>
   </p:clrMapOvr>
-  <mc:AlternateContent xmlns:mc="http://schemas.openxmlformats.org/markup-compatibility/2006">
-    <mc:Choice xmlns:p14="http://schemas.microsoft.com/office/powerpoint/2010/main" Requires="p14">
+  <mc:AlternateContent xmlns:mc="http://schemas.openxmlformats.org/markup-compatibility/2006" xmlns:p14="http://schemas.microsoft.com/office/powerpoint/2010/main">
+    <mc:Choice Requires="p14">
       <p:transition spd="slow" p14:dur="2000"/>
     </mc:Choice>
-    <mc:Fallback>
+    <mc:Fallback xmlns="">
       <p:transition spd="slow"/>
     </mc:Fallback>
   </mc:AlternateContent>
+  <p:timing>
+    <p:tnLst>
+      <p:par>
+        <p:cTn id="1" dur="indefinite" restart="never" nodeType="tmRoot"/>
+      </p:par>
+    </p:tnLst>
+  </p:timing>
 </p:sld>
 </file>
 
@@ -24205,14 +24283,21 @@
   <p:clrMapOvr>
     <a:masterClrMapping/>
   </p:clrMapOvr>
-  <mc:AlternateContent xmlns:mc="http://schemas.openxmlformats.org/markup-compatibility/2006">
-    <mc:Choice xmlns:p14="http://schemas.microsoft.com/office/powerpoint/2010/main" Requires="p14">
+  <mc:AlternateContent xmlns:mc="http://schemas.openxmlformats.org/markup-compatibility/2006" xmlns:p14="http://schemas.microsoft.com/office/powerpoint/2010/main">
+    <mc:Choice Requires="p14">
       <p:transition spd="slow" p14:dur="2000"/>
     </mc:Choice>
-    <mc:Fallback>
+    <mc:Fallback xmlns="">
       <p:transition spd="slow"/>
     </mc:Fallback>
   </mc:AlternateContent>
+  <p:timing>
+    <p:tnLst>
+      <p:par>
+        <p:cTn id="1" dur="indefinite" restart="never" nodeType="tmRoot"/>
+      </p:par>
+    </p:tnLst>
+  </p:timing>
 </p:sld>
 </file>
 
@@ -24484,14 +24569,21 @@
   <p:clrMapOvr>
     <a:masterClrMapping/>
   </p:clrMapOvr>
-  <mc:AlternateContent xmlns:mc="http://schemas.openxmlformats.org/markup-compatibility/2006">
-    <mc:Choice xmlns:p14="http://schemas.microsoft.com/office/powerpoint/2010/main" Requires="p14">
+  <mc:AlternateContent xmlns:mc="http://schemas.openxmlformats.org/markup-compatibility/2006" xmlns:p14="http://schemas.microsoft.com/office/powerpoint/2010/main">
+    <mc:Choice Requires="p14">
       <p:transition spd="slow" p14:dur="2000"/>
     </mc:Choice>
-    <mc:Fallback>
+    <mc:Fallback xmlns="">
       <p:transition spd="slow"/>
     </mc:Fallback>
   </mc:AlternateContent>
+  <p:timing>
+    <p:tnLst>
+      <p:par>
+        <p:cTn id="1" dur="indefinite" restart="never" nodeType="tmRoot"/>
+      </p:par>
+    </p:tnLst>
+  </p:timing>
 </p:sld>
 </file>
 
@@ -24590,11 +24682,11 @@
   <p:clrMapOvr>
     <a:masterClrMapping/>
   </p:clrMapOvr>
-  <mc:AlternateContent xmlns:mc="http://schemas.openxmlformats.org/markup-compatibility/2006">
-    <mc:Choice xmlns:p14="http://schemas.microsoft.com/office/powerpoint/2010/main" Requires="p14">
+  <mc:AlternateContent xmlns:mc="http://schemas.openxmlformats.org/markup-compatibility/2006" xmlns:p14="http://schemas.microsoft.com/office/powerpoint/2010/main">
+    <mc:Choice Requires="p14">
       <p:transition spd="slow" p14:dur="2000"/>
     </mc:Choice>
-    <mc:Fallback>
+    <mc:Fallback xmlns="">
       <p:transition spd="slow"/>
     </mc:Fallback>
   </mc:AlternateContent>
@@ -25090,14 +25182,21 @@
   <p:clrMapOvr>
     <a:masterClrMapping/>
   </p:clrMapOvr>
-  <mc:AlternateContent xmlns:mc="http://schemas.openxmlformats.org/markup-compatibility/2006">
-    <mc:Choice xmlns:p14="http://schemas.microsoft.com/office/powerpoint/2010/main" Requires="p14">
+  <mc:AlternateContent xmlns:mc="http://schemas.openxmlformats.org/markup-compatibility/2006" xmlns:p14="http://schemas.microsoft.com/office/powerpoint/2010/main">
+    <mc:Choice Requires="p14">
       <p:transition spd="slow" p14:dur="2000"/>
     </mc:Choice>
-    <mc:Fallback>
+    <mc:Fallback xmlns="">
       <p:transition spd="slow"/>
     </mc:Fallback>
   </mc:AlternateContent>
+  <p:timing>
+    <p:tnLst>
+      <p:par>
+        <p:cTn id="1" dur="indefinite" restart="never" nodeType="tmRoot"/>
+      </p:par>
+    </p:tnLst>
+  </p:timing>
 </p:sld>
 </file>
 
@@ -25186,11 +25285,11 @@
   <p:clrMapOvr>
     <a:masterClrMapping/>
   </p:clrMapOvr>
-  <mc:AlternateContent xmlns:mc="http://schemas.openxmlformats.org/markup-compatibility/2006">
-    <mc:Choice xmlns:p14="http://schemas.microsoft.com/office/powerpoint/2010/main" Requires="p14">
+  <mc:AlternateContent xmlns:mc="http://schemas.openxmlformats.org/markup-compatibility/2006" xmlns:p14="http://schemas.microsoft.com/office/powerpoint/2010/main">
+    <mc:Choice Requires="p14">
       <p:transition spd="slow" p14:dur="2000"/>
     </mc:Choice>
-    <mc:Fallback>
+    <mc:Fallback xmlns="">
       <p:transition spd="slow"/>
     </mc:Fallback>
   </mc:AlternateContent>
@@ -25337,14 +25436,21 @@
   <p:clrMapOvr>
     <a:masterClrMapping/>
   </p:clrMapOvr>
-  <mc:AlternateContent xmlns:mc="http://schemas.openxmlformats.org/markup-compatibility/2006">
-    <mc:Choice xmlns:p14="http://schemas.microsoft.com/office/powerpoint/2010/main" Requires="p14">
+  <mc:AlternateContent xmlns:mc="http://schemas.openxmlformats.org/markup-compatibility/2006" xmlns:p14="http://schemas.microsoft.com/office/powerpoint/2010/main">
+    <mc:Choice Requires="p14">
       <p:transition spd="slow" p14:dur="2000"/>
     </mc:Choice>
-    <mc:Fallback>
+    <mc:Fallback xmlns="">
       <p:transition spd="slow"/>
     </mc:Fallback>
   </mc:AlternateContent>
+  <p:timing>
+    <p:tnLst>
+      <p:par>
+        <p:cTn id="1" dur="indefinite" restart="never" nodeType="tmRoot"/>
+      </p:par>
+    </p:tnLst>
+  </p:timing>
 </p:sld>
 </file>
 
@@ -26030,14 +26136,21 @@
   <p:clrMapOvr>
     <a:masterClrMapping/>
   </p:clrMapOvr>
-  <mc:AlternateContent xmlns:mc="http://schemas.openxmlformats.org/markup-compatibility/2006">
-    <mc:Choice xmlns:p14="http://schemas.microsoft.com/office/powerpoint/2010/main" Requires="p14">
+  <mc:AlternateContent xmlns:mc="http://schemas.openxmlformats.org/markup-compatibility/2006" xmlns:p14="http://schemas.microsoft.com/office/powerpoint/2010/main">
+    <mc:Choice Requires="p14">
       <p:transition spd="slow" p14:dur="2000"/>
     </mc:Choice>
-    <mc:Fallback>
+    <mc:Fallback xmlns="">
       <p:transition spd="slow"/>
     </mc:Fallback>
   </mc:AlternateContent>
+  <p:timing>
+    <p:tnLst>
+      <p:par>
+        <p:cTn id="1" dur="indefinite" restart="never" nodeType="tmRoot"/>
+      </p:par>
+    </p:tnLst>
+  </p:timing>
 </p:sld>
 </file>
 
@@ -26126,11 +26239,11 @@
   <p:clrMapOvr>
     <a:masterClrMapping/>
   </p:clrMapOvr>
-  <mc:AlternateContent xmlns:mc="http://schemas.openxmlformats.org/markup-compatibility/2006">
-    <mc:Choice xmlns:p14="http://schemas.microsoft.com/office/powerpoint/2010/main" Requires="p14">
+  <mc:AlternateContent xmlns:mc="http://schemas.openxmlformats.org/markup-compatibility/2006" xmlns:p14="http://schemas.microsoft.com/office/powerpoint/2010/main">
+    <mc:Choice Requires="p14">
       <p:transition spd="slow" p14:dur="2000"/>
     </mc:Choice>
-    <mc:Fallback>
+    <mc:Fallback xmlns="">
       <p:transition spd="slow"/>
     </mc:Fallback>
   </mc:AlternateContent>
@@ -26673,14 +26786,21 @@
   <p:clrMapOvr>
     <a:masterClrMapping/>
   </p:clrMapOvr>
-  <mc:AlternateContent xmlns:mc="http://schemas.openxmlformats.org/markup-compatibility/2006">
-    <mc:Choice xmlns:p14="http://schemas.microsoft.com/office/powerpoint/2010/main" Requires="p14">
+  <mc:AlternateContent xmlns:mc="http://schemas.openxmlformats.org/markup-compatibility/2006" xmlns:p14="http://schemas.microsoft.com/office/powerpoint/2010/main">
+    <mc:Choice Requires="p14">
       <p:transition spd="slow" p14:dur="2000"/>
     </mc:Choice>
-    <mc:Fallback>
+    <mc:Fallback xmlns="">
       <p:transition spd="slow"/>
     </mc:Fallback>
   </mc:AlternateContent>
+  <p:timing>
+    <p:tnLst>
+      <p:par>
+        <p:cTn id="1" dur="indefinite" restart="never" nodeType="tmRoot"/>
+      </p:par>
+    </p:tnLst>
+  </p:timing>
 </p:sld>
 </file>
 
@@ -26800,14 +26920,21 @@
   <p:clrMapOvr>
     <a:masterClrMapping/>
   </p:clrMapOvr>
-  <mc:AlternateContent xmlns:mc="http://schemas.openxmlformats.org/markup-compatibility/2006">
-    <mc:Choice xmlns:p14="http://schemas.microsoft.com/office/powerpoint/2010/main" Requires="p14">
+  <mc:AlternateContent xmlns:mc="http://schemas.openxmlformats.org/markup-compatibility/2006" xmlns:p14="http://schemas.microsoft.com/office/powerpoint/2010/main">
+    <mc:Choice Requires="p14">
       <p:transition spd="slow" p14:dur="2000"/>
     </mc:Choice>
-    <mc:Fallback>
+    <mc:Fallback xmlns="">
       <p:transition spd="slow"/>
     </mc:Fallback>
   </mc:AlternateContent>
+  <p:timing>
+    <p:tnLst>
+      <p:par>
+        <p:cTn id="1" dur="indefinite" restart="never" nodeType="tmRoot"/>
+      </p:par>
+    </p:tnLst>
+  </p:timing>
 </p:sld>
 </file>
 
@@ -26904,11 +27031,11 @@
   <p:clrMapOvr>
     <a:masterClrMapping/>
   </p:clrMapOvr>
-  <mc:AlternateContent xmlns:mc="http://schemas.openxmlformats.org/markup-compatibility/2006">
-    <mc:Choice xmlns:p14="http://schemas.microsoft.com/office/powerpoint/2010/main" Requires="p14">
+  <mc:AlternateContent xmlns:mc="http://schemas.openxmlformats.org/markup-compatibility/2006" xmlns:p14="http://schemas.microsoft.com/office/powerpoint/2010/main">
+    <mc:Choice Requires="p14">
       <p:transition spd="slow" p14:dur="2000"/>
     </mc:Choice>
-    <mc:Fallback>
+    <mc:Fallback xmlns="">
       <p:transition spd="slow"/>
     </mc:Fallback>
   </mc:AlternateContent>
@@ -27049,14 +27176,21 @@
   <p:clrMapOvr>
     <a:masterClrMapping/>
   </p:clrMapOvr>
-  <mc:AlternateContent xmlns:mc="http://schemas.openxmlformats.org/markup-compatibility/2006">
-    <mc:Choice xmlns:p14="http://schemas.microsoft.com/office/powerpoint/2010/main" Requires="p14">
+  <mc:AlternateContent xmlns:mc="http://schemas.openxmlformats.org/markup-compatibility/2006" xmlns:p14="http://schemas.microsoft.com/office/powerpoint/2010/main">
+    <mc:Choice Requires="p14">
       <p:transition spd="slow" p14:dur="2000"/>
     </mc:Choice>
-    <mc:Fallback>
+    <mc:Fallback xmlns="">
       <p:transition spd="slow"/>
     </mc:Fallback>
   </mc:AlternateContent>
+  <p:timing>
+    <p:tnLst>
+      <p:par>
+        <p:cTn id="1" dur="indefinite" restart="never" nodeType="tmRoot"/>
+      </p:par>
+    </p:tnLst>
+  </p:timing>
 </p:sld>
 </file>
 
@@ -27145,11 +27279,11 @@
   <p:clrMapOvr>
     <a:masterClrMapping/>
   </p:clrMapOvr>
-  <mc:AlternateContent xmlns:mc="http://schemas.openxmlformats.org/markup-compatibility/2006">
-    <mc:Choice xmlns:p14="http://schemas.microsoft.com/office/powerpoint/2010/main" Requires="p14">
+  <mc:AlternateContent xmlns:mc="http://schemas.openxmlformats.org/markup-compatibility/2006" xmlns:p14="http://schemas.microsoft.com/office/powerpoint/2010/main">
+    <mc:Choice Requires="p14">
       <p:transition spd="slow" p14:dur="2000"/>
     </mc:Choice>
-    <mc:Fallback>
+    <mc:Fallback xmlns="">
       <p:transition spd="slow"/>
     </mc:Fallback>
   </mc:AlternateContent>
@@ -27251,14 +27385,21 @@
   <p:clrMapOvr>
     <a:masterClrMapping/>
   </p:clrMapOvr>
-  <mc:AlternateContent xmlns:mc="http://schemas.openxmlformats.org/markup-compatibility/2006">
-    <mc:Choice xmlns:p14="http://schemas.microsoft.com/office/powerpoint/2010/main" Requires="p14">
+  <mc:AlternateContent xmlns:mc="http://schemas.openxmlformats.org/markup-compatibility/2006" xmlns:p14="http://schemas.microsoft.com/office/powerpoint/2010/main">
+    <mc:Choice Requires="p14">
       <p:transition spd="slow" p14:dur="2000"/>
     </mc:Choice>
-    <mc:Fallback>
+    <mc:Fallback xmlns="">
       <p:transition spd="slow"/>
     </mc:Fallback>
   </mc:AlternateContent>
+  <p:timing>
+    <p:tnLst>
+      <p:par>
+        <p:cTn id="1" dur="indefinite" restart="never" nodeType="tmRoot"/>
+      </p:par>
+    </p:tnLst>
+  </p:timing>
 </p:sld>
 </file>
 
@@ -28586,14 +28727,21 @@
   <p:clrMapOvr>
     <a:masterClrMapping/>
   </p:clrMapOvr>
-  <mc:AlternateContent xmlns:mc="http://schemas.openxmlformats.org/markup-compatibility/2006">
-    <mc:Choice xmlns:p14="http://schemas.microsoft.com/office/powerpoint/2010/main" Requires="p14">
+  <mc:AlternateContent xmlns:mc="http://schemas.openxmlformats.org/markup-compatibility/2006" xmlns:p14="http://schemas.microsoft.com/office/powerpoint/2010/main">
+    <mc:Choice Requires="p14">
       <p:transition spd="slow" p14:dur="2000"/>
     </mc:Choice>
-    <mc:Fallback>
+    <mc:Fallback xmlns="">
       <p:transition spd="slow"/>
     </mc:Fallback>
   </mc:AlternateContent>
+  <p:timing>
+    <p:tnLst>
+      <p:par>
+        <p:cTn id="1" dur="indefinite" restart="never" nodeType="tmRoot"/>
+      </p:par>
+    </p:tnLst>
+  </p:timing>
 </p:sld>
 </file>
 
@@ -28770,14 +28918,21 @@
   <p:clrMapOvr>
     <a:masterClrMapping/>
   </p:clrMapOvr>
-  <mc:AlternateContent xmlns:mc="http://schemas.openxmlformats.org/markup-compatibility/2006">
-    <mc:Choice xmlns:p14="http://schemas.microsoft.com/office/powerpoint/2010/main" Requires="p14">
+  <mc:AlternateContent xmlns:mc="http://schemas.openxmlformats.org/markup-compatibility/2006" xmlns:p14="http://schemas.microsoft.com/office/powerpoint/2010/main">
+    <mc:Choice Requires="p14">
       <p:transition spd="slow" p14:dur="2000"/>
     </mc:Choice>
-    <mc:Fallback>
+    <mc:Fallback xmlns="">
       <p:transition spd="slow"/>
     </mc:Fallback>
   </mc:AlternateContent>
+  <p:timing>
+    <p:tnLst>
+      <p:par>
+        <p:cTn id="1" dur="indefinite" restart="never" nodeType="tmRoot"/>
+      </p:par>
+    </p:tnLst>
+  </p:timing>
 </p:sld>
 </file>
 
@@ -30420,14 +30575,21 @@
   <p:clrMapOvr>
     <a:masterClrMapping/>
   </p:clrMapOvr>
-  <mc:AlternateContent xmlns:mc="http://schemas.openxmlformats.org/markup-compatibility/2006">
-    <mc:Choice xmlns:p14="http://schemas.microsoft.com/office/powerpoint/2010/main" Requires="p14">
+  <mc:AlternateContent xmlns:mc="http://schemas.openxmlformats.org/markup-compatibility/2006" xmlns:p14="http://schemas.microsoft.com/office/powerpoint/2010/main">
+    <mc:Choice Requires="p14">
       <p:transition spd="slow" p14:dur="2000"/>
     </mc:Choice>
-    <mc:Fallback>
+    <mc:Fallback xmlns="">
       <p:transition spd="slow"/>
     </mc:Fallback>
   </mc:AlternateContent>
+  <p:timing>
+    <p:tnLst>
+      <p:par>
+        <p:cTn id="1" dur="indefinite" restart="never" nodeType="tmRoot"/>
+      </p:par>
+    </p:tnLst>
+  </p:timing>
 </p:sld>
 </file>
 
@@ -30546,11 +30708,11 @@
   <p:clrMapOvr>
     <a:masterClrMapping/>
   </p:clrMapOvr>
-  <mc:AlternateContent xmlns:mc="http://schemas.openxmlformats.org/markup-compatibility/2006">
-    <mc:Choice xmlns:p14="http://schemas.microsoft.com/office/powerpoint/2010/main" Requires="p14">
+  <mc:AlternateContent xmlns:mc="http://schemas.openxmlformats.org/markup-compatibility/2006" xmlns:p14="http://schemas.microsoft.com/office/powerpoint/2010/main">
+    <mc:Choice Requires="p14">
       <p:transition spd="slow" p14:dur="2000"/>
     </mc:Choice>
-    <mc:Fallback>
+    <mc:Fallback xmlns="">
       <p:transition spd="slow"/>
     </mc:Fallback>
   </mc:AlternateContent>
@@ -31366,14 +31528,21 @@
   <p:clrMapOvr>
     <a:masterClrMapping/>
   </p:clrMapOvr>
-  <mc:AlternateContent xmlns:mc="http://schemas.openxmlformats.org/markup-compatibility/2006">
-    <mc:Choice xmlns:p14="http://schemas.microsoft.com/office/powerpoint/2010/main" Requires="p14">
+  <mc:AlternateContent xmlns:mc="http://schemas.openxmlformats.org/markup-compatibility/2006" xmlns:p14="http://schemas.microsoft.com/office/powerpoint/2010/main">
+    <mc:Choice Requires="p14">
       <p:transition spd="slow" p14:dur="2000"/>
     </mc:Choice>
-    <mc:Fallback>
+    <mc:Fallback xmlns="">
       <p:transition spd="slow"/>
     </mc:Fallback>
   </mc:AlternateContent>
+  <p:timing>
+    <p:tnLst>
+      <p:par>
+        <p:cTn id="1" dur="indefinite" restart="never" nodeType="tmRoot"/>
+      </p:par>
+    </p:tnLst>
+  </p:timing>
 </p:sld>
 </file>
 
@@ -31484,11 +31653,11 @@
   <p:clrMapOvr>
     <a:masterClrMapping/>
   </p:clrMapOvr>
-  <mc:AlternateContent xmlns:mc="http://schemas.openxmlformats.org/markup-compatibility/2006">
-    <mc:Choice xmlns:p14="http://schemas.microsoft.com/office/powerpoint/2010/main" Requires="p14">
+  <mc:AlternateContent xmlns:mc="http://schemas.openxmlformats.org/markup-compatibility/2006" xmlns:p14="http://schemas.microsoft.com/office/powerpoint/2010/main">
+    <mc:Choice Requires="p14">
       <p:transition spd="slow" p14:dur="2000"/>
     </mc:Choice>
-    <mc:Fallback>
+    <mc:Fallback xmlns="">
       <p:transition spd="slow"/>
     </mc:Fallback>
   </mc:AlternateContent>
@@ -31612,14 +31781,21 @@
   <p:clrMapOvr>
     <a:masterClrMapping/>
   </p:clrMapOvr>
-  <mc:AlternateContent xmlns:mc="http://schemas.openxmlformats.org/markup-compatibility/2006">
-    <mc:Choice xmlns:p14="http://schemas.microsoft.com/office/powerpoint/2010/main" Requires="p14">
+  <mc:AlternateContent xmlns:mc="http://schemas.openxmlformats.org/markup-compatibility/2006" xmlns:p14="http://schemas.microsoft.com/office/powerpoint/2010/main">
+    <mc:Choice Requires="p14">
       <p:transition spd="slow" p14:dur="2000"/>
     </mc:Choice>
-    <mc:Fallback>
+    <mc:Fallback xmlns="">
       <p:transition spd="slow"/>
     </mc:Fallback>
   </mc:AlternateContent>
+  <p:timing>
+    <p:tnLst>
+      <p:par>
+        <p:cTn id="1" dur="indefinite" restart="never" nodeType="tmRoot"/>
+      </p:par>
+    </p:tnLst>
+  </p:timing>
 </p:sld>
 </file>
 
@@ -31872,14 +32048,21 @@
   <p:clrMapOvr>
     <a:masterClrMapping/>
   </p:clrMapOvr>
-  <mc:AlternateContent xmlns:mc="http://schemas.openxmlformats.org/markup-compatibility/2006">
-    <mc:Choice xmlns:p14="http://schemas.microsoft.com/office/powerpoint/2010/main" Requires="p14">
+  <mc:AlternateContent xmlns:mc="http://schemas.openxmlformats.org/markup-compatibility/2006" xmlns:p14="http://schemas.microsoft.com/office/powerpoint/2010/main">
+    <mc:Choice Requires="p14">
       <p:transition spd="slow" p14:dur="2000"/>
     </mc:Choice>
-    <mc:Fallback>
+    <mc:Fallback xmlns="">
       <p:transition spd="slow"/>
     </mc:Fallback>
   </mc:AlternateContent>
+  <p:timing>
+    <p:tnLst>
+      <p:par>
+        <p:cTn id="1" dur="indefinite" restart="never" nodeType="tmRoot"/>
+      </p:par>
+    </p:tnLst>
+  </p:timing>
 </p:sld>
 </file>
 
@@ -32243,11 +32426,7 @@
             </a:r>
             <a:r>
               <a:rPr lang="bg-BG" dirty="0"/>
-              <a:t> </a:t>
-            </a:r>
-            <a:r>
-              <a:rPr lang="bg-BG" dirty="0"/>
-              <a:t>функция, която позволява контрол върху това какво да </a:t>
+              <a:t> функция, която позволява контрол върху това какво да </a:t>
             </a:r>
             <a:r>
               <a:rPr lang="bg-BG" dirty="0" smtClean="0"/>
@@ -32294,14 +32473,21 @@
   <p:clrMapOvr>
     <a:masterClrMapping/>
   </p:clrMapOvr>
-  <mc:AlternateContent xmlns:mc="http://schemas.openxmlformats.org/markup-compatibility/2006">
-    <mc:Choice xmlns:p14="http://schemas.microsoft.com/office/powerpoint/2010/main" Requires="p14">
+  <mc:AlternateContent xmlns:mc="http://schemas.openxmlformats.org/markup-compatibility/2006" xmlns:p14="http://schemas.microsoft.com/office/powerpoint/2010/main">
+    <mc:Choice Requires="p14">
       <p:transition spd="slow" p14:dur="2000"/>
     </mc:Choice>
-    <mc:Fallback>
+    <mc:Fallback xmlns="">
       <p:transition spd="slow"/>
     </mc:Fallback>
   </mc:AlternateContent>
+  <p:timing>
+    <p:tnLst>
+      <p:par>
+        <p:cTn id="1" dur="indefinite" restart="never" nodeType="tmRoot"/>
+      </p:par>
+    </p:tnLst>
+  </p:timing>
 </p:sld>
 </file>
 
@@ -33082,10 +33268,9 @@
           </a:p>
           <a:p>
             <a:r>
-              <a:rPr lang="en-US" sz="1600" dirty="0"/>
-              <a:t>});</a:t>
-            </a:r>
-            <a:endParaRPr lang="en-US" sz="1600" dirty="0" smtClean="0"/>
+              <a:rPr lang="en-US" sz="1600" dirty="0" smtClean="0"/>
+              <a:t>})(animal);</a:t>
+            </a:r>
           </a:p>
         </p:txBody>
       </p:sp>
@@ -33099,14 +33284,21 @@
   <p:clrMapOvr>
     <a:masterClrMapping/>
   </p:clrMapOvr>
-  <mc:AlternateContent xmlns:mc="http://schemas.openxmlformats.org/markup-compatibility/2006">
-    <mc:Choice xmlns:p14="http://schemas.microsoft.com/office/powerpoint/2010/main" Requires="p14">
+  <mc:AlternateContent xmlns:mc="http://schemas.openxmlformats.org/markup-compatibility/2006" xmlns:p14="http://schemas.microsoft.com/office/powerpoint/2010/main">
+    <mc:Choice Requires="p14">
       <p:transition spd="slow" p14:dur="2000"/>
     </mc:Choice>
-    <mc:Fallback>
+    <mc:Fallback xmlns="">
       <p:transition spd="slow"/>
     </mc:Fallback>
   </mc:AlternateContent>
+  <p:timing>
+    <p:tnLst>
+      <p:par>
+        <p:cTn id="1" dur="indefinite" restart="never" nodeType="tmRoot"/>
+      </p:par>
+    </p:tnLst>
+  </p:timing>
 </p:sld>
 </file>
 
@@ -33217,11 +33409,11 @@
   <p:clrMapOvr>
     <a:masterClrMapping/>
   </p:clrMapOvr>
-  <mc:AlternateContent xmlns:mc="http://schemas.openxmlformats.org/markup-compatibility/2006">
-    <mc:Choice xmlns:p14="http://schemas.microsoft.com/office/powerpoint/2010/main" Requires="p14">
+  <mc:AlternateContent xmlns:mc="http://schemas.openxmlformats.org/markup-compatibility/2006" xmlns:p14="http://schemas.microsoft.com/office/powerpoint/2010/main">
+    <mc:Choice Requires="p14">
       <p:transition spd="slow" p14:dur="2000"/>
     </mc:Choice>
-    <mc:Fallback>
+    <mc:Fallback xmlns="">
       <p:transition spd="slow"/>
     </mc:Fallback>
   </mc:AlternateContent>
@@ -33366,14 +33558,21 @@
   <p:clrMapOvr>
     <a:masterClrMapping/>
   </p:clrMapOvr>
-  <mc:AlternateContent xmlns:mc="http://schemas.openxmlformats.org/markup-compatibility/2006">
-    <mc:Choice xmlns:p14="http://schemas.microsoft.com/office/powerpoint/2010/main" Requires="p14">
+  <mc:AlternateContent xmlns:mc="http://schemas.openxmlformats.org/markup-compatibility/2006" xmlns:p14="http://schemas.microsoft.com/office/powerpoint/2010/main">
+    <mc:Choice Requires="p14">
       <p:transition spd="slow" p14:dur="2000"/>
     </mc:Choice>
-    <mc:Fallback>
+    <mc:Fallback xmlns="">
       <p:transition spd="slow"/>
     </mc:Fallback>
   </mc:AlternateContent>
+  <p:timing>
+    <p:tnLst>
+      <p:par>
+        <p:cTn id="1" dur="indefinite" restart="never" nodeType="tmRoot"/>
+      </p:par>
+    </p:tnLst>
+  </p:timing>
 </p:sld>
 </file>
 
@@ -33468,11 +33667,11 @@
   <p:clrMapOvr>
     <a:masterClrMapping/>
   </p:clrMapOvr>
-  <mc:AlternateContent xmlns:mc="http://schemas.openxmlformats.org/markup-compatibility/2006">
-    <mc:Choice xmlns:p14="http://schemas.microsoft.com/office/powerpoint/2010/main" Requires="p14">
+  <mc:AlternateContent xmlns:mc="http://schemas.openxmlformats.org/markup-compatibility/2006" xmlns:p14="http://schemas.microsoft.com/office/powerpoint/2010/main">
+    <mc:Choice Requires="p14">
       <p:transition spd="slow" p14:dur="2000"/>
     </mc:Choice>
-    <mc:Fallback>
+    <mc:Fallback xmlns="">
       <p:transition spd="slow"/>
     </mc:Fallback>
   </mc:AlternateContent>
@@ -33622,14 +33821,21 @@
   <p:clrMapOvr>
     <a:masterClrMapping/>
   </p:clrMapOvr>
-  <mc:AlternateContent xmlns:mc="http://schemas.openxmlformats.org/markup-compatibility/2006">
-    <mc:Choice xmlns:p14="http://schemas.microsoft.com/office/powerpoint/2010/main" Requires="p14">
+  <mc:AlternateContent xmlns:mc="http://schemas.openxmlformats.org/markup-compatibility/2006" xmlns:p14="http://schemas.microsoft.com/office/powerpoint/2010/main">
+    <mc:Choice Requires="p14">
       <p:transition spd="slow" p14:dur="2000"/>
     </mc:Choice>
-    <mc:Fallback>
+    <mc:Fallback xmlns="">
       <p:transition spd="slow"/>
     </mc:Fallback>
   </mc:AlternateContent>
+  <p:timing>
+    <p:tnLst>
+      <p:par>
+        <p:cTn id="1" dur="indefinite" restart="never" nodeType="tmRoot"/>
+      </p:par>
+    </p:tnLst>
+  </p:timing>
 </p:sld>
 </file>
 
@@ -33744,14 +33950,21 @@
   <p:clrMapOvr>
     <a:masterClrMapping/>
   </p:clrMapOvr>
-  <mc:AlternateContent xmlns:mc="http://schemas.openxmlformats.org/markup-compatibility/2006">
-    <mc:Choice xmlns:p14="http://schemas.microsoft.com/office/powerpoint/2010/main" Requires="p14">
+  <mc:AlternateContent xmlns:mc="http://schemas.openxmlformats.org/markup-compatibility/2006" xmlns:p14="http://schemas.microsoft.com/office/powerpoint/2010/main">
+    <mc:Choice Requires="p14">
       <p:transition spd="slow" p14:dur="2000"/>
     </mc:Choice>
-    <mc:Fallback>
+    <mc:Fallback xmlns="">
       <p:transition spd="slow"/>
     </mc:Fallback>
   </mc:AlternateContent>
+  <p:timing>
+    <p:tnLst>
+      <p:par>
+        <p:cTn id="1" dur="indefinite" restart="never" nodeType="tmRoot"/>
+      </p:par>
+    </p:tnLst>
+  </p:timing>
 </p:sld>
 </file>
 
@@ -34162,14 +34375,21 @@
   <p:clrMapOvr>
     <a:masterClrMapping/>
   </p:clrMapOvr>
-  <mc:AlternateContent xmlns:mc="http://schemas.openxmlformats.org/markup-compatibility/2006">
-    <mc:Choice xmlns:p14="http://schemas.microsoft.com/office/powerpoint/2010/main" Requires="p14">
+  <mc:AlternateContent xmlns:mc="http://schemas.openxmlformats.org/markup-compatibility/2006" xmlns:p14="http://schemas.microsoft.com/office/powerpoint/2010/main">
+    <mc:Choice Requires="p14">
       <p:transition spd="slow" p14:dur="2000"/>
     </mc:Choice>
-    <mc:Fallback>
+    <mc:Fallback xmlns="">
       <p:transition spd="slow"/>
     </mc:Fallback>
   </mc:AlternateContent>
+  <p:timing>
+    <p:tnLst>
+      <p:par>
+        <p:cTn id="1" dur="indefinite" restart="never" nodeType="tmRoot"/>
+      </p:par>
+    </p:tnLst>
+  </p:timing>
 </p:sld>
 </file>
 
@@ -34327,14 +34547,21 @@
   <p:clrMapOvr>
     <a:masterClrMapping/>
   </p:clrMapOvr>
-  <mc:AlternateContent xmlns:mc="http://schemas.openxmlformats.org/markup-compatibility/2006">
-    <mc:Choice xmlns:p14="http://schemas.microsoft.com/office/powerpoint/2010/main" Requires="p14">
+  <mc:AlternateContent xmlns:mc="http://schemas.openxmlformats.org/markup-compatibility/2006" xmlns:p14="http://schemas.microsoft.com/office/powerpoint/2010/main">
+    <mc:Choice Requires="p14">
       <p:transition spd="slow" p14:dur="2000"/>
     </mc:Choice>
-    <mc:Fallback>
+    <mc:Fallback xmlns="">
       <p:transition spd="slow"/>
     </mc:Fallback>
   </mc:AlternateContent>
+  <p:timing>
+    <p:tnLst>
+      <p:par>
+        <p:cTn id="1" dur="indefinite" restart="never" nodeType="tmRoot"/>
+      </p:par>
+    </p:tnLst>
+  </p:timing>
 </p:sld>
 </file>
 
@@ -34456,14 +34683,21 @@
   <p:clrMapOvr>
     <a:masterClrMapping/>
   </p:clrMapOvr>
-  <mc:AlternateContent xmlns:mc="http://schemas.openxmlformats.org/markup-compatibility/2006">
-    <mc:Choice xmlns:p14="http://schemas.microsoft.com/office/powerpoint/2010/main" Requires="p14">
+  <mc:AlternateContent xmlns:mc="http://schemas.openxmlformats.org/markup-compatibility/2006" xmlns:p14="http://schemas.microsoft.com/office/powerpoint/2010/main">
+    <mc:Choice Requires="p14">
       <p:transition spd="slow" p14:dur="2000"/>
     </mc:Choice>
-    <mc:Fallback>
+    <mc:Fallback xmlns="">
       <p:transition spd="slow"/>
     </mc:Fallback>
   </mc:AlternateContent>
+  <p:timing>
+    <p:tnLst>
+      <p:par>
+        <p:cTn id="1" dur="indefinite" restart="never" nodeType="tmRoot"/>
+      </p:par>
+    </p:tnLst>
+  </p:timing>
 </p:sld>
 </file>
 
@@ -34562,11 +34796,11 @@
   <p:clrMapOvr>
     <a:masterClrMapping/>
   </p:clrMapOvr>
-  <mc:AlternateContent xmlns:mc="http://schemas.openxmlformats.org/markup-compatibility/2006">
-    <mc:Choice xmlns:p14="http://schemas.microsoft.com/office/powerpoint/2010/main" Requires="p14">
+  <mc:AlternateContent xmlns:mc="http://schemas.openxmlformats.org/markup-compatibility/2006" xmlns:p14="http://schemas.microsoft.com/office/powerpoint/2010/main">
+    <mc:Choice Requires="p14">
       <p:transition spd="slow" p14:dur="2000"/>
     </mc:Choice>
-    <mc:Fallback>
+    <mc:Fallback xmlns="">
       <p:transition spd="slow"/>
     </mc:Fallback>
   </mc:AlternateContent>
@@ -35219,14 +35453,21 @@
   <p:clrMapOvr>
     <a:masterClrMapping/>
   </p:clrMapOvr>
-  <mc:AlternateContent xmlns:mc="http://schemas.openxmlformats.org/markup-compatibility/2006">
-    <mc:Choice xmlns:p14="http://schemas.microsoft.com/office/powerpoint/2010/main" Requires="p14">
+  <mc:AlternateContent xmlns:mc="http://schemas.openxmlformats.org/markup-compatibility/2006" xmlns:p14="http://schemas.microsoft.com/office/powerpoint/2010/main">
+    <mc:Choice Requires="p14">
       <p:transition spd="slow" p14:dur="2000"/>
     </mc:Choice>
-    <mc:Fallback>
+    <mc:Fallback xmlns="">
       <p:transition spd="slow"/>
     </mc:Fallback>
   </mc:AlternateContent>
+  <p:timing>
+    <p:tnLst>
+      <p:par>
+        <p:cTn id="1" dur="indefinite" restart="never" nodeType="tmRoot"/>
+      </p:par>
+    </p:tnLst>
+  </p:timing>
 </p:sld>
 </file>
 
@@ -35569,15 +35810,7 @@
           <a:p>
             <a:r>
               <a:rPr lang="en-US" sz="1800" dirty="0" smtClean="0"/>
-              <a:t>throw </a:t>
-            </a:r>
-            <a:r>
-              <a:rPr lang="en-US" sz="1800" dirty="0" smtClean="0"/>
-              <a:t>new Error(‘Name is too short’)</a:t>
-            </a:r>
-            <a:r>
-              <a:rPr lang="en-US" sz="1800" dirty="0" smtClean="0"/>
-              <a:t>;</a:t>
+              <a:t>throw new Error(‘Name is too short’);</a:t>
             </a:r>
           </a:p>
           <a:p>
@@ -35597,11 +35830,7 @@
           <a:p>
             <a:r>
               <a:rPr lang="en-US" sz="1800" dirty="0" smtClean="0"/>
-              <a:t>throw </a:t>
-            </a:r>
-            <a:r>
-              <a:rPr lang="en-US" sz="1800" dirty="0" smtClean="0"/>
-              <a:t>{ </a:t>
+              <a:t>throw { </a:t>
             </a:r>
             <a:r>
               <a:rPr lang="en-US" sz="1800" dirty="0" err="1" smtClean="0"/>
@@ -35633,14 +35862,21 @@
   <p:clrMapOvr>
     <a:masterClrMapping/>
   </p:clrMapOvr>
-  <mc:AlternateContent xmlns:mc="http://schemas.openxmlformats.org/markup-compatibility/2006">
-    <mc:Choice xmlns:p14="http://schemas.microsoft.com/office/powerpoint/2010/main" Requires="p14">
+  <mc:AlternateContent xmlns:mc="http://schemas.openxmlformats.org/markup-compatibility/2006" xmlns:p14="http://schemas.microsoft.com/office/powerpoint/2010/main">
+    <mc:Choice Requires="p14">
       <p:transition spd="slow" p14:dur="2000"/>
     </mc:Choice>
-    <mc:Fallback>
+    <mc:Fallback xmlns="">
       <p:transition spd="slow"/>
     </mc:Fallback>
   </mc:AlternateContent>
+  <p:timing>
+    <p:tnLst>
+      <p:par>
+        <p:cTn id="1" dur="indefinite" restart="never" nodeType="tmRoot"/>
+      </p:par>
+    </p:tnLst>
+  </p:timing>
 </p:sld>
 </file>
 
@@ -35735,11 +35971,11 @@
   <p:clrMapOvr>
     <a:masterClrMapping/>
   </p:clrMapOvr>
-  <mc:AlternateContent xmlns:mc="http://schemas.openxmlformats.org/markup-compatibility/2006">
-    <mc:Choice xmlns:p14="http://schemas.microsoft.com/office/powerpoint/2010/main" Requires="p14">
+  <mc:AlternateContent xmlns:mc="http://schemas.openxmlformats.org/markup-compatibility/2006" xmlns:p14="http://schemas.microsoft.com/office/powerpoint/2010/main">
+    <mc:Choice Requires="p14">
       <p:transition spd="slow" p14:dur="2000"/>
     </mc:Choice>
-    <mc:Fallback>
+    <mc:Fallback xmlns="">
       <p:transition spd="slow"/>
     </mc:Fallback>
   </mc:AlternateContent>
@@ -35864,14 +36100,21 @@
   <p:clrMapOvr>
     <a:masterClrMapping/>
   </p:clrMapOvr>
-  <mc:AlternateContent xmlns:mc="http://schemas.openxmlformats.org/markup-compatibility/2006">
-    <mc:Choice xmlns:p14="http://schemas.microsoft.com/office/powerpoint/2010/main" Requires="p14">
+  <mc:AlternateContent xmlns:mc="http://schemas.openxmlformats.org/markup-compatibility/2006" xmlns:p14="http://schemas.microsoft.com/office/powerpoint/2010/main">
+    <mc:Choice Requires="p14">
       <p:transition spd="slow" p14:dur="2000"/>
     </mc:Choice>
-    <mc:Fallback>
+    <mc:Fallback xmlns="">
       <p:transition spd="slow"/>
     </mc:Fallback>
   </mc:AlternateContent>
+  <p:timing>
+    <p:tnLst>
+      <p:par>
+        <p:cTn id="1" dur="indefinite" restart="never" nodeType="tmRoot"/>
+      </p:par>
+    </p:tnLst>
+  </p:timing>
 </p:sld>
 </file>
 
@@ -36014,14 +36257,21 @@
   <p:clrMapOvr>
     <a:masterClrMapping/>
   </p:clrMapOvr>
-  <mc:AlternateContent xmlns:mc="http://schemas.openxmlformats.org/markup-compatibility/2006">
-    <mc:Choice xmlns:p14="http://schemas.microsoft.com/office/powerpoint/2010/main" Requires="p14">
+  <mc:AlternateContent xmlns:mc="http://schemas.openxmlformats.org/markup-compatibility/2006" xmlns:p14="http://schemas.microsoft.com/office/powerpoint/2010/main">
+    <mc:Choice Requires="p14">
       <p:transition spd="slow" p14:dur="2000"/>
     </mc:Choice>
-    <mc:Fallback>
+    <mc:Fallback xmlns="">
       <p:transition spd="slow"/>
     </mc:Fallback>
   </mc:AlternateContent>
+  <p:timing>
+    <p:tnLst>
+      <p:par>
+        <p:cTn id="1" dur="indefinite" restart="never" nodeType="tmRoot"/>
+      </p:par>
+    </p:tnLst>
+  </p:timing>
 </p:sld>
 </file>
 
@@ -36070,7 +36320,6 @@
               <a:rPr lang="en-US" dirty="0"/>
               <a:t>EcmaScript2015</a:t>
             </a:r>
-            <a:endParaRPr lang="en-US" dirty="0"/>
           </a:p>
         </p:txBody>
       </p:sp>
@@ -36114,11 +36363,11 @@
   <p:clrMapOvr>
     <a:masterClrMapping/>
   </p:clrMapOvr>
-  <mc:AlternateContent xmlns:mc="http://schemas.openxmlformats.org/markup-compatibility/2006">
-    <mc:Choice xmlns:p14="http://schemas.microsoft.com/office/powerpoint/2010/main" Requires="p14">
+  <mc:AlternateContent xmlns:mc="http://schemas.openxmlformats.org/markup-compatibility/2006" xmlns:p14="http://schemas.microsoft.com/office/powerpoint/2010/main">
+    <mc:Choice Requires="p14">
       <p:transition spd="slow" p14:dur="2000"/>
     </mc:Choice>
-    <mc:Fallback>
+    <mc:Fallback xmlns="">
       <p:transition spd="slow"/>
     </mc:Fallback>
   </mc:AlternateContent>
@@ -36188,11 +36437,11 @@
   <p:clrMapOvr>
     <a:masterClrMapping/>
   </p:clrMapOvr>
-  <mc:AlternateContent xmlns:mc="http://schemas.openxmlformats.org/markup-compatibility/2006">
-    <mc:Choice xmlns:p14="http://schemas.microsoft.com/office/powerpoint/2010/main" Requires="p14">
+  <mc:AlternateContent xmlns:mc="http://schemas.openxmlformats.org/markup-compatibility/2006" xmlns:p14="http://schemas.microsoft.com/office/powerpoint/2010/main">
+    <mc:Choice Requires="p14">
       <p:transition spd="slow" p14:dur="2000"/>
     </mc:Choice>
-    <mc:Fallback>
+    <mc:Fallback xmlns="">
       <p:transition spd="slow"/>
     </mc:Fallback>
   </mc:AlternateContent>
@@ -36347,11 +36596,11 @@
   <p:clrMapOvr>
     <a:masterClrMapping/>
   </p:clrMapOvr>
-  <mc:AlternateContent xmlns:mc="http://schemas.openxmlformats.org/markup-compatibility/2006">
-    <mc:Choice xmlns:p14="http://schemas.microsoft.com/office/powerpoint/2010/main" Requires="p14">
+  <mc:AlternateContent xmlns:mc="http://schemas.openxmlformats.org/markup-compatibility/2006" xmlns:p14="http://schemas.microsoft.com/office/powerpoint/2010/main">
+    <mc:Choice Requires="p14">
       <p:transition spd="slow" p14:dur="2000"/>
     </mc:Choice>
-    <mc:Fallback>
+    <mc:Fallback xmlns="">
       <p:transition spd="slow"/>
     </mc:Fallback>
   </mc:AlternateContent>
@@ -36494,14 +36743,21 @@
   <p:clrMapOvr>
     <a:masterClrMapping/>
   </p:clrMapOvr>
-  <mc:AlternateContent xmlns:mc="http://schemas.openxmlformats.org/markup-compatibility/2006">
-    <mc:Choice xmlns:p14="http://schemas.microsoft.com/office/powerpoint/2010/main" Requires="p14">
+  <mc:AlternateContent xmlns:mc="http://schemas.openxmlformats.org/markup-compatibility/2006" xmlns:p14="http://schemas.microsoft.com/office/powerpoint/2010/main">
+    <mc:Choice Requires="p14">
       <p:transition spd="slow" p14:dur="2000"/>
     </mc:Choice>
-    <mc:Fallback>
+    <mc:Fallback xmlns="">
       <p:transition spd="slow"/>
     </mc:Fallback>
   </mc:AlternateContent>
+  <p:timing>
+    <p:tnLst>
+      <p:par>
+        <p:cTn id="1" dur="indefinite" restart="never" nodeType="tmRoot"/>
+      </p:par>
+    </p:tnLst>
+  </p:timing>
 </p:sld>
 </file>
 
@@ -36619,14 +36875,21 @@
   <p:clrMapOvr>
     <a:masterClrMapping/>
   </p:clrMapOvr>
-  <mc:AlternateContent xmlns:mc="http://schemas.openxmlformats.org/markup-compatibility/2006">
-    <mc:Choice xmlns:p14="http://schemas.microsoft.com/office/powerpoint/2010/main" Requires="p14">
+  <mc:AlternateContent xmlns:mc="http://schemas.openxmlformats.org/markup-compatibility/2006" xmlns:p14="http://schemas.microsoft.com/office/powerpoint/2010/main">
+    <mc:Choice Requires="p14">
       <p:transition spd="slow" p14:dur="2000"/>
     </mc:Choice>
-    <mc:Fallback>
+    <mc:Fallback xmlns="">
       <p:transition spd="slow"/>
     </mc:Fallback>
   </mc:AlternateContent>
+  <p:timing>
+    <p:tnLst>
+      <p:par>
+        <p:cTn id="1" dur="indefinite" restart="never" nodeType="tmRoot"/>
+      </p:par>
+    </p:tnLst>
+  </p:timing>
 </p:sld>
 </file>
 
@@ -36956,14 +37219,21 @@
   <p:clrMapOvr>
     <a:masterClrMapping/>
   </p:clrMapOvr>
-  <mc:AlternateContent xmlns:mc="http://schemas.openxmlformats.org/markup-compatibility/2006">
-    <mc:Choice xmlns:p14="http://schemas.microsoft.com/office/powerpoint/2010/main" Requires="p14">
+  <mc:AlternateContent xmlns:mc="http://schemas.openxmlformats.org/markup-compatibility/2006" xmlns:p14="http://schemas.microsoft.com/office/powerpoint/2010/main">
+    <mc:Choice Requires="p14">
       <p:transition spd="slow" p14:dur="2000"/>
     </mc:Choice>
-    <mc:Fallback>
+    <mc:Fallback xmlns="">
       <p:transition spd="slow"/>
     </mc:Fallback>
   </mc:AlternateContent>
+  <p:timing>
+    <p:tnLst>
+      <p:par>
+        <p:cTn id="1" dur="indefinite" restart="never" nodeType="tmRoot"/>
+      </p:par>
+    </p:tnLst>
+  </p:timing>
 </p:sld>
 </file>
 
@@ -37111,14 +37381,21 @@
   <p:clrMapOvr>
     <a:masterClrMapping/>
   </p:clrMapOvr>
-  <mc:AlternateContent xmlns:mc="http://schemas.openxmlformats.org/markup-compatibility/2006">
-    <mc:Choice xmlns:p14="http://schemas.microsoft.com/office/powerpoint/2010/main" Requires="p14">
+  <mc:AlternateContent xmlns:mc="http://schemas.openxmlformats.org/markup-compatibility/2006" xmlns:p14="http://schemas.microsoft.com/office/powerpoint/2010/main">
+    <mc:Choice Requires="p14">
       <p:transition spd="slow" p14:dur="2000"/>
     </mc:Choice>
-    <mc:Fallback>
+    <mc:Fallback xmlns="">
       <p:transition spd="slow"/>
     </mc:Fallback>
   </mc:AlternateContent>
+  <p:timing>
+    <p:tnLst>
+      <p:par>
+        <p:cTn id="1" dur="indefinite" restart="never" nodeType="tmRoot"/>
+      </p:par>
+    </p:tnLst>
+  </p:timing>
 </p:sld>
 </file>
 
